--- a/Intro.pptx
+++ b/Intro.pptx
@@ -5,7 +5,7 @@
     <p:sldMasterId id="2147483648" r:id="rId1"/>
   </p:sldMasterIdLst>
   <p:notesMasterIdLst>
-    <p:notesMasterId r:id="rId19"/>
+    <p:notesMasterId r:id="rId33"/>
   </p:notesMasterIdLst>
   <p:sldIdLst>
     <p:sldId id="256" r:id="rId2"/>
@@ -16,15 +16,29 @@
     <p:sldId id="264" r:id="rId7"/>
     <p:sldId id="260" r:id="rId8"/>
     <p:sldId id="268" r:id="rId9"/>
-    <p:sldId id="272" r:id="rId10"/>
-    <p:sldId id="269" r:id="rId11"/>
-    <p:sldId id="261" r:id="rId12"/>
-    <p:sldId id="270" r:id="rId13"/>
-    <p:sldId id="271" r:id="rId14"/>
-    <p:sldId id="262" r:id="rId15"/>
-    <p:sldId id="263" r:id="rId16"/>
-    <p:sldId id="266" r:id="rId17"/>
-    <p:sldId id="267" r:id="rId18"/>
+    <p:sldId id="275" r:id="rId10"/>
+    <p:sldId id="277" r:id="rId11"/>
+    <p:sldId id="279" r:id="rId12"/>
+    <p:sldId id="276" r:id="rId13"/>
+    <p:sldId id="282" r:id="rId14"/>
+    <p:sldId id="283" r:id="rId15"/>
+    <p:sldId id="281" r:id="rId16"/>
+    <p:sldId id="285" r:id="rId17"/>
+    <p:sldId id="286" r:id="rId18"/>
+    <p:sldId id="288" r:id="rId19"/>
+    <p:sldId id="287" r:id="rId20"/>
+    <p:sldId id="289" r:id="rId21"/>
+    <p:sldId id="272" r:id="rId22"/>
+    <p:sldId id="261" r:id="rId23"/>
+    <p:sldId id="270" r:id="rId24"/>
+    <p:sldId id="271" r:id="rId25"/>
+    <p:sldId id="290" r:id="rId26"/>
+    <p:sldId id="274" r:id="rId27"/>
+    <p:sldId id="273" r:id="rId28"/>
+    <p:sldId id="262" r:id="rId29"/>
+    <p:sldId id="263" r:id="rId30"/>
+    <p:sldId id="266" r:id="rId31"/>
+    <p:sldId id="267" r:id="rId32"/>
   </p:sldIdLst>
   <p:sldSz cx="12192000" cy="6858000"/>
   <p:notesSz cx="6858000" cy="9144000"/>
@@ -4480,7 +4494,7 @@
           <a:p>
             <a:fld id="{6315994C-DD30-4E43-B3D3-FD8225D233B5}" type="datetimeFigureOut">
               <a:rPr lang="en-US" smtClean="0"/>
-              <a:t>9/7/2020</a:t>
+              <a:t>9/12/2020</a:t>
             </a:fld>
             <a:endParaRPr lang="en-US"/>
           </a:p>
@@ -5411,7 +5425,7 @@
           <a:p>
             <a:fld id="{80A97930-A983-4E03-8DD5-7F4A82E27569}" type="slidenum">
               <a:rPr lang="en-US" smtClean="0"/>
-              <a:t>11</a:t>
+              <a:t>22</a:t>
             </a:fld>
             <a:endParaRPr lang="en-US"/>
           </a:p>
@@ -5495,7 +5509,7 @@
           <a:p>
             <a:fld id="{80A97930-A983-4E03-8DD5-7F4A82E27569}" type="slidenum">
               <a:rPr lang="en-US" smtClean="0"/>
-              <a:t>15</a:t>
+              <a:t>29</a:t>
             </a:fld>
             <a:endParaRPr lang="en-US"/>
           </a:p>
@@ -5582,7 +5596,7 @@
           <a:p>
             <a:fld id="{80A97930-A983-4E03-8DD5-7F4A82E27569}" type="slidenum">
               <a:rPr lang="en-US" smtClean="0"/>
-              <a:t>17</a:t>
+              <a:t>31</a:t>
             </a:fld>
             <a:endParaRPr lang="en-US"/>
           </a:p>
@@ -5748,7 +5762,7 @@
           <a:p>
             <a:fld id="{458389C9-C49E-4A2B-B675-A98BD14A26DC}" type="datetimeFigureOut">
               <a:rPr lang="en-US" smtClean="0"/>
-              <a:t>9/7/2020</a:t>
+              <a:t>9/12/2020</a:t>
             </a:fld>
             <a:endParaRPr lang="en-US"/>
           </a:p>
@@ -5946,7 +5960,7 @@
           <a:p>
             <a:fld id="{458389C9-C49E-4A2B-B675-A98BD14A26DC}" type="datetimeFigureOut">
               <a:rPr lang="en-US" smtClean="0"/>
-              <a:t>9/7/2020</a:t>
+              <a:t>9/12/2020</a:t>
             </a:fld>
             <a:endParaRPr lang="en-US"/>
           </a:p>
@@ -6154,7 +6168,7 @@
           <a:p>
             <a:fld id="{458389C9-C49E-4A2B-B675-A98BD14A26DC}" type="datetimeFigureOut">
               <a:rPr lang="en-US" smtClean="0"/>
-              <a:t>9/7/2020</a:t>
+              <a:t>9/12/2020</a:t>
             </a:fld>
             <a:endParaRPr lang="en-US"/>
           </a:p>
@@ -6352,7 +6366,7 @@
           <a:p>
             <a:fld id="{458389C9-C49E-4A2B-B675-A98BD14A26DC}" type="datetimeFigureOut">
               <a:rPr lang="en-US" smtClean="0"/>
-              <a:t>9/7/2020</a:t>
+              <a:t>9/12/2020</a:t>
             </a:fld>
             <a:endParaRPr lang="en-US"/>
           </a:p>
@@ -6627,7 +6641,7 @@
           <a:p>
             <a:fld id="{458389C9-C49E-4A2B-B675-A98BD14A26DC}" type="datetimeFigureOut">
               <a:rPr lang="en-US" smtClean="0"/>
-              <a:t>9/7/2020</a:t>
+              <a:t>9/12/2020</a:t>
             </a:fld>
             <a:endParaRPr lang="en-US"/>
           </a:p>
@@ -6892,7 +6906,7 @@
           <a:p>
             <a:fld id="{458389C9-C49E-4A2B-B675-A98BD14A26DC}" type="datetimeFigureOut">
               <a:rPr lang="en-US" smtClean="0"/>
-              <a:t>9/7/2020</a:t>
+              <a:t>9/12/2020</a:t>
             </a:fld>
             <a:endParaRPr lang="en-US"/>
           </a:p>
@@ -7304,7 +7318,7 @@
           <a:p>
             <a:fld id="{458389C9-C49E-4A2B-B675-A98BD14A26DC}" type="datetimeFigureOut">
               <a:rPr lang="en-US" smtClean="0"/>
-              <a:t>9/7/2020</a:t>
+              <a:t>9/12/2020</a:t>
             </a:fld>
             <a:endParaRPr lang="en-US"/>
           </a:p>
@@ -7445,7 +7459,7 @@
           <a:p>
             <a:fld id="{458389C9-C49E-4A2B-B675-A98BD14A26DC}" type="datetimeFigureOut">
               <a:rPr lang="en-US" smtClean="0"/>
-              <a:t>9/7/2020</a:t>
+              <a:t>9/12/2020</a:t>
             </a:fld>
             <a:endParaRPr lang="en-US"/>
           </a:p>
@@ -7558,7 +7572,7 @@
           <a:p>
             <a:fld id="{458389C9-C49E-4A2B-B675-A98BD14A26DC}" type="datetimeFigureOut">
               <a:rPr lang="en-US" smtClean="0"/>
-              <a:t>9/7/2020</a:t>
+              <a:t>9/12/2020</a:t>
             </a:fld>
             <a:endParaRPr lang="en-US"/>
           </a:p>
@@ -7869,7 +7883,7 @@
           <a:p>
             <a:fld id="{458389C9-C49E-4A2B-B675-A98BD14A26DC}" type="datetimeFigureOut">
               <a:rPr lang="en-US" smtClean="0"/>
-              <a:t>9/7/2020</a:t>
+              <a:t>9/12/2020</a:t>
             </a:fld>
             <a:endParaRPr lang="en-US"/>
           </a:p>
@@ -8157,7 +8171,7 @@
           <a:p>
             <a:fld id="{458389C9-C49E-4A2B-B675-A98BD14A26DC}" type="datetimeFigureOut">
               <a:rPr lang="en-US" smtClean="0"/>
-              <a:t>9/7/2020</a:t>
+              <a:t>9/12/2020</a:t>
             </a:fld>
             <a:endParaRPr lang="en-US"/>
           </a:p>
@@ -8398,7 +8412,7 @@
           <a:p>
             <a:fld id="{458389C9-C49E-4A2B-B675-A98BD14A26DC}" type="datetimeFigureOut">
               <a:rPr lang="en-US" smtClean="0"/>
-              <a:t>9/7/2020</a:t>
+              <a:t>9/12/2020</a:t>
             </a:fld>
             <a:endParaRPr lang="en-US"/>
           </a:p>
@@ -8903,7 +8917,7 @@
           <p:cNvPr id="2" name="Title 1">
             <a:extLst>
               <a:ext uri="{FF2B5EF4-FFF2-40B4-BE49-F238E27FC236}">
-                <a16:creationId xmlns:a16="http://schemas.microsoft.com/office/drawing/2014/main" id="{5BF1CDE2-B95D-4D0A-8452-1B3AEDFD64BD}"/>
+                <a16:creationId xmlns:a16="http://schemas.microsoft.com/office/drawing/2014/main" id="{DE9BE244-FFEC-4ECA-8950-68928C79164D}"/>
               </a:ext>
             </a:extLst>
           </p:cNvPr>
@@ -8921,15 +8935,7 @@
           <a:p>
             <a:r>
               <a:rPr lang="en-US" dirty="0"/>
-              <a:t>Demo 3: </a:t>
-            </a:r>
-            <a:r>
-              <a:rPr lang="en-US" dirty="0" err="1"/>
-              <a:t>vscode</a:t>
-            </a:r>
-            <a:r>
-              <a:rPr lang="en-US" dirty="0"/>
-              <a:t> environment (optional)</a:t>
+              <a:t>Data types</a:t>
             </a:r>
           </a:p>
         </p:txBody>
@@ -8939,7 +8945,7 @@
           <p:cNvPr id="3" name="Content Placeholder 2">
             <a:extLst>
               <a:ext uri="{FF2B5EF4-FFF2-40B4-BE49-F238E27FC236}">
-                <a16:creationId xmlns:a16="http://schemas.microsoft.com/office/drawing/2014/main" id="{443C40A2-401C-486E-B0F4-942D907332C8}"/>
+                <a16:creationId xmlns:a16="http://schemas.microsoft.com/office/drawing/2014/main" id="{D9D0EE8C-DFA9-4B25-B6FB-69753AFBE8A7}"/>
               </a:ext>
             </a:extLst>
           </p:cNvPr>
@@ -8952,17 +8958,82 @@
         </p:nvSpPr>
         <p:spPr/>
         <p:txBody>
-          <a:bodyPr/>
+          <a:bodyPr>
+            <a:normAutofit lnSpcReduction="10000"/>
+          </a:bodyPr>
           <a:lstStyle/>
           <a:p>
-            <a:endParaRPr lang="en-US"/>
+            <a:r>
+              <a:rPr lang="en-US" dirty="0"/>
+              <a:t>Numeric</a:t>
+            </a:r>
+          </a:p>
+          <a:p>
+            <a:pPr lvl="1"/>
+            <a:r>
+              <a:rPr lang="en-US" dirty="0"/>
+              <a:t>float, e.g. 23.3</a:t>
+            </a:r>
+          </a:p>
+          <a:p>
+            <a:pPr lvl="1"/>
+            <a:r>
+              <a:rPr lang="en-US" dirty="0"/>
+              <a:t>int, e.g. 23</a:t>
+            </a:r>
+          </a:p>
+          <a:p>
+            <a:r>
+              <a:rPr lang="en-US" dirty="0"/>
+              <a:t>Boolean</a:t>
+            </a:r>
+          </a:p>
+          <a:p>
+            <a:pPr lvl="1"/>
+            <a:r>
+              <a:rPr lang="en-US" dirty="0"/>
+              <a:t>True / False</a:t>
+            </a:r>
+          </a:p>
+          <a:p>
+            <a:r>
+              <a:rPr lang="en-US" dirty="0"/>
+              <a:t>Support arithmetic / logic calculation and ordering</a:t>
+            </a:r>
+          </a:p>
+          <a:p>
+            <a:pPr lvl="1"/>
+            <a:r>
+              <a:rPr lang="en-US" dirty="0"/>
+              <a:t>True is not False -&gt; True</a:t>
+            </a:r>
+          </a:p>
+          <a:p>
+            <a:pPr lvl="1"/>
+            <a:r>
+              <a:rPr lang="en-US" dirty="0"/>
+              <a:t>3 + 4.5 -&gt; 7.5</a:t>
+            </a:r>
+          </a:p>
+          <a:p>
+            <a:pPr lvl="1"/>
+            <a:r>
+              <a:rPr lang="en-US" dirty="0"/>
+              <a:t>4 &gt; 3 -&gt; True</a:t>
+            </a:r>
+          </a:p>
+          <a:p>
+            <a:r>
+              <a:rPr lang="en-US" dirty="0"/>
+              <a:t>Default to int32 and float32 at assignment</a:t>
+            </a:r>
           </a:p>
         </p:txBody>
       </p:sp>
     </p:spTree>
     <p:extLst>
       <p:ext uri="{BB962C8B-B14F-4D97-AF65-F5344CB8AC3E}">
-        <p14:creationId xmlns:p14="http://schemas.microsoft.com/office/powerpoint/2010/main" val="1674018283"/>
+        <p14:creationId xmlns:p14="http://schemas.microsoft.com/office/powerpoint/2010/main" val="2912541991"/>
       </p:ext>
     </p:extLst>
   </p:cSld>
@@ -8994,7 +9065,7 @@
           <p:cNvPr id="2" name="Title 1">
             <a:extLst>
               <a:ext uri="{FF2B5EF4-FFF2-40B4-BE49-F238E27FC236}">
-                <a16:creationId xmlns:a16="http://schemas.microsoft.com/office/drawing/2014/main" id="{816850B7-4BA1-4905-A5C3-B6A52BD6CF34}"/>
+                <a16:creationId xmlns:a16="http://schemas.microsoft.com/office/drawing/2014/main" id="{DE9BE244-FFEC-4ECA-8950-68928C79164D}"/>
               </a:ext>
             </a:extLst>
           </p:cNvPr>
@@ -9012,7 +9083,7 @@
           <a:p>
             <a:r>
               <a:rPr lang="en-US" dirty="0"/>
-              <a:t>Coding Style</a:t>
+              <a:t>Data types</a:t>
             </a:r>
           </a:p>
         </p:txBody>
@@ -9022,7 +9093,7 @@
           <p:cNvPr id="3" name="Content Placeholder 2">
             <a:extLst>
               <a:ext uri="{FF2B5EF4-FFF2-40B4-BE49-F238E27FC236}">
-                <a16:creationId xmlns:a16="http://schemas.microsoft.com/office/drawing/2014/main" id="{063579EA-14DB-4B04-B802-78C38A70BEF1}"/>
+                <a16:creationId xmlns:a16="http://schemas.microsoft.com/office/drawing/2014/main" id="{D9D0EE8C-DFA9-4B25-B6FB-69753AFBE8A7}"/>
               </a:ext>
             </a:extLst>
           </p:cNvPr>
@@ -9036,105 +9107,81 @@
         <p:spPr/>
         <p:txBody>
           <a:bodyPr>
-            <a:normAutofit fontScale="92500" lnSpcReduction="10000"/>
+            <a:normAutofit lnSpcReduction="10000"/>
           </a:bodyPr>
           <a:lstStyle/>
           <a:p>
             <a:r>
               <a:rPr lang="en-US" dirty="0"/>
-              <a:t>Prefer most straightforward code easy to understand</a:t>
-            </a:r>
-          </a:p>
-          <a:p>
-            <a:r>
-              <a:rPr lang="en-US" dirty="0"/>
-              <a:t>One statement per line</a:t>
-            </a:r>
-          </a:p>
-          <a:p>
-            <a:r>
-              <a:rPr lang="en-US" dirty="0"/>
-              <a:t>Maximum 79 characters per line</a:t>
-            </a:r>
-          </a:p>
-          <a:p>
-            <a:r>
-              <a:rPr lang="en-US" dirty="0"/>
-              <a:t>Import packages at the beginning</a:t>
-            </a:r>
-          </a:p>
-          <a:p>
-            <a:r>
-              <a:rPr lang="en-US" dirty="0"/>
-              <a:t>Use NOTES / TODOs in comments</a:t>
-            </a:r>
-          </a:p>
-          <a:p>
-            <a:pPr marL="0" indent="0">
-              <a:buNone/>
-            </a:pPr>
-            <a:endParaRPr lang="en-US" dirty="0"/>
-          </a:p>
-          <a:p>
-            <a:pPr marL="0" indent="0">
-              <a:buNone/>
-            </a:pPr>
-            <a:r>
-              <a:rPr lang="en-US" sz="1200" dirty="0"/>
-              <a:t>Refs:</a:t>
-            </a:r>
-          </a:p>
-          <a:p>
-            <a:r>
-              <a:rPr lang="en-US" sz="1200" dirty="0">
-                <a:hlinkClick r:id="rId3"/>
-              </a:rPr>
-              <a:t>Simple guide</a:t>
-            </a:r>
-            <a:r>
-              <a:rPr lang="en-US" sz="1200" dirty="0"/>
-              <a:t> </a:t>
-            </a:r>
-          </a:p>
-          <a:p>
-            <a:r>
-              <a:rPr lang="en-US" sz="1200" dirty="0"/>
-              <a:t>https://docs.python-guide.org/writing/style/</a:t>
-            </a:r>
-          </a:p>
-          <a:p>
-            <a:r>
-              <a:rPr lang="en-US" sz="1200" dirty="0">
-                <a:hlinkClick r:id="rId4"/>
-              </a:rPr>
-              <a:t>Python official style guide</a:t>
-            </a:r>
-            <a:endParaRPr lang="en-US" sz="1200" dirty="0"/>
-          </a:p>
-          <a:p>
-            <a:r>
-              <a:rPr lang="en-US" sz="1200" dirty="0">
-                <a:hlinkClick r:id="rId5"/>
-              </a:rPr>
-              <a:t>Google’s naming guide</a:t>
-            </a:r>
-            <a:endParaRPr lang="en-US" sz="1200" dirty="0"/>
-          </a:p>
-          <a:p>
-            <a:r>
-              <a:rPr lang="en-US" sz="1200" dirty="0"/>
-              <a:t>https://www.python.org/dev/peps/pep-0020/</a:t>
-            </a:r>
-          </a:p>
-          <a:p>
-            <a:endParaRPr lang="en-US" dirty="0"/>
+              <a:t>Numeric</a:t>
+            </a:r>
+          </a:p>
+          <a:p>
+            <a:pPr lvl="1"/>
+            <a:r>
+              <a:rPr lang="en-US" dirty="0"/>
+              <a:t>float, e.g. 23.3</a:t>
+            </a:r>
+          </a:p>
+          <a:p>
+            <a:pPr lvl="1"/>
+            <a:r>
+              <a:rPr lang="en-US" dirty="0"/>
+              <a:t>int, e.g. 23</a:t>
+            </a:r>
+          </a:p>
+          <a:p>
+            <a:r>
+              <a:rPr lang="en-US" dirty="0"/>
+              <a:t>Boolean</a:t>
+            </a:r>
+          </a:p>
+          <a:p>
+            <a:pPr lvl="1"/>
+            <a:r>
+              <a:rPr lang="en-US" dirty="0"/>
+              <a:t>True / False</a:t>
+            </a:r>
+          </a:p>
+          <a:p>
+            <a:r>
+              <a:rPr lang="en-US" dirty="0"/>
+              <a:t>Support arithmetic / logic calculation and ordering</a:t>
+            </a:r>
+          </a:p>
+          <a:p>
+            <a:pPr lvl="1"/>
+            <a:r>
+              <a:rPr lang="en-US" dirty="0"/>
+              <a:t>True is not False -&gt; True</a:t>
+            </a:r>
+          </a:p>
+          <a:p>
+            <a:pPr lvl="1"/>
+            <a:r>
+              <a:rPr lang="en-US" dirty="0"/>
+              <a:t>3 + 4.5 -&gt; 7.5</a:t>
+            </a:r>
+          </a:p>
+          <a:p>
+            <a:pPr lvl="1"/>
+            <a:r>
+              <a:rPr lang="en-US" dirty="0"/>
+              <a:t>4 &gt; 3 -&gt; True</a:t>
+            </a:r>
+          </a:p>
+          <a:p>
+            <a:r>
+              <a:rPr lang="en-US" dirty="0"/>
+              <a:t>Default to int32 and float32 at assignment</a:t>
+            </a:r>
           </a:p>
         </p:txBody>
       </p:sp>
     </p:spTree>
     <p:extLst>
       <p:ext uri="{BB962C8B-B14F-4D97-AF65-F5344CB8AC3E}">
-        <p14:creationId xmlns:p14="http://schemas.microsoft.com/office/powerpoint/2010/main" val="1639702585"/>
+        <p14:creationId xmlns:p14="http://schemas.microsoft.com/office/powerpoint/2010/main" val="3331116562"/>
       </p:ext>
     </p:extLst>
   </p:cSld>
@@ -9166,7 +9213,7 @@
           <p:cNvPr id="2" name="Title 1">
             <a:extLst>
               <a:ext uri="{FF2B5EF4-FFF2-40B4-BE49-F238E27FC236}">
-                <a16:creationId xmlns:a16="http://schemas.microsoft.com/office/drawing/2014/main" id="{DEADC6C3-4E7A-4EDF-9E7E-11AEAE3DFD1F}"/>
+                <a16:creationId xmlns:a16="http://schemas.microsoft.com/office/drawing/2014/main" id="{DE9BE244-FFEC-4ECA-8950-68928C79164D}"/>
               </a:ext>
             </a:extLst>
           </p:cNvPr>
@@ -9184,7 +9231,7 @@
           <a:p>
             <a:r>
               <a:rPr lang="en-US" dirty="0"/>
-              <a:t>Coding Style: naming conventions</a:t>
+              <a:t>Data types</a:t>
             </a:r>
           </a:p>
         </p:txBody>
@@ -9194,7 +9241,7 @@
           <p:cNvPr id="3" name="Content Placeholder 2">
             <a:extLst>
               <a:ext uri="{FF2B5EF4-FFF2-40B4-BE49-F238E27FC236}">
-                <a16:creationId xmlns:a16="http://schemas.microsoft.com/office/drawing/2014/main" id="{B64BB292-C949-4905-A19A-0532145D4F09}"/>
+                <a16:creationId xmlns:a16="http://schemas.microsoft.com/office/drawing/2014/main" id="{D9D0EE8C-DFA9-4B25-B6FB-69753AFBE8A7}"/>
               </a:ext>
             </a:extLst>
           </p:cNvPr>
@@ -9214,73 +9261,69 @@
           <a:p>
             <a:r>
               <a:rPr lang="en-US" dirty="0"/>
-              <a:t>Python is case sensitive</a:t>
-            </a:r>
-          </a:p>
-          <a:p>
-            <a:r>
-              <a:rPr lang="en-US" dirty="0"/>
-              <a:t>Meaningful names, easier to remember / reference</a:t>
+              <a:t>Sequence</a:t>
             </a:r>
           </a:p>
           <a:p>
             <a:pPr lvl="1"/>
             <a:r>
-              <a:rPr lang="en-US" dirty="0" err="1"/>
-              <a:t>group_mean</a:t>
-            </a:r>
-            <a:r>
-              <a:rPr lang="en-US" dirty="0"/>
-              <a:t> better than m</a:t>
-            </a:r>
-          </a:p>
-          <a:p>
-            <a:r>
-              <a:rPr lang="en-US" dirty="0" err="1"/>
-              <a:t>less_important_variable</a:t>
-            </a:r>
+              <a:rPr lang="en-US" dirty="0"/>
+              <a:t>string, e.g. ‘to be or not to be…’</a:t>
+            </a:r>
+          </a:p>
+          <a:p>
+            <a:pPr lvl="1"/>
+            <a:r>
+              <a:rPr lang="en-US" dirty="0"/>
+              <a:t>list, e.g. [23, ‘red’, False, [45, ‘a’, None]]</a:t>
+            </a:r>
+          </a:p>
+          <a:p>
+            <a:pPr lvl="1"/>
+            <a:r>
+              <a:rPr lang="en-US" dirty="0"/>
+              <a:t>tuple, e.g. (7,8)</a:t>
+            </a:r>
+          </a:p>
+          <a:p>
+            <a:r>
+              <a:rPr lang="en-US" dirty="0"/>
+              <a:t>Sequences are ordered collections and can be accessed via zero based indexing</a:t>
+            </a:r>
+          </a:p>
+          <a:p>
+            <a:pPr lvl="1"/>
+            <a:r>
+              <a:rPr lang="en-US" dirty="0"/>
+              <a:t>[23, ‘red’, False, [45, ‘a’, None]][0] -&gt; 23</a:t>
+            </a:r>
+          </a:p>
+          <a:p>
+            <a:pPr lvl="1"/>
+            <a:r>
+              <a:rPr lang="en-US" dirty="0"/>
+              <a:t>(7,8)[1] -&gt; 7</a:t>
+            </a:r>
+          </a:p>
+          <a:p>
+            <a:pPr lvl="1"/>
+            <a:r>
+              <a:rPr lang="en-US" dirty="0"/>
+              <a:t>‘to be or not to be…’[-1] -&gt; ‘.’</a:t>
+            </a:r>
+          </a:p>
+          <a:p>
+            <a:pPr marL="0" indent="0">
+              <a:buNone/>
+            </a:pPr>
             <a:endParaRPr lang="en-US" dirty="0"/>
-          </a:p>
-          <a:p>
-            <a:pPr lvl="1"/>
-            <a:r>
-              <a:rPr lang="en-US" dirty="0"/>
-              <a:t>modules, packages, methods, functions</a:t>
-            </a:r>
-          </a:p>
-          <a:p>
-            <a:r>
-              <a:rPr lang="en-US" dirty="0" err="1"/>
-              <a:t>MoreImportantVariable</a:t>
-            </a:r>
-            <a:endParaRPr lang="en-US" dirty="0"/>
-          </a:p>
-          <a:p>
-            <a:pPr lvl="1"/>
-            <a:r>
-              <a:rPr lang="en-US" dirty="0"/>
-              <a:t>exceptions, classes</a:t>
-            </a:r>
-          </a:p>
-          <a:p>
-            <a:r>
-              <a:rPr lang="en-US" dirty="0"/>
-              <a:t>GOD_THIS_IS_SERIOUS</a:t>
-            </a:r>
-          </a:p>
-          <a:p>
-            <a:pPr lvl="1"/>
-            <a:r>
-              <a:rPr lang="en-US" dirty="0"/>
-              <a:t>global constants</a:t>
-            </a:r>
           </a:p>
         </p:txBody>
       </p:sp>
     </p:spTree>
     <p:extLst>
       <p:ext uri="{BB962C8B-B14F-4D97-AF65-F5344CB8AC3E}">
-        <p14:creationId xmlns:p14="http://schemas.microsoft.com/office/powerpoint/2010/main" val="1470083538"/>
+        <p14:creationId xmlns:p14="http://schemas.microsoft.com/office/powerpoint/2010/main" val="1969693401"/>
       </p:ext>
     </p:extLst>
   </p:cSld>
@@ -9312,7 +9355,7 @@
           <p:cNvPr id="2" name="Title 1">
             <a:extLst>
               <a:ext uri="{FF2B5EF4-FFF2-40B4-BE49-F238E27FC236}">
-                <a16:creationId xmlns:a16="http://schemas.microsoft.com/office/drawing/2014/main" id="{DEADC6C3-4E7A-4EDF-9E7E-11AEAE3DFD1F}"/>
+                <a16:creationId xmlns:a16="http://schemas.microsoft.com/office/drawing/2014/main" id="{DE9BE244-FFEC-4ECA-8950-68928C79164D}"/>
               </a:ext>
             </a:extLst>
           </p:cNvPr>
@@ -9330,13 +9373,8 @@
           <a:p>
             <a:r>
               <a:rPr lang="en-US" dirty="0"/>
-              <a:t>Coding Style: </a:t>
-            </a:r>
-            <a:r>
-              <a:rPr lang="en-US" dirty="0" err="1"/>
-              <a:t>whitespacing</a:t>
-            </a:r>
-            <a:endParaRPr lang="en-US" dirty="0"/>
+              <a:t>Data types</a:t>
+            </a:r>
           </a:p>
         </p:txBody>
       </p:sp>
@@ -9345,7 +9383,7 @@
           <p:cNvPr id="3" name="Content Placeholder 2">
             <a:extLst>
               <a:ext uri="{FF2B5EF4-FFF2-40B4-BE49-F238E27FC236}">
-                <a16:creationId xmlns:a16="http://schemas.microsoft.com/office/drawing/2014/main" id="{B64BB292-C949-4905-A19A-0532145D4F09}"/>
+                <a16:creationId xmlns:a16="http://schemas.microsoft.com/office/drawing/2014/main" id="{D9D0EE8C-DFA9-4B25-B6FB-69753AFBE8A7}"/>
               </a:ext>
             </a:extLst>
           </p:cNvPr>
@@ -9365,15 +9403,77 @@
           <a:p>
             <a:r>
               <a:rPr lang="en-US" dirty="0"/>
-              <a:t>Use 4 spaces for indentation</a:t>
-            </a:r>
+              <a:t>Sequence supports some of the arithmetical calculation but meaning might be changed</a:t>
+            </a:r>
+          </a:p>
+          <a:p>
+            <a:pPr lvl="1"/>
+            <a:r>
+              <a:rPr lang="en-US" dirty="0"/>
+              <a:t>[2,3] + [4] -&gt; [2,3,4]  </a:t>
+            </a:r>
+          </a:p>
+          <a:p>
+            <a:pPr lvl="1"/>
+            <a:r>
+              <a:rPr lang="en-US" dirty="0"/>
+              <a:t>‘</a:t>
+            </a:r>
+            <a:r>
+              <a:rPr lang="en-US" dirty="0" err="1"/>
+              <a:t>abc</a:t>
+            </a:r>
+            <a:r>
+              <a:rPr lang="en-US" dirty="0"/>
+              <a:t>’ + ‘def’ -&gt; ‘</a:t>
+            </a:r>
+            <a:r>
+              <a:rPr lang="en-US" dirty="0" err="1"/>
+              <a:t>abcdef</a:t>
+            </a:r>
+            <a:r>
+              <a:rPr lang="en-US" dirty="0"/>
+              <a:t>’</a:t>
+            </a:r>
+          </a:p>
+          <a:p>
+            <a:r>
+              <a:rPr lang="en-US" dirty="0"/>
+              <a:t>String and tuple don’t support item assignment</a:t>
+            </a:r>
+          </a:p>
+          <a:p>
+            <a:r>
+              <a:rPr lang="en-US" dirty="0"/>
+              <a:t>Tuple does support mixed element types but practically it’s not advised. Use list instead</a:t>
+            </a:r>
+          </a:p>
+          <a:p>
+            <a:r>
+              <a:rPr lang="en-US" dirty="0"/>
+              <a:t>If used purely for mathematical calculations then </a:t>
+            </a:r>
+            <a:r>
+              <a:rPr lang="en-US" dirty="0" err="1"/>
+              <a:t>numpy.array</a:t>
+            </a:r>
+            <a:r>
+              <a:rPr lang="en-US" dirty="0"/>
+              <a:t> might be better choice than list</a:t>
+            </a:r>
+          </a:p>
+          <a:p>
+            <a:endParaRPr lang="en-US" dirty="0"/>
+          </a:p>
+          <a:p>
+            <a:endParaRPr lang="en-US" dirty="0"/>
           </a:p>
         </p:txBody>
       </p:sp>
     </p:spTree>
     <p:extLst>
       <p:ext uri="{BB962C8B-B14F-4D97-AF65-F5344CB8AC3E}">
-        <p14:creationId xmlns:p14="http://schemas.microsoft.com/office/powerpoint/2010/main" val="544379489"/>
+        <p14:creationId xmlns:p14="http://schemas.microsoft.com/office/powerpoint/2010/main" val="392198045"/>
       </p:ext>
     </p:extLst>
   </p:cSld>
@@ -9405,7 +9505,7 @@
           <p:cNvPr id="2" name="Title 1">
             <a:extLst>
               <a:ext uri="{FF2B5EF4-FFF2-40B4-BE49-F238E27FC236}">
-                <a16:creationId xmlns:a16="http://schemas.microsoft.com/office/drawing/2014/main" id="{628DA4BB-2B70-4BBC-9FA6-529F55EB4CAB}"/>
+                <a16:creationId xmlns:a16="http://schemas.microsoft.com/office/drawing/2014/main" id="{DE9BE244-FFEC-4ECA-8950-68928C79164D}"/>
               </a:ext>
             </a:extLst>
           </p:cNvPr>
@@ -9423,7 +9523,7 @@
           <a:p>
             <a:r>
               <a:rPr lang="en-US" dirty="0"/>
-              <a:t>Third Q: how to organize</a:t>
+              <a:t>Data types</a:t>
             </a:r>
           </a:p>
         </p:txBody>
@@ -9433,7 +9533,7 @@
           <p:cNvPr id="3" name="Content Placeholder 2">
             <a:extLst>
               <a:ext uri="{FF2B5EF4-FFF2-40B4-BE49-F238E27FC236}">
-                <a16:creationId xmlns:a16="http://schemas.microsoft.com/office/drawing/2014/main" id="{6D19C171-1CD5-40BE-B072-C101A4542C5C}"/>
+                <a16:creationId xmlns:a16="http://schemas.microsoft.com/office/drawing/2014/main" id="{D9D0EE8C-DFA9-4B25-B6FB-69753AFBE8A7}"/>
               </a:ext>
             </a:extLst>
           </p:cNvPr>
@@ -9452,61 +9552,87 @@
           <a:lstStyle/>
           <a:p>
             <a:r>
-              <a:rPr lang="en-CA" dirty="0"/>
-              <a:t>Rational</a:t>
+              <a:rPr lang="en-US" dirty="0"/>
+              <a:t>Dictionary</a:t>
             </a:r>
           </a:p>
           <a:p>
             <a:pPr lvl="1"/>
             <a:r>
-              <a:rPr lang="en-CA" dirty="0"/>
-              <a:t>Reuse script</a:t>
+              <a:rPr lang="en-US" dirty="0"/>
+              <a:t>E.g. {‘cat’: ‘meow’, ‘dog’: ‘woof’} </a:t>
             </a:r>
           </a:p>
           <a:p>
             <a:pPr lvl="1"/>
             <a:r>
-              <a:rPr lang="en-CA" dirty="0"/>
-              <a:t>Separate exploration .</a:t>
-            </a:r>
-            <a:r>
-              <a:rPr lang="en-CA" dirty="0" err="1"/>
-              <a:t>ipynb</a:t>
-            </a:r>
-            <a:r>
-              <a:rPr lang="en-CA" dirty="0"/>
-              <a:t> and production .</a:t>
-            </a:r>
-            <a:r>
-              <a:rPr lang="en-CA" dirty="0" err="1"/>
-              <a:t>py</a:t>
-            </a:r>
-            <a:endParaRPr lang="en-CA" dirty="0"/>
+              <a:rPr lang="en-US" dirty="0"/>
+              <a:t>No ordering, key must be unique</a:t>
+            </a:r>
           </a:p>
           <a:p>
             <a:pPr lvl="1"/>
             <a:r>
-              <a:rPr lang="en-CA" dirty="0"/>
-              <a:t>Enable collaboration</a:t>
-            </a:r>
-          </a:p>
-          <a:p>
-            <a:r>
-              <a:rPr lang="en-CA" dirty="0"/>
-              <a:t>See demo</a:t>
-            </a:r>
-          </a:p>
-          <a:p>
-            <a:r>
-              <a:rPr lang="en-CA" dirty="0"/>
-              <a:t>Read more </a:t>
-            </a:r>
-            <a:r>
-              <a:rPr lang="en-CA" dirty="0">
-                <a:hlinkClick r:id="rId2"/>
-              </a:rPr>
-              <a:t>here</a:t>
-            </a:r>
+              <a:rPr lang="en-US" dirty="0"/>
+              <a:t>Faster to locate the value than list indexing</a:t>
+            </a:r>
+          </a:p>
+          <a:p>
+            <a:pPr lvl="1"/>
+            <a:r>
+              <a:rPr lang="en-US" dirty="0"/>
+              <a:t>Use key to refer the value</a:t>
+            </a:r>
+          </a:p>
+          <a:p>
+            <a:pPr marL="914400" lvl="2" indent="0">
+              <a:buNone/>
+            </a:pPr>
+            <a:r>
+              <a:rPr lang="en-US" dirty="0"/>
+              <a:t>{‘cat’: ‘meow’, ‘dog’: ‘woof’}[‘cat’] -&gt; ‘meow’</a:t>
+            </a:r>
+          </a:p>
+          <a:p>
+            <a:pPr lvl="1"/>
+            <a:r>
+              <a:rPr lang="en-US" dirty="0"/>
+              <a:t>Add key value pair by assignment</a:t>
+            </a:r>
+          </a:p>
+          <a:p>
+            <a:pPr marL="457200" lvl="1" indent="0">
+              <a:buNone/>
+            </a:pPr>
+            <a:r>
+              <a:rPr lang="en-US" dirty="0"/>
+              <a:t>	a = {‘cat’: ‘meow’, ‘dog’: ‘woof’}</a:t>
+            </a:r>
+          </a:p>
+          <a:p>
+            <a:pPr marL="457200" lvl="1" indent="0">
+              <a:buNone/>
+            </a:pPr>
+            <a:r>
+              <a:rPr lang="en-US" dirty="0"/>
+              <a:t>	a[‘sheep’] = ‘baa’</a:t>
+            </a:r>
+          </a:p>
+          <a:p>
+            <a:pPr marL="457200" lvl="1" indent="0">
+              <a:buNone/>
+            </a:pPr>
+            <a:r>
+              <a:rPr lang="en-US" dirty="0"/>
+              <a:t>	a -&gt; {‘cat’: ‘meow’, ‘dog’: ‘woof’, ‘sheep’: ‘baa’}</a:t>
+            </a:r>
+          </a:p>
+          <a:p>
+            <a:pPr lvl="2"/>
+            <a:endParaRPr lang="en-US" dirty="0"/>
+          </a:p>
+          <a:p>
+            <a:pPr lvl="2"/>
             <a:endParaRPr lang="en-US" dirty="0"/>
           </a:p>
         </p:txBody>
@@ -9514,7 +9640,7 @@
     </p:spTree>
     <p:extLst>
       <p:ext uri="{BB962C8B-B14F-4D97-AF65-F5344CB8AC3E}">
-        <p14:creationId xmlns:p14="http://schemas.microsoft.com/office/powerpoint/2010/main" val="3036273913"/>
+        <p14:creationId xmlns:p14="http://schemas.microsoft.com/office/powerpoint/2010/main" val="2859320347"/>
       </p:ext>
     </p:extLst>
   </p:cSld>
@@ -9546,7 +9672,7 @@
           <p:cNvPr id="2" name="Title 1">
             <a:extLst>
               <a:ext uri="{FF2B5EF4-FFF2-40B4-BE49-F238E27FC236}">
-                <a16:creationId xmlns:a16="http://schemas.microsoft.com/office/drawing/2014/main" id="{24E89011-B896-4B6E-BF6D-6CB66D233028}"/>
+                <a16:creationId xmlns:a16="http://schemas.microsoft.com/office/drawing/2014/main" id="{DE9BE244-FFEC-4ECA-8950-68928C79164D}"/>
               </a:ext>
             </a:extLst>
           </p:cNvPr>
@@ -9564,7 +9690,7 @@
           <a:p>
             <a:r>
               <a:rPr lang="en-US" dirty="0"/>
-              <a:t>Fourth Q: where to get help</a:t>
+              <a:t>Data types</a:t>
             </a:r>
           </a:p>
         </p:txBody>
@@ -9574,7 +9700,7 @@
           <p:cNvPr id="3" name="Content Placeholder 2">
             <a:extLst>
               <a:ext uri="{FF2B5EF4-FFF2-40B4-BE49-F238E27FC236}">
-                <a16:creationId xmlns:a16="http://schemas.microsoft.com/office/drawing/2014/main" id="{B86E7860-4F0A-411E-A86F-61B93D34774D}"/>
+                <a16:creationId xmlns:a16="http://schemas.microsoft.com/office/drawing/2014/main" id="{D9D0EE8C-DFA9-4B25-B6FB-69753AFBE8A7}"/>
               </a:ext>
             </a:extLst>
           </p:cNvPr>
@@ -9587,66 +9713,59 @@
         </p:nvSpPr>
         <p:spPr/>
         <p:txBody>
-          <a:bodyPr/>
+          <a:bodyPr>
+            <a:normAutofit/>
+          </a:bodyPr>
           <a:lstStyle/>
           <a:p>
             <a:r>
-              <a:rPr lang="en-US" dirty="0"/>
-              <a:t>Google to get the right keyword</a:t>
-            </a:r>
-          </a:p>
-          <a:p>
-            <a:r>
-              <a:rPr lang="en-US" dirty="0"/>
-              <a:t>Official documentation / </a:t>
-            </a:r>
-            <a:r>
               <a:rPr lang="en-US" dirty="0" err="1"/>
-              <a:t>github</a:t>
-            </a:r>
-            <a:r>
-              <a:rPr lang="en-US" dirty="0"/>
-              <a:t> repo</a:t>
-            </a:r>
-          </a:p>
-          <a:p>
-            <a:r>
-              <a:rPr lang="en-US" dirty="0" err="1"/>
-              <a:t>Stackoverflow</a:t>
-            </a:r>
-            <a:endParaRPr lang="en-US" dirty="0"/>
-          </a:p>
-          <a:p>
-            <a:r>
-              <a:rPr lang="en-US" dirty="0"/>
-              <a:t>Medium</a:t>
-            </a:r>
-          </a:p>
-          <a:p>
-            <a:r>
-              <a:rPr lang="en-US" dirty="0"/>
-              <a:t>Kaggle</a:t>
-            </a:r>
-          </a:p>
-          <a:p>
-            <a:r>
-              <a:rPr lang="en-US" dirty="0"/>
-              <a:t>Paper(s)</a:t>
-            </a:r>
-          </a:p>
-          <a:p>
-            <a:r>
-              <a:rPr lang="en-US" dirty="0"/>
-              <a:t>…</a:t>
-            </a:r>
-          </a:p>
-          <a:p>
-            <a:r>
-              <a:rPr lang="en-US" dirty="0"/>
-              <a:t>Human beings</a:t>
-            </a:r>
-          </a:p>
-          <a:p>
+              <a:t>NoneType</a:t>
+            </a:r>
+            <a:r>
+              <a:rPr lang="en-US" dirty="0"/>
+              <a:t>: None</a:t>
+            </a:r>
+          </a:p>
+          <a:p>
+            <a:pPr lvl="1"/>
+            <a:r>
+              <a:rPr lang="en-US" dirty="0"/>
+              <a:t>Denoting missing values / objects (not covered)</a:t>
+            </a:r>
+          </a:p>
+          <a:p>
+            <a:pPr lvl="1"/>
+            <a:r>
+              <a:rPr lang="en-US" dirty="0"/>
+              <a:t>None is not the same with anything else</a:t>
+            </a:r>
+          </a:p>
+          <a:p>
+            <a:pPr lvl="1"/>
+            <a:r>
+              <a:rPr lang="en-US" dirty="0"/>
+              <a:t>No data type assigned need to infer, based on data and code</a:t>
+            </a:r>
+          </a:p>
+          <a:p>
+            <a:pPr lvl="2"/>
+            <a:r>
+              <a:rPr lang="en-US" dirty="0"/>
+              <a:t>E.g. [6, None, 8] -&gt; probably an int missing value</a:t>
+            </a:r>
+          </a:p>
+          <a:p>
+            <a:pPr lvl="2"/>
+            <a:r>
+              <a:rPr lang="en-US" dirty="0"/>
+              <a:t>caveat: [6, ‘a’, False, None] -&gt; impossible</a:t>
+            </a:r>
+          </a:p>
+          <a:p>
+            <a:pPr marL="0" indent="0">
+              <a:buNone/>
+            </a:pPr>
             <a:endParaRPr lang="en-US" dirty="0"/>
           </a:p>
         </p:txBody>
@@ -9654,7 +9773,7 @@
     </p:spTree>
     <p:extLst>
       <p:ext uri="{BB962C8B-B14F-4D97-AF65-F5344CB8AC3E}">
-        <p14:creationId xmlns:p14="http://schemas.microsoft.com/office/powerpoint/2010/main" val="1911179738"/>
+        <p14:creationId xmlns:p14="http://schemas.microsoft.com/office/powerpoint/2010/main" val="2153589241"/>
       </p:ext>
     </p:extLst>
   </p:cSld>
@@ -9686,7 +9805,7 @@
           <p:cNvPr id="2" name="Title 1">
             <a:extLst>
               <a:ext uri="{FF2B5EF4-FFF2-40B4-BE49-F238E27FC236}">
-                <a16:creationId xmlns:a16="http://schemas.microsoft.com/office/drawing/2014/main" id="{63110015-E64F-4BBB-97BC-BD74EB25D792}"/>
+                <a16:creationId xmlns:a16="http://schemas.microsoft.com/office/drawing/2014/main" id="{A3660A1D-7A19-4D49-855B-50BA5DCBA150}"/>
               </a:ext>
             </a:extLst>
           </p:cNvPr>
@@ -9704,17 +9823,17 @@
           <a:p>
             <a:r>
               <a:rPr lang="en-US" dirty="0"/>
-              <a:t>Before we part…</a:t>
-            </a:r>
-          </a:p>
-        </p:txBody>
-      </p:sp>
-      <p:sp>
-        <p:nvSpPr>
-          <p:cNvPr id="4" name="Content Placeholder 3">
+              <a:t>Control Flow</a:t>
+            </a:r>
+          </a:p>
+        </p:txBody>
+      </p:sp>
+      <p:sp>
+        <p:nvSpPr>
+          <p:cNvPr id="3" name="Content Placeholder 2">
             <a:extLst>
               <a:ext uri="{FF2B5EF4-FFF2-40B4-BE49-F238E27FC236}">
-                <a16:creationId xmlns:a16="http://schemas.microsoft.com/office/drawing/2014/main" id="{4EF57F46-8818-4909-BF04-709799219FBA}"/>
+                <a16:creationId xmlns:a16="http://schemas.microsoft.com/office/drawing/2014/main" id="{90A4BBA8-2C32-4379-B885-2318B2D5BE09}"/>
               </a:ext>
             </a:extLst>
           </p:cNvPr>
@@ -9731,31 +9850,86 @@
           <a:lstStyle/>
           <a:p>
             <a:r>
-              <a:rPr lang="en-US" sz="3200" dirty="0">
-                <a:hlinkClick r:id="rId2"/>
-              </a:rPr>
-              <a:t>If CS textbook authors were to write arithmetic books</a:t>
-            </a:r>
-            <a:endParaRPr lang="en-US" sz="3200" dirty="0"/>
-          </a:p>
-          <a:p>
-            <a:r>
-              <a:rPr lang="en-US" sz="3200" dirty="0"/>
-              <a:t>consider giving similar speech after graduation</a:t>
-            </a:r>
-          </a:p>
-          <a:p>
-            <a:r>
-              <a:rPr lang="en-US" sz="3200" dirty="0"/>
-              <a:t>Check the links on the slides (and maybe around them)</a:t>
-            </a:r>
+              <a:rPr lang="en-US" dirty="0"/>
+              <a:t>indentation indicates control structure block of code belongs to</a:t>
+            </a:r>
+          </a:p>
+          <a:p>
+            <a:pPr marL="457200" lvl="1" indent="0">
+              <a:buNone/>
+            </a:pPr>
+            <a:r>
+              <a:rPr lang="en-US" dirty="0"/>
+              <a:t>if &lt;condition 1&gt;:</a:t>
+            </a:r>
+          </a:p>
+          <a:p>
+            <a:pPr marL="457200" lvl="1" indent="0">
+              <a:buNone/>
+            </a:pPr>
+            <a:r>
+              <a:rPr lang="en-US" dirty="0"/>
+              <a:t>	&lt;statement 1&gt;</a:t>
+            </a:r>
+          </a:p>
+          <a:p>
+            <a:pPr marL="457200" lvl="1" indent="0">
+              <a:buNone/>
+            </a:pPr>
+            <a:r>
+              <a:rPr lang="en-US" dirty="0" err="1"/>
+              <a:t>elif</a:t>
+            </a:r>
+            <a:r>
+              <a:rPr lang="en-US" dirty="0"/>
+              <a:t> &lt;condition 2&gt;:</a:t>
+            </a:r>
+          </a:p>
+          <a:p>
+            <a:pPr marL="457200" lvl="1" indent="0">
+              <a:buNone/>
+            </a:pPr>
+            <a:r>
+              <a:rPr lang="en-US" dirty="0"/>
+              <a:t>	&lt;statement 2&gt;</a:t>
+            </a:r>
+          </a:p>
+          <a:p>
+            <a:pPr marL="457200" lvl="1" indent="0">
+              <a:buNone/>
+            </a:pPr>
+            <a:r>
+              <a:rPr lang="en-US" dirty="0"/>
+              <a:t>else:</a:t>
+            </a:r>
+          </a:p>
+          <a:p>
+            <a:pPr marL="457200" lvl="1" indent="0">
+              <a:buNone/>
+            </a:pPr>
+            <a:r>
+              <a:rPr lang="en-US" dirty="0"/>
+              <a:t>	&lt;statement 3&gt;</a:t>
+            </a:r>
+          </a:p>
+          <a:p>
+            <a:r>
+              <a:rPr lang="en-US" dirty="0"/>
+              <a:t>Python will not go through all the condition clauses, unit test is needed for debugging	</a:t>
+            </a:r>
+          </a:p>
+          <a:p>
+            <a:pPr marL="0" indent="0">
+              <a:buNone/>
+            </a:pPr>
+            <a:endParaRPr lang="en-US" dirty="0"/>
           </a:p>
         </p:txBody>
       </p:sp>
     </p:spTree>
     <p:extLst>
       <p:ext uri="{BB962C8B-B14F-4D97-AF65-F5344CB8AC3E}">
-        <p14:creationId xmlns:p14="http://schemas.microsoft.com/office/powerpoint/2010/main" val="420670896"/>
+        <p14:creationId xmlns:p14="http://schemas.microsoft.com/office/powerpoint/2010/main" val="108057072"/>
       </p:ext>
     </p:extLst>
   </p:cSld>
@@ -9787,7 +9961,7 @@
           <p:cNvPr id="2" name="Title 1">
             <a:extLst>
               <a:ext uri="{FF2B5EF4-FFF2-40B4-BE49-F238E27FC236}">
-                <a16:creationId xmlns:a16="http://schemas.microsoft.com/office/drawing/2014/main" id="{04365A58-2B72-415E-881D-F83E7E857462}"/>
+                <a16:creationId xmlns:a16="http://schemas.microsoft.com/office/drawing/2014/main" id="{7B4B3AFF-243C-467A-99C2-3A3ED6F4471B}"/>
               </a:ext>
             </a:extLst>
           </p:cNvPr>
@@ -9805,7 +9979,7 @@
           <a:p>
             <a:r>
               <a:rPr lang="en-US" dirty="0"/>
-              <a:t>Congratulations!</a:t>
+              <a:t>Control Flow</a:t>
             </a:r>
           </a:p>
         </p:txBody>
@@ -9815,7 +9989,7 @@
           <p:cNvPr id="3" name="Content Placeholder 2">
             <a:extLst>
               <a:ext uri="{FF2B5EF4-FFF2-40B4-BE49-F238E27FC236}">
-                <a16:creationId xmlns:a16="http://schemas.microsoft.com/office/drawing/2014/main" id="{F4B4FE40-60FD-412A-8EE6-C95780B622AA}"/>
+                <a16:creationId xmlns:a16="http://schemas.microsoft.com/office/drawing/2014/main" id="{1AD468CC-5520-4AD2-BE95-EAED4B6D391F}"/>
               </a:ext>
             </a:extLst>
           </p:cNvPr>
@@ -9833,22 +10007,31 @@
           <a:p>
             <a:r>
               <a:rPr lang="en-US" dirty="0"/>
-              <a:t>Smart decision to advance study when economy is down</a:t>
-            </a:r>
-          </a:p>
-          <a:p>
-            <a:r>
-              <a:rPr lang="en-US" dirty="0"/>
-              <a:t>AI / data analysis is interesting in itself</a:t>
-            </a:r>
-          </a:p>
-          <a:p>
-            <a:r>
-              <a:rPr lang="en-US" dirty="0"/>
-              <a:t>Start of semester, or even change of environment</a:t>
-            </a:r>
-          </a:p>
-          <a:p>
+              <a:t>While and for keywords are used for loop</a:t>
+            </a:r>
+          </a:p>
+          <a:p>
+            <a:r>
+              <a:rPr lang="en-US" dirty="0"/>
+              <a:t>Each step in the loop is called iteration</a:t>
+            </a:r>
+          </a:p>
+          <a:p>
+            <a:r>
+              <a:rPr lang="en-US" dirty="0"/>
+              <a:t>Iterator is the variable that allows the loop move to next iteration</a:t>
+            </a:r>
+          </a:p>
+          <a:p>
+            <a:pPr marL="0" indent="0">
+              <a:buNone/>
+            </a:pPr>
+            <a:endParaRPr lang="en-US" dirty="0"/>
+          </a:p>
+          <a:p>
+            <a:pPr marL="0" indent="0">
+              <a:buNone/>
+            </a:pPr>
             <a:endParaRPr lang="en-US" dirty="0"/>
           </a:p>
         </p:txBody>
@@ -9856,7 +10039,349 @@
     </p:spTree>
     <p:extLst>
       <p:ext uri="{BB962C8B-B14F-4D97-AF65-F5344CB8AC3E}">
-        <p14:creationId xmlns:p14="http://schemas.microsoft.com/office/powerpoint/2010/main" val="351178066"/>
+        <p14:creationId xmlns:p14="http://schemas.microsoft.com/office/powerpoint/2010/main" val="1699202400"/>
+      </p:ext>
+    </p:extLst>
+  </p:cSld>
+  <p:clrMapOvr>
+    <a:masterClrMapping/>
+  </p:clrMapOvr>
+</p:sld>
+</file>
+
+<file path=ppt/slides/slide18.xml><?xml version="1.0" encoding="utf-8"?>
+<p:sld xmlns:a="http://schemas.openxmlformats.org/drawingml/2006/main" xmlns:r="http://schemas.openxmlformats.org/officeDocument/2006/relationships" xmlns:p="http://schemas.openxmlformats.org/presentationml/2006/main">
+  <p:cSld>
+    <p:spTree>
+      <p:nvGrpSpPr>
+        <p:cNvPr id="1" name=""/>
+        <p:cNvGrpSpPr/>
+        <p:nvPr/>
+      </p:nvGrpSpPr>
+      <p:grpSpPr>
+        <a:xfrm>
+          <a:off x="0" y="0"/>
+          <a:ext cx="0" cy="0"/>
+          <a:chOff x="0" y="0"/>
+          <a:chExt cx="0" cy="0"/>
+        </a:xfrm>
+      </p:grpSpPr>
+      <p:sp>
+        <p:nvSpPr>
+          <p:cNvPr id="2" name="Title 1">
+            <a:extLst>
+              <a:ext uri="{FF2B5EF4-FFF2-40B4-BE49-F238E27FC236}">
+                <a16:creationId xmlns:a16="http://schemas.microsoft.com/office/drawing/2014/main" id="{7B4B3AFF-243C-467A-99C2-3A3ED6F4471B}"/>
+              </a:ext>
+            </a:extLst>
+          </p:cNvPr>
+          <p:cNvSpPr>
+            <a:spLocks noGrp="1"/>
+          </p:cNvSpPr>
+          <p:nvPr>
+            <p:ph type="title"/>
+          </p:nvPr>
+        </p:nvSpPr>
+        <p:spPr/>
+        <p:txBody>
+          <a:bodyPr/>
+          <a:lstStyle/>
+          <a:p>
+            <a:r>
+              <a:rPr lang="en-US" dirty="0"/>
+              <a:t>Control Flow: for</a:t>
+            </a:r>
+          </a:p>
+        </p:txBody>
+      </p:sp>
+      <p:sp>
+        <p:nvSpPr>
+          <p:cNvPr id="3" name="Content Placeholder 2">
+            <a:extLst>
+              <a:ext uri="{FF2B5EF4-FFF2-40B4-BE49-F238E27FC236}">
+                <a16:creationId xmlns:a16="http://schemas.microsoft.com/office/drawing/2014/main" id="{1AD468CC-5520-4AD2-BE95-EAED4B6D391F}"/>
+              </a:ext>
+            </a:extLst>
+          </p:cNvPr>
+          <p:cNvSpPr>
+            <a:spLocks noGrp="1"/>
+          </p:cNvSpPr>
+          <p:nvPr>
+            <p:ph idx="1"/>
+          </p:nvPr>
+        </p:nvSpPr>
+        <p:spPr/>
+        <p:txBody>
+          <a:bodyPr>
+            <a:normAutofit/>
+          </a:bodyPr>
+          <a:lstStyle/>
+          <a:p>
+            <a:pPr marL="0" indent="0">
+              <a:buNone/>
+            </a:pPr>
+            <a:r>
+              <a:rPr lang="en-US" dirty="0"/>
+              <a:t>for &lt;iterator&gt; in &lt;sequence of iterator’s states&gt;:</a:t>
+            </a:r>
+          </a:p>
+          <a:p>
+            <a:pPr marL="0" indent="0">
+              <a:buNone/>
+            </a:pPr>
+            <a:r>
+              <a:rPr lang="en-US" dirty="0"/>
+              <a:t>	&lt;statement&gt;</a:t>
+            </a:r>
+          </a:p>
+          <a:p>
+            <a:pPr marL="0" indent="0">
+              <a:buNone/>
+            </a:pPr>
+            <a:endParaRPr lang="en-US" dirty="0"/>
+          </a:p>
+          <a:p>
+            <a:pPr marL="0" indent="0">
+              <a:buNone/>
+            </a:pPr>
+            <a:r>
+              <a:rPr lang="en-US" dirty="0"/>
+              <a:t>for </a:t>
+            </a:r>
+            <a:r>
+              <a:rPr lang="en-US" dirty="0" err="1"/>
+              <a:t>i</a:t>
+            </a:r>
+            <a:r>
+              <a:rPr lang="en-US" dirty="0"/>
+              <a:t> in [1,2,3]:</a:t>
+            </a:r>
+          </a:p>
+          <a:p>
+            <a:pPr marL="0" indent="0">
+              <a:buNone/>
+            </a:pPr>
+            <a:r>
+              <a:rPr lang="en-US" dirty="0"/>
+              <a:t>	print(</a:t>
+            </a:r>
+            <a:r>
+              <a:rPr lang="en-US" dirty="0" err="1"/>
+              <a:t>i</a:t>
+            </a:r>
+            <a:r>
+              <a:rPr lang="en-US" dirty="0"/>
+              <a:t>)</a:t>
+            </a:r>
+          </a:p>
+        </p:txBody>
+      </p:sp>
+    </p:spTree>
+    <p:extLst>
+      <p:ext uri="{BB962C8B-B14F-4D97-AF65-F5344CB8AC3E}">
+        <p14:creationId xmlns:p14="http://schemas.microsoft.com/office/powerpoint/2010/main" val="1718268926"/>
+      </p:ext>
+    </p:extLst>
+  </p:cSld>
+  <p:clrMapOvr>
+    <a:masterClrMapping/>
+  </p:clrMapOvr>
+</p:sld>
+</file>
+
+<file path=ppt/slides/slide19.xml><?xml version="1.0" encoding="utf-8"?>
+<p:sld xmlns:a="http://schemas.openxmlformats.org/drawingml/2006/main" xmlns:r="http://schemas.openxmlformats.org/officeDocument/2006/relationships" xmlns:p="http://schemas.openxmlformats.org/presentationml/2006/main">
+  <p:cSld>
+    <p:spTree>
+      <p:nvGrpSpPr>
+        <p:cNvPr id="1" name=""/>
+        <p:cNvGrpSpPr/>
+        <p:nvPr/>
+      </p:nvGrpSpPr>
+      <p:grpSpPr>
+        <a:xfrm>
+          <a:off x="0" y="0"/>
+          <a:ext cx="0" cy="0"/>
+          <a:chOff x="0" y="0"/>
+          <a:chExt cx="0" cy="0"/>
+        </a:xfrm>
+      </p:grpSpPr>
+      <p:sp>
+        <p:nvSpPr>
+          <p:cNvPr id="2" name="Title 1">
+            <a:extLst>
+              <a:ext uri="{FF2B5EF4-FFF2-40B4-BE49-F238E27FC236}">
+                <a16:creationId xmlns:a16="http://schemas.microsoft.com/office/drawing/2014/main" id="{7B4B3AFF-243C-467A-99C2-3A3ED6F4471B}"/>
+              </a:ext>
+            </a:extLst>
+          </p:cNvPr>
+          <p:cNvSpPr>
+            <a:spLocks noGrp="1"/>
+          </p:cNvSpPr>
+          <p:nvPr>
+            <p:ph type="title"/>
+          </p:nvPr>
+        </p:nvSpPr>
+        <p:spPr/>
+        <p:txBody>
+          <a:bodyPr/>
+          <a:lstStyle/>
+          <a:p>
+            <a:r>
+              <a:rPr lang="en-US" dirty="0"/>
+              <a:t>Control Flow: while</a:t>
+            </a:r>
+          </a:p>
+        </p:txBody>
+      </p:sp>
+      <p:sp>
+        <p:nvSpPr>
+          <p:cNvPr id="3" name="Content Placeholder 2">
+            <a:extLst>
+              <a:ext uri="{FF2B5EF4-FFF2-40B4-BE49-F238E27FC236}">
+                <a16:creationId xmlns:a16="http://schemas.microsoft.com/office/drawing/2014/main" id="{1AD468CC-5520-4AD2-BE95-EAED4B6D391F}"/>
+              </a:ext>
+            </a:extLst>
+          </p:cNvPr>
+          <p:cNvSpPr>
+            <a:spLocks noGrp="1"/>
+          </p:cNvSpPr>
+          <p:nvPr>
+            <p:ph idx="1"/>
+          </p:nvPr>
+        </p:nvSpPr>
+        <p:spPr/>
+        <p:txBody>
+          <a:bodyPr>
+            <a:normAutofit lnSpcReduction="10000"/>
+          </a:bodyPr>
+          <a:lstStyle/>
+          <a:p>
+            <a:pPr marL="0" indent="0">
+              <a:buNone/>
+            </a:pPr>
+            <a:r>
+              <a:rPr lang="en-US" dirty="0"/>
+              <a:t>&lt;iterator initialization&gt; </a:t>
+            </a:r>
+          </a:p>
+          <a:p>
+            <a:pPr marL="0" indent="0">
+              <a:buNone/>
+            </a:pPr>
+            <a:r>
+              <a:rPr lang="en-US" dirty="0"/>
+              <a:t>while &lt;iterator condition&gt;:</a:t>
+            </a:r>
+          </a:p>
+          <a:p>
+            <a:pPr marL="0" indent="0">
+              <a:buNone/>
+            </a:pPr>
+            <a:r>
+              <a:rPr lang="en-US" dirty="0"/>
+              <a:t>	&lt;statement&gt;</a:t>
+            </a:r>
+          </a:p>
+          <a:p>
+            <a:pPr marL="0" indent="0">
+              <a:buNone/>
+            </a:pPr>
+            <a:r>
+              <a:rPr lang="en-US" dirty="0"/>
+              <a:t>	&lt;iterator condition update&gt;</a:t>
+            </a:r>
+          </a:p>
+          <a:p>
+            <a:pPr marL="0" indent="0">
+              <a:buNone/>
+            </a:pPr>
+            <a:endParaRPr lang="en-US" dirty="0"/>
+          </a:p>
+          <a:p>
+            <a:pPr marL="0" indent="0">
+              <a:buNone/>
+            </a:pPr>
+            <a:r>
+              <a:rPr lang="en-US" dirty="0" err="1"/>
+              <a:t>i</a:t>
+            </a:r>
+            <a:r>
+              <a:rPr lang="en-US" dirty="0"/>
+              <a:t>=5</a:t>
+            </a:r>
+          </a:p>
+          <a:p>
+            <a:pPr marL="0" indent="0">
+              <a:buNone/>
+            </a:pPr>
+            <a:r>
+              <a:rPr lang="en-US" dirty="0"/>
+              <a:t>while </a:t>
+            </a:r>
+            <a:r>
+              <a:rPr lang="en-US" dirty="0" err="1"/>
+              <a:t>i</a:t>
+            </a:r>
+            <a:r>
+              <a:rPr lang="en-US" dirty="0"/>
+              <a:t> &lt; 10:</a:t>
+            </a:r>
+          </a:p>
+          <a:p>
+            <a:pPr marL="0" indent="0">
+              <a:buNone/>
+            </a:pPr>
+            <a:r>
+              <a:rPr lang="en-US" dirty="0"/>
+              <a:t>	print(</a:t>
+            </a:r>
+            <a:r>
+              <a:rPr lang="en-US" dirty="0" err="1"/>
+              <a:t>i</a:t>
+            </a:r>
+            <a:r>
+              <a:rPr lang="en-US" dirty="0"/>
+              <a:t>)</a:t>
+            </a:r>
+          </a:p>
+          <a:p>
+            <a:pPr marL="0" indent="0">
+              <a:buNone/>
+            </a:pPr>
+            <a:r>
+              <a:rPr lang="en-US" dirty="0"/>
+              <a:t>	</a:t>
+            </a:r>
+            <a:r>
+              <a:rPr lang="en-US" dirty="0" err="1"/>
+              <a:t>i</a:t>
+            </a:r>
+            <a:r>
+              <a:rPr lang="en-US" dirty="0"/>
+              <a:t> = </a:t>
+            </a:r>
+            <a:r>
+              <a:rPr lang="en-US" dirty="0" err="1"/>
+              <a:t>i</a:t>
+            </a:r>
+            <a:r>
+              <a:rPr lang="en-US" dirty="0"/>
+              <a:t> + 2 </a:t>
+            </a:r>
+          </a:p>
+          <a:p>
+            <a:pPr marL="0" indent="0">
+              <a:buNone/>
+            </a:pPr>
+            <a:endParaRPr lang="en-US" dirty="0"/>
+          </a:p>
+        </p:txBody>
+      </p:sp>
+    </p:spTree>
+    <p:extLst>
+      <p:ext uri="{BB962C8B-B14F-4D97-AF65-F5344CB8AC3E}">
+        <p14:creationId xmlns:p14="http://schemas.microsoft.com/office/powerpoint/2010/main" val="3326794622"/>
       </p:ext>
     </p:extLst>
   </p:cSld>
@@ -9981,6 +10506,1254 @@
 </p:sld>
 </file>
 
+<file path=ppt/slides/slide20.xml><?xml version="1.0" encoding="utf-8"?>
+<p:sld xmlns:a="http://schemas.openxmlformats.org/drawingml/2006/main" xmlns:r="http://schemas.openxmlformats.org/officeDocument/2006/relationships" xmlns:p="http://schemas.openxmlformats.org/presentationml/2006/main">
+  <p:cSld>
+    <p:spTree>
+      <p:nvGrpSpPr>
+        <p:cNvPr id="1" name=""/>
+        <p:cNvGrpSpPr/>
+        <p:nvPr/>
+      </p:nvGrpSpPr>
+      <p:grpSpPr>
+        <a:xfrm>
+          <a:off x="0" y="0"/>
+          <a:ext cx="0" cy="0"/>
+          <a:chOff x="0" y="0"/>
+          <a:chExt cx="0" cy="0"/>
+        </a:xfrm>
+      </p:grpSpPr>
+      <p:sp>
+        <p:nvSpPr>
+          <p:cNvPr id="2" name="Title 1">
+            <a:extLst>
+              <a:ext uri="{FF2B5EF4-FFF2-40B4-BE49-F238E27FC236}">
+                <a16:creationId xmlns:a16="http://schemas.microsoft.com/office/drawing/2014/main" id="{4D416DE8-81D1-4207-905A-51238BA525D8}"/>
+              </a:ext>
+            </a:extLst>
+          </p:cNvPr>
+          <p:cNvSpPr>
+            <a:spLocks noGrp="1"/>
+          </p:cNvSpPr>
+          <p:nvPr>
+            <p:ph type="title"/>
+          </p:nvPr>
+        </p:nvSpPr>
+        <p:spPr/>
+        <p:txBody>
+          <a:bodyPr/>
+          <a:lstStyle/>
+          <a:p>
+            <a:r>
+              <a:rPr lang="en-US" dirty="0"/>
+              <a:t>User Defined Functions</a:t>
+            </a:r>
+          </a:p>
+        </p:txBody>
+      </p:sp>
+      <p:sp>
+        <p:nvSpPr>
+          <p:cNvPr id="3" name="Content Placeholder 2">
+            <a:extLst>
+              <a:ext uri="{FF2B5EF4-FFF2-40B4-BE49-F238E27FC236}">
+                <a16:creationId xmlns:a16="http://schemas.microsoft.com/office/drawing/2014/main" id="{74726788-7B6B-47D3-9122-4C083878090D}"/>
+              </a:ext>
+            </a:extLst>
+          </p:cNvPr>
+          <p:cNvSpPr>
+            <a:spLocks noGrp="1"/>
+          </p:cNvSpPr>
+          <p:nvPr>
+            <p:ph idx="1"/>
+          </p:nvPr>
+        </p:nvSpPr>
+        <p:spPr/>
+        <p:txBody>
+          <a:bodyPr/>
+          <a:lstStyle/>
+          <a:p>
+            <a:r>
+              <a:rPr lang="en-US" dirty="0"/>
+              <a:t>Building blocks for procedural / functional programing</a:t>
+            </a:r>
+          </a:p>
+          <a:p>
+            <a:r>
+              <a:rPr lang="en-US" dirty="0"/>
+              <a:t>Written to conduct similar tasks, given changed inputs</a:t>
+            </a:r>
+          </a:p>
+          <a:p>
+            <a:pPr marL="0" indent="0">
+              <a:buNone/>
+            </a:pPr>
+            <a:r>
+              <a:rPr lang="en-US" dirty="0"/>
+              <a:t>def </a:t>
+            </a:r>
+            <a:r>
+              <a:rPr lang="en-US" dirty="0" err="1"/>
+              <a:t>function_name</a:t>
+            </a:r>
+            <a:r>
+              <a:rPr lang="en-US" dirty="0"/>
+              <a:t>(vars):</a:t>
+            </a:r>
+          </a:p>
+          <a:p>
+            <a:pPr marL="0" indent="0">
+              <a:buNone/>
+            </a:pPr>
+            <a:r>
+              <a:rPr lang="en-US" dirty="0"/>
+              <a:t>	&lt;statements relating to variables&gt;</a:t>
+            </a:r>
+          </a:p>
+          <a:p>
+            <a:pPr marL="0" indent="0">
+              <a:buNone/>
+            </a:pPr>
+            <a:r>
+              <a:rPr lang="en-US" dirty="0"/>
+              <a:t>	return &lt;output&gt;</a:t>
+            </a:r>
+          </a:p>
+          <a:p>
+            <a:pPr marL="0" indent="0">
+              <a:buNone/>
+            </a:pPr>
+            <a:endParaRPr lang="en-US" dirty="0"/>
+          </a:p>
+          <a:p>
+            <a:pPr marL="0" indent="0">
+              <a:buNone/>
+            </a:pPr>
+            <a:r>
+              <a:rPr lang="en-US" dirty="0"/>
+              <a:t>def add(</a:t>
+            </a:r>
+            <a:r>
+              <a:rPr lang="en-US" dirty="0" err="1"/>
+              <a:t>a,b</a:t>
+            </a:r>
+            <a:r>
+              <a:rPr lang="en-US" dirty="0"/>
+              <a:t>):</a:t>
+            </a:r>
+          </a:p>
+          <a:p>
+            <a:pPr marL="0" indent="0">
+              <a:buNone/>
+            </a:pPr>
+            <a:r>
+              <a:rPr lang="en-US" dirty="0"/>
+              <a:t>	return a + b</a:t>
+            </a:r>
+          </a:p>
+          <a:p>
+            <a:endParaRPr lang="en-US" dirty="0"/>
+          </a:p>
+        </p:txBody>
+      </p:sp>
+    </p:spTree>
+    <p:extLst>
+      <p:ext uri="{BB962C8B-B14F-4D97-AF65-F5344CB8AC3E}">
+        <p14:creationId xmlns:p14="http://schemas.microsoft.com/office/powerpoint/2010/main" val="3771066435"/>
+      </p:ext>
+    </p:extLst>
+  </p:cSld>
+  <p:clrMapOvr>
+    <a:masterClrMapping/>
+  </p:clrMapOvr>
+</p:sld>
+</file>
+
+<file path=ppt/slides/slide21.xml><?xml version="1.0" encoding="utf-8"?>
+<p:sld xmlns:a="http://schemas.openxmlformats.org/drawingml/2006/main" xmlns:r="http://schemas.openxmlformats.org/officeDocument/2006/relationships" xmlns:p="http://schemas.openxmlformats.org/presentationml/2006/main">
+  <p:cSld>
+    <p:spTree>
+      <p:nvGrpSpPr>
+        <p:cNvPr id="1" name=""/>
+        <p:cNvGrpSpPr/>
+        <p:nvPr/>
+      </p:nvGrpSpPr>
+      <p:grpSpPr>
+        <a:xfrm>
+          <a:off x="0" y="0"/>
+          <a:ext cx="0" cy="0"/>
+          <a:chOff x="0" y="0"/>
+          <a:chExt cx="0" cy="0"/>
+        </a:xfrm>
+      </p:grpSpPr>
+      <p:sp>
+        <p:nvSpPr>
+          <p:cNvPr id="2" name="Title 1">
+            <a:extLst>
+              <a:ext uri="{FF2B5EF4-FFF2-40B4-BE49-F238E27FC236}">
+                <a16:creationId xmlns:a16="http://schemas.microsoft.com/office/drawing/2014/main" id="{90DBCEC2-4571-4A84-8868-5F24AD229CA9}"/>
+              </a:ext>
+            </a:extLst>
+          </p:cNvPr>
+          <p:cNvSpPr>
+            <a:spLocks noGrp="1"/>
+          </p:cNvSpPr>
+          <p:nvPr>
+            <p:ph type="title"/>
+          </p:nvPr>
+        </p:nvSpPr>
+        <p:spPr/>
+        <p:txBody>
+          <a:bodyPr/>
+          <a:lstStyle/>
+          <a:p>
+            <a:r>
+              <a:rPr lang="en-US" dirty="0"/>
+              <a:t>Demo 2: basic ML pipeline</a:t>
+            </a:r>
+          </a:p>
+        </p:txBody>
+      </p:sp>
+      <p:sp>
+        <p:nvSpPr>
+          <p:cNvPr id="3" name="Content Placeholder 2">
+            <a:extLst>
+              <a:ext uri="{FF2B5EF4-FFF2-40B4-BE49-F238E27FC236}">
+                <a16:creationId xmlns:a16="http://schemas.microsoft.com/office/drawing/2014/main" id="{0A1CF431-FA55-4679-8D5D-40DF68108022}"/>
+              </a:ext>
+            </a:extLst>
+          </p:cNvPr>
+          <p:cNvSpPr>
+            <a:spLocks noGrp="1"/>
+          </p:cNvSpPr>
+          <p:nvPr>
+            <p:ph idx="1"/>
+          </p:nvPr>
+        </p:nvSpPr>
+        <p:spPr/>
+        <p:txBody>
+          <a:bodyPr/>
+          <a:lstStyle/>
+          <a:p>
+            <a:pPr marL="0" indent="0">
+              <a:buNone/>
+            </a:pPr>
+            <a:endParaRPr lang="en-US" dirty="0"/>
+          </a:p>
+        </p:txBody>
+      </p:sp>
+    </p:spTree>
+    <p:extLst>
+      <p:ext uri="{BB962C8B-B14F-4D97-AF65-F5344CB8AC3E}">
+        <p14:creationId xmlns:p14="http://schemas.microsoft.com/office/powerpoint/2010/main" val="2284812612"/>
+      </p:ext>
+    </p:extLst>
+  </p:cSld>
+  <p:clrMapOvr>
+    <a:masterClrMapping/>
+  </p:clrMapOvr>
+</p:sld>
+</file>
+
+<file path=ppt/slides/slide22.xml><?xml version="1.0" encoding="utf-8"?>
+<p:sld xmlns:a="http://schemas.openxmlformats.org/drawingml/2006/main" xmlns:r="http://schemas.openxmlformats.org/officeDocument/2006/relationships" xmlns:p="http://schemas.openxmlformats.org/presentationml/2006/main">
+  <p:cSld>
+    <p:spTree>
+      <p:nvGrpSpPr>
+        <p:cNvPr id="1" name=""/>
+        <p:cNvGrpSpPr/>
+        <p:nvPr/>
+      </p:nvGrpSpPr>
+      <p:grpSpPr>
+        <a:xfrm>
+          <a:off x="0" y="0"/>
+          <a:ext cx="0" cy="0"/>
+          <a:chOff x="0" y="0"/>
+          <a:chExt cx="0" cy="0"/>
+        </a:xfrm>
+      </p:grpSpPr>
+      <p:sp>
+        <p:nvSpPr>
+          <p:cNvPr id="2" name="Title 1">
+            <a:extLst>
+              <a:ext uri="{FF2B5EF4-FFF2-40B4-BE49-F238E27FC236}">
+                <a16:creationId xmlns:a16="http://schemas.microsoft.com/office/drawing/2014/main" id="{816850B7-4BA1-4905-A5C3-B6A52BD6CF34}"/>
+              </a:ext>
+            </a:extLst>
+          </p:cNvPr>
+          <p:cNvSpPr>
+            <a:spLocks noGrp="1"/>
+          </p:cNvSpPr>
+          <p:nvPr>
+            <p:ph type="title"/>
+          </p:nvPr>
+        </p:nvSpPr>
+        <p:spPr/>
+        <p:txBody>
+          <a:bodyPr/>
+          <a:lstStyle/>
+          <a:p>
+            <a:r>
+              <a:rPr lang="en-US" dirty="0"/>
+              <a:t>Coding Style</a:t>
+            </a:r>
+          </a:p>
+        </p:txBody>
+      </p:sp>
+      <p:sp>
+        <p:nvSpPr>
+          <p:cNvPr id="3" name="Content Placeholder 2">
+            <a:extLst>
+              <a:ext uri="{FF2B5EF4-FFF2-40B4-BE49-F238E27FC236}">
+                <a16:creationId xmlns:a16="http://schemas.microsoft.com/office/drawing/2014/main" id="{063579EA-14DB-4B04-B802-78C38A70BEF1}"/>
+              </a:ext>
+            </a:extLst>
+          </p:cNvPr>
+          <p:cNvSpPr>
+            <a:spLocks noGrp="1"/>
+          </p:cNvSpPr>
+          <p:nvPr>
+            <p:ph idx="1"/>
+          </p:nvPr>
+        </p:nvSpPr>
+        <p:spPr/>
+        <p:txBody>
+          <a:bodyPr>
+            <a:normAutofit fontScale="92500" lnSpcReduction="10000"/>
+          </a:bodyPr>
+          <a:lstStyle/>
+          <a:p>
+            <a:r>
+              <a:rPr lang="en-US" dirty="0"/>
+              <a:t>Prefer most straightforward code easy to understand</a:t>
+            </a:r>
+          </a:p>
+          <a:p>
+            <a:r>
+              <a:rPr lang="en-US" dirty="0"/>
+              <a:t>One statement per line</a:t>
+            </a:r>
+          </a:p>
+          <a:p>
+            <a:r>
+              <a:rPr lang="en-US" dirty="0"/>
+              <a:t>Maximum 79 characters per line</a:t>
+            </a:r>
+          </a:p>
+          <a:p>
+            <a:r>
+              <a:rPr lang="en-US" dirty="0"/>
+              <a:t>Import packages at the beginning</a:t>
+            </a:r>
+          </a:p>
+          <a:p>
+            <a:r>
+              <a:rPr lang="en-US" dirty="0"/>
+              <a:t>Use NOTES / TODOs in comments</a:t>
+            </a:r>
+          </a:p>
+          <a:p>
+            <a:pPr marL="0" indent="0">
+              <a:buNone/>
+            </a:pPr>
+            <a:endParaRPr lang="en-US" dirty="0"/>
+          </a:p>
+          <a:p>
+            <a:pPr marL="0" indent="0">
+              <a:buNone/>
+            </a:pPr>
+            <a:r>
+              <a:rPr lang="en-US" sz="1200" dirty="0"/>
+              <a:t>Refs:</a:t>
+            </a:r>
+          </a:p>
+          <a:p>
+            <a:r>
+              <a:rPr lang="en-US" sz="1200" dirty="0">
+                <a:hlinkClick r:id="rId3"/>
+              </a:rPr>
+              <a:t>Simple guide</a:t>
+            </a:r>
+            <a:r>
+              <a:rPr lang="en-US" sz="1200" dirty="0"/>
+              <a:t> </a:t>
+            </a:r>
+          </a:p>
+          <a:p>
+            <a:r>
+              <a:rPr lang="en-US" sz="1200" dirty="0"/>
+              <a:t>https://docs.python-guide.org/writing/style/</a:t>
+            </a:r>
+          </a:p>
+          <a:p>
+            <a:r>
+              <a:rPr lang="en-US" sz="1200" dirty="0">
+                <a:hlinkClick r:id="rId4"/>
+              </a:rPr>
+              <a:t>Python official style guide</a:t>
+            </a:r>
+            <a:endParaRPr lang="en-US" sz="1200" dirty="0"/>
+          </a:p>
+          <a:p>
+            <a:r>
+              <a:rPr lang="en-US" sz="1200" dirty="0">
+                <a:hlinkClick r:id="rId5"/>
+              </a:rPr>
+              <a:t>Google’s naming guide</a:t>
+            </a:r>
+            <a:endParaRPr lang="en-US" sz="1200" dirty="0"/>
+          </a:p>
+          <a:p>
+            <a:r>
+              <a:rPr lang="en-US" sz="1200" dirty="0"/>
+              <a:t>https://www.python.org/dev/peps/pep-0020/</a:t>
+            </a:r>
+          </a:p>
+          <a:p>
+            <a:endParaRPr lang="en-US" dirty="0"/>
+          </a:p>
+        </p:txBody>
+      </p:sp>
+    </p:spTree>
+    <p:extLst>
+      <p:ext uri="{BB962C8B-B14F-4D97-AF65-F5344CB8AC3E}">
+        <p14:creationId xmlns:p14="http://schemas.microsoft.com/office/powerpoint/2010/main" val="1639702585"/>
+      </p:ext>
+    </p:extLst>
+  </p:cSld>
+  <p:clrMapOvr>
+    <a:masterClrMapping/>
+  </p:clrMapOvr>
+</p:sld>
+</file>
+
+<file path=ppt/slides/slide23.xml><?xml version="1.0" encoding="utf-8"?>
+<p:sld xmlns:a="http://schemas.openxmlformats.org/drawingml/2006/main" xmlns:r="http://schemas.openxmlformats.org/officeDocument/2006/relationships" xmlns:p="http://schemas.openxmlformats.org/presentationml/2006/main">
+  <p:cSld>
+    <p:spTree>
+      <p:nvGrpSpPr>
+        <p:cNvPr id="1" name=""/>
+        <p:cNvGrpSpPr/>
+        <p:nvPr/>
+      </p:nvGrpSpPr>
+      <p:grpSpPr>
+        <a:xfrm>
+          <a:off x="0" y="0"/>
+          <a:ext cx="0" cy="0"/>
+          <a:chOff x="0" y="0"/>
+          <a:chExt cx="0" cy="0"/>
+        </a:xfrm>
+      </p:grpSpPr>
+      <p:sp>
+        <p:nvSpPr>
+          <p:cNvPr id="2" name="Title 1">
+            <a:extLst>
+              <a:ext uri="{FF2B5EF4-FFF2-40B4-BE49-F238E27FC236}">
+                <a16:creationId xmlns:a16="http://schemas.microsoft.com/office/drawing/2014/main" id="{DEADC6C3-4E7A-4EDF-9E7E-11AEAE3DFD1F}"/>
+              </a:ext>
+            </a:extLst>
+          </p:cNvPr>
+          <p:cNvSpPr>
+            <a:spLocks noGrp="1"/>
+          </p:cNvSpPr>
+          <p:nvPr>
+            <p:ph type="title"/>
+          </p:nvPr>
+        </p:nvSpPr>
+        <p:spPr/>
+        <p:txBody>
+          <a:bodyPr/>
+          <a:lstStyle/>
+          <a:p>
+            <a:r>
+              <a:rPr lang="en-US" dirty="0"/>
+              <a:t>Coding Style: naming conventions</a:t>
+            </a:r>
+          </a:p>
+        </p:txBody>
+      </p:sp>
+      <p:sp>
+        <p:nvSpPr>
+          <p:cNvPr id="3" name="Content Placeholder 2">
+            <a:extLst>
+              <a:ext uri="{FF2B5EF4-FFF2-40B4-BE49-F238E27FC236}">
+                <a16:creationId xmlns:a16="http://schemas.microsoft.com/office/drawing/2014/main" id="{B64BB292-C949-4905-A19A-0532145D4F09}"/>
+              </a:ext>
+            </a:extLst>
+          </p:cNvPr>
+          <p:cNvSpPr>
+            <a:spLocks noGrp="1"/>
+          </p:cNvSpPr>
+          <p:nvPr>
+            <p:ph idx="1"/>
+          </p:nvPr>
+        </p:nvSpPr>
+        <p:spPr/>
+        <p:txBody>
+          <a:bodyPr>
+            <a:normAutofit/>
+          </a:bodyPr>
+          <a:lstStyle/>
+          <a:p>
+            <a:r>
+              <a:rPr lang="en-US" dirty="0"/>
+              <a:t>Python is case sensitive</a:t>
+            </a:r>
+          </a:p>
+          <a:p>
+            <a:r>
+              <a:rPr lang="en-US" dirty="0"/>
+              <a:t>Meaningful names, easier to remember / reference</a:t>
+            </a:r>
+          </a:p>
+          <a:p>
+            <a:pPr lvl="1"/>
+            <a:r>
+              <a:rPr lang="en-US" dirty="0" err="1"/>
+              <a:t>group_mean</a:t>
+            </a:r>
+            <a:r>
+              <a:rPr lang="en-US" dirty="0"/>
+              <a:t> better than m</a:t>
+            </a:r>
+          </a:p>
+          <a:p>
+            <a:r>
+              <a:rPr lang="en-US" dirty="0" err="1"/>
+              <a:t>less_important_variable</a:t>
+            </a:r>
+            <a:endParaRPr lang="en-US" dirty="0"/>
+          </a:p>
+          <a:p>
+            <a:pPr lvl="1"/>
+            <a:r>
+              <a:rPr lang="en-US" dirty="0"/>
+              <a:t>modules, packages, methods, functions</a:t>
+            </a:r>
+          </a:p>
+          <a:p>
+            <a:r>
+              <a:rPr lang="en-US" dirty="0" err="1"/>
+              <a:t>MoreImportantVariable</a:t>
+            </a:r>
+            <a:endParaRPr lang="en-US" dirty="0"/>
+          </a:p>
+          <a:p>
+            <a:pPr lvl="1"/>
+            <a:r>
+              <a:rPr lang="en-US" dirty="0"/>
+              <a:t>exceptions, classes</a:t>
+            </a:r>
+          </a:p>
+          <a:p>
+            <a:r>
+              <a:rPr lang="en-US" dirty="0"/>
+              <a:t>GOD_THIS_IS_SERIOUS</a:t>
+            </a:r>
+          </a:p>
+          <a:p>
+            <a:pPr lvl="1"/>
+            <a:r>
+              <a:rPr lang="en-US" dirty="0"/>
+              <a:t>global constants</a:t>
+            </a:r>
+          </a:p>
+        </p:txBody>
+      </p:sp>
+    </p:spTree>
+    <p:extLst>
+      <p:ext uri="{BB962C8B-B14F-4D97-AF65-F5344CB8AC3E}">
+        <p14:creationId xmlns:p14="http://schemas.microsoft.com/office/powerpoint/2010/main" val="1470083538"/>
+      </p:ext>
+    </p:extLst>
+  </p:cSld>
+  <p:clrMapOvr>
+    <a:masterClrMapping/>
+  </p:clrMapOvr>
+</p:sld>
+</file>
+
+<file path=ppt/slides/slide24.xml><?xml version="1.0" encoding="utf-8"?>
+<p:sld xmlns:a="http://schemas.openxmlformats.org/drawingml/2006/main" xmlns:r="http://schemas.openxmlformats.org/officeDocument/2006/relationships" xmlns:p="http://schemas.openxmlformats.org/presentationml/2006/main">
+  <p:cSld>
+    <p:spTree>
+      <p:nvGrpSpPr>
+        <p:cNvPr id="1" name=""/>
+        <p:cNvGrpSpPr/>
+        <p:nvPr/>
+      </p:nvGrpSpPr>
+      <p:grpSpPr>
+        <a:xfrm>
+          <a:off x="0" y="0"/>
+          <a:ext cx="0" cy="0"/>
+          <a:chOff x="0" y="0"/>
+          <a:chExt cx="0" cy="0"/>
+        </a:xfrm>
+      </p:grpSpPr>
+      <p:sp>
+        <p:nvSpPr>
+          <p:cNvPr id="2" name="Title 1">
+            <a:extLst>
+              <a:ext uri="{FF2B5EF4-FFF2-40B4-BE49-F238E27FC236}">
+                <a16:creationId xmlns:a16="http://schemas.microsoft.com/office/drawing/2014/main" id="{DEADC6C3-4E7A-4EDF-9E7E-11AEAE3DFD1F}"/>
+              </a:ext>
+            </a:extLst>
+          </p:cNvPr>
+          <p:cNvSpPr>
+            <a:spLocks noGrp="1"/>
+          </p:cNvSpPr>
+          <p:nvPr>
+            <p:ph type="title"/>
+          </p:nvPr>
+        </p:nvSpPr>
+        <p:spPr/>
+        <p:txBody>
+          <a:bodyPr/>
+          <a:lstStyle/>
+          <a:p>
+            <a:r>
+              <a:rPr lang="en-US" dirty="0"/>
+              <a:t>Coding Style: </a:t>
+            </a:r>
+            <a:r>
+              <a:rPr lang="en-US" dirty="0" err="1"/>
+              <a:t>whitespacing</a:t>
+            </a:r>
+            <a:endParaRPr lang="en-US" dirty="0"/>
+          </a:p>
+        </p:txBody>
+      </p:sp>
+      <p:sp>
+        <p:nvSpPr>
+          <p:cNvPr id="3" name="Content Placeholder 2">
+            <a:extLst>
+              <a:ext uri="{FF2B5EF4-FFF2-40B4-BE49-F238E27FC236}">
+                <a16:creationId xmlns:a16="http://schemas.microsoft.com/office/drawing/2014/main" id="{B64BB292-C949-4905-A19A-0532145D4F09}"/>
+              </a:ext>
+            </a:extLst>
+          </p:cNvPr>
+          <p:cNvSpPr>
+            <a:spLocks noGrp="1"/>
+          </p:cNvSpPr>
+          <p:nvPr>
+            <p:ph idx="1"/>
+          </p:nvPr>
+        </p:nvSpPr>
+        <p:spPr/>
+        <p:txBody>
+          <a:bodyPr>
+            <a:normAutofit/>
+          </a:bodyPr>
+          <a:lstStyle/>
+          <a:p>
+            <a:r>
+              <a:rPr lang="en-US" dirty="0"/>
+              <a:t>Use 4 spaces for indentation</a:t>
+            </a:r>
+          </a:p>
+          <a:p>
+            <a:r>
+              <a:rPr lang="en-US" dirty="0"/>
+              <a:t>Leave extra </a:t>
+            </a:r>
+            <a:r>
+              <a:rPr lang="en-US" dirty="0" err="1"/>
+              <a:t>linespace</a:t>
+            </a:r>
+            <a:r>
+              <a:rPr lang="en-US" dirty="0"/>
+              <a:t> between structures</a:t>
+            </a:r>
+          </a:p>
+          <a:p>
+            <a:r>
+              <a:rPr lang="en-US" dirty="0"/>
+              <a:t>Normal spacing for arithmetic equations</a:t>
+            </a:r>
+          </a:p>
+          <a:p>
+            <a:r>
+              <a:rPr lang="en-US" dirty="0"/>
+              <a:t>Tight spacing for parameters</a:t>
+            </a:r>
+          </a:p>
+          <a:p>
+            <a:endParaRPr lang="en-US" dirty="0"/>
+          </a:p>
+        </p:txBody>
+      </p:sp>
+    </p:spTree>
+    <p:extLst>
+      <p:ext uri="{BB962C8B-B14F-4D97-AF65-F5344CB8AC3E}">
+        <p14:creationId xmlns:p14="http://schemas.microsoft.com/office/powerpoint/2010/main" val="544379489"/>
+      </p:ext>
+    </p:extLst>
+  </p:cSld>
+  <p:clrMapOvr>
+    <a:masterClrMapping/>
+  </p:clrMapOvr>
+</p:sld>
+</file>
+
+<file path=ppt/slides/slide25.xml><?xml version="1.0" encoding="utf-8"?>
+<p:sld xmlns:a="http://schemas.openxmlformats.org/drawingml/2006/main" xmlns:r="http://schemas.openxmlformats.org/officeDocument/2006/relationships" xmlns:p="http://schemas.openxmlformats.org/presentationml/2006/main">
+  <p:cSld>
+    <p:spTree>
+      <p:nvGrpSpPr>
+        <p:cNvPr id="1" name=""/>
+        <p:cNvGrpSpPr/>
+        <p:nvPr/>
+      </p:nvGrpSpPr>
+      <p:grpSpPr>
+        <a:xfrm>
+          <a:off x="0" y="0"/>
+          <a:ext cx="0" cy="0"/>
+          <a:chOff x="0" y="0"/>
+          <a:chExt cx="0" cy="0"/>
+        </a:xfrm>
+      </p:grpSpPr>
+      <p:sp>
+        <p:nvSpPr>
+          <p:cNvPr id="2" name="Title 1">
+            <a:extLst>
+              <a:ext uri="{FF2B5EF4-FFF2-40B4-BE49-F238E27FC236}">
+                <a16:creationId xmlns:a16="http://schemas.microsoft.com/office/drawing/2014/main" id="{DE1A7A38-F51B-4642-9724-1A5633A3762D}"/>
+              </a:ext>
+            </a:extLst>
+          </p:cNvPr>
+          <p:cNvSpPr>
+            <a:spLocks noGrp="1"/>
+          </p:cNvSpPr>
+          <p:nvPr>
+            <p:ph type="title"/>
+          </p:nvPr>
+        </p:nvSpPr>
+        <p:spPr/>
+        <p:txBody>
+          <a:bodyPr/>
+          <a:lstStyle/>
+          <a:p>
+            <a:r>
+              <a:rPr lang="en-US" dirty="0"/>
+              <a:t>Demo 3: </a:t>
+            </a:r>
+            <a:r>
+              <a:rPr lang="en-US"/>
+              <a:t>code style </a:t>
+            </a:r>
+            <a:endParaRPr lang="en-US" dirty="0"/>
+          </a:p>
+        </p:txBody>
+      </p:sp>
+      <p:sp>
+        <p:nvSpPr>
+          <p:cNvPr id="3" name="Content Placeholder 2">
+            <a:extLst>
+              <a:ext uri="{FF2B5EF4-FFF2-40B4-BE49-F238E27FC236}">
+                <a16:creationId xmlns:a16="http://schemas.microsoft.com/office/drawing/2014/main" id="{52B16551-D6A2-40B7-AC13-EF7A5216844C}"/>
+              </a:ext>
+            </a:extLst>
+          </p:cNvPr>
+          <p:cNvSpPr>
+            <a:spLocks noGrp="1"/>
+          </p:cNvSpPr>
+          <p:nvPr>
+            <p:ph idx="1"/>
+          </p:nvPr>
+        </p:nvSpPr>
+        <p:spPr/>
+        <p:txBody>
+          <a:bodyPr/>
+          <a:lstStyle/>
+          <a:p>
+            <a:endParaRPr lang="en-US"/>
+          </a:p>
+        </p:txBody>
+      </p:sp>
+    </p:spTree>
+    <p:extLst>
+      <p:ext uri="{BB962C8B-B14F-4D97-AF65-F5344CB8AC3E}">
+        <p14:creationId xmlns:p14="http://schemas.microsoft.com/office/powerpoint/2010/main" val="2060302114"/>
+      </p:ext>
+    </p:extLst>
+  </p:cSld>
+  <p:clrMapOvr>
+    <a:masterClrMapping/>
+  </p:clrMapOvr>
+</p:sld>
+</file>
+
+<file path=ppt/slides/slide26.xml><?xml version="1.0" encoding="utf-8"?>
+<p:sld xmlns:a="http://schemas.openxmlformats.org/drawingml/2006/main" xmlns:r="http://schemas.openxmlformats.org/officeDocument/2006/relationships" xmlns:p="http://schemas.openxmlformats.org/presentationml/2006/main">
+  <p:cSld>
+    <p:spTree>
+      <p:nvGrpSpPr>
+        <p:cNvPr id="1" name=""/>
+        <p:cNvGrpSpPr/>
+        <p:nvPr/>
+      </p:nvGrpSpPr>
+      <p:grpSpPr>
+        <a:xfrm>
+          <a:off x="0" y="0"/>
+          <a:ext cx="0" cy="0"/>
+          <a:chOff x="0" y="0"/>
+          <a:chExt cx="0" cy="0"/>
+        </a:xfrm>
+      </p:grpSpPr>
+      <p:sp>
+        <p:nvSpPr>
+          <p:cNvPr id="2" name="Title 1">
+            <a:extLst>
+              <a:ext uri="{FF2B5EF4-FFF2-40B4-BE49-F238E27FC236}">
+                <a16:creationId xmlns:a16="http://schemas.microsoft.com/office/drawing/2014/main" id="{DEADC6C3-4E7A-4EDF-9E7E-11AEAE3DFD1F}"/>
+              </a:ext>
+            </a:extLst>
+          </p:cNvPr>
+          <p:cNvSpPr>
+            <a:spLocks noGrp="1"/>
+          </p:cNvSpPr>
+          <p:nvPr>
+            <p:ph type="title"/>
+          </p:nvPr>
+        </p:nvSpPr>
+        <p:spPr/>
+        <p:txBody>
+          <a:bodyPr/>
+          <a:lstStyle/>
+          <a:p>
+            <a:r>
+              <a:rPr lang="en-US" dirty="0"/>
+              <a:t>Coding Style: comments</a:t>
+            </a:r>
+          </a:p>
+        </p:txBody>
+      </p:sp>
+      <p:sp>
+        <p:nvSpPr>
+          <p:cNvPr id="3" name="Content Placeholder 2">
+            <a:extLst>
+              <a:ext uri="{FF2B5EF4-FFF2-40B4-BE49-F238E27FC236}">
+                <a16:creationId xmlns:a16="http://schemas.microsoft.com/office/drawing/2014/main" id="{B64BB292-C949-4905-A19A-0532145D4F09}"/>
+              </a:ext>
+            </a:extLst>
+          </p:cNvPr>
+          <p:cNvSpPr>
+            <a:spLocks noGrp="1"/>
+          </p:cNvSpPr>
+          <p:nvPr>
+            <p:ph idx="1"/>
+          </p:nvPr>
+        </p:nvSpPr>
+        <p:spPr/>
+        <p:txBody>
+          <a:bodyPr>
+            <a:normAutofit/>
+          </a:bodyPr>
+          <a:lstStyle/>
+          <a:p>
+            <a:r>
+              <a:rPr lang="en-US" dirty="0"/>
+              <a:t>Use 4 spaces for indentation</a:t>
+            </a:r>
+          </a:p>
+          <a:p>
+            <a:r>
+              <a:rPr lang="en-US" dirty="0"/>
+              <a:t>Leave extra </a:t>
+            </a:r>
+            <a:r>
+              <a:rPr lang="en-US" dirty="0" err="1"/>
+              <a:t>linespace</a:t>
+            </a:r>
+            <a:r>
+              <a:rPr lang="en-US" dirty="0"/>
+              <a:t> between structures</a:t>
+            </a:r>
+          </a:p>
+          <a:p>
+            <a:r>
+              <a:rPr lang="en-US" dirty="0"/>
+              <a:t>Normal spacing between arithmetic equations</a:t>
+            </a:r>
+          </a:p>
+          <a:p>
+            <a:endParaRPr lang="en-US" dirty="0"/>
+          </a:p>
+        </p:txBody>
+      </p:sp>
+    </p:spTree>
+    <p:extLst>
+      <p:ext uri="{BB962C8B-B14F-4D97-AF65-F5344CB8AC3E}">
+        <p14:creationId xmlns:p14="http://schemas.microsoft.com/office/powerpoint/2010/main" val="832099953"/>
+      </p:ext>
+    </p:extLst>
+  </p:cSld>
+  <p:clrMapOvr>
+    <a:masterClrMapping/>
+  </p:clrMapOvr>
+</p:sld>
+</file>
+
+<file path=ppt/slides/slide27.xml><?xml version="1.0" encoding="utf-8"?>
+<p:sld xmlns:a="http://schemas.openxmlformats.org/drawingml/2006/main" xmlns:r="http://schemas.openxmlformats.org/officeDocument/2006/relationships" xmlns:p="http://schemas.openxmlformats.org/presentationml/2006/main">
+  <p:cSld>
+    <p:spTree>
+      <p:nvGrpSpPr>
+        <p:cNvPr id="1" name=""/>
+        <p:cNvGrpSpPr/>
+        <p:nvPr/>
+      </p:nvGrpSpPr>
+      <p:grpSpPr>
+        <a:xfrm>
+          <a:off x="0" y="0"/>
+          <a:ext cx="0" cy="0"/>
+          <a:chOff x="0" y="0"/>
+          <a:chExt cx="0" cy="0"/>
+        </a:xfrm>
+      </p:grpSpPr>
+      <p:sp>
+        <p:nvSpPr>
+          <p:cNvPr id="2" name="Title 1">
+            <a:extLst>
+              <a:ext uri="{FF2B5EF4-FFF2-40B4-BE49-F238E27FC236}">
+                <a16:creationId xmlns:a16="http://schemas.microsoft.com/office/drawing/2014/main" id="{EF08AF95-8DB2-403C-8FCB-EFE3AAC21336}"/>
+              </a:ext>
+            </a:extLst>
+          </p:cNvPr>
+          <p:cNvSpPr>
+            <a:spLocks noGrp="1"/>
+          </p:cNvSpPr>
+          <p:nvPr>
+            <p:ph type="title"/>
+          </p:nvPr>
+        </p:nvSpPr>
+        <p:spPr/>
+        <p:txBody>
+          <a:bodyPr/>
+          <a:lstStyle/>
+          <a:p>
+            <a:endParaRPr lang="en-US"/>
+          </a:p>
+        </p:txBody>
+      </p:sp>
+      <p:sp>
+        <p:nvSpPr>
+          <p:cNvPr id="3" name="Content Placeholder 2">
+            <a:extLst>
+              <a:ext uri="{FF2B5EF4-FFF2-40B4-BE49-F238E27FC236}">
+                <a16:creationId xmlns:a16="http://schemas.microsoft.com/office/drawing/2014/main" id="{A317468E-6357-4229-BEF2-79A0DEEDF036}"/>
+              </a:ext>
+            </a:extLst>
+          </p:cNvPr>
+          <p:cNvSpPr>
+            <a:spLocks noGrp="1"/>
+          </p:cNvSpPr>
+          <p:nvPr>
+            <p:ph idx="1"/>
+          </p:nvPr>
+        </p:nvSpPr>
+        <p:spPr/>
+        <p:txBody>
+          <a:bodyPr/>
+          <a:lstStyle/>
+          <a:p>
+            <a:endParaRPr lang="en-US"/>
+          </a:p>
+        </p:txBody>
+      </p:sp>
+    </p:spTree>
+    <p:extLst>
+      <p:ext uri="{BB962C8B-B14F-4D97-AF65-F5344CB8AC3E}">
+        <p14:creationId xmlns:p14="http://schemas.microsoft.com/office/powerpoint/2010/main" val="598383403"/>
+      </p:ext>
+    </p:extLst>
+  </p:cSld>
+  <p:clrMapOvr>
+    <a:masterClrMapping/>
+  </p:clrMapOvr>
+</p:sld>
+</file>
+
+<file path=ppt/slides/slide28.xml><?xml version="1.0" encoding="utf-8"?>
+<p:sld xmlns:a="http://schemas.openxmlformats.org/drawingml/2006/main" xmlns:r="http://schemas.openxmlformats.org/officeDocument/2006/relationships" xmlns:p="http://schemas.openxmlformats.org/presentationml/2006/main">
+  <p:cSld>
+    <p:spTree>
+      <p:nvGrpSpPr>
+        <p:cNvPr id="1" name=""/>
+        <p:cNvGrpSpPr/>
+        <p:nvPr/>
+      </p:nvGrpSpPr>
+      <p:grpSpPr>
+        <a:xfrm>
+          <a:off x="0" y="0"/>
+          <a:ext cx="0" cy="0"/>
+          <a:chOff x="0" y="0"/>
+          <a:chExt cx="0" cy="0"/>
+        </a:xfrm>
+      </p:grpSpPr>
+      <p:sp>
+        <p:nvSpPr>
+          <p:cNvPr id="2" name="Title 1">
+            <a:extLst>
+              <a:ext uri="{FF2B5EF4-FFF2-40B4-BE49-F238E27FC236}">
+                <a16:creationId xmlns:a16="http://schemas.microsoft.com/office/drawing/2014/main" id="{628DA4BB-2B70-4BBC-9FA6-529F55EB4CAB}"/>
+              </a:ext>
+            </a:extLst>
+          </p:cNvPr>
+          <p:cNvSpPr>
+            <a:spLocks noGrp="1"/>
+          </p:cNvSpPr>
+          <p:nvPr>
+            <p:ph type="title"/>
+          </p:nvPr>
+        </p:nvSpPr>
+        <p:spPr/>
+        <p:txBody>
+          <a:bodyPr/>
+          <a:lstStyle/>
+          <a:p>
+            <a:r>
+              <a:rPr lang="en-US" dirty="0"/>
+              <a:t>Third Q: how to organize</a:t>
+            </a:r>
+          </a:p>
+        </p:txBody>
+      </p:sp>
+      <p:sp>
+        <p:nvSpPr>
+          <p:cNvPr id="3" name="Content Placeholder 2">
+            <a:extLst>
+              <a:ext uri="{FF2B5EF4-FFF2-40B4-BE49-F238E27FC236}">
+                <a16:creationId xmlns:a16="http://schemas.microsoft.com/office/drawing/2014/main" id="{6D19C171-1CD5-40BE-B072-C101A4542C5C}"/>
+              </a:ext>
+            </a:extLst>
+          </p:cNvPr>
+          <p:cNvSpPr>
+            <a:spLocks noGrp="1"/>
+          </p:cNvSpPr>
+          <p:nvPr>
+            <p:ph idx="1"/>
+          </p:nvPr>
+        </p:nvSpPr>
+        <p:spPr/>
+        <p:txBody>
+          <a:bodyPr>
+            <a:normAutofit/>
+          </a:bodyPr>
+          <a:lstStyle/>
+          <a:p>
+            <a:r>
+              <a:rPr lang="en-CA" dirty="0"/>
+              <a:t>Rational</a:t>
+            </a:r>
+          </a:p>
+          <a:p>
+            <a:pPr lvl="1"/>
+            <a:r>
+              <a:rPr lang="en-CA" dirty="0"/>
+              <a:t>Reuse script</a:t>
+            </a:r>
+          </a:p>
+          <a:p>
+            <a:pPr lvl="1"/>
+            <a:r>
+              <a:rPr lang="en-CA" dirty="0"/>
+              <a:t>Separate exploration .</a:t>
+            </a:r>
+            <a:r>
+              <a:rPr lang="en-CA" dirty="0" err="1"/>
+              <a:t>ipynb</a:t>
+            </a:r>
+            <a:r>
+              <a:rPr lang="en-CA" dirty="0"/>
+              <a:t> and production .</a:t>
+            </a:r>
+            <a:r>
+              <a:rPr lang="en-CA" dirty="0" err="1"/>
+              <a:t>py</a:t>
+            </a:r>
+            <a:endParaRPr lang="en-CA" dirty="0"/>
+          </a:p>
+          <a:p>
+            <a:pPr lvl="1"/>
+            <a:r>
+              <a:rPr lang="en-CA" dirty="0"/>
+              <a:t>Enable collaboration</a:t>
+            </a:r>
+          </a:p>
+          <a:p>
+            <a:r>
+              <a:rPr lang="en-CA" dirty="0"/>
+              <a:t>See demo</a:t>
+            </a:r>
+          </a:p>
+          <a:p>
+            <a:r>
+              <a:rPr lang="en-CA" dirty="0"/>
+              <a:t>Read more </a:t>
+            </a:r>
+            <a:r>
+              <a:rPr lang="en-CA" dirty="0">
+                <a:hlinkClick r:id="rId2"/>
+              </a:rPr>
+              <a:t>here</a:t>
+            </a:r>
+            <a:endParaRPr lang="en-US" dirty="0"/>
+          </a:p>
+        </p:txBody>
+      </p:sp>
+    </p:spTree>
+    <p:extLst>
+      <p:ext uri="{BB962C8B-B14F-4D97-AF65-F5344CB8AC3E}">
+        <p14:creationId xmlns:p14="http://schemas.microsoft.com/office/powerpoint/2010/main" val="3036273913"/>
+      </p:ext>
+    </p:extLst>
+  </p:cSld>
+  <p:clrMapOvr>
+    <a:masterClrMapping/>
+  </p:clrMapOvr>
+</p:sld>
+</file>
+
+<file path=ppt/slides/slide29.xml><?xml version="1.0" encoding="utf-8"?>
+<p:sld xmlns:a="http://schemas.openxmlformats.org/drawingml/2006/main" xmlns:r="http://schemas.openxmlformats.org/officeDocument/2006/relationships" xmlns:p="http://schemas.openxmlformats.org/presentationml/2006/main">
+  <p:cSld>
+    <p:spTree>
+      <p:nvGrpSpPr>
+        <p:cNvPr id="1" name=""/>
+        <p:cNvGrpSpPr/>
+        <p:nvPr/>
+      </p:nvGrpSpPr>
+      <p:grpSpPr>
+        <a:xfrm>
+          <a:off x="0" y="0"/>
+          <a:ext cx="0" cy="0"/>
+          <a:chOff x="0" y="0"/>
+          <a:chExt cx="0" cy="0"/>
+        </a:xfrm>
+      </p:grpSpPr>
+      <p:sp>
+        <p:nvSpPr>
+          <p:cNvPr id="2" name="Title 1">
+            <a:extLst>
+              <a:ext uri="{FF2B5EF4-FFF2-40B4-BE49-F238E27FC236}">
+                <a16:creationId xmlns:a16="http://schemas.microsoft.com/office/drawing/2014/main" id="{24E89011-B896-4B6E-BF6D-6CB66D233028}"/>
+              </a:ext>
+            </a:extLst>
+          </p:cNvPr>
+          <p:cNvSpPr>
+            <a:spLocks noGrp="1"/>
+          </p:cNvSpPr>
+          <p:nvPr>
+            <p:ph type="title"/>
+          </p:nvPr>
+        </p:nvSpPr>
+        <p:spPr/>
+        <p:txBody>
+          <a:bodyPr/>
+          <a:lstStyle/>
+          <a:p>
+            <a:r>
+              <a:rPr lang="en-US" dirty="0"/>
+              <a:t>Fourth Q: where to get help</a:t>
+            </a:r>
+          </a:p>
+        </p:txBody>
+      </p:sp>
+      <p:sp>
+        <p:nvSpPr>
+          <p:cNvPr id="3" name="Content Placeholder 2">
+            <a:extLst>
+              <a:ext uri="{FF2B5EF4-FFF2-40B4-BE49-F238E27FC236}">
+                <a16:creationId xmlns:a16="http://schemas.microsoft.com/office/drawing/2014/main" id="{B86E7860-4F0A-411E-A86F-61B93D34774D}"/>
+              </a:ext>
+            </a:extLst>
+          </p:cNvPr>
+          <p:cNvSpPr>
+            <a:spLocks noGrp="1"/>
+          </p:cNvSpPr>
+          <p:nvPr>
+            <p:ph idx="1"/>
+          </p:nvPr>
+        </p:nvSpPr>
+        <p:spPr/>
+        <p:txBody>
+          <a:bodyPr/>
+          <a:lstStyle/>
+          <a:p>
+            <a:r>
+              <a:rPr lang="en-US" dirty="0"/>
+              <a:t>Google to get the right keyword</a:t>
+            </a:r>
+          </a:p>
+          <a:p>
+            <a:r>
+              <a:rPr lang="en-US" dirty="0"/>
+              <a:t>Official documentation / </a:t>
+            </a:r>
+            <a:r>
+              <a:rPr lang="en-US" dirty="0" err="1"/>
+              <a:t>github</a:t>
+            </a:r>
+            <a:r>
+              <a:rPr lang="en-US" dirty="0"/>
+              <a:t> repo</a:t>
+            </a:r>
+          </a:p>
+          <a:p>
+            <a:r>
+              <a:rPr lang="en-US" dirty="0" err="1"/>
+              <a:t>Stackoverflow</a:t>
+            </a:r>
+            <a:endParaRPr lang="en-US" dirty="0"/>
+          </a:p>
+          <a:p>
+            <a:r>
+              <a:rPr lang="en-US" dirty="0"/>
+              <a:t>Medium</a:t>
+            </a:r>
+          </a:p>
+          <a:p>
+            <a:r>
+              <a:rPr lang="en-US" dirty="0"/>
+              <a:t>Kaggle</a:t>
+            </a:r>
+          </a:p>
+          <a:p>
+            <a:r>
+              <a:rPr lang="en-US" dirty="0"/>
+              <a:t>Paper(s)</a:t>
+            </a:r>
+          </a:p>
+          <a:p>
+            <a:r>
+              <a:rPr lang="en-US" dirty="0"/>
+              <a:t>…</a:t>
+            </a:r>
+          </a:p>
+          <a:p>
+            <a:r>
+              <a:rPr lang="en-US" dirty="0"/>
+              <a:t>Human beings</a:t>
+            </a:r>
+          </a:p>
+          <a:p>
+            <a:endParaRPr lang="en-US" dirty="0"/>
+          </a:p>
+        </p:txBody>
+      </p:sp>
+    </p:spTree>
+    <p:extLst>
+      <p:ext uri="{BB962C8B-B14F-4D97-AF65-F5344CB8AC3E}">
+        <p14:creationId xmlns:p14="http://schemas.microsoft.com/office/powerpoint/2010/main" val="1911179738"/>
+      </p:ext>
+    </p:extLst>
+  </p:cSld>
+  <p:clrMapOvr>
+    <a:masterClrMapping/>
+  </p:clrMapOvr>
+</p:sld>
+</file>
+
 <file path=ppt/slides/slide3.xml><?xml version="1.0" encoding="utf-8"?>
 <p:sld xmlns:a="http://schemas.openxmlformats.org/drawingml/2006/main" xmlns:r="http://schemas.openxmlformats.org/officeDocument/2006/relationships" xmlns:p="http://schemas.openxmlformats.org/presentationml/2006/main">
   <p:cSld>
@@ -10076,7 +11849,7 @@
             <a:pPr lvl="1"/>
             <a:r>
               <a:rPr lang="en-US" sz="2800" dirty="0"/>
-              <a:t>Try to re-direct to other’s materials instead of creating my own</a:t>
+              <a:t>(delete?)Try to re-direct to other’s materials instead of creating my own</a:t>
             </a:r>
           </a:p>
           <a:p>
@@ -10099,6 +11872,208 @@
     <p:extLst>
       <p:ext uri="{BB962C8B-B14F-4D97-AF65-F5344CB8AC3E}">
         <p14:creationId xmlns:p14="http://schemas.microsoft.com/office/powerpoint/2010/main" val="3928775173"/>
+      </p:ext>
+    </p:extLst>
+  </p:cSld>
+  <p:clrMapOvr>
+    <a:masterClrMapping/>
+  </p:clrMapOvr>
+</p:sld>
+</file>
+
+<file path=ppt/slides/slide30.xml><?xml version="1.0" encoding="utf-8"?>
+<p:sld xmlns:a="http://schemas.openxmlformats.org/drawingml/2006/main" xmlns:r="http://schemas.openxmlformats.org/officeDocument/2006/relationships" xmlns:p="http://schemas.openxmlformats.org/presentationml/2006/main">
+  <p:cSld>
+    <p:spTree>
+      <p:nvGrpSpPr>
+        <p:cNvPr id="1" name=""/>
+        <p:cNvGrpSpPr/>
+        <p:nvPr/>
+      </p:nvGrpSpPr>
+      <p:grpSpPr>
+        <a:xfrm>
+          <a:off x="0" y="0"/>
+          <a:ext cx="0" cy="0"/>
+          <a:chOff x="0" y="0"/>
+          <a:chExt cx="0" cy="0"/>
+        </a:xfrm>
+      </p:grpSpPr>
+      <p:sp>
+        <p:nvSpPr>
+          <p:cNvPr id="2" name="Title 1">
+            <a:extLst>
+              <a:ext uri="{FF2B5EF4-FFF2-40B4-BE49-F238E27FC236}">
+                <a16:creationId xmlns:a16="http://schemas.microsoft.com/office/drawing/2014/main" id="{63110015-E64F-4BBB-97BC-BD74EB25D792}"/>
+              </a:ext>
+            </a:extLst>
+          </p:cNvPr>
+          <p:cNvSpPr>
+            <a:spLocks noGrp="1"/>
+          </p:cNvSpPr>
+          <p:nvPr>
+            <p:ph type="title"/>
+          </p:nvPr>
+        </p:nvSpPr>
+        <p:spPr/>
+        <p:txBody>
+          <a:bodyPr/>
+          <a:lstStyle/>
+          <a:p>
+            <a:r>
+              <a:rPr lang="en-US" dirty="0"/>
+              <a:t>Before we part…</a:t>
+            </a:r>
+          </a:p>
+        </p:txBody>
+      </p:sp>
+      <p:sp>
+        <p:nvSpPr>
+          <p:cNvPr id="4" name="Content Placeholder 3">
+            <a:extLst>
+              <a:ext uri="{FF2B5EF4-FFF2-40B4-BE49-F238E27FC236}">
+                <a16:creationId xmlns:a16="http://schemas.microsoft.com/office/drawing/2014/main" id="{4EF57F46-8818-4909-BF04-709799219FBA}"/>
+              </a:ext>
+            </a:extLst>
+          </p:cNvPr>
+          <p:cNvSpPr>
+            <a:spLocks noGrp="1"/>
+          </p:cNvSpPr>
+          <p:nvPr>
+            <p:ph idx="1"/>
+          </p:nvPr>
+        </p:nvSpPr>
+        <p:spPr/>
+        <p:txBody>
+          <a:bodyPr/>
+          <a:lstStyle/>
+          <a:p>
+            <a:r>
+              <a:rPr lang="en-US" sz="3200" dirty="0">
+                <a:hlinkClick r:id="rId2"/>
+              </a:rPr>
+              <a:t>If CS textbook authors were to write arithmetic books</a:t>
+            </a:r>
+            <a:endParaRPr lang="en-US" sz="3200" dirty="0"/>
+          </a:p>
+          <a:p>
+            <a:r>
+              <a:rPr lang="en-US" sz="3200" dirty="0"/>
+              <a:t>consider giving similar speech after graduation</a:t>
+            </a:r>
+          </a:p>
+          <a:p>
+            <a:r>
+              <a:rPr lang="en-US" sz="3200" dirty="0"/>
+              <a:t>Check the links on the slides (and maybe around them)</a:t>
+            </a:r>
+          </a:p>
+        </p:txBody>
+      </p:sp>
+    </p:spTree>
+    <p:extLst>
+      <p:ext uri="{BB962C8B-B14F-4D97-AF65-F5344CB8AC3E}">
+        <p14:creationId xmlns:p14="http://schemas.microsoft.com/office/powerpoint/2010/main" val="420670896"/>
+      </p:ext>
+    </p:extLst>
+  </p:cSld>
+  <p:clrMapOvr>
+    <a:masterClrMapping/>
+  </p:clrMapOvr>
+</p:sld>
+</file>
+
+<file path=ppt/slides/slide31.xml><?xml version="1.0" encoding="utf-8"?>
+<p:sld xmlns:a="http://schemas.openxmlformats.org/drawingml/2006/main" xmlns:r="http://schemas.openxmlformats.org/officeDocument/2006/relationships" xmlns:p="http://schemas.openxmlformats.org/presentationml/2006/main">
+  <p:cSld>
+    <p:spTree>
+      <p:nvGrpSpPr>
+        <p:cNvPr id="1" name=""/>
+        <p:cNvGrpSpPr/>
+        <p:nvPr/>
+      </p:nvGrpSpPr>
+      <p:grpSpPr>
+        <a:xfrm>
+          <a:off x="0" y="0"/>
+          <a:ext cx="0" cy="0"/>
+          <a:chOff x="0" y="0"/>
+          <a:chExt cx="0" cy="0"/>
+        </a:xfrm>
+      </p:grpSpPr>
+      <p:sp>
+        <p:nvSpPr>
+          <p:cNvPr id="2" name="Title 1">
+            <a:extLst>
+              <a:ext uri="{FF2B5EF4-FFF2-40B4-BE49-F238E27FC236}">
+                <a16:creationId xmlns:a16="http://schemas.microsoft.com/office/drawing/2014/main" id="{04365A58-2B72-415E-881D-F83E7E857462}"/>
+              </a:ext>
+            </a:extLst>
+          </p:cNvPr>
+          <p:cNvSpPr>
+            <a:spLocks noGrp="1"/>
+          </p:cNvSpPr>
+          <p:nvPr>
+            <p:ph type="title"/>
+          </p:nvPr>
+        </p:nvSpPr>
+        <p:spPr/>
+        <p:txBody>
+          <a:bodyPr/>
+          <a:lstStyle/>
+          <a:p>
+            <a:r>
+              <a:rPr lang="en-US" dirty="0"/>
+              <a:t>Congratulations!</a:t>
+            </a:r>
+          </a:p>
+        </p:txBody>
+      </p:sp>
+      <p:sp>
+        <p:nvSpPr>
+          <p:cNvPr id="3" name="Content Placeholder 2">
+            <a:extLst>
+              <a:ext uri="{FF2B5EF4-FFF2-40B4-BE49-F238E27FC236}">
+                <a16:creationId xmlns:a16="http://schemas.microsoft.com/office/drawing/2014/main" id="{F4B4FE40-60FD-412A-8EE6-C95780B622AA}"/>
+              </a:ext>
+            </a:extLst>
+          </p:cNvPr>
+          <p:cNvSpPr>
+            <a:spLocks noGrp="1"/>
+          </p:cNvSpPr>
+          <p:nvPr>
+            <p:ph idx="1"/>
+          </p:nvPr>
+        </p:nvSpPr>
+        <p:spPr/>
+        <p:txBody>
+          <a:bodyPr/>
+          <a:lstStyle/>
+          <a:p>
+            <a:r>
+              <a:rPr lang="en-US" dirty="0"/>
+              <a:t>Smart decision to advance study when economy is down</a:t>
+            </a:r>
+          </a:p>
+          <a:p>
+            <a:r>
+              <a:rPr lang="en-US" dirty="0"/>
+              <a:t>AI / data analysis is interesting in itself</a:t>
+            </a:r>
+          </a:p>
+          <a:p>
+            <a:r>
+              <a:rPr lang="en-US" dirty="0"/>
+              <a:t>Start of semester, or even change of environment</a:t>
+            </a:r>
+          </a:p>
+          <a:p>
+            <a:endParaRPr lang="en-US" dirty="0"/>
+          </a:p>
+        </p:txBody>
+      </p:sp>
+    </p:spTree>
+    <p:extLst>
+      <p:ext uri="{BB962C8B-B14F-4D97-AF65-F5344CB8AC3E}">
+        <p14:creationId xmlns:p14="http://schemas.microsoft.com/office/powerpoint/2010/main" val="351178066"/>
       </p:ext>
     </p:extLst>
   </p:cSld>
@@ -10237,7 +12212,7 @@
           <a:p>
             <a:r>
               <a:rPr lang="en-US" dirty="0"/>
-              <a:t>First Q: why python (for data science)</a:t>
+              <a:t>Q: why python (for data science)</a:t>
             </a:r>
           </a:p>
         </p:txBody>
@@ -10545,7 +12520,7 @@
           <a:p>
             <a:r>
               <a:rPr lang="en-US" dirty="0"/>
-              <a:t>Second Q: what tools to use</a:t>
+              <a:t>Q: what tools to use</a:t>
             </a:r>
           </a:p>
         </p:txBody>
@@ -10753,7 +12728,7 @@
           <p:cNvPr id="2" name="Title 1">
             <a:extLst>
               <a:ext uri="{FF2B5EF4-FFF2-40B4-BE49-F238E27FC236}">
-                <a16:creationId xmlns:a16="http://schemas.microsoft.com/office/drawing/2014/main" id="{90DBCEC2-4571-4A84-8868-5F24AD229CA9}"/>
+                <a16:creationId xmlns:a16="http://schemas.microsoft.com/office/drawing/2014/main" id="{DE9BE244-FFEC-4ECA-8950-68928C79164D}"/>
               </a:ext>
             </a:extLst>
           </p:cNvPr>
@@ -10770,8 +12745,12 @@
           <a:lstStyle/>
           <a:p>
             <a:r>
-              <a:rPr lang="en-US" dirty="0"/>
-              <a:t>Demo 2: a basic ML pipeline</a:t>
+              <a:rPr lang="en-US"/>
+              <a:t>programming </a:t>
+            </a:r>
+            <a:r>
+              <a:rPr lang="en-US" dirty="0"/>
+              <a:t>vocabularies</a:t>
             </a:r>
           </a:p>
         </p:txBody>
@@ -10781,7 +12760,7 @@
           <p:cNvPr id="3" name="Content Placeholder 2">
             <a:extLst>
               <a:ext uri="{FF2B5EF4-FFF2-40B4-BE49-F238E27FC236}">
-                <a16:creationId xmlns:a16="http://schemas.microsoft.com/office/drawing/2014/main" id="{0A1CF431-FA55-4679-8D5D-40DF68108022}"/>
+                <a16:creationId xmlns:a16="http://schemas.microsoft.com/office/drawing/2014/main" id="{D9D0EE8C-DFA9-4B25-B6FB-69753AFBE8A7}"/>
               </a:ext>
             </a:extLst>
           </p:cNvPr>
@@ -10794,29 +12773,98 @@
         </p:nvSpPr>
         <p:spPr/>
         <p:txBody>
-          <a:bodyPr/>
+          <a:bodyPr>
+            <a:normAutofit lnSpcReduction="10000"/>
+          </a:bodyPr>
           <a:lstStyle/>
           <a:p>
             <a:r>
               <a:rPr lang="en-US" dirty="0"/>
-              <a:t>Python basic vocabulary</a:t>
-            </a:r>
-          </a:p>
-          <a:p>
-            <a:r>
-              <a:rPr lang="en-US" dirty="0"/>
-              <a:t>Go through reading code</a:t>
-            </a:r>
-          </a:p>
-          <a:p>
-            <a:r>
-              <a:rPr lang="en-US" dirty="0"/>
-              <a:t>Basic pipeline with data loading, feature engineering, training, predicting, evaluation</a:t>
-            </a:r>
-            <a:r>
-              <a:rPr lang="en-US"/>
-              <a:t>, plotting</a:t>
-            </a:r>
+              <a:t>Data types</a:t>
+            </a:r>
+          </a:p>
+          <a:p>
+            <a:pPr lvl="1"/>
+            <a:r>
+              <a:rPr lang="en-US" dirty="0"/>
+              <a:t>Numeric</a:t>
+            </a:r>
+          </a:p>
+          <a:p>
+            <a:pPr lvl="1"/>
+            <a:r>
+              <a:rPr lang="en-US" dirty="0"/>
+              <a:t>Boolean</a:t>
+            </a:r>
+          </a:p>
+          <a:p>
+            <a:pPr lvl="1"/>
+            <a:r>
+              <a:rPr lang="en-US" dirty="0"/>
+              <a:t>Sequence</a:t>
+            </a:r>
+          </a:p>
+          <a:p>
+            <a:pPr lvl="1"/>
+            <a:r>
+              <a:rPr lang="en-US" dirty="0"/>
+              <a:t>Dictionary</a:t>
+            </a:r>
+          </a:p>
+          <a:p>
+            <a:pPr lvl="1"/>
+            <a:r>
+              <a:rPr lang="en-US" dirty="0"/>
+              <a:t>…</a:t>
+            </a:r>
+          </a:p>
+          <a:p>
+            <a:r>
+              <a:rPr lang="en-US" dirty="0"/>
+              <a:t>Control flow</a:t>
+            </a:r>
+          </a:p>
+          <a:p>
+            <a:pPr lvl="1"/>
+            <a:r>
+              <a:rPr lang="en-US" dirty="0"/>
+              <a:t>If … </a:t>
+            </a:r>
+            <a:r>
+              <a:rPr lang="en-US" dirty="0" err="1"/>
+              <a:t>elif</a:t>
+            </a:r>
+            <a:r>
+              <a:rPr lang="en-US" dirty="0"/>
+              <a:t> … else</a:t>
+            </a:r>
+          </a:p>
+          <a:p>
+            <a:pPr lvl="1"/>
+            <a:r>
+              <a:rPr lang="en-US" dirty="0"/>
+              <a:t>For …</a:t>
+            </a:r>
+          </a:p>
+          <a:p>
+            <a:pPr lvl="1"/>
+            <a:r>
+              <a:rPr lang="en-US" dirty="0"/>
+              <a:t>While …</a:t>
+            </a:r>
+          </a:p>
+          <a:p>
+            <a:pPr lvl="1"/>
+            <a:r>
+              <a:rPr lang="en-US" dirty="0"/>
+              <a:t>…</a:t>
+            </a:r>
+          </a:p>
+          <a:p>
+            <a:pPr lvl="1"/>
+            <a:endParaRPr lang="en-US" dirty="0"/>
+          </a:p>
+          <a:p>
             <a:endParaRPr lang="en-US" dirty="0"/>
           </a:p>
         </p:txBody>
@@ -10824,7 +12872,7 @@
     </p:spTree>
     <p:extLst>
       <p:ext uri="{BB962C8B-B14F-4D97-AF65-F5344CB8AC3E}">
-        <p14:creationId xmlns:p14="http://schemas.microsoft.com/office/powerpoint/2010/main" val="2284812612"/>
+        <p14:creationId xmlns:p14="http://schemas.microsoft.com/office/powerpoint/2010/main" val="439385333"/>
       </p:ext>
     </p:extLst>
   </p:cSld>

--- a/Intro.pptx
+++ b/Intro.pptx
@@ -1,44 +1,45 @@
 
 <file path=ppt/presentation.xml><?xml version="1.0" encoding="utf-8"?>
-<p:presentation xmlns:a="http://schemas.openxmlformats.org/drawingml/2006/main" xmlns:r="http://schemas.openxmlformats.org/officeDocument/2006/relationships" xmlns:p="http://schemas.openxmlformats.org/presentationml/2006/main" saveSubsetFonts="1">
+<p:presentation xmlns:a="http://schemas.openxmlformats.org/drawingml/2006/main" xmlns:r="http://schemas.openxmlformats.org/officeDocument/2006/relationships" xmlns:p="http://schemas.openxmlformats.org/presentationml/2006/main">
   <p:sldMasterIdLst>
     <p:sldMasterId id="2147483648" r:id="rId1"/>
   </p:sldMasterIdLst>
   <p:notesMasterIdLst>
-    <p:notesMasterId r:id="rId33"/>
+    <p:notesMasterId r:id="rId5"/>
   </p:notesMasterIdLst>
   <p:sldIdLst>
-    <p:sldId id="256" r:id="rId2"/>
-    <p:sldId id="258" r:id="rId3"/>
-    <p:sldId id="265" r:id="rId4"/>
-    <p:sldId id="257" r:id="rId5"/>
-    <p:sldId id="259" r:id="rId6"/>
-    <p:sldId id="264" r:id="rId7"/>
-    <p:sldId id="260" r:id="rId8"/>
-    <p:sldId id="268" r:id="rId9"/>
-    <p:sldId id="275" r:id="rId10"/>
-    <p:sldId id="277" r:id="rId11"/>
-    <p:sldId id="279" r:id="rId12"/>
-    <p:sldId id="276" r:id="rId13"/>
-    <p:sldId id="282" r:id="rId14"/>
-    <p:sldId id="283" r:id="rId15"/>
-    <p:sldId id="281" r:id="rId16"/>
-    <p:sldId id="285" r:id="rId17"/>
-    <p:sldId id="286" r:id="rId18"/>
-    <p:sldId id="288" r:id="rId19"/>
-    <p:sldId id="287" r:id="rId20"/>
-    <p:sldId id="289" r:id="rId21"/>
-    <p:sldId id="272" r:id="rId22"/>
-    <p:sldId id="261" r:id="rId23"/>
-    <p:sldId id="270" r:id="rId24"/>
-    <p:sldId id="271" r:id="rId25"/>
-    <p:sldId id="290" r:id="rId26"/>
-    <p:sldId id="274" r:id="rId27"/>
-    <p:sldId id="273" r:id="rId28"/>
-    <p:sldId id="262" r:id="rId29"/>
-    <p:sldId id="263" r:id="rId30"/>
-    <p:sldId id="266" r:id="rId31"/>
-    <p:sldId id="267" r:id="rId32"/>
+    <p:sldId id="256" r:id="rId3"/>
+    <p:sldId id="258" r:id="rId4"/>
+    <p:sldId id="265" r:id="rId6"/>
+    <p:sldId id="257" r:id="rId7"/>
+    <p:sldId id="303" r:id="rId8"/>
+    <p:sldId id="259" r:id="rId9"/>
+    <p:sldId id="264" r:id="rId10"/>
+    <p:sldId id="260" r:id="rId11"/>
+    <p:sldId id="268" r:id="rId12"/>
+    <p:sldId id="275" r:id="rId13"/>
+    <p:sldId id="277" r:id="rId14"/>
+    <p:sldId id="279" r:id="rId15"/>
+    <p:sldId id="276" r:id="rId16"/>
+    <p:sldId id="282" r:id="rId17"/>
+    <p:sldId id="283" r:id="rId18"/>
+    <p:sldId id="281" r:id="rId19"/>
+    <p:sldId id="285" r:id="rId20"/>
+    <p:sldId id="286" r:id="rId21"/>
+    <p:sldId id="288" r:id="rId22"/>
+    <p:sldId id="287" r:id="rId23"/>
+    <p:sldId id="289" r:id="rId24"/>
+    <p:sldId id="272" r:id="rId25"/>
+    <p:sldId id="261" r:id="rId26"/>
+    <p:sldId id="270" r:id="rId27"/>
+    <p:sldId id="271" r:id="rId28"/>
+    <p:sldId id="290" r:id="rId29"/>
+    <p:sldId id="274" r:id="rId30"/>
+    <p:sldId id="262" r:id="rId31"/>
+    <p:sldId id="263" r:id="rId32"/>
+    <p:sldId id="266" r:id="rId33"/>
+    <p:sldId id="267" r:id="rId34"/>
+    <p:sldId id="302" r:id="rId35"/>
   </p:sldIdLst>
   <p:sldSz cx="12192000" cy="6858000"/>
   <p:notesSz cx="6858000" cy="9144000"/>
@@ -138,8 +139,61 @@
     </a:lvl9pPr>
   </p:defaultTextStyle>
   <p:extLst>
-    <p:ext uri="{EFAFB233-063F-42B5-8137-9DF3F51BA10A}">
-      <p15:sldGuideLst xmlns:p15="http://schemas.microsoft.com/office/powerpoint/2012/main"/>
+    <p:ext uri="{521415D9-36F7-43E2-AB2F-B90AF26B5E84}">
+      <p14:sectionLst xmlns:p14="http://schemas.microsoft.com/office/powerpoint/2010/main">
+        <p14:section name="默认节" id="{c582ab3f-a5fe-4d6f-9115-146eb5c86743}">
+          <p14:sldIdLst>
+            <p14:sldId id="256"/>
+          </p14:sldIdLst>
+        </p14:section>
+        <p14:section name="MentalPrepare" id="{25649ebe-c188-432f-8595-72a5aff3295d}">
+          <p14:sldIdLst>
+            <p14:sldId id="258"/>
+            <p14:sldId id="265"/>
+            <p14:sldId id="257"/>
+            <p14:sldId id="303"/>
+            <p14:sldId id="259"/>
+            <p14:sldId id="264"/>
+            <p14:sldId id="260"/>
+            <p14:sldId id="268"/>
+          </p14:sldIdLst>
+        </p14:section>
+        <p14:section name="Basics_readCode" id="{3d2ccb80-0824-4d79-84d6-60c1afc4f6de}">
+          <p14:sldIdLst>
+            <p14:sldId id="275"/>
+            <p14:sldId id="277"/>
+            <p14:sldId id="279"/>
+            <p14:sldId id="276"/>
+            <p14:sldId id="282"/>
+            <p14:sldId id="283"/>
+            <p14:sldId id="285"/>
+            <p14:sldId id="286"/>
+            <p14:sldId id="288"/>
+            <p14:sldId id="287"/>
+            <p14:sldId id="289"/>
+            <p14:sldId id="272"/>
+            <p14:sldId id="281"/>
+          </p14:sldIdLst>
+        </p14:section>
+        <p14:section name="WriteBetterCode" id="{9714212b-e7f1-465a-a91c-73033fcb63fb}">
+          <p14:sldIdLst>
+            <p14:sldId id="261"/>
+            <p14:sldId id="270"/>
+            <p14:sldId id="271"/>
+            <p14:sldId id="290"/>
+            <p14:sldId id="274"/>
+            <p14:sldId id="262"/>
+            <p14:sldId id="263"/>
+          </p14:sldIdLst>
+        </p14:section>
+        <p14:section name="Conclusion" id="{4118c437-2137-4706-a389-4be976ef80ec}">
+          <p14:sldIdLst>
+            <p14:sldId id="266"/>
+            <p14:sldId id="267"/>
+            <p14:sldId id="302"/>
+          </p14:sldIdLst>
+        </p14:section>
+      </p14:sectionLst>
     </p:ext>
   </p:extLst>
 </p:presentation>
@@ -152,117 +206,39 @@
   <dgm:catLst>
     <dgm:cat type="accent3" pri="11200"/>
   </dgm:catLst>
-  <dgm:styleLbl name="node0">
+  <dgm:styleLbl name="alignAcc1">
     <dgm:fillClrLst meth="repeat">
-      <a:schemeClr val="accent3"/>
-    </dgm:fillClrLst>
-    <dgm:linClrLst meth="repeat">
-      <a:schemeClr val="lt1"/>
-    </dgm:linClrLst>
-    <dgm:effectClrLst/>
-    <dgm:txLinClrLst/>
-    <dgm:txFillClrLst/>
-    <dgm:txEffectClrLst/>
-  </dgm:styleLbl>
-  <dgm:styleLbl name="node1">
-    <dgm:fillClrLst meth="repeat">
-      <a:schemeClr val="accent3"/>
-    </dgm:fillClrLst>
-    <dgm:linClrLst meth="repeat">
-      <a:schemeClr val="lt1"/>
-    </dgm:linClrLst>
-    <dgm:effectClrLst/>
-    <dgm:txLinClrLst/>
-    <dgm:txFillClrLst/>
-    <dgm:txEffectClrLst/>
-  </dgm:styleLbl>
-  <dgm:styleLbl name="alignNode1">
-    <dgm:fillClrLst meth="repeat">
-      <a:schemeClr val="accent3"/>
+      <a:schemeClr val="lt1">
+        <a:alpha val="90000"/>
+      </a:schemeClr>
     </dgm:fillClrLst>
     <dgm:linClrLst meth="repeat">
       <a:schemeClr val="accent3"/>
     </dgm:linClrLst>
     <dgm:effectClrLst/>
     <dgm:txLinClrLst/>
-    <dgm:txFillClrLst/>
+    <dgm:txFillClrLst meth="repeat">
+      <a:schemeClr val="dk1"/>
+    </dgm:txFillClrLst>
     <dgm:txEffectClrLst/>
   </dgm:styleLbl>
-  <dgm:styleLbl name="lnNode1">
-    <dgm:fillClrLst meth="repeat">
-      <a:schemeClr val="accent3"/>
-    </dgm:fillClrLst>
-    <dgm:linClrLst meth="repeat">
-      <a:schemeClr val="lt1"/>
-    </dgm:linClrLst>
-    <dgm:effectClrLst/>
-    <dgm:txLinClrLst/>
-    <dgm:txFillClrLst/>
-    <dgm:txEffectClrLst/>
-  </dgm:styleLbl>
-  <dgm:styleLbl name="vennNode1">
+  <dgm:styleLbl name="alignAccFollowNode1">
     <dgm:fillClrLst meth="repeat">
       <a:schemeClr val="accent3">
-        <a:alpha val="50000"/>
+        <a:alpha val="90000"/>
+        <a:tint val="40000"/>
       </a:schemeClr>
     </dgm:fillClrLst>
     <dgm:linClrLst meth="repeat">
-      <a:schemeClr val="lt1"/>
-    </dgm:linClrLst>
-    <dgm:effectClrLst/>
-    <dgm:txLinClrLst/>
-    <dgm:txFillClrLst/>
-    <dgm:txEffectClrLst/>
-  </dgm:styleLbl>
-  <dgm:styleLbl name="node2">
-    <dgm:fillClrLst meth="repeat">
-      <a:schemeClr val="accent3"/>
-    </dgm:fillClrLst>
-    <dgm:linClrLst meth="repeat">
-      <a:schemeClr val="lt1"/>
-    </dgm:linClrLst>
-    <dgm:effectClrLst/>
-    <dgm:txLinClrLst/>
-    <dgm:txFillClrLst/>
-    <dgm:txEffectClrLst/>
-  </dgm:styleLbl>
-  <dgm:styleLbl name="node3">
-    <dgm:fillClrLst meth="repeat">
-      <a:schemeClr val="accent3"/>
-    </dgm:fillClrLst>
-    <dgm:linClrLst meth="repeat">
-      <a:schemeClr val="lt1"/>
-    </dgm:linClrLst>
-    <dgm:effectClrLst/>
-    <dgm:txLinClrLst/>
-    <dgm:txFillClrLst/>
-    <dgm:txEffectClrLst/>
-  </dgm:styleLbl>
-  <dgm:styleLbl name="node4">
-    <dgm:fillClrLst meth="repeat">
-      <a:schemeClr val="accent3"/>
-    </dgm:fillClrLst>
-    <dgm:linClrLst meth="repeat">
-      <a:schemeClr val="lt1"/>
-    </dgm:linClrLst>
-    <dgm:effectClrLst/>
-    <dgm:txLinClrLst/>
-    <dgm:txFillClrLst/>
-    <dgm:txEffectClrLst/>
-  </dgm:styleLbl>
-  <dgm:styleLbl name="fgImgPlace1">
-    <dgm:fillClrLst meth="repeat">
       <a:schemeClr val="accent3">
-        <a:tint val="50000"/>
+        <a:alpha val="90000"/>
+        <a:tint val="40000"/>
       </a:schemeClr>
-    </dgm:fillClrLst>
-    <dgm:linClrLst meth="repeat">
-      <a:schemeClr val="lt1"/>
     </dgm:linClrLst>
     <dgm:effectClrLst/>
     <dgm:txLinClrLst/>
     <dgm:txFillClrLst meth="repeat">
-      <a:schemeClr val="lt1"/>
+      <a:schemeClr val="dk1"/>
     </dgm:txFillClrLst>
     <dgm:txEffectClrLst/>
   </dgm:styleLbl>
@@ -282,71 +258,7 @@
     </dgm:txFillClrLst>
     <dgm:txEffectClrLst/>
   </dgm:styleLbl>
-  <dgm:styleLbl name="bgImgPlace1">
-    <dgm:fillClrLst meth="repeat">
-      <a:schemeClr val="accent3">
-        <a:tint val="50000"/>
-      </a:schemeClr>
-    </dgm:fillClrLst>
-    <dgm:linClrLst meth="repeat">
-      <a:schemeClr val="lt1"/>
-    </dgm:linClrLst>
-    <dgm:effectClrLst/>
-    <dgm:txLinClrLst/>
-    <dgm:txFillClrLst meth="repeat">
-      <a:schemeClr val="lt1"/>
-    </dgm:txFillClrLst>
-    <dgm:txEffectClrLst/>
-  </dgm:styleLbl>
-  <dgm:styleLbl name="sibTrans2D1">
-    <dgm:fillClrLst meth="repeat">
-      <a:schemeClr val="accent3">
-        <a:tint val="60000"/>
-      </a:schemeClr>
-    </dgm:fillClrLst>
-    <dgm:linClrLst meth="repeat">
-      <a:schemeClr val="accent3">
-        <a:tint val="60000"/>
-      </a:schemeClr>
-    </dgm:linClrLst>
-    <dgm:effectClrLst/>
-    <dgm:txLinClrLst/>
-    <dgm:txFillClrLst/>
-    <dgm:txEffectClrLst/>
-  </dgm:styleLbl>
-  <dgm:styleLbl name="fgSibTrans2D1">
-    <dgm:fillClrLst meth="repeat">
-      <a:schemeClr val="accent3">
-        <a:tint val="60000"/>
-      </a:schemeClr>
-    </dgm:fillClrLst>
-    <dgm:linClrLst meth="repeat">
-      <a:schemeClr val="accent3">
-        <a:tint val="60000"/>
-      </a:schemeClr>
-    </dgm:linClrLst>
-    <dgm:effectClrLst/>
-    <dgm:txLinClrLst/>
-    <dgm:txFillClrLst/>
-    <dgm:txEffectClrLst/>
-  </dgm:styleLbl>
-  <dgm:styleLbl name="bgSibTrans2D1">
-    <dgm:fillClrLst meth="repeat">
-      <a:schemeClr val="accent3">
-        <a:tint val="60000"/>
-      </a:schemeClr>
-    </dgm:fillClrLst>
-    <dgm:linClrLst meth="repeat">
-      <a:schemeClr val="accent3">
-        <a:tint val="60000"/>
-      </a:schemeClr>
-    </dgm:linClrLst>
-    <dgm:effectClrLst/>
-    <dgm:txLinClrLst/>
-    <dgm:txFillClrLst/>
-    <dgm:txEffectClrLst/>
-  </dgm:styleLbl>
-  <dgm:styleLbl name="sibTrans1D1">
+  <dgm:styleLbl name="alignNode1">
     <dgm:fillClrLst meth="repeat">
       <a:schemeClr val="accent3"/>
     </dgm:fillClrLst>
@@ -355,25 +267,7 @@
     </dgm:linClrLst>
     <dgm:effectClrLst/>
     <dgm:txLinClrLst/>
-    <dgm:txFillClrLst meth="repeat">
-      <a:schemeClr val="tx1"/>
-    </dgm:txFillClrLst>
-    <dgm:txEffectClrLst/>
-  </dgm:styleLbl>
-  <dgm:styleLbl name="callout">
-    <dgm:fillClrLst meth="repeat">
-      <a:schemeClr val="accent3"/>
-    </dgm:fillClrLst>
-    <dgm:linClrLst meth="repeat">
-      <a:schemeClr val="accent3">
-        <a:tint val="50000"/>
-      </a:schemeClr>
-    </dgm:linClrLst>
-    <dgm:effectClrLst/>
-    <dgm:txLinClrLst/>
-    <dgm:txFillClrLst meth="repeat">
-      <a:schemeClr val="tx1"/>
-    </dgm:txFillClrLst>
+    <dgm:txFillClrLst/>
     <dgm:txEffectClrLst/>
   </dgm:styleLbl>
   <dgm:styleLbl name="asst0">
@@ -436,7 +330,75 @@
     <dgm:txFillClrLst/>
     <dgm:txEffectClrLst/>
   </dgm:styleLbl>
-  <dgm:styleLbl name="parChTrans2D1">
+  <dgm:styleLbl name="bgAcc1">
+    <dgm:fillClrLst meth="repeat">
+      <a:schemeClr val="lt1">
+        <a:alpha val="90000"/>
+      </a:schemeClr>
+    </dgm:fillClrLst>
+    <dgm:linClrLst meth="repeat">
+      <a:schemeClr val="accent3"/>
+    </dgm:linClrLst>
+    <dgm:effectClrLst/>
+    <dgm:txLinClrLst/>
+    <dgm:txFillClrLst meth="repeat">
+      <a:schemeClr val="dk1"/>
+    </dgm:txFillClrLst>
+    <dgm:txEffectClrLst/>
+  </dgm:styleLbl>
+  <dgm:styleLbl name="bgAccFollowNode1">
+    <dgm:fillClrLst meth="repeat">
+      <a:schemeClr val="accent3">
+        <a:alpha val="90000"/>
+        <a:tint val="40000"/>
+      </a:schemeClr>
+    </dgm:fillClrLst>
+    <dgm:linClrLst meth="repeat">
+      <a:schemeClr val="accent3">
+        <a:alpha val="90000"/>
+        <a:tint val="40000"/>
+      </a:schemeClr>
+    </dgm:linClrLst>
+    <dgm:effectClrLst/>
+    <dgm:txLinClrLst/>
+    <dgm:txFillClrLst meth="repeat">
+      <a:schemeClr val="dk1"/>
+    </dgm:txFillClrLst>
+    <dgm:txEffectClrLst/>
+  </dgm:styleLbl>
+  <dgm:styleLbl name="bgImgPlace1">
+    <dgm:fillClrLst meth="repeat">
+      <a:schemeClr val="accent3">
+        <a:tint val="50000"/>
+      </a:schemeClr>
+    </dgm:fillClrLst>
+    <dgm:linClrLst meth="repeat">
+      <a:schemeClr val="lt1"/>
+    </dgm:linClrLst>
+    <dgm:effectClrLst/>
+    <dgm:txLinClrLst/>
+    <dgm:txFillClrLst meth="repeat">
+      <a:schemeClr val="lt1"/>
+    </dgm:txFillClrLst>
+    <dgm:txEffectClrLst/>
+  </dgm:styleLbl>
+  <dgm:styleLbl name="bgShp">
+    <dgm:fillClrLst meth="repeat">
+      <a:schemeClr val="accent3">
+        <a:tint val="40000"/>
+      </a:schemeClr>
+    </dgm:fillClrLst>
+    <dgm:linClrLst meth="repeat">
+      <a:schemeClr val="accent3"/>
+    </dgm:linClrLst>
+    <dgm:effectClrLst/>
+    <dgm:txLinClrLst/>
+    <dgm:txFillClrLst meth="repeat">
+      <a:schemeClr val="dk1"/>
+    </dgm:txFillClrLst>
+    <dgm:txEffectClrLst/>
+  </dgm:styleLbl>
+  <dgm:styleLbl name="bgSibTrans2D1">
     <dgm:fillClrLst meth="repeat">
       <a:schemeClr val="accent3">
         <a:tint val="60000"/>
@@ -449,14 +411,46 @@
     </dgm:linClrLst>
     <dgm:effectClrLst/>
     <dgm:txLinClrLst/>
+    <dgm:txFillClrLst/>
+    <dgm:txEffectClrLst/>
+  </dgm:styleLbl>
+  <dgm:styleLbl name="callout">
+    <dgm:fillClrLst meth="repeat">
+      <a:schemeClr val="accent3"/>
+    </dgm:fillClrLst>
+    <dgm:linClrLst meth="repeat">
+      <a:schemeClr val="accent3">
+        <a:tint val="50000"/>
+      </a:schemeClr>
+    </dgm:linClrLst>
+    <dgm:effectClrLst/>
+    <dgm:txLinClrLst/>
     <dgm:txFillClrLst meth="repeat">
-      <a:schemeClr val="lt1"/>
+      <a:schemeClr val="tx1"/>
     </dgm:txFillClrLst>
     <dgm:txEffectClrLst/>
   </dgm:styleLbl>
-  <dgm:styleLbl name="parChTrans2D2">
+  <dgm:styleLbl name="conFgAcc1">
     <dgm:fillClrLst meth="repeat">
+      <a:schemeClr val="lt1">
+        <a:alpha val="90000"/>
+      </a:schemeClr>
+    </dgm:fillClrLst>
+    <dgm:linClrLst meth="repeat">
       <a:schemeClr val="accent3"/>
+    </dgm:linClrLst>
+    <dgm:effectClrLst/>
+    <dgm:txLinClrLst/>
+    <dgm:txFillClrLst meth="repeat">
+      <a:schemeClr val="dk1"/>
+    </dgm:txFillClrLst>
+    <dgm:txEffectClrLst/>
+  </dgm:styleLbl>
+  <dgm:styleLbl name="dkBgShp">
+    <dgm:fillClrLst meth="repeat">
+      <a:schemeClr val="accent3">
+        <a:shade val="80000"/>
+      </a:schemeClr>
     </dgm:fillClrLst>
     <dgm:linClrLst meth="repeat">
       <a:schemeClr val="accent3"/>
@@ -468,12 +462,114 @@
     </dgm:txFillClrLst>
     <dgm:txEffectClrLst/>
   </dgm:styleLbl>
-  <dgm:styleLbl name="parChTrans2D3">
+  <dgm:styleLbl name="fgAcc0">
     <dgm:fillClrLst meth="repeat">
-      <a:schemeClr val="accent3"/>
+      <a:schemeClr val="lt1">
+        <a:alpha val="90000"/>
+      </a:schemeClr>
     </dgm:fillClrLst>
     <dgm:linClrLst meth="repeat">
       <a:schemeClr val="accent3"/>
+    </dgm:linClrLst>
+    <dgm:effectClrLst/>
+    <dgm:txLinClrLst/>
+    <dgm:txFillClrLst meth="repeat">
+      <a:schemeClr val="dk1"/>
+    </dgm:txFillClrLst>
+    <dgm:txEffectClrLst/>
+  </dgm:styleLbl>
+  <dgm:styleLbl name="fgAcc1">
+    <dgm:fillClrLst meth="repeat">
+      <a:schemeClr val="lt1">
+        <a:alpha val="90000"/>
+      </a:schemeClr>
+    </dgm:fillClrLst>
+    <dgm:linClrLst meth="repeat">
+      <a:schemeClr val="accent3"/>
+    </dgm:linClrLst>
+    <dgm:effectClrLst/>
+    <dgm:txLinClrLst/>
+    <dgm:txFillClrLst meth="repeat">
+      <a:schemeClr val="dk1"/>
+    </dgm:txFillClrLst>
+    <dgm:txEffectClrLst/>
+  </dgm:styleLbl>
+  <dgm:styleLbl name="fgAcc2">
+    <dgm:fillClrLst meth="repeat">
+      <a:schemeClr val="lt1">
+        <a:alpha val="90000"/>
+      </a:schemeClr>
+    </dgm:fillClrLst>
+    <dgm:linClrLst meth="repeat">
+      <a:schemeClr val="accent3"/>
+    </dgm:linClrLst>
+    <dgm:effectClrLst/>
+    <dgm:txLinClrLst/>
+    <dgm:txFillClrLst meth="repeat">
+      <a:schemeClr val="dk1"/>
+    </dgm:txFillClrLst>
+    <dgm:txEffectClrLst/>
+  </dgm:styleLbl>
+  <dgm:styleLbl name="fgAcc3">
+    <dgm:fillClrLst meth="repeat">
+      <a:schemeClr val="lt1">
+        <a:alpha val="90000"/>
+      </a:schemeClr>
+    </dgm:fillClrLst>
+    <dgm:linClrLst meth="repeat">
+      <a:schemeClr val="accent3"/>
+    </dgm:linClrLst>
+    <dgm:effectClrLst/>
+    <dgm:txLinClrLst/>
+    <dgm:txFillClrLst meth="repeat">
+      <a:schemeClr val="dk1"/>
+    </dgm:txFillClrLst>
+    <dgm:txEffectClrLst/>
+  </dgm:styleLbl>
+  <dgm:styleLbl name="fgAcc4">
+    <dgm:fillClrLst meth="repeat">
+      <a:schemeClr val="lt1">
+        <a:alpha val="90000"/>
+      </a:schemeClr>
+    </dgm:fillClrLst>
+    <dgm:linClrLst meth="repeat">
+      <a:schemeClr val="accent3"/>
+    </dgm:linClrLst>
+    <dgm:effectClrLst/>
+    <dgm:txLinClrLst/>
+    <dgm:txFillClrLst meth="repeat">
+      <a:schemeClr val="dk1"/>
+    </dgm:txFillClrLst>
+    <dgm:txEffectClrLst/>
+  </dgm:styleLbl>
+  <dgm:styleLbl name="fgAccFollowNode1">
+    <dgm:fillClrLst meth="repeat">
+      <a:schemeClr val="accent3">
+        <a:alpha val="90000"/>
+        <a:tint val="40000"/>
+      </a:schemeClr>
+    </dgm:fillClrLst>
+    <dgm:linClrLst meth="repeat">
+      <a:schemeClr val="accent3">
+        <a:alpha val="90000"/>
+        <a:tint val="40000"/>
+      </a:schemeClr>
+    </dgm:linClrLst>
+    <dgm:effectClrLst/>
+    <dgm:txLinClrLst/>
+    <dgm:txFillClrLst meth="repeat">
+      <a:schemeClr val="dk1"/>
+    </dgm:txFillClrLst>
+    <dgm:txEffectClrLst/>
+  </dgm:styleLbl>
+  <dgm:styleLbl name="fgImgPlace1">
+    <dgm:fillClrLst meth="repeat">
+      <a:schemeClr val="accent3">
+        <a:tint val="50000"/>
+      </a:schemeClr>
+    </dgm:fillClrLst>
+    <dgm:linClrLst meth="repeat">
+      <a:schemeClr val="lt1"/>
     </dgm:linClrLst>
     <dgm:effectClrLst/>
     <dgm:txLinClrLst/>
@@ -482,18 +578,108 @@
     </dgm:txFillClrLst>
     <dgm:txEffectClrLst/>
   </dgm:styleLbl>
-  <dgm:styleLbl name="parChTrans2D4">
+  <dgm:styleLbl name="fgShp">
+    <dgm:fillClrLst meth="repeat">
+      <a:schemeClr val="accent3">
+        <a:tint val="60000"/>
+      </a:schemeClr>
+    </dgm:fillClrLst>
+    <dgm:linClrLst meth="repeat">
+      <a:schemeClr val="lt1"/>
+    </dgm:linClrLst>
+    <dgm:effectClrLst/>
+    <dgm:txLinClrLst/>
+    <dgm:txFillClrLst meth="repeat">
+      <a:schemeClr val="dk1"/>
+    </dgm:txFillClrLst>
+    <dgm:txEffectClrLst/>
+  </dgm:styleLbl>
+  <dgm:styleLbl name="fgSibTrans2D1">
+    <dgm:fillClrLst meth="repeat">
+      <a:schemeClr val="accent3">
+        <a:tint val="60000"/>
+      </a:schemeClr>
+    </dgm:fillClrLst>
+    <dgm:linClrLst meth="repeat">
+      <a:schemeClr val="accent3">
+        <a:tint val="60000"/>
+      </a:schemeClr>
+    </dgm:linClrLst>
+    <dgm:effectClrLst/>
+    <dgm:txLinClrLst/>
+    <dgm:txFillClrLst/>
+    <dgm:txEffectClrLst/>
+  </dgm:styleLbl>
+  <dgm:styleLbl name="lnNode1">
     <dgm:fillClrLst meth="repeat">
       <a:schemeClr val="accent3"/>
     </dgm:fillClrLst>
     <dgm:linClrLst meth="repeat">
-      <a:schemeClr val="accent3"/>
+      <a:schemeClr val="lt1"/>
     </dgm:linClrLst>
     <dgm:effectClrLst/>
     <dgm:txLinClrLst/>
-    <dgm:txFillClrLst meth="repeat">
+    <dgm:txFillClrLst/>
+    <dgm:txEffectClrLst/>
+  </dgm:styleLbl>
+  <dgm:styleLbl name="node0">
+    <dgm:fillClrLst meth="repeat">
+      <a:schemeClr val="accent3"/>
+    </dgm:fillClrLst>
+    <dgm:linClrLst meth="repeat">
       <a:schemeClr val="lt1"/>
-    </dgm:txFillClrLst>
+    </dgm:linClrLst>
+    <dgm:effectClrLst/>
+    <dgm:txLinClrLst/>
+    <dgm:txFillClrLst/>
+    <dgm:txEffectClrLst/>
+  </dgm:styleLbl>
+  <dgm:styleLbl name="node1">
+    <dgm:fillClrLst meth="repeat">
+      <a:schemeClr val="accent3"/>
+    </dgm:fillClrLst>
+    <dgm:linClrLst meth="repeat">
+      <a:schemeClr val="lt1"/>
+    </dgm:linClrLst>
+    <dgm:effectClrLst/>
+    <dgm:txLinClrLst/>
+    <dgm:txFillClrLst/>
+    <dgm:txEffectClrLst/>
+  </dgm:styleLbl>
+  <dgm:styleLbl name="node2">
+    <dgm:fillClrLst meth="repeat">
+      <a:schemeClr val="accent3"/>
+    </dgm:fillClrLst>
+    <dgm:linClrLst meth="repeat">
+      <a:schemeClr val="lt1"/>
+    </dgm:linClrLst>
+    <dgm:effectClrLst/>
+    <dgm:txLinClrLst/>
+    <dgm:txFillClrLst/>
+    <dgm:txEffectClrLst/>
+  </dgm:styleLbl>
+  <dgm:styleLbl name="node3">
+    <dgm:fillClrLst meth="repeat">
+      <a:schemeClr val="accent3"/>
+    </dgm:fillClrLst>
+    <dgm:linClrLst meth="repeat">
+      <a:schemeClr val="lt1"/>
+    </dgm:linClrLst>
+    <dgm:effectClrLst/>
+    <dgm:txLinClrLst/>
+    <dgm:txFillClrLst/>
+    <dgm:txEffectClrLst/>
+  </dgm:styleLbl>
+  <dgm:styleLbl name="node4">
+    <dgm:fillClrLst meth="repeat">
+      <a:schemeClr val="accent3"/>
+    </dgm:fillClrLst>
+    <dgm:linClrLst meth="repeat">
+      <a:schemeClr val="lt1"/>
+    </dgm:linClrLst>
+    <dgm:effectClrLst/>
+    <dgm:txLinClrLst/>
+    <dgm:txFillClrLst/>
     <dgm:txEffectClrLst/>
   </dgm:styleLbl>
   <dgm:styleLbl name="parChTrans1D1">
@@ -560,11 +746,27 @@
     </dgm:txFillClrLst>
     <dgm:txEffectClrLst/>
   </dgm:styleLbl>
-  <dgm:styleLbl name="fgAcc1">
+  <dgm:styleLbl name="parChTrans2D1">
     <dgm:fillClrLst meth="repeat">
-      <a:schemeClr val="lt1">
-        <a:alpha val="90000"/>
+      <a:schemeClr val="accent3">
+        <a:tint val="60000"/>
       </a:schemeClr>
+    </dgm:fillClrLst>
+    <dgm:linClrLst meth="repeat">
+      <a:schemeClr val="accent3">
+        <a:tint val="60000"/>
+      </a:schemeClr>
+    </dgm:linClrLst>
+    <dgm:effectClrLst/>
+    <dgm:txLinClrLst/>
+    <dgm:txFillClrLst meth="repeat">
+      <a:schemeClr val="lt1"/>
+    </dgm:txFillClrLst>
+    <dgm:txEffectClrLst/>
+  </dgm:styleLbl>
+  <dgm:styleLbl name="parChTrans2D2">
+    <dgm:fillClrLst meth="repeat">
+      <a:schemeClr val="accent3"/>
     </dgm:fillClrLst>
     <dgm:linClrLst meth="repeat">
       <a:schemeClr val="accent3"/>
@@ -572,15 +774,13 @@
     <dgm:effectClrLst/>
     <dgm:txLinClrLst/>
     <dgm:txFillClrLst meth="repeat">
-      <a:schemeClr val="dk1"/>
+      <a:schemeClr val="lt1"/>
     </dgm:txFillClrLst>
     <dgm:txEffectClrLst/>
   </dgm:styleLbl>
-  <dgm:styleLbl name="conFgAcc1">
+  <dgm:styleLbl name="parChTrans2D3">
     <dgm:fillClrLst meth="repeat">
-      <a:schemeClr val="lt1">
-        <a:alpha val="90000"/>
-      </a:schemeClr>
+      <a:schemeClr val="accent3"/>
     </dgm:fillClrLst>
     <dgm:linClrLst meth="repeat">
       <a:schemeClr val="accent3"/>
@@ -588,15 +788,13 @@
     <dgm:effectClrLst/>
     <dgm:txLinClrLst/>
     <dgm:txFillClrLst meth="repeat">
-      <a:schemeClr val="dk1"/>
+      <a:schemeClr val="lt1"/>
     </dgm:txFillClrLst>
     <dgm:txEffectClrLst/>
   </dgm:styleLbl>
-  <dgm:styleLbl name="alignAcc1">
+  <dgm:styleLbl name="parChTrans2D4">
     <dgm:fillClrLst meth="repeat">
-      <a:schemeClr val="lt1">
-        <a:alpha val="90000"/>
-      </a:schemeClr>
+      <a:schemeClr val="accent3"/>
     </dgm:fillClrLst>
     <dgm:linClrLst meth="repeat">
       <a:schemeClr val="accent3"/>
@@ -604,15 +802,31 @@
     <dgm:effectClrLst/>
     <dgm:txLinClrLst/>
     <dgm:txFillClrLst meth="repeat">
-      <a:schemeClr val="dk1"/>
+      <a:schemeClr val="lt1"/>
     </dgm:txFillClrLst>
     <dgm:txEffectClrLst/>
   </dgm:styleLbl>
-  <dgm:styleLbl name="trAlignAcc1">
+  <dgm:styleLbl name="revTx">
     <dgm:fillClrLst meth="repeat">
       <a:schemeClr val="lt1">
-        <a:alpha val="40000"/>
+        <a:alpha val="0"/>
       </a:schemeClr>
+    </dgm:fillClrLst>
+    <dgm:linClrLst meth="repeat">
+      <a:schemeClr val="dk1">
+        <a:alpha val="0"/>
+      </a:schemeClr>
+    </dgm:linClrLst>
+    <dgm:effectClrLst/>
+    <dgm:txLinClrLst/>
+    <dgm:txFillClrLst meth="repeat">
+      <a:schemeClr val="tx1"/>
+    </dgm:txFillClrLst>
+    <dgm:txEffectClrLst/>
+  </dgm:styleLbl>
+  <dgm:styleLbl name="sibTrans1D1">
+    <dgm:fillClrLst meth="repeat">
+      <a:schemeClr val="accent3"/>
     </dgm:fillClrLst>
     <dgm:linClrLst meth="repeat">
       <a:schemeClr val="accent3"/>
@@ -620,38 +834,24 @@
     <dgm:effectClrLst/>
     <dgm:txLinClrLst/>
     <dgm:txFillClrLst meth="repeat">
-      <a:schemeClr val="dk1"/>
+      <a:schemeClr val="tx1"/>
     </dgm:txFillClrLst>
     <dgm:txEffectClrLst/>
   </dgm:styleLbl>
-  <dgm:styleLbl name="bgAcc1">
+  <dgm:styleLbl name="sibTrans2D1">
     <dgm:fillClrLst meth="repeat">
-      <a:schemeClr val="lt1">
-        <a:alpha val="90000"/>
+      <a:schemeClr val="accent3">
+        <a:tint val="60000"/>
       </a:schemeClr>
     </dgm:fillClrLst>
     <dgm:linClrLst meth="repeat">
-      <a:schemeClr val="accent3"/>
+      <a:schemeClr val="accent3">
+        <a:tint val="60000"/>
+      </a:schemeClr>
     </dgm:linClrLst>
     <dgm:effectClrLst/>
     <dgm:txLinClrLst/>
-    <dgm:txFillClrLst meth="repeat">
-      <a:schemeClr val="dk1"/>
-    </dgm:txFillClrLst>
-    <dgm:txEffectClrLst/>
-  </dgm:styleLbl>
-  <dgm:styleLbl name="solidFgAcc1">
-    <dgm:fillClrLst meth="repeat">
-      <a:schemeClr val="lt1"/>
-    </dgm:fillClrLst>
-    <dgm:linClrLst meth="repeat">
-      <a:schemeClr val="accent3"/>
-    </dgm:linClrLst>
-    <dgm:effectClrLst/>
-    <dgm:txLinClrLst/>
-    <dgm:txFillClrLst meth="repeat">
-      <a:schemeClr val="dk1"/>
-    </dgm:txFillClrLst>
+    <dgm:txFillClrLst/>
     <dgm:txEffectClrLst/>
   </dgm:styleLbl>
   <dgm:styleLbl name="solidAlignAcc1">
@@ -682,71 +882,9 @@
     </dgm:txFillClrLst>
     <dgm:txEffectClrLst/>
   </dgm:styleLbl>
-  <dgm:styleLbl name="fgAccFollowNode1">
+  <dgm:styleLbl name="solidFgAcc1">
     <dgm:fillClrLst meth="repeat">
-      <a:schemeClr val="accent3">
-        <a:alpha val="90000"/>
-        <a:tint val="40000"/>
-      </a:schemeClr>
-    </dgm:fillClrLst>
-    <dgm:linClrLst meth="repeat">
-      <a:schemeClr val="accent3">
-        <a:alpha val="90000"/>
-        <a:tint val="40000"/>
-      </a:schemeClr>
-    </dgm:linClrLst>
-    <dgm:effectClrLst/>
-    <dgm:txLinClrLst/>
-    <dgm:txFillClrLst meth="repeat">
-      <a:schemeClr val="dk1"/>
-    </dgm:txFillClrLst>
-    <dgm:txEffectClrLst/>
-  </dgm:styleLbl>
-  <dgm:styleLbl name="alignAccFollowNode1">
-    <dgm:fillClrLst meth="repeat">
-      <a:schemeClr val="accent3">
-        <a:alpha val="90000"/>
-        <a:tint val="40000"/>
-      </a:schemeClr>
-    </dgm:fillClrLst>
-    <dgm:linClrLst meth="repeat">
-      <a:schemeClr val="accent3">
-        <a:alpha val="90000"/>
-        <a:tint val="40000"/>
-      </a:schemeClr>
-    </dgm:linClrLst>
-    <dgm:effectClrLst/>
-    <dgm:txLinClrLst/>
-    <dgm:txFillClrLst meth="repeat">
-      <a:schemeClr val="dk1"/>
-    </dgm:txFillClrLst>
-    <dgm:txEffectClrLst/>
-  </dgm:styleLbl>
-  <dgm:styleLbl name="bgAccFollowNode1">
-    <dgm:fillClrLst meth="repeat">
-      <a:schemeClr val="accent3">
-        <a:alpha val="90000"/>
-        <a:tint val="40000"/>
-      </a:schemeClr>
-    </dgm:fillClrLst>
-    <dgm:linClrLst meth="repeat">
-      <a:schemeClr val="accent3">
-        <a:alpha val="90000"/>
-        <a:tint val="40000"/>
-      </a:schemeClr>
-    </dgm:linClrLst>
-    <dgm:effectClrLst/>
-    <dgm:txLinClrLst/>
-    <dgm:txFillClrLst meth="repeat">
-      <a:schemeClr val="dk1"/>
-    </dgm:txFillClrLst>
-    <dgm:txEffectClrLst/>
-  </dgm:styleLbl>
-  <dgm:styleLbl name="fgAcc0">
-    <dgm:fillClrLst meth="repeat">
-      <a:schemeClr val="lt1">
-        <a:alpha val="90000"/>
-      </a:schemeClr>
+      <a:schemeClr val="lt1"/>
     </dgm:fillClrLst>
     <dgm:linClrLst meth="repeat">
       <a:schemeClr val="accent3"/>
@@ -758,10 +896,10 @@
     </dgm:txFillClrLst>
     <dgm:txEffectClrLst/>
   </dgm:styleLbl>
-  <dgm:styleLbl name="fgAcc2">
+  <dgm:styleLbl name="trAlignAcc1">
     <dgm:fillClrLst meth="repeat">
       <a:schemeClr val="lt1">
-        <a:alpha val="90000"/>
+        <a:alpha val="40000"/>
       </a:schemeClr>
     </dgm:fillClrLst>
     <dgm:linClrLst meth="repeat">
@@ -771,70 +909,6 @@
     <dgm:txLinClrLst/>
     <dgm:txFillClrLst meth="repeat">
       <a:schemeClr val="dk1"/>
-    </dgm:txFillClrLst>
-    <dgm:txEffectClrLst/>
-  </dgm:styleLbl>
-  <dgm:styleLbl name="fgAcc3">
-    <dgm:fillClrLst meth="repeat">
-      <a:schemeClr val="lt1">
-        <a:alpha val="90000"/>
-      </a:schemeClr>
-    </dgm:fillClrLst>
-    <dgm:linClrLst meth="repeat">
-      <a:schemeClr val="accent3"/>
-    </dgm:linClrLst>
-    <dgm:effectClrLst/>
-    <dgm:txLinClrLst/>
-    <dgm:txFillClrLst meth="repeat">
-      <a:schemeClr val="dk1"/>
-    </dgm:txFillClrLst>
-    <dgm:txEffectClrLst/>
-  </dgm:styleLbl>
-  <dgm:styleLbl name="fgAcc4">
-    <dgm:fillClrLst meth="repeat">
-      <a:schemeClr val="lt1">
-        <a:alpha val="90000"/>
-      </a:schemeClr>
-    </dgm:fillClrLst>
-    <dgm:linClrLst meth="repeat">
-      <a:schemeClr val="accent3"/>
-    </dgm:linClrLst>
-    <dgm:effectClrLst/>
-    <dgm:txLinClrLst/>
-    <dgm:txFillClrLst meth="repeat">
-      <a:schemeClr val="dk1"/>
-    </dgm:txFillClrLst>
-    <dgm:txEffectClrLst/>
-  </dgm:styleLbl>
-  <dgm:styleLbl name="bgShp">
-    <dgm:fillClrLst meth="repeat">
-      <a:schemeClr val="accent3">
-        <a:tint val="40000"/>
-      </a:schemeClr>
-    </dgm:fillClrLst>
-    <dgm:linClrLst meth="repeat">
-      <a:schemeClr val="accent3"/>
-    </dgm:linClrLst>
-    <dgm:effectClrLst/>
-    <dgm:txLinClrLst/>
-    <dgm:txFillClrLst meth="repeat">
-      <a:schemeClr val="dk1"/>
-    </dgm:txFillClrLst>
-    <dgm:txEffectClrLst/>
-  </dgm:styleLbl>
-  <dgm:styleLbl name="dkBgShp">
-    <dgm:fillClrLst meth="repeat">
-      <a:schemeClr val="accent3">
-        <a:shade val="80000"/>
-      </a:schemeClr>
-    </dgm:fillClrLst>
-    <dgm:linClrLst meth="repeat">
-      <a:schemeClr val="accent3"/>
-    </dgm:linClrLst>
-    <dgm:effectClrLst/>
-    <dgm:txLinClrLst/>
-    <dgm:txFillClrLst meth="repeat">
-      <a:schemeClr val="lt1"/>
     </dgm:txFillClrLst>
     <dgm:txEffectClrLst/>
   </dgm:styleLbl>
@@ -855,10 +929,10 @@
     </dgm:txFillClrLst>
     <dgm:txEffectClrLst/>
   </dgm:styleLbl>
-  <dgm:styleLbl name="fgShp">
+  <dgm:styleLbl name="vennNode1">
     <dgm:fillClrLst meth="repeat">
       <a:schemeClr val="accent3">
-        <a:tint val="60000"/>
+        <a:alpha val="50000"/>
       </a:schemeClr>
     </dgm:fillClrLst>
     <dgm:linClrLst meth="repeat">
@@ -866,27 +940,7 @@
     </dgm:linClrLst>
     <dgm:effectClrLst/>
     <dgm:txLinClrLst/>
-    <dgm:txFillClrLst meth="repeat">
-      <a:schemeClr val="dk1"/>
-    </dgm:txFillClrLst>
-    <dgm:txEffectClrLst/>
-  </dgm:styleLbl>
-  <dgm:styleLbl name="revTx">
-    <dgm:fillClrLst meth="repeat">
-      <a:schemeClr val="lt1">
-        <a:alpha val="0"/>
-      </a:schemeClr>
-    </dgm:fillClrLst>
-    <dgm:linClrLst meth="repeat">
-      <a:schemeClr val="dk1">
-        <a:alpha val="0"/>
-      </a:schemeClr>
-    </dgm:linClrLst>
-    <dgm:effectClrLst/>
-    <dgm:txLinClrLst/>
-    <dgm:txFillClrLst meth="repeat">
-      <a:schemeClr val="tx1"/>
-    </dgm:txFillClrLst>
+    <dgm:txFillClrLst/>
     <dgm:txEffectClrLst/>
   </dgm:styleLbl>
 </dgm:colorsDef>
@@ -920,7 +974,7 @@
         </a:p>
       </dgm:t>
     </dgm:pt>
-    <dgm:pt modelId="{C4E2901D-F9F3-4DF4-81DB-34E89D018E20}" type="parTrans" cxnId="{F1CD984F-9394-4E31-BC1B-BCE850CF9B3A}">
+    <dgm:pt modelId="{C4E2901D-F9F3-4DF4-81DB-34E89D018E20}" cxnId="{F1CD984F-9394-4E31-BC1B-BCE850CF9B3A}" type="parTrans">
       <dgm:prSet/>
       <dgm:spPr/>
       <dgm:t>
@@ -931,7 +985,7 @@
         </a:p>
       </dgm:t>
     </dgm:pt>
-    <dgm:pt modelId="{E7A9F034-9FAF-4467-B13A-1B4489934856}" type="sibTrans" cxnId="{F1CD984F-9394-4E31-BC1B-BCE850CF9B3A}">
+    <dgm:pt modelId="{E7A9F034-9FAF-4467-B13A-1B4489934856}" cxnId="{F1CD984F-9394-4E31-BC1B-BCE850CF9B3A}" type="sibTrans">
       <dgm:prSet/>
       <dgm:spPr/>
       <dgm:t>
@@ -956,7 +1010,7 @@
         </a:p>
       </dgm:t>
     </dgm:pt>
-    <dgm:pt modelId="{F646DE2A-E2E4-46E8-A0C5-35A081CCDC48}" type="parTrans" cxnId="{24662723-51F1-420B-AD88-69AFAE5CF7F0}">
+    <dgm:pt modelId="{F646DE2A-E2E4-46E8-A0C5-35A081CCDC48}" cxnId="{24662723-51F1-420B-AD88-69AFAE5CF7F0}" type="parTrans">
       <dgm:prSet/>
       <dgm:spPr/>
       <dgm:t>
@@ -967,7 +1021,7 @@
         </a:p>
       </dgm:t>
     </dgm:pt>
-    <dgm:pt modelId="{DF4ADE36-03AA-45E4-A8DF-DA4583253ED7}" type="sibTrans" cxnId="{24662723-51F1-420B-AD88-69AFAE5CF7F0}">
+    <dgm:pt modelId="{DF4ADE36-03AA-45E4-A8DF-DA4583253ED7}" cxnId="{24662723-51F1-420B-AD88-69AFAE5CF7F0}" type="sibTrans">
       <dgm:prSet/>
       <dgm:spPr/>
       <dgm:t>
@@ -992,7 +1046,7 @@
         </a:p>
       </dgm:t>
     </dgm:pt>
-    <dgm:pt modelId="{FF19D409-37A8-4C36-981A-13ADBEE7F4EC}" type="parTrans" cxnId="{1C37A94F-5B61-4E14-81BA-07F10C38E37E}">
+    <dgm:pt modelId="{FF19D409-37A8-4C36-981A-13ADBEE7F4EC}" cxnId="{1C37A94F-5B61-4E14-81BA-07F10C38E37E}" type="parTrans">
       <dgm:prSet/>
       <dgm:spPr/>
       <dgm:t>
@@ -1003,7 +1057,7 @@
         </a:p>
       </dgm:t>
     </dgm:pt>
-    <dgm:pt modelId="{2042D633-6E6A-4499-B840-34D24E6B904A}" type="sibTrans" cxnId="{1C37A94F-5B61-4E14-81BA-07F10C38E37E}">
+    <dgm:pt modelId="{2042D633-6E6A-4499-B840-34D24E6B904A}" cxnId="{1C37A94F-5B61-4E14-81BA-07F10C38E37E}" type="sibTrans">
       <dgm:prSet/>
       <dgm:spPr/>
       <dgm:t>
@@ -1028,7 +1082,7 @@
         </a:p>
       </dgm:t>
     </dgm:pt>
-    <dgm:pt modelId="{36BD5E26-8D86-4341-B20D-03F857122A29}" type="parTrans" cxnId="{E36F9156-9924-4B88-ADFB-2084901D66B0}">
+    <dgm:pt modelId="{36BD5E26-8D86-4341-B20D-03F857122A29}" cxnId="{E36F9156-9924-4B88-ADFB-2084901D66B0}" type="parTrans">
       <dgm:prSet/>
       <dgm:spPr/>
       <dgm:t>
@@ -1039,7 +1093,7 @@
         </a:p>
       </dgm:t>
     </dgm:pt>
-    <dgm:pt modelId="{E309B7F1-6DFA-42AA-9333-8A29304684AA}" type="sibTrans" cxnId="{E36F9156-9924-4B88-ADFB-2084901D66B0}">
+    <dgm:pt modelId="{E309B7F1-6DFA-42AA-9333-8A29304684AA}" cxnId="{E36F9156-9924-4B88-ADFB-2084901D66B0}" type="sibTrans">
       <dgm:prSet/>
       <dgm:spPr/>
       <dgm:t>
@@ -1064,7 +1118,7 @@
         </a:p>
       </dgm:t>
     </dgm:pt>
-    <dgm:pt modelId="{FDB17C87-CE25-4B55-A97E-4A09C4704831}" type="parTrans" cxnId="{4B475F77-1E83-4A29-BA41-813943A7AD0F}">
+    <dgm:pt modelId="{FDB17C87-CE25-4B55-A97E-4A09C4704831}" cxnId="{4B475F77-1E83-4A29-BA41-813943A7AD0F}" type="parTrans">
       <dgm:prSet/>
       <dgm:spPr/>
       <dgm:t>
@@ -1075,7 +1129,7 @@
         </a:p>
       </dgm:t>
     </dgm:pt>
-    <dgm:pt modelId="{8668CF54-84F3-4F5E-8C83-4A0140589BF6}" type="sibTrans" cxnId="{4B475F77-1E83-4A29-BA41-813943A7AD0F}">
+    <dgm:pt modelId="{8668CF54-84F3-4F5E-8C83-4A0140589BF6}" cxnId="{4B475F77-1E83-4A29-BA41-813943A7AD0F}" type="sibTrans">
       <dgm:prSet/>
       <dgm:spPr/>
       <dgm:t>
@@ -1100,7 +1154,7 @@
         </a:p>
       </dgm:t>
     </dgm:pt>
-    <dgm:pt modelId="{87294F5D-61F9-46BE-9804-C1AB743E95FD}" type="parTrans" cxnId="{EDA9474E-9794-4823-85A4-4E8FAC895E2D}">
+    <dgm:pt modelId="{87294F5D-61F9-46BE-9804-C1AB743E95FD}" cxnId="{EDA9474E-9794-4823-85A4-4E8FAC895E2D}" type="parTrans">
       <dgm:prSet/>
       <dgm:spPr/>
       <dgm:t>
@@ -1111,7 +1165,7 @@
         </a:p>
       </dgm:t>
     </dgm:pt>
-    <dgm:pt modelId="{9440EF18-BB57-4349-85BC-F44152C88B89}" type="sibTrans" cxnId="{EDA9474E-9794-4823-85A4-4E8FAC895E2D}">
+    <dgm:pt modelId="{9440EF18-BB57-4349-85BC-F44152C88B89}" cxnId="{EDA9474E-9794-4823-85A4-4E8FAC895E2D}" type="sibTrans">
       <dgm:prSet/>
       <dgm:spPr/>
       <dgm:t>
@@ -1136,7 +1190,7 @@
         </a:p>
       </dgm:t>
     </dgm:pt>
-    <dgm:pt modelId="{4FDE414D-B5D0-490B-94AE-D7B1E79F09A0}" type="parTrans" cxnId="{9637CB25-30A8-40A0-B01A-548A01D90A31}">
+    <dgm:pt modelId="{4FDE414D-B5D0-490B-94AE-D7B1E79F09A0}" cxnId="{9637CB25-30A8-40A0-B01A-548A01D90A31}" type="parTrans">
       <dgm:prSet/>
       <dgm:spPr/>
       <dgm:t>
@@ -1147,7 +1201,7 @@
         </a:p>
       </dgm:t>
     </dgm:pt>
-    <dgm:pt modelId="{2E6A23D1-579C-4575-B5F1-992DDF1A2158}" type="sibTrans" cxnId="{9637CB25-30A8-40A0-B01A-548A01D90A31}">
+    <dgm:pt modelId="{2E6A23D1-579C-4575-B5F1-992DDF1A2158}" cxnId="{9637CB25-30A8-40A0-B01A-548A01D90A31}" type="sibTrans">
       <dgm:prSet/>
       <dgm:spPr/>
       <dgm:t>
@@ -1172,7 +1226,7 @@
         </a:p>
       </dgm:t>
     </dgm:pt>
-    <dgm:pt modelId="{3A6AC764-3ACB-40FD-8A9A-E9465641AB3E}" type="parTrans" cxnId="{73843EC2-85BD-4551-BFBC-9D4218393C12}">
+    <dgm:pt modelId="{3A6AC764-3ACB-40FD-8A9A-E9465641AB3E}" cxnId="{73843EC2-85BD-4551-BFBC-9D4218393C12}" type="parTrans">
       <dgm:prSet/>
       <dgm:spPr/>
       <dgm:t>
@@ -1183,7 +1237,7 @@
         </a:p>
       </dgm:t>
     </dgm:pt>
-    <dgm:pt modelId="{7C1BD8DC-B79E-4FF8-92EA-079F73A6E2DF}" type="sibTrans" cxnId="{73843EC2-85BD-4551-BFBC-9D4218393C12}">
+    <dgm:pt modelId="{7C1BD8DC-B79E-4FF8-92EA-079F73A6E2DF}" cxnId="{73843EC2-85BD-4551-BFBC-9D4218393C12}" type="sibTrans">
       <dgm:prSet/>
       <dgm:spPr/>
       <dgm:t>
@@ -1209,7 +1263,7 @@
         </a:p>
       </dgm:t>
     </dgm:pt>
-    <dgm:pt modelId="{6C9A0E44-F589-40DB-BF7D-D41C0DE96D62}" type="parTrans" cxnId="{D4008091-21DD-48A0-AF47-40BD00B812D1}">
+    <dgm:pt modelId="{6C9A0E44-F589-40DB-BF7D-D41C0DE96D62}" cxnId="{D4008091-21DD-48A0-AF47-40BD00B812D1}" type="parTrans">
       <dgm:prSet/>
       <dgm:spPr/>
       <dgm:t>
@@ -1220,7 +1274,7 @@
         </a:p>
       </dgm:t>
     </dgm:pt>
-    <dgm:pt modelId="{DCF3FD67-409C-4CF8-AA5D-1B45DC6AB759}" type="sibTrans" cxnId="{D4008091-21DD-48A0-AF47-40BD00B812D1}">
+    <dgm:pt modelId="{DCF3FD67-409C-4CF8-AA5D-1B45DC6AB759}" cxnId="{D4008091-21DD-48A0-AF47-40BD00B812D1}" type="sibTrans">
       <dgm:prSet/>
       <dgm:spPr/>
       <dgm:t>
@@ -1245,7 +1299,7 @@
         </a:p>
       </dgm:t>
     </dgm:pt>
-    <dgm:pt modelId="{CA32131A-89A7-4069-B793-14250DEC8CB7}" type="parTrans" cxnId="{E9E1CB22-EE03-4067-82B1-92659FC51F51}">
+    <dgm:pt modelId="{CA32131A-89A7-4069-B793-14250DEC8CB7}" cxnId="{E9E1CB22-EE03-4067-82B1-92659FC51F51}" type="parTrans">
       <dgm:prSet/>
       <dgm:spPr/>
       <dgm:t>
@@ -1256,7 +1310,7 @@
         </a:p>
       </dgm:t>
     </dgm:pt>
-    <dgm:pt modelId="{57567237-F15C-4FE4-A6F2-DD66947B543F}" type="sibTrans" cxnId="{E9E1CB22-EE03-4067-82B1-92659FC51F51}">
+    <dgm:pt modelId="{57567237-F15C-4FE4-A6F2-DD66947B543F}" cxnId="{E9E1CB22-EE03-4067-82B1-92659FC51F51}" type="sibTrans">
       <dgm:prSet/>
       <dgm:spPr/>
       <dgm:t>
@@ -1281,7 +1335,7 @@
         </a:p>
       </dgm:t>
     </dgm:pt>
-    <dgm:pt modelId="{CC5C5254-5BB7-4A57-931E-84502C11DB71}" type="parTrans" cxnId="{F4895D68-CFC3-4E88-9AC9-C27A99F58AF1}">
+    <dgm:pt modelId="{CC5C5254-5BB7-4A57-931E-84502C11DB71}" cxnId="{F4895D68-CFC3-4E88-9AC9-C27A99F58AF1}" type="parTrans">
       <dgm:prSet/>
       <dgm:spPr/>
       <dgm:t>
@@ -1292,7 +1346,7 @@
         </a:p>
       </dgm:t>
     </dgm:pt>
-    <dgm:pt modelId="{7BBF2DD5-602D-4E50-BDE9-BC0AA2001000}" type="sibTrans" cxnId="{F4895D68-CFC3-4E88-9AC9-C27A99F58AF1}">
+    <dgm:pt modelId="{7BBF2DD5-602D-4E50-BDE9-BC0AA2001000}" cxnId="{F4895D68-CFC3-4E88-9AC9-C27A99F58AF1}" type="sibTrans">
       <dgm:prSet/>
       <dgm:spPr/>
       <dgm:t>
@@ -1317,7 +1371,7 @@
         </a:p>
       </dgm:t>
     </dgm:pt>
-    <dgm:pt modelId="{DFD48E33-B05D-4435-BB0B-7898E4A7481E}" type="parTrans" cxnId="{91D6763F-C160-4F4C-964D-6C5ADBC4D6A4}">
+    <dgm:pt modelId="{DFD48E33-B05D-4435-BB0B-7898E4A7481E}" cxnId="{91D6763F-C160-4F4C-964D-6C5ADBC4D6A4}" type="parTrans">
       <dgm:prSet/>
       <dgm:spPr/>
       <dgm:t>
@@ -1328,7 +1382,7 @@
         </a:p>
       </dgm:t>
     </dgm:pt>
-    <dgm:pt modelId="{F6C0E4B4-70A9-4051-9079-E090F382A7CC}" type="sibTrans" cxnId="{91D6763F-C160-4F4C-964D-6C5ADBC4D6A4}">
+    <dgm:pt modelId="{F6C0E4B4-70A9-4051-9079-E090F382A7CC}" cxnId="{91D6763F-C160-4F4C-964D-6C5ADBC4D6A4}" type="sibTrans">
       <dgm:prSet/>
       <dgm:spPr/>
       <dgm:t>
@@ -1385,7 +1439,7 @@
         </a:p>
       </dgm:t>
     </dgm:pt>
-    <dgm:pt modelId="{1D207502-4BEA-473F-95DC-415A70E803A1}" type="parTrans" cxnId="{582C214B-2729-4D75-A21D-A49F917821A2}">
+    <dgm:pt modelId="{1D207502-4BEA-473F-95DC-415A70E803A1}" cxnId="{582C214B-2729-4D75-A21D-A49F917821A2}" type="parTrans">
       <dgm:prSet/>
       <dgm:spPr/>
       <dgm:t>
@@ -1396,7 +1450,7 @@
         </a:p>
       </dgm:t>
     </dgm:pt>
-    <dgm:pt modelId="{A9EDC95C-7B72-4708-9C05-4CA73DC790EA}" type="sibTrans" cxnId="{582C214B-2729-4D75-A21D-A49F917821A2}">
+    <dgm:pt modelId="{A9EDC95C-7B72-4708-9C05-4CA73DC790EA}" cxnId="{582C214B-2729-4D75-A21D-A49F917821A2}" type="sibTrans">
       <dgm:prSet/>
       <dgm:spPr/>
       <dgm:t>
@@ -1429,7 +1483,7 @@
         </a:p>
       </dgm:t>
     </dgm:pt>
-    <dgm:pt modelId="{2C842D45-E0CD-4912-8197-E0485DE15462}" type="parTrans" cxnId="{A8B84EC6-403E-4CFE-9A35-6F259202DE5A}">
+    <dgm:pt modelId="{2C842D45-E0CD-4912-8197-E0485DE15462}" cxnId="{A8B84EC6-403E-4CFE-9A35-6F259202DE5A}" type="parTrans">
       <dgm:prSet/>
       <dgm:spPr/>
       <dgm:t>
@@ -1440,7 +1494,7 @@
         </a:p>
       </dgm:t>
     </dgm:pt>
-    <dgm:pt modelId="{12962F09-95E6-4284-8FB2-7AC77F1F978B}" type="sibTrans" cxnId="{A8B84EC6-403E-4CFE-9A35-6F259202DE5A}">
+    <dgm:pt modelId="{12962F09-95E6-4284-8FB2-7AC77F1F978B}" cxnId="{A8B84EC6-403E-4CFE-9A35-6F259202DE5A}" type="sibTrans">
       <dgm:prSet/>
       <dgm:spPr/>
       <dgm:t>
@@ -1465,7 +1519,7 @@
         </a:p>
       </dgm:t>
     </dgm:pt>
-    <dgm:pt modelId="{04F26D18-2C22-4E89-98C2-D31A7C667434}" type="parTrans" cxnId="{DA75948C-1FEC-4F3E-8014-D4BF889D8DBA}">
+    <dgm:pt modelId="{04F26D18-2C22-4E89-98C2-D31A7C667434}" cxnId="{DA75948C-1FEC-4F3E-8014-D4BF889D8DBA}" type="parTrans">
       <dgm:prSet/>
       <dgm:spPr/>
       <dgm:t>
@@ -1476,7 +1530,7 @@
         </a:p>
       </dgm:t>
     </dgm:pt>
-    <dgm:pt modelId="{EE32D3F4-5467-42F9-A01F-410465E1707B}" type="sibTrans" cxnId="{DA75948C-1FEC-4F3E-8014-D4BF889D8DBA}">
+    <dgm:pt modelId="{EE32D3F4-5467-42F9-A01F-410465E1707B}" cxnId="{DA75948C-1FEC-4F3E-8014-D4BF889D8DBA}" type="sibTrans">
       <dgm:prSet/>
       <dgm:spPr/>
       <dgm:t>
@@ -1501,7 +1555,7 @@
         </a:p>
       </dgm:t>
     </dgm:pt>
-    <dgm:pt modelId="{8051ED07-5AC1-4A77-A700-B308DA8395D8}" type="parTrans" cxnId="{2D4AADF0-DD97-4E69-A45E-C063BE295545}">
+    <dgm:pt modelId="{8051ED07-5AC1-4A77-A700-B308DA8395D8}" cxnId="{2D4AADF0-DD97-4E69-A45E-C063BE295545}" type="parTrans">
       <dgm:prSet/>
       <dgm:spPr/>
       <dgm:t>
@@ -1512,7 +1566,7 @@
         </a:p>
       </dgm:t>
     </dgm:pt>
-    <dgm:pt modelId="{4648B6BD-6970-4AB4-BD2F-8E3387715C69}" type="sibTrans" cxnId="{2D4AADF0-DD97-4E69-A45E-C063BE295545}">
+    <dgm:pt modelId="{4648B6BD-6970-4AB4-BD2F-8E3387715C69}" cxnId="{2D4AADF0-DD97-4E69-A45E-C063BE295545}" type="sibTrans">
       <dgm:prSet/>
       <dgm:spPr/>
       <dgm:t>
@@ -1537,7 +1591,7 @@
         </a:p>
       </dgm:t>
     </dgm:pt>
-    <dgm:pt modelId="{0884AF51-450B-4F13-9EC5-D1454520F32F}" type="parTrans" cxnId="{8D3E12C5-9A4F-4A72-A82F-1BE995EA0F1F}">
+    <dgm:pt modelId="{0884AF51-450B-4F13-9EC5-D1454520F32F}" cxnId="{8D3E12C5-9A4F-4A72-A82F-1BE995EA0F1F}" type="parTrans">
       <dgm:prSet/>
       <dgm:spPr/>
       <dgm:t>
@@ -1548,7 +1602,7 @@
         </a:p>
       </dgm:t>
     </dgm:pt>
-    <dgm:pt modelId="{18B647EE-13BD-4C85-87FC-55A3B12111C0}" type="sibTrans" cxnId="{8D3E12C5-9A4F-4A72-A82F-1BE995EA0F1F}">
+    <dgm:pt modelId="{18B647EE-13BD-4C85-87FC-55A3B12111C0}" cxnId="{8D3E12C5-9A4F-4A72-A82F-1BE995EA0F1F}" type="sibTrans">
       <dgm:prSet/>
       <dgm:spPr/>
       <dgm:t>
@@ -1573,7 +1627,7 @@
         </a:p>
       </dgm:t>
     </dgm:pt>
-    <dgm:pt modelId="{C4AD17D8-BA59-4A20-A8A9-85917C39C6D9}" type="parTrans" cxnId="{8AF25B80-B930-4FAA-B759-23548DEBDEA6}">
+    <dgm:pt modelId="{C4AD17D8-BA59-4A20-A8A9-85917C39C6D9}" cxnId="{8AF25B80-B930-4FAA-B759-23548DEBDEA6}" type="parTrans">
       <dgm:prSet/>
       <dgm:spPr/>
       <dgm:t>
@@ -1584,7 +1638,7 @@
         </a:p>
       </dgm:t>
     </dgm:pt>
-    <dgm:pt modelId="{F5BCB2DA-80B8-44FD-B5D1-85D71178BF17}" type="sibTrans" cxnId="{8AF25B80-B930-4FAA-B759-23548DEBDEA6}">
+    <dgm:pt modelId="{F5BCB2DA-80B8-44FD-B5D1-85D71178BF17}" cxnId="{8AF25B80-B930-4FAA-B759-23548DEBDEA6}" type="sibTrans">
       <dgm:prSet/>
       <dgm:spPr/>
       <dgm:t>
@@ -1609,7 +1663,7 @@
         </a:p>
       </dgm:t>
     </dgm:pt>
-    <dgm:pt modelId="{E22D8156-8A51-4554-B1E9-16454800B2B6}" type="parTrans" cxnId="{A0DC18F9-49E2-46E9-A9C0-E87FC49E7C5A}">
+    <dgm:pt modelId="{E22D8156-8A51-4554-B1E9-16454800B2B6}" cxnId="{A0DC18F9-49E2-46E9-A9C0-E87FC49E7C5A}" type="parTrans">
       <dgm:prSet/>
       <dgm:spPr/>
       <dgm:t>
@@ -1620,7 +1674,7 @@
         </a:p>
       </dgm:t>
     </dgm:pt>
-    <dgm:pt modelId="{E60E4695-F937-4793-93D7-4B8E62DF348C}" type="sibTrans" cxnId="{A0DC18F9-49E2-46E9-A9C0-E87FC49E7C5A}">
+    <dgm:pt modelId="{E60E4695-F937-4793-93D7-4B8E62DF348C}" cxnId="{A0DC18F9-49E2-46E9-A9C0-E87FC49E7C5A}" type="sibTrans">
       <dgm:prSet/>
       <dgm:spPr/>
       <dgm:t>
@@ -1645,7 +1699,7 @@
         </a:p>
       </dgm:t>
     </dgm:pt>
-    <dgm:pt modelId="{3AD1990D-3483-4F82-8395-C9003D9268E3}" type="parTrans" cxnId="{FDBAE78E-B30C-4D43-8083-C7BE2D5186CD}">
+    <dgm:pt modelId="{3AD1990D-3483-4F82-8395-C9003D9268E3}" cxnId="{FDBAE78E-B30C-4D43-8083-C7BE2D5186CD}" type="parTrans">
       <dgm:prSet/>
       <dgm:spPr/>
       <dgm:t>
@@ -1656,7 +1710,7 @@
         </a:p>
       </dgm:t>
     </dgm:pt>
-    <dgm:pt modelId="{6059FD45-D131-4458-90FD-833D52EA31CE}" type="sibTrans" cxnId="{FDBAE78E-B30C-4D43-8083-C7BE2D5186CD}">
+    <dgm:pt modelId="{6059FD45-D131-4458-90FD-833D52EA31CE}" cxnId="{FDBAE78E-B30C-4D43-8083-C7BE2D5186CD}" type="sibTrans">
       <dgm:prSet/>
       <dgm:spPr/>
       <dgm:t>
@@ -1681,7 +1735,7 @@
         </a:p>
       </dgm:t>
     </dgm:pt>
-    <dgm:pt modelId="{48527D5B-9B4F-40D2-8003-9586F99D6C26}" type="parTrans" cxnId="{01E82DC1-5447-4081-BAA8-D4A56478B32A}">
+    <dgm:pt modelId="{48527D5B-9B4F-40D2-8003-9586F99D6C26}" cxnId="{01E82DC1-5447-4081-BAA8-D4A56478B32A}" type="parTrans">
       <dgm:prSet/>
       <dgm:spPr/>
       <dgm:t>
@@ -1692,7 +1746,7 @@
         </a:p>
       </dgm:t>
     </dgm:pt>
-    <dgm:pt modelId="{18854954-606D-479F-A4CF-68466EB7CD64}" type="sibTrans" cxnId="{01E82DC1-5447-4081-BAA8-D4A56478B32A}">
+    <dgm:pt modelId="{18854954-606D-479F-A4CF-68466EB7CD64}" cxnId="{01E82DC1-5447-4081-BAA8-D4A56478B32A}" type="sibTrans">
       <dgm:prSet/>
       <dgm:spPr/>
       <dgm:t>
@@ -1718,7 +1772,7 @@
         </a:p>
       </dgm:t>
     </dgm:pt>
-    <dgm:pt modelId="{E74B674E-439E-4280-A4F9-C2FC93331810}" type="parTrans" cxnId="{42E27D88-CE4E-48A5-B0A5-7B03022C4B26}">
+    <dgm:pt modelId="{E74B674E-439E-4280-A4F9-C2FC93331810}" cxnId="{42E27D88-CE4E-48A5-B0A5-7B03022C4B26}" type="parTrans">
       <dgm:prSet/>
       <dgm:spPr/>
       <dgm:t>
@@ -1729,7 +1783,7 @@
         </a:p>
       </dgm:t>
     </dgm:pt>
-    <dgm:pt modelId="{8C6174F4-C176-408A-8A77-9026CDB9690F}" type="sibTrans" cxnId="{42E27D88-CE4E-48A5-B0A5-7B03022C4B26}">
+    <dgm:pt modelId="{8C6174F4-C176-408A-8A77-9026CDB9690F}" cxnId="{42E27D88-CE4E-48A5-B0A5-7B03022C4B26}" type="sibTrans">
       <dgm:prSet/>
       <dgm:spPr/>
       <dgm:t>
@@ -1754,7 +1808,7 @@
         </a:p>
       </dgm:t>
     </dgm:pt>
-    <dgm:pt modelId="{DF8C4973-320B-46ED-8088-CA948A8BAE18}" type="parTrans" cxnId="{C9C397A3-AEF6-4FFB-AC37-3208EE5CFEC8}">
+    <dgm:pt modelId="{DF8C4973-320B-46ED-8088-CA948A8BAE18}" cxnId="{C9C397A3-AEF6-4FFB-AC37-3208EE5CFEC8}" type="parTrans">
       <dgm:prSet/>
       <dgm:spPr/>
       <dgm:t>
@@ -1765,7 +1819,7 @@
         </a:p>
       </dgm:t>
     </dgm:pt>
-    <dgm:pt modelId="{6B767584-457C-4FB2-93C4-576E6FFF367C}" type="sibTrans" cxnId="{C9C397A3-AEF6-4FFB-AC37-3208EE5CFEC8}">
+    <dgm:pt modelId="{6B767584-457C-4FB2-93C4-576E6FFF367C}" cxnId="{C9C397A3-AEF6-4FFB-AC37-3208EE5CFEC8}" type="sibTrans">
       <dgm:prSet/>
       <dgm:spPr/>
       <dgm:t>
@@ -1791,7 +1845,7 @@
         </a:p>
       </dgm:t>
     </dgm:pt>
-    <dgm:pt modelId="{4953B18B-0B8F-4EC3-84A2-0326B341CD0D}" type="parTrans" cxnId="{9F58F07C-FA8C-4A7D-BDFD-9FF318A0B6AE}">
+    <dgm:pt modelId="{4953B18B-0B8F-4EC3-84A2-0326B341CD0D}" cxnId="{9F58F07C-FA8C-4A7D-BDFD-9FF318A0B6AE}" type="parTrans">
       <dgm:prSet/>
       <dgm:spPr/>
       <dgm:t>
@@ -1802,7 +1856,7 @@
         </a:p>
       </dgm:t>
     </dgm:pt>
-    <dgm:pt modelId="{C17DA759-7CFD-4585-9EB4-A818F6601636}" type="sibTrans" cxnId="{9F58F07C-FA8C-4A7D-BDFD-9FF318A0B6AE}">
+    <dgm:pt modelId="{C17DA759-7CFD-4585-9EB4-A818F6601636}" cxnId="{9F58F07C-FA8C-4A7D-BDFD-9FF318A0B6AE}" type="sibTrans">
       <dgm:prSet/>
       <dgm:spPr/>
       <dgm:t>
@@ -1992,7 +2046,7 @@
   <dgm:whole/>
   <dgm:extLst>
     <a:ext uri="http://schemas.microsoft.com/office/drawing/2008/diagram">
-      <dsp:dataModelExt xmlns:dsp="http://schemas.microsoft.com/office/drawing/2008/diagram" relId="rId7" minVer="http://schemas.openxmlformats.org/drawingml/2006/diagram"/>
+      <dsp:dataModelExt xmlns:dsp="http://schemas.microsoft.com/office/drawing/2008/diagram" relId="rId5" minVer="http://schemas.openxmlformats.org/drawingml/2006/diagram"/>
     </a:ext>
   </dgm:extLst>
 </dgm:dataModel>
@@ -3287,18 +3341,18 @@
     <dgm:choose name="Name0">
       <dgm:if name="Name1" axis="self" func="var" arg="dir" op="equ" val="norm">
         <dgm:alg type="snake">
+          <dgm:param type="bkpt" val="endCnv"/>
+          <dgm:param type="contDir" val="revDir"/>
           <dgm:param type="grDir" val="tL"/>
           <dgm:param type="flowDir" val="row"/>
-          <dgm:param type="contDir" val="revDir"/>
-          <dgm:param type="bkpt" val="endCnv"/>
         </dgm:alg>
       </dgm:if>
       <dgm:else name="Name2">
         <dgm:alg type="snake">
+          <dgm:param type="bkpt" val="endCnv"/>
+          <dgm:param type="contDir" val="revDir"/>
           <dgm:param type="grDir" val="tR"/>
           <dgm:param type="flowDir" val="row"/>
-          <dgm:param type="contDir" val="revDir"/>
-          <dgm:param type="bkpt" val="endCnv"/>
         </dgm:alg>
       </dgm:else>
     </dgm:choose>
@@ -3389,15 +3443,503 @@
     <a:camera prst="orthographicFront"/>
     <a:lightRig rig="threePt" dir="t"/>
   </dgm:scene3d>
-  <dgm:styleLbl name="node0">
+  <dgm:styleLbl name="alignAcc1">
     <dgm:scene3d>
       <a:camera prst="orthographicFront"/>
       <a:lightRig rig="threePt" dir="t"/>
     </dgm:scene3d>
-    <dgm:sp3d/>
     <dgm:txPr/>
     <dgm:style>
       <a:lnRef idx="2">
+        <a:scrgbClr r="0" g="0" b="0"/>
+      </a:lnRef>
+      <a:fillRef idx="1">
+        <a:scrgbClr r="0" g="0" b="0"/>
+      </a:fillRef>
+      <a:effectRef idx="0">
+        <a:scrgbClr r="0" g="0" b="0"/>
+      </a:effectRef>
+      <a:fontRef idx="minor"/>
+    </dgm:style>
+  </dgm:styleLbl>
+  <dgm:styleLbl name="alignAccFollowNode1">
+    <dgm:scene3d>
+      <a:camera prst="orthographicFront"/>
+      <a:lightRig rig="threePt" dir="t"/>
+    </dgm:scene3d>
+    <dgm:txPr/>
+    <dgm:style>
+      <a:lnRef idx="2">
+        <a:scrgbClr r="0" g="0" b="0"/>
+      </a:lnRef>
+      <a:fillRef idx="1">
+        <a:scrgbClr r="0" g="0" b="0"/>
+      </a:fillRef>
+      <a:effectRef idx="0">
+        <a:scrgbClr r="0" g="0" b="0"/>
+      </a:effectRef>
+      <a:fontRef idx="minor"/>
+    </dgm:style>
+  </dgm:styleLbl>
+  <dgm:styleLbl name="alignImgPlace1">
+    <dgm:scene3d>
+      <a:camera prst="orthographicFront"/>
+      <a:lightRig rig="threePt" dir="t"/>
+    </dgm:scene3d>
+    <dgm:txPr/>
+    <dgm:style>
+      <a:lnRef idx="2">
+        <a:scrgbClr r="0" g="0" b="0"/>
+      </a:lnRef>
+      <a:fillRef idx="1">
+        <a:scrgbClr r="0" g="0" b="0"/>
+      </a:fillRef>
+      <a:effectRef idx="0">
+        <a:scrgbClr r="0" g="0" b="0"/>
+      </a:effectRef>
+      <a:fontRef idx="minor"/>
+    </dgm:style>
+  </dgm:styleLbl>
+  <dgm:styleLbl name="alignNode1">
+    <dgm:scene3d>
+      <a:camera prst="orthographicFront"/>
+      <a:lightRig rig="threePt" dir="t"/>
+    </dgm:scene3d>
+    <dgm:txPr/>
+    <dgm:style>
+      <a:lnRef idx="2">
+        <a:scrgbClr r="0" g="0" b="0"/>
+      </a:lnRef>
+      <a:fillRef idx="1">
+        <a:scrgbClr r="0" g="0" b="0"/>
+      </a:fillRef>
+      <a:effectRef idx="0">
+        <a:scrgbClr r="0" g="0" b="0"/>
+      </a:effectRef>
+      <a:fontRef idx="minor">
+        <a:schemeClr val="lt1"/>
+      </a:fontRef>
+    </dgm:style>
+  </dgm:styleLbl>
+  <dgm:styleLbl name="asst0">
+    <dgm:scene3d>
+      <a:camera prst="orthographicFront"/>
+      <a:lightRig rig="threePt" dir="t"/>
+    </dgm:scene3d>
+    <dgm:txPr/>
+    <dgm:style>
+      <a:lnRef idx="2">
+        <a:scrgbClr r="0" g="0" b="0"/>
+      </a:lnRef>
+      <a:fillRef idx="1">
+        <a:scrgbClr r="0" g="0" b="0"/>
+      </a:fillRef>
+      <a:effectRef idx="0">
+        <a:scrgbClr r="0" g="0" b="0"/>
+      </a:effectRef>
+      <a:fontRef idx="minor">
+        <a:schemeClr val="lt1"/>
+      </a:fontRef>
+    </dgm:style>
+  </dgm:styleLbl>
+  <dgm:styleLbl name="asst1">
+    <dgm:scene3d>
+      <a:camera prst="orthographicFront"/>
+      <a:lightRig rig="threePt" dir="t"/>
+    </dgm:scene3d>
+    <dgm:txPr/>
+    <dgm:style>
+      <a:lnRef idx="2">
+        <a:scrgbClr r="0" g="0" b="0"/>
+      </a:lnRef>
+      <a:fillRef idx="1">
+        <a:scrgbClr r="0" g="0" b="0"/>
+      </a:fillRef>
+      <a:effectRef idx="0">
+        <a:scrgbClr r="0" g="0" b="0"/>
+      </a:effectRef>
+      <a:fontRef idx="minor">
+        <a:schemeClr val="lt1"/>
+      </a:fontRef>
+    </dgm:style>
+  </dgm:styleLbl>
+  <dgm:styleLbl name="asst2">
+    <dgm:scene3d>
+      <a:camera prst="orthographicFront"/>
+      <a:lightRig rig="threePt" dir="t"/>
+    </dgm:scene3d>
+    <dgm:txPr/>
+    <dgm:style>
+      <a:lnRef idx="2">
+        <a:scrgbClr r="0" g="0" b="0"/>
+      </a:lnRef>
+      <a:fillRef idx="1">
+        <a:scrgbClr r="0" g="0" b="0"/>
+      </a:fillRef>
+      <a:effectRef idx="0">
+        <a:scrgbClr r="0" g="0" b="0"/>
+      </a:effectRef>
+      <a:fontRef idx="minor">
+        <a:schemeClr val="lt1"/>
+      </a:fontRef>
+    </dgm:style>
+  </dgm:styleLbl>
+  <dgm:styleLbl name="asst3">
+    <dgm:scene3d>
+      <a:camera prst="orthographicFront"/>
+      <a:lightRig rig="threePt" dir="t"/>
+    </dgm:scene3d>
+    <dgm:txPr/>
+    <dgm:style>
+      <a:lnRef idx="2">
+        <a:scrgbClr r="0" g="0" b="0"/>
+      </a:lnRef>
+      <a:fillRef idx="1">
+        <a:scrgbClr r="0" g="0" b="0"/>
+      </a:fillRef>
+      <a:effectRef idx="0">
+        <a:scrgbClr r="0" g="0" b="0"/>
+      </a:effectRef>
+      <a:fontRef idx="minor">
+        <a:schemeClr val="lt1"/>
+      </a:fontRef>
+    </dgm:style>
+  </dgm:styleLbl>
+  <dgm:styleLbl name="asst4">
+    <dgm:scene3d>
+      <a:camera prst="orthographicFront"/>
+      <a:lightRig rig="threePt" dir="t"/>
+    </dgm:scene3d>
+    <dgm:txPr/>
+    <dgm:style>
+      <a:lnRef idx="2">
+        <a:scrgbClr r="0" g="0" b="0"/>
+      </a:lnRef>
+      <a:fillRef idx="1">
+        <a:scrgbClr r="0" g="0" b="0"/>
+      </a:fillRef>
+      <a:effectRef idx="0">
+        <a:scrgbClr r="0" g="0" b="0"/>
+      </a:effectRef>
+      <a:fontRef idx="minor">
+        <a:schemeClr val="lt1"/>
+      </a:fontRef>
+    </dgm:style>
+  </dgm:styleLbl>
+  <dgm:styleLbl name="bgAcc1">
+    <dgm:scene3d>
+      <a:camera prst="orthographicFront"/>
+      <a:lightRig rig="threePt" dir="t"/>
+    </dgm:scene3d>
+    <dgm:txPr/>
+    <dgm:style>
+      <a:lnRef idx="2">
+        <a:scrgbClr r="0" g="0" b="0"/>
+      </a:lnRef>
+      <a:fillRef idx="1">
+        <a:scrgbClr r="0" g="0" b="0"/>
+      </a:fillRef>
+      <a:effectRef idx="0">
+        <a:scrgbClr r="0" g="0" b="0"/>
+      </a:effectRef>
+      <a:fontRef idx="minor"/>
+    </dgm:style>
+  </dgm:styleLbl>
+  <dgm:styleLbl name="bgAccFollowNode1">
+    <dgm:scene3d>
+      <a:camera prst="orthographicFront"/>
+      <a:lightRig rig="threePt" dir="t"/>
+    </dgm:scene3d>
+    <dgm:txPr/>
+    <dgm:style>
+      <a:lnRef idx="2">
+        <a:scrgbClr r="0" g="0" b="0"/>
+      </a:lnRef>
+      <a:fillRef idx="1">
+        <a:scrgbClr r="0" g="0" b="0"/>
+      </a:fillRef>
+      <a:effectRef idx="0">
+        <a:scrgbClr r="0" g="0" b="0"/>
+      </a:effectRef>
+      <a:fontRef idx="minor"/>
+    </dgm:style>
+  </dgm:styleLbl>
+  <dgm:styleLbl name="bgImgPlace1">
+    <dgm:scene3d>
+      <a:camera prst="orthographicFront"/>
+      <a:lightRig rig="threePt" dir="t"/>
+    </dgm:scene3d>
+    <dgm:txPr/>
+    <dgm:style>
+      <a:lnRef idx="2">
+        <a:scrgbClr r="0" g="0" b="0"/>
+      </a:lnRef>
+      <a:fillRef idx="1">
+        <a:scrgbClr r="0" g="0" b="0"/>
+      </a:fillRef>
+      <a:effectRef idx="0">
+        <a:scrgbClr r="0" g="0" b="0"/>
+      </a:effectRef>
+      <a:fontRef idx="minor"/>
+    </dgm:style>
+  </dgm:styleLbl>
+  <dgm:styleLbl name="bgShp">
+    <dgm:scene3d>
+      <a:camera prst="orthographicFront"/>
+      <a:lightRig rig="threePt" dir="t"/>
+    </dgm:scene3d>
+    <dgm:txPr/>
+    <dgm:style>
+      <a:lnRef idx="0">
+        <a:scrgbClr r="0" g="0" b="0"/>
+      </a:lnRef>
+      <a:fillRef idx="1">
+        <a:scrgbClr r="0" g="0" b="0"/>
+      </a:fillRef>
+      <a:effectRef idx="0">
+        <a:scrgbClr r="0" g="0" b="0"/>
+      </a:effectRef>
+      <a:fontRef idx="minor"/>
+    </dgm:style>
+  </dgm:styleLbl>
+  <dgm:styleLbl name="bgSibTrans2D1">
+    <dgm:scene3d>
+      <a:camera prst="orthographicFront"/>
+      <a:lightRig rig="threePt" dir="t"/>
+    </dgm:scene3d>
+    <dgm:txPr/>
+    <dgm:style>
+      <a:lnRef idx="0">
+        <a:scrgbClr r="0" g="0" b="0"/>
+      </a:lnRef>
+      <a:fillRef idx="1">
+        <a:scrgbClr r="0" g="0" b="0"/>
+      </a:fillRef>
+      <a:effectRef idx="0">
+        <a:scrgbClr r="0" g="0" b="0"/>
+      </a:effectRef>
+      <a:fontRef idx="minor">
+        <a:schemeClr val="lt1"/>
+      </a:fontRef>
+    </dgm:style>
+  </dgm:styleLbl>
+  <dgm:styleLbl name="callout">
+    <dgm:scene3d>
+      <a:camera prst="orthographicFront"/>
+      <a:lightRig rig="threePt" dir="t"/>
+    </dgm:scene3d>
+    <dgm:txPr/>
+    <dgm:style>
+      <a:lnRef idx="2">
+        <a:scrgbClr r="0" g="0" b="0"/>
+      </a:lnRef>
+      <a:fillRef idx="1">
+        <a:scrgbClr r="0" g="0" b="0"/>
+      </a:fillRef>
+      <a:effectRef idx="0">
+        <a:scrgbClr r="0" g="0" b="0"/>
+      </a:effectRef>
+      <a:fontRef idx="minor"/>
+    </dgm:style>
+  </dgm:styleLbl>
+  <dgm:styleLbl name="conFgAcc1">
+    <dgm:scene3d>
+      <a:camera prst="orthographicFront"/>
+      <a:lightRig rig="threePt" dir="t"/>
+    </dgm:scene3d>
+    <dgm:txPr/>
+    <dgm:style>
+      <a:lnRef idx="2">
+        <a:scrgbClr r="0" g="0" b="0"/>
+      </a:lnRef>
+      <a:fillRef idx="1">
+        <a:scrgbClr r="0" g="0" b="0"/>
+      </a:fillRef>
+      <a:effectRef idx="0">
+        <a:scrgbClr r="0" g="0" b="0"/>
+      </a:effectRef>
+      <a:fontRef idx="minor"/>
+    </dgm:style>
+  </dgm:styleLbl>
+  <dgm:styleLbl name="dkBgShp">
+    <dgm:scene3d>
+      <a:camera prst="orthographicFront"/>
+      <a:lightRig rig="threePt" dir="t"/>
+    </dgm:scene3d>
+    <dgm:txPr/>
+    <dgm:style>
+      <a:lnRef idx="0">
+        <a:scrgbClr r="0" g="0" b="0"/>
+      </a:lnRef>
+      <a:fillRef idx="1">
+        <a:scrgbClr r="0" g="0" b="0"/>
+      </a:fillRef>
+      <a:effectRef idx="0">
+        <a:scrgbClr r="0" g="0" b="0"/>
+      </a:effectRef>
+      <a:fontRef idx="minor"/>
+    </dgm:style>
+  </dgm:styleLbl>
+  <dgm:styleLbl name="fgAcc0">
+    <dgm:scene3d>
+      <a:camera prst="orthographicFront"/>
+      <a:lightRig rig="threePt" dir="t"/>
+    </dgm:scene3d>
+    <dgm:txPr/>
+    <dgm:style>
+      <a:lnRef idx="2">
+        <a:scrgbClr r="0" g="0" b="0"/>
+      </a:lnRef>
+      <a:fillRef idx="1">
+        <a:scrgbClr r="0" g="0" b="0"/>
+      </a:fillRef>
+      <a:effectRef idx="0">
+        <a:scrgbClr r="0" g="0" b="0"/>
+      </a:effectRef>
+      <a:fontRef idx="minor"/>
+    </dgm:style>
+  </dgm:styleLbl>
+  <dgm:styleLbl name="fgAcc1">
+    <dgm:scene3d>
+      <a:camera prst="orthographicFront"/>
+      <a:lightRig rig="threePt" dir="t"/>
+    </dgm:scene3d>
+    <dgm:txPr/>
+    <dgm:style>
+      <a:lnRef idx="2">
+        <a:scrgbClr r="0" g="0" b="0"/>
+      </a:lnRef>
+      <a:fillRef idx="1">
+        <a:scrgbClr r="0" g="0" b="0"/>
+      </a:fillRef>
+      <a:effectRef idx="0">
+        <a:scrgbClr r="0" g="0" b="0"/>
+      </a:effectRef>
+      <a:fontRef idx="minor"/>
+    </dgm:style>
+  </dgm:styleLbl>
+  <dgm:styleLbl name="fgAcc2">
+    <dgm:scene3d>
+      <a:camera prst="orthographicFront"/>
+      <a:lightRig rig="threePt" dir="t"/>
+    </dgm:scene3d>
+    <dgm:txPr/>
+    <dgm:style>
+      <a:lnRef idx="2">
+        <a:scrgbClr r="0" g="0" b="0"/>
+      </a:lnRef>
+      <a:fillRef idx="1">
+        <a:scrgbClr r="0" g="0" b="0"/>
+      </a:fillRef>
+      <a:effectRef idx="0">
+        <a:scrgbClr r="0" g="0" b="0"/>
+      </a:effectRef>
+      <a:fontRef idx="minor"/>
+    </dgm:style>
+  </dgm:styleLbl>
+  <dgm:styleLbl name="fgAcc3">
+    <dgm:scene3d>
+      <a:camera prst="orthographicFront"/>
+      <a:lightRig rig="threePt" dir="t"/>
+    </dgm:scene3d>
+    <dgm:txPr/>
+    <dgm:style>
+      <a:lnRef idx="2">
+        <a:scrgbClr r="0" g="0" b="0"/>
+      </a:lnRef>
+      <a:fillRef idx="1">
+        <a:scrgbClr r="0" g="0" b="0"/>
+      </a:fillRef>
+      <a:effectRef idx="0">
+        <a:scrgbClr r="0" g="0" b="0"/>
+      </a:effectRef>
+      <a:fontRef idx="minor"/>
+    </dgm:style>
+  </dgm:styleLbl>
+  <dgm:styleLbl name="fgAcc4">
+    <dgm:scene3d>
+      <a:camera prst="orthographicFront"/>
+      <a:lightRig rig="threePt" dir="t"/>
+    </dgm:scene3d>
+    <dgm:txPr/>
+    <dgm:style>
+      <a:lnRef idx="2">
+        <a:scrgbClr r="0" g="0" b="0"/>
+      </a:lnRef>
+      <a:fillRef idx="1">
+        <a:scrgbClr r="0" g="0" b="0"/>
+      </a:fillRef>
+      <a:effectRef idx="0">
+        <a:scrgbClr r="0" g="0" b="0"/>
+      </a:effectRef>
+      <a:fontRef idx="minor"/>
+    </dgm:style>
+  </dgm:styleLbl>
+  <dgm:styleLbl name="fgAccFollowNode1">
+    <dgm:scene3d>
+      <a:camera prst="orthographicFront"/>
+      <a:lightRig rig="threePt" dir="t"/>
+    </dgm:scene3d>
+    <dgm:txPr/>
+    <dgm:style>
+      <a:lnRef idx="2">
+        <a:scrgbClr r="0" g="0" b="0"/>
+      </a:lnRef>
+      <a:fillRef idx="1">
+        <a:scrgbClr r="0" g="0" b="0"/>
+      </a:fillRef>
+      <a:effectRef idx="0">
+        <a:scrgbClr r="0" g="0" b="0"/>
+      </a:effectRef>
+      <a:fontRef idx="minor"/>
+    </dgm:style>
+  </dgm:styleLbl>
+  <dgm:styleLbl name="fgImgPlace1">
+    <dgm:scene3d>
+      <a:camera prst="orthographicFront"/>
+      <a:lightRig rig="threePt" dir="t"/>
+    </dgm:scene3d>
+    <dgm:txPr/>
+    <dgm:style>
+      <a:lnRef idx="2">
+        <a:scrgbClr r="0" g="0" b="0"/>
+      </a:lnRef>
+      <a:fillRef idx="1">
+        <a:scrgbClr r="0" g="0" b="0"/>
+      </a:fillRef>
+      <a:effectRef idx="0">
+        <a:scrgbClr r="0" g="0" b="0"/>
+      </a:effectRef>
+      <a:fontRef idx="minor"/>
+    </dgm:style>
+  </dgm:styleLbl>
+  <dgm:styleLbl name="fgShp">
+    <dgm:scene3d>
+      <a:camera prst="orthographicFront"/>
+      <a:lightRig rig="threePt" dir="t"/>
+    </dgm:scene3d>
+    <dgm:txPr/>
+    <dgm:style>
+      <a:lnRef idx="2">
+        <a:scrgbClr r="0" g="0" b="0"/>
+      </a:lnRef>
+      <a:fillRef idx="1">
+        <a:scrgbClr r="0" g="0" b="0"/>
+      </a:fillRef>
+      <a:effectRef idx="0">
+        <a:scrgbClr r="0" g="0" b="0"/>
+      </a:effectRef>
+      <a:fontRef idx="minor"/>
+    </dgm:style>
+  </dgm:styleLbl>
+  <dgm:styleLbl name="fgSibTrans2D1">
+    <dgm:scene3d>
+      <a:camera prst="orthographicFront"/>
+      <a:lightRig rig="threePt" dir="t"/>
+    </dgm:scene3d>
+    <dgm:txPr/>
+    <dgm:style>
+      <a:lnRef idx="0">
         <a:scrgbClr r="0" g="0" b="0"/>
       </a:lnRef>
       <a:fillRef idx="1">
@@ -3416,7 +3958,6 @@
       <a:camera prst="orthographicFront"/>
       <a:lightRig rig="threePt" dir="t"/>
     </dgm:scene3d>
-    <dgm:sp3d/>
     <dgm:txPr/>
     <dgm:style>
       <a:lnRef idx="2">
@@ -3433,34 +3974,11 @@
       </a:fontRef>
     </dgm:style>
   </dgm:styleLbl>
-  <dgm:styleLbl name="vennNode1">
+  <dgm:styleLbl name="node0">
     <dgm:scene3d>
       <a:camera prst="orthographicFront"/>
       <a:lightRig rig="threePt" dir="t"/>
     </dgm:scene3d>
-    <dgm:sp3d/>
-    <dgm:txPr/>
-    <dgm:style>
-      <a:lnRef idx="2">
-        <a:scrgbClr r="0" g="0" b="0"/>
-      </a:lnRef>
-      <a:fillRef idx="1">
-        <a:scrgbClr r="0" g="0" b="0"/>
-      </a:fillRef>
-      <a:effectRef idx="0">
-        <a:scrgbClr r="0" g="0" b="0"/>
-      </a:effectRef>
-      <a:fontRef idx="minor">
-        <a:schemeClr val="tx1"/>
-      </a:fontRef>
-    </dgm:style>
-  </dgm:styleLbl>
-  <dgm:styleLbl name="alignNode1">
-    <dgm:scene3d>
-      <a:camera prst="orthographicFront"/>
-      <a:lightRig rig="threePt" dir="t"/>
-    </dgm:scene3d>
-    <dgm:sp3d/>
     <dgm:txPr/>
     <dgm:style>
       <a:lnRef idx="2">
@@ -3482,7 +4000,6 @@
       <a:camera prst="orthographicFront"/>
       <a:lightRig rig="threePt" dir="t"/>
     </dgm:scene3d>
-    <dgm:sp3d/>
     <dgm:txPr/>
     <dgm:style>
       <a:lnRef idx="2">
@@ -3504,7 +4021,6 @@
       <a:camera prst="orthographicFront"/>
       <a:lightRig rig="threePt" dir="t"/>
     </dgm:scene3d>
-    <dgm:sp3d/>
     <dgm:txPr/>
     <dgm:style>
       <a:lnRef idx="2">
@@ -3526,7 +4042,6 @@
       <a:camera prst="orthographicFront"/>
       <a:lightRig rig="threePt" dir="t"/>
     </dgm:scene3d>
-    <dgm:sp3d/>
     <dgm:txPr/>
     <dgm:style>
       <a:lnRef idx="2">
@@ -3548,7 +4063,6 @@
       <a:camera prst="orthographicFront"/>
       <a:lightRig rig="threePt" dir="t"/>
     </dgm:scene3d>
-    <dgm:sp3d/>
     <dgm:txPr/>
     <dgm:style>
       <a:lnRef idx="2">
@@ -3565,18 +4079,17 @@
       </a:fontRef>
     </dgm:style>
   </dgm:styleLbl>
-  <dgm:styleLbl name="fgImgPlace1">
+  <dgm:styleLbl name="parChTrans1D1">
     <dgm:scene3d>
       <a:camera prst="orthographicFront"/>
       <a:lightRig rig="threePt" dir="t"/>
     </dgm:scene3d>
-    <dgm:sp3d/>
     <dgm:txPr/>
     <dgm:style>
       <a:lnRef idx="2">
         <a:scrgbClr r="0" g="0" b="0"/>
       </a:lnRef>
-      <a:fillRef idx="1">
+      <a:fillRef idx="0">
         <a:scrgbClr r="0" g="0" b="0"/>
       </a:fillRef>
       <a:effectRef idx="0">
@@ -3585,18 +4098,17 @@
       <a:fontRef idx="minor"/>
     </dgm:style>
   </dgm:styleLbl>
-  <dgm:styleLbl name="alignImgPlace1">
+  <dgm:styleLbl name="parChTrans1D2">
     <dgm:scene3d>
       <a:camera prst="orthographicFront"/>
       <a:lightRig rig="threePt" dir="t"/>
     </dgm:scene3d>
-    <dgm:sp3d/>
     <dgm:txPr/>
     <dgm:style>
       <a:lnRef idx="2">
         <a:scrgbClr r="0" g="0" b="0"/>
       </a:lnRef>
-      <a:fillRef idx="1">
+      <a:fillRef idx="0">
         <a:scrgbClr r="0" g="0" b="0"/>
       </a:fillRef>
       <a:effectRef idx="0">
@@ -3605,18 +4117,17 @@
       <a:fontRef idx="minor"/>
     </dgm:style>
   </dgm:styleLbl>
-  <dgm:styleLbl name="bgImgPlace1">
+  <dgm:styleLbl name="parChTrans1D3">
     <dgm:scene3d>
       <a:camera prst="orthographicFront"/>
       <a:lightRig rig="threePt" dir="t"/>
     </dgm:scene3d>
-    <dgm:sp3d/>
     <dgm:txPr/>
     <dgm:style>
       <a:lnRef idx="2">
         <a:scrgbClr r="0" g="0" b="0"/>
       </a:lnRef>
-      <a:fillRef idx="1">
+      <a:fillRef idx="0">
         <a:scrgbClr r="0" g="0" b="0"/>
       </a:fillRef>
       <a:effectRef idx="0">
@@ -3625,220 +4136,23 @@
       <a:fontRef idx="minor"/>
     </dgm:style>
   </dgm:styleLbl>
-  <dgm:styleLbl name="sibTrans2D1">
+  <dgm:styleLbl name="parChTrans1D4">
     <dgm:scene3d>
       <a:camera prst="orthographicFront"/>
       <a:lightRig rig="threePt" dir="t"/>
     </dgm:scene3d>
-    <dgm:sp3d/>
-    <dgm:txPr/>
-    <dgm:style>
-      <a:lnRef idx="0">
-        <a:scrgbClr r="0" g="0" b="0"/>
-      </a:lnRef>
-      <a:fillRef idx="1">
-        <a:scrgbClr r="0" g="0" b="0"/>
-      </a:fillRef>
-      <a:effectRef idx="0">
-        <a:scrgbClr r="0" g="0" b="0"/>
-      </a:effectRef>
-      <a:fontRef idx="minor">
-        <a:schemeClr val="lt1"/>
-      </a:fontRef>
-    </dgm:style>
-  </dgm:styleLbl>
-  <dgm:styleLbl name="fgSibTrans2D1">
-    <dgm:scene3d>
-      <a:camera prst="orthographicFront"/>
-      <a:lightRig rig="threePt" dir="t"/>
-    </dgm:scene3d>
-    <dgm:sp3d/>
-    <dgm:txPr/>
-    <dgm:style>
-      <a:lnRef idx="0">
-        <a:scrgbClr r="0" g="0" b="0"/>
-      </a:lnRef>
-      <a:fillRef idx="1">
-        <a:scrgbClr r="0" g="0" b="0"/>
-      </a:fillRef>
-      <a:effectRef idx="0">
-        <a:scrgbClr r="0" g="0" b="0"/>
-      </a:effectRef>
-      <a:fontRef idx="minor">
-        <a:schemeClr val="lt1"/>
-      </a:fontRef>
-    </dgm:style>
-  </dgm:styleLbl>
-  <dgm:styleLbl name="bgSibTrans2D1">
-    <dgm:scene3d>
-      <a:camera prst="orthographicFront"/>
-      <a:lightRig rig="threePt" dir="t"/>
-    </dgm:scene3d>
-    <dgm:sp3d/>
-    <dgm:txPr/>
-    <dgm:style>
-      <a:lnRef idx="0">
-        <a:scrgbClr r="0" g="0" b="0"/>
-      </a:lnRef>
-      <a:fillRef idx="1">
-        <a:scrgbClr r="0" g="0" b="0"/>
-      </a:fillRef>
-      <a:effectRef idx="0">
-        <a:scrgbClr r="0" g="0" b="0"/>
-      </a:effectRef>
-      <a:fontRef idx="minor">
-        <a:schemeClr val="lt1"/>
-      </a:fontRef>
-    </dgm:style>
-  </dgm:styleLbl>
-  <dgm:styleLbl name="sibTrans1D1">
-    <dgm:scene3d>
-      <a:camera prst="orthographicFront"/>
-      <a:lightRig rig="threePt" dir="t"/>
-    </dgm:scene3d>
-    <dgm:sp3d/>
-    <dgm:txPr/>
-    <dgm:style>
-      <a:lnRef idx="1">
-        <a:scrgbClr r="0" g="0" b="0"/>
-      </a:lnRef>
-      <a:fillRef idx="0">
-        <a:scrgbClr r="0" g="0" b="0"/>
-      </a:fillRef>
-      <a:effectRef idx="0">
-        <a:scrgbClr r="0" g="0" b="0"/>
-      </a:effectRef>
-      <a:fontRef idx="minor"/>
-    </dgm:style>
-  </dgm:styleLbl>
-  <dgm:styleLbl name="callout">
-    <dgm:scene3d>
-      <a:camera prst="orthographicFront"/>
-      <a:lightRig rig="threePt" dir="t"/>
-    </dgm:scene3d>
-    <dgm:sp3d/>
     <dgm:txPr/>
     <dgm:style>
       <a:lnRef idx="2">
         <a:scrgbClr r="0" g="0" b="0"/>
       </a:lnRef>
-      <a:fillRef idx="1">
+      <a:fillRef idx="0">
         <a:scrgbClr r="0" g="0" b="0"/>
       </a:fillRef>
       <a:effectRef idx="0">
         <a:scrgbClr r="0" g="0" b="0"/>
       </a:effectRef>
       <a:fontRef idx="minor"/>
-    </dgm:style>
-  </dgm:styleLbl>
-  <dgm:styleLbl name="asst0">
-    <dgm:scene3d>
-      <a:camera prst="orthographicFront"/>
-      <a:lightRig rig="threePt" dir="t"/>
-    </dgm:scene3d>
-    <dgm:sp3d/>
-    <dgm:txPr/>
-    <dgm:style>
-      <a:lnRef idx="2">
-        <a:scrgbClr r="0" g="0" b="0"/>
-      </a:lnRef>
-      <a:fillRef idx="1">
-        <a:scrgbClr r="0" g="0" b="0"/>
-      </a:fillRef>
-      <a:effectRef idx="0">
-        <a:scrgbClr r="0" g="0" b="0"/>
-      </a:effectRef>
-      <a:fontRef idx="minor">
-        <a:schemeClr val="lt1"/>
-      </a:fontRef>
-    </dgm:style>
-  </dgm:styleLbl>
-  <dgm:styleLbl name="asst1">
-    <dgm:scene3d>
-      <a:camera prst="orthographicFront"/>
-      <a:lightRig rig="threePt" dir="t"/>
-    </dgm:scene3d>
-    <dgm:sp3d/>
-    <dgm:txPr/>
-    <dgm:style>
-      <a:lnRef idx="2">
-        <a:scrgbClr r="0" g="0" b="0"/>
-      </a:lnRef>
-      <a:fillRef idx="1">
-        <a:scrgbClr r="0" g="0" b="0"/>
-      </a:fillRef>
-      <a:effectRef idx="0">
-        <a:scrgbClr r="0" g="0" b="0"/>
-      </a:effectRef>
-      <a:fontRef idx="minor">
-        <a:schemeClr val="lt1"/>
-      </a:fontRef>
-    </dgm:style>
-  </dgm:styleLbl>
-  <dgm:styleLbl name="asst2">
-    <dgm:scene3d>
-      <a:camera prst="orthographicFront"/>
-      <a:lightRig rig="threePt" dir="t"/>
-    </dgm:scene3d>
-    <dgm:sp3d/>
-    <dgm:txPr/>
-    <dgm:style>
-      <a:lnRef idx="2">
-        <a:scrgbClr r="0" g="0" b="0"/>
-      </a:lnRef>
-      <a:fillRef idx="1">
-        <a:scrgbClr r="0" g="0" b="0"/>
-      </a:fillRef>
-      <a:effectRef idx="0">
-        <a:scrgbClr r="0" g="0" b="0"/>
-      </a:effectRef>
-      <a:fontRef idx="minor">
-        <a:schemeClr val="lt1"/>
-      </a:fontRef>
-    </dgm:style>
-  </dgm:styleLbl>
-  <dgm:styleLbl name="asst3">
-    <dgm:scene3d>
-      <a:camera prst="orthographicFront"/>
-      <a:lightRig rig="threePt" dir="t"/>
-    </dgm:scene3d>
-    <dgm:sp3d/>
-    <dgm:txPr/>
-    <dgm:style>
-      <a:lnRef idx="2">
-        <a:scrgbClr r="0" g="0" b="0"/>
-      </a:lnRef>
-      <a:fillRef idx="1">
-        <a:scrgbClr r="0" g="0" b="0"/>
-      </a:fillRef>
-      <a:effectRef idx="0">
-        <a:scrgbClr r="0" g="0" b="0"/>
-      </a:effectRef>
-      <a:fontRef idx="minor">
-        <a:schemeClr val="lt1"/>
-      </a:fontRef>
-    </dgm:style>
-  </dgm:styleLbl>
-  <dgm:styleLbl name="asst4">
-    <dgm:scene3d>
-      <a:camera prst="orthographicFront"/>
-      <a:lightRig rig="threePt" dir="t"/>
-    </dgm:scene3d>
-    <dgm:sp3d/>
-    <dgm:txPr/>
-    <dgm:style>
-      <a:lnRef idx="2">
-        <a:scrgbClr r="0" g="0" b="0"/>
-      </a:lnRef>
-      <a:fillRef idx="1">
-        <a:scrgbClr r="0" g="0" b="0"/>
-      </a:fillRef>
-      <a:effectRef idx="0">
-        <a:scrgbClr r="0" g="0" b="0"/>
-      </a:effectRef>
-      <a:fontRef idx="minor">
-        <a:schemeClr val="lt1"/>
-      </a:fontRef>
     </dgm:style>
   </dgm:styleLbl>
   <dgm:styleLbl name="parChTrans2D1">
@@ -3846,7 +4160,6 @@
       <a:camera prst="orthographicFront"/>
       <a:lightRig rig="threePt" dir="t"/>
     </dgm:scene3d>
-    <dgm:sp3d/>
     <dgm:txPr/>
     <dgm:style>
       <a:lnRef idx="2">
@@ -3868,7 +4181,6 @@
       <a:camera prst="orthographicFront"/>
       <a:lightRig rig="threePt" dir="t"/>
     </dgm:scene3d>
-    <dgm:sp3d/>
     <dgm:txPr/>
     <dgm:style>
       <a:lnRef idx="2">
@@ -3890,7 +4202,6 @@
       <a:camera prst="orthographicFront"/>
       <a:lightRig rig="threePt" dir="t"/>
     </dgm:scene3d>
-    <dgm:sp3d/>
     <dgm:txPr/>
     <dgm:style>
       <a:lnRef idx="2">
@@ -3912,7 +4223,6 @@
       <a:camera prst="orthographicFront"/>
       <a:lightRig rig="threePt" dir="t"/>
     </dgm:scene3d>
-    <dgm:sp3d/>
     <dgm:txPr/>
     <dgm:style>
       <a:lnRef idx="2">
@@ -3929,15 +4239,14 @@
       </a:fontRef>
     </dgm:style>
   </dgm:styleLbl>
-  <dgm:styleLbl name="parChTrans1D1">
+  <dgm:styleLbl name="revTx">
     <dgm:scene3d>
       <a:camera prst="orthographicFront"/>
       <a:lightRig rig="threePt" dir="t"/>
     </dgm:scene3d>
-    <dgm:sp3d/>
     <dgm:txPr/>
     <dgm:style>
-      <a:lnRef idx="2">
+      <a:lnRef idx="0">
         <a:scrgbClr r="0" g="0" b="0"/>
       </a:lnRef>
       <a:fillRef idx="0">
@@ -3949,15 +4258,14 @@
       <a:fontRef idx="minor"/>
     </dgm:style>
   </dgm:styleLbl>
-  <dgm:styleLbl name="parChTrans1D2">
+  <dgm:styleLbl name="sibTrans1D1">
     <dgm:scene3d>
       <a:camera prst="orthographicFront"/>
       <a:lightRig rig="threePt" dir="t"/>
     </dgm:scene3d>
-    <dgm:sp3d/>
     <dgm:txPr/>
     <dgm:style>
-      <a:lnRef idx="2">
+      <a:lnRef idx="1">
         <a:scrgbClr r="0" g="0" b="0"/>
       </a:lnRef>
       <a:fillRef idx="0">
@@ -3969,18 +4277,38 @@
       <a:fontRef idx="minor"/>
     </dgm:style>
   </dgm:styleLbl>
-  <dgm:styleLbl name="parChTrans1D3">
+  <dgm:styleLbl name="sibTrans2D1">
     <dgm:scene3d>
       <a:camera prst="orthographicFront"/>
       <a:lightRig rig="threePt" dir="t"/>
     </dgm:scene3d>
-    <dgm:sp3d/>
+    <dgm:txPr/>
+    <dgm:style>
+      <a:lnRef idx="0">
+        <a:scrgbClr r="0" g="0" b="0"/>
+      </a:lnRef>
+      <a:fillRef idx="1">
+        <a:scrgbClr r="0" g="0" b="0"/>
+      </a:fillRef>
+      <a:effectRef idx="0">
+        <a:scrgbClr r="0" g="0" b="0"/>
+      </a:effectRef>
+      <a:fontRef idx="minor">
+        <a:schemeClr val="lt1"/>
+      </a:fontRef>
+    </dgm:style>
+  </dgm:styleLbl>
+  <dgm:styleLbl name="solidAlignAcc1">
+    <dgm:scene3d>
+      <a:camera prst="orthographicFront"/>
+      <a:lightRig rig="threePt" dir="t"/>
+    </dgm:scene3d>
     <dgm:txPr/>
     <dgm:style>
       <a:lnRef idx="2">
         <a:scrgbClr r="0" g="0" b="0"/>
       </a:lnRef>
-      <a:fillRef idx="0">
+      <a:fillRef idx="1">
         <a:scrgbClr r="0" g="0" b="0"/>
       </a:fillRef>
       <a:effectRef idx="0">
@@ -3989,18 +4317,17 @@
       <a:fontRef idx="minor"/>
     </dgm:style>
   </dgm:styleLbl>
-  <dgm:styleLbl name="parChTrans1D4">
+  <dgm:styleLbl name="solidBgAcc1">
     <dgm:scene3d>
       <a:camera prst="orthographicFront"/>
       <a:lightRig rig="threePt" dir="t"/>
     </dgm:scene3d>
-    <dgm:sp3d/>
     <dgm:txPr/>
     <dgm:style>
       <a:lnRef idx="2">
         <a:scrgbClr r="0" g="0" b="0"/>
       </a:lnRef>
-      <a:fillRef idx="0">
+      <a:fillRef idx="1">
         <a:scrgbClr r="0" g="0" b="0"/>
       </a:fillRef>
       <a:effectRef idx="0">
@@ -4009,52 +4336,11 @@
       <a:fontRef idx="minor"/>
     </dgm:style>
   </dgm:styleLbl>
-  <dgm:styleLbl name="fgAcc1">
+  <dgm:styleLbl name="solidFgAcc1">
     <dgm:scene3d>
       <a:camera prst="orthographicFront"/>
       <a:lightRig rig="threePt" dir="t"/>
     </dgm:scene3d>
-    <dgm:sp3d/>
-    <dgm:txPr/>
-    <dgm:style>
-      <a:lnRef idx="2">
-        <a:scrgbClr r="0" g="0" b="0"/>
-      </a:lnRef>
-      <a:fillRef idx="1">
-        <a:scrgbClr r="0" g="0" b="0"/>
-      </a:fillRef>
-      <a:effectRef idx="0">
-        <a:scrgbClr r="0" g="0" b="0"/>
-      </a:effectRef>
-      <a:fontRef idx="minor"/>
-    </dgm:style>
-  </dgm:styleLbl>
-  <dgm:styleLbl name="conFgAcc1">
-    <dgm:scene3d>
-      <a:camera prst="orthographicFront"/>
-      <a:lightRig rig="threePt" dir="t"/>
-    </dgm:scene3d>
-    <dgm:sp3d/>
-    <dgm:txPr/>
-    <dgm:style>
-      <a:lnRef idx="2">
-        <a:scrgbClr r="0" g="0" b="0"/>
-      </a:lnRef>
-      <a:fillRef idx="1">
-        <a:scrgbClr r="0" g="0" b="0"/>
-      </a:fillRef>
-      <a:effectRef idx="0">
-        <a:scrgbClr r="0" g="0" b="0"/>
-      </a:effectRef>
-      <a:fontRef idx="minor"/>
-    </dgm:style>
-  </dgm:styleLbl>
-  <dgm:styleLbl name="alignAcc1">
-    <dgm:scene3d>
-      <a:camera prst="orthographicFront"/>
-      <a:lightRig rig="threePt" dir="t"/>
-    </dgm:scene3d>
-    <dgm:sp3d/>
     <dgm:txPr/>
     <dgm:style>
       <a:lnRef idx="2">
@@ -4074,270 +4360,9 @@
       <a:camera prst="orthographicFront"/>
       <a:lightRig rig="threePt" dir="t"/>
     </dgm:scene3d>
-    <dgm:sp3d/>
     <dgm:txPr/>
     <dgm:style>
       <a:lnRef idx="1">
-        <a:scrgbClr r="0" g="0" b="0"/>
-      </a:lnRef>
-      <a:fillRef idx="1">
-        <a:scrgbClr r="0" g="0" b="0"/>
-      </a:fillRef>
-      <a:effectRef idx="0">
-        <a:scrgbClr r="0" g="0" b="0"/>
-      </a:effectRef>
-      <a:fontRef idx="minor"/>
-    </dgm:style>
-  </dgm:styleLbl>
-  <dgm:styleLbl name="bgAcc1">
-    <dgm:scene3d>
-      <a:camera prst="orthographicFront"/>
-      <a:lightRig rig="threePt" dir="t"/>
-    </dgm:scene3d>
-    <dgm:sp3d/>
-    <dgm:txPr/>
-    <dgm:style>
-      <a:lnRef idx="2">
-        <a:scrgbClr r="0" g="0" b="0"/>
-      </a:lnRef>
-      <a:fillRef idx="1">
-        <a:scrgbClr r="0" g="0" b="0"/>
-      </a:fillRef>
-      <a:effectRef idx="0">
-        <a:scrgbClr r="0" g="0" b="0"/>
-      </a:effectRef>
-      <a:fontRef idx="minor"/>
-    </dgm:style>
-  </dgm:styleLbl>
-  <dgm:styleLbl name="solidFgAcc1">
-    <dgm:scene3d>
-      <a:camera prst="orthographicFront"/>
-      <a:lightRig rig="threePt" dir="t"/>
-    </dgm:scene3d>
-    <dgm:sp3d/>
-    <dgm:txPr/>
-    <dgm:style>
-      <a:lnRef idx="2">
-        <a:scrgbClr r="0" g="0" b="0"/>
-      </a:lnRef>
-      <a:fillRef idx="1">
-        <a:scrgbClr r="0" g="0" b="0"/>
-      </a:fillRef>
-      <a:effectRef idx="0">
-        <a:scrgbClr r="0" g="0" b="0"/>
-      </a:effectRef>
-      <a:fontRef idx="minor"/>
-    </dgm:style>
-  </dgm:styleLbl>
-  <dgm:styleLbl name="solidAlignAcc1">
-    <dgm:scene3d>
-      <a:camera prst="orthographicFront"/>
-      <a:lightRig rig="threePt" dir="t"/>
-    </dgm:scene3d>
-    <dgm:sp3d/>
-    <dgm:txPr/>
-    <dgm:style>
-      <a:lnRef idx="2">
-        <a:scrgbClr r="0" g="0" b="0"/>
-      </a:lnRef>
-      <a:fillRef idx="1">
-        <a:scrgbClr r="0" g="0" b="0"/>
-      </a:fillRef>
-      <a:effectRef idx="0">
-        <a:scrgbClr r="0" g="0" b="0"/>
-      </a:effectRef>
-      <a:fontRef idx="minor"/>
-    </dgm:style>
-  </dgm:styleLbl>
-  <dgm:styleLbl name="solidBgAcc1">
-    <dgm:scene3d>
-      <a:camera prst="orthographicFront"/>
-      <a:lightRig rig="threePt" dir="t"/>
-    </dgm:scene3d>
-    <dgm:sp3d/>
-    <dgm:txPr/>
-    <dgm:style>
-      <a:lnRef idx="2">
-        <a:scrgbClr r="0" g="0" b="0"/>
-      </a:lnRef>
-      <a:fillRef idx="1">
-        <a:scrgbClr r="0" g="0" b="0"/>
-      </a:fillRef>
-      <a:effectRef idx="0">
-        <a:scrgbClr r="0" g="0" b="0"/>
-      </a:effectRef>
-      <a:fontRef idx="minor"/>
-    </dgm:style>
-  </dgm:styleLbl>
-  <dgm:styleLbl name="fgAccFollowNode1">
-    <dgm:scene3d>
-      <a:camera prst="orthographicFront"/>
-      <a:lightRig rig="threePt" dir="t"/>
-    </dgm:scene3d>
-    <dgm:sp3d/>
-    <dgm:txPr/>
-    <dgm:style>
-      <a:lnRef idx="2">
-        <a:scrgbClr r="0" g="0" b="0"/>
-      </a:lnRef>
-      <a:fillRef idx="1">
-        <a:scrgbClr r="0" g="0" b="0"/>
-      </a:fillRef>
-      <a:effectRef idx="0">
-        <a:scrgbClr r="0" g="0" b="0"/>
-      </a:effectRef>
-      <a:fontRef idx="minor"/>
-    </dgm:style>
-  </dgm:styleLbl>
-  <dgm:styleLbl name="alignAccFollowNode1">
-    <dgm:scene3d>
-      <a:camera prst="orthographicFront"/>
-      <a:lightRig rig="threePt" dir="t"/>
-    </dgm:scene3d>
-    <dgm:sp3d/>
-    <dgm:txPr/>
-    <dgm:style>
-      <a:lnRef idx="2">
-        <a:scrgbClr r="0" g="0" b="0"/>
-      </a:lnRef>
-      <a:fillRef idx="1">
-        <a:scrgbClr r="0" g="0" b="0"/>
-      </a:fillRef>
-      <a:effectRef idx="0">
-        <a:scrgbClr r="0" g="0" b="0"/>
-      </a:effectRef>
-      <a:fontRef idx="minor"/>
-    </dgm:style>
-  </dgm:styleLbl>
-  <dgm:styleLbl name="bgAccFollowNode1">
-    <dgm:scene3d>
-      <a:camera prst="orthographicFront"/>
-      <a:lightRig rig="threePt" dir="t"/>
-    </dgm:scene3d>
-    <dgm:sp3d/>
-    <dgm:txPr/>
-    <dgm:style>
-      <a:lnRef idx="2">
-        <a:scrgbClr r="0" g="0" b="0"/>
-      </a:lnRef>
-      <a:fillRef idx="1">
-        <a:scrgbClr r="0" g="0" b="0"/>
-      </a:fillRef>
-      <a:effectRef idx="0">
-        <a:scrgbClr r="0" g="0" b="0"/>
-      </a:effectRef>
-      <a:fontRef idx="minor"/>
-    </dgm:style>
-  </dgm:styleLbl>
-  <dgm:styleLbl name="fgAcc0">
-    <dgm:scene3d>
-      <a:camera prst="orthographicFront"/>
-      <a:lightRig rig="threePt" dir="t"/>
-    </dgm:scene3d>
-    <dgm:sp3d/>
-    <dgm:txPr/>
-    <dgm:style>
-      <a:lnRef idx="2">
-        <a:scrgbClr r="0" g="0" b="0"/>
-      </a:lnRef>
-      <a:fillRef idx="1">
-        <a:scrgbClr r="0" g="0" b="0"/>
-      </a:fillRef>
-      <a:effectRef idx="0">
-        <a:scrgbClr r="0" g="0" b="0"/>
-      </a:effectRef>
-      <a:fontRef idx="minor"/>
-    </dgm:style>
-  </dgm:styleLbl>
-  <dgm:styleLbl name="fgAcc2">
-    <dgm:scene3d>
-      <a:camera prst="orthographicFront"/>
-      <a:lightRig rig="threePt" dir="t"/>
-    </dgm:scene3d>
-    <dgm:sp3d/>
-    <dgm:txPr/>
-    <dgm:style>
-      <a:lnRef idx="2">
-        <a:scrgbClr r="0" g="0" b="0"/>
-      </a:lnRef>
-      <a:fillRef idx="1">
-        <a:scrgbClr r="0" g="0" b="0"/>
-      </a:fillRef>
-      <a:effectRef idx="0">
-        <a:scrgbClr r="0" g="0" b="0"/>
-      </a:effectRef>
-      <a:fontRef idx="minor"/>
-    </dgm:style>
-  </dgm:styleLbl>
-  <dgm:styleLbl name="fgAcc3">
-    <dgm:scene3d>
-      <a:camera prst="orthographicFront"/>
-      <a:lightRig rig="threePt" dir="t"/>
-    </dgm:scene3d>
-    <dgm:sp3d/>
-    <dgm:txPr/>
-    <dgm:style>
-      <a:lnRef idx="2">
-        <a:scrgbClr r="0" g="0" b="0"/>
-      </a:lnRef>
-      <a:fillRef idx="1">
-        <a:scrgbClr r="0" g="0" b="0"/>
-      </a:fillRef>
-      <a:effectRef idx="0">
-        <a:scrgbClr r="0" g="0" b="0"/>
-      </a:effectRef>
-      <a:fontRef idx="minor"/>
-    </dgm:style>
-  </dgm:styleLbl>
-  <dgm:styleLbl name="fgAcc4">
-    <dgm:scene3d>
-      <a:camera prst="orthographicFront"/>
-      <a:lightRig rig="threePt" dir="t"/>
-    </dgm:scene3d>
-    <dgm:sp3d/>
-    <dgm:txPr/>
-    <dgm:style>
-      <a:lnRef idx="2">
-        <a:scrgbClr r="0" g="0" b="0"/>
-      </a:lnRef>
-      <a:fillRef idx="1">
-        <a:scrgbClr r="0" g="0" b="0"/>
-      </a:fillRef>
-      <a:effectRef idx="0">
-        <a:scrgbClr r="0" g="0" b="0"/>
-      </a:effectRef>
-      <a:fontRef idx="minor"/>
-    </dgm:style>
-  </dgm:styleLbl>
-  <dgm:styleLbl name="bgShp">
-    <dgm:scene3d>
-      <a:camera prst="orthographicFront"/>
-      <a:lightRig rig="threePt" dir="t"/>
-    </dgm:scene3d>
-    <dgm:sp3d/>
-    <dgm:txPr/>
-    <dgm:style>
-      <a:lnRef idx="0">
-        <a:scrgbClr r="0" g="0" b="0"/>
-      </a:lnRef>
-      <a:fillRef idx="1">
-        <a:scrgbClr r="0" g="0" b="0"/>
-      </a:fillRef>
-      <a:effectRef idx="0">
-        <a:scrgbClr r="0" g="0" b="0"/>
-      </a:effectRef>
-      <a:fontRef idx="minor"/>
-    </dgm:style>
-  </dgm:styleLbl>
-  <dgm:styleLbl name="dkBgShp">
-    <dgm:scene3d>
-      <a:camera prst="orthographicFront"/>
-      <a:lightRig rig="threePt" dir="t"/>
-    </dgm:scene3d>
-    <dgm:sp3d/>
-    <dgm:txPr/>
-    <dgm:style>
-      <a:lnRef idx="0">
         <a:scrgbClr r="0" g="0" b="0"/>
       </a:lnRef>
       <a:fillRef idx="1">
@@ -4354,7 +4379,6 @@
       <a:camera prst="orthographicFront"/>
       <a:lightRig rig="threePt" dir="t"/>
     </dgm:scene3d>
-    <dgm:sp3d/>
     <dgm:txPr/>
     <dgm:style>
       <a:lnRef idx="0">
@@ -4369,12 +4393,11 @@
       <a:fontRef idx="minor"/>
     </dgm:style>
   </dgm:styleLbl>
-  <dgm:styleLbl name="fgShp">
+  <dgm:styleLbl name="vennNode1">
     <dgm:scene3d>
       <a:camera prst="orthographicFront"/>
       <a:lightRig rig="threePt" dir="t"/>
     </dgm:scene3d>
-    <dgm:sp3d/>
     <dgm:txPr/>
     <dgm:style>
       <a:lnRef idx="2">
@@ -4386,27 +4409,9 @@
       <a:effectRef idx="0">
         <a:scrgbClr r="0" g="0" b="0"/>
       </a:effectRef>
-      <a:fontRef idx="minor"/>
-    </dgm:style>
-  </dgm:styleLbl>
-  <dgm:styleLbl name="revTx">
-    <dgm:scene3d>
-      <a:camera prst="orthographicFront"/>
-      <a:lightRig rig="threePt" dir="t"/>
-    </dgm:scene3d>
-    <dgm:sp3d/>
-    <dgm:txPr/>
-    <dgm:style>
-      <a:lnRef idx="0">
-        <a:scrgbClr r="0" g="0" b="0"/>
-      </a:lnRef>
-      <a:fillRef idx="0">
-        <a:scrgbClr r="0" g="0" b="0"/>
-      </a:fillRef>
-      <a:effectRef idx="0">
-        <a:scrgbClr r="0" g="0" b="0"/>
-      </a:effectRef>
-      <a:fontRef idx="minor"/>
+      <a:fontRef idx="minor">
+        <a:schemeClr val="tx1"/>
+      </a:fontRef>
     </dgm:style>
   </dgm:styleLbl>
 </dgm:styleDef>
@@ -4494,7 +4499,6 @@
           <a:p>
             <a:fld id="{6315994C-DD30-4E43-B3D3-FD8225D233B5}" type="datetimeFigureOut">
               <a:rPr lang="en-US" smtClean="0"/>
-              <a:t>9/12/2020</a:t>
             </a:fld>
             <a:endParaRPr lang="en-US"/>
           </a:p>
@@ -4561,6 +4565,7 @@
               <a:rPr lang="en-US"/>
               <a:t>Click to edit Master text styles</a:t>
             </a:r>
+            <a:endParaRPr lang="en-US"/>
           </a:p>
           <a:p>
             <a:pPr lvl="1"/>
@@ -4568,6 +4573,7 @@
               <a:rPr lang="en-US"/>
               <a:t>Second level</a:t>
             </a:r>
+            <a:endParaRPr lang="en-US"/>
           </a:p>
           <a:p>
             <a:pPr lvl="2"/>
@@ -4575,6 +4581,7 @@
               <a:rPr lang="en-US"/>
               <a:t>Third level</a:t>
             </a:r>
+            <a:endParaRPr lang="en-US"/>
           </a:p>
           <a:p>
             <a:pPr lvl="3"/>
@@ -4582,6 +4589,7 @@
               <a:rPr lang="en-US"/>
               <a:t>Fourth level</a:t>
             </a:r>
+            <a:endParaRPr lang="en-US"/>
           </a:p>
           <a:p>
             <a:pPr lvl="4"/>
@@ -4589,6 +4597,7 @@
               <a:rPr lang="en-US"/>
               <a:t>Fifth level</a:t>
             </a:r>
+            <a:endParaRPr lang="en-US"/>
           </a:p>
         </p:txBody>
       </p:sp>
@@ -4652,18 +4661,12 @@
           <a:p>
             <a:fld id="{80A97930-A983-4E03-8DD5-7F4A82E27569}" type="slidenum">
               <a:rPr lang="en-US" smtClean="0"/>
-              <a:t>‹#›</a:t>
             </a:fld>
             <a:endParaRPr lang="en-US"/>
           </a:p>
         </p:txBody>
       </p:sp>
     </p:spTree>
-    <p:extLst>
-      <p:ext uri="{BB962C8B-B14F-4D97-AF65-F5344CB8AC3E}">
-        <p14:creationId xmlns:p14="http://schemas.microsoft.com/office/powerpoint/2010/main" val="1677622174"/>
-      </p:ext>
-    </p:extLst>
   </p:cSld>
   <p:clrMap bg1="lt1" tx1="dk1" bg2="lt2" tx2="dk2" accent1="accent1" accent2="accent2" accent3="accent3" accent4="accent4" accent5="accent5" accent6="accent6" hlink="hlink" folHlink="folHlink"/>
   <p:notesStyle>
@@ -4826,18 +4829,12 @@
           <a:p>
             <a:fld id="{80A97930-A983-4E03-8DD5-7F4A82E27569}" type="slidenum">
               <a:rPr lang="en-US" smtClean="0"/>
-              <a:t>2</a:t>
             </a:fld>
             <a:endParaRPr lang="en-US"/>
           </a:p>
         </p:txBody>
       </p:sp>
     </p:spTree>
-    <p:extLst>
-      <p:ext uri="{BB962C8B-B14F-4D97-AF65-F5344CB8AC3E}">
-        <p14:creationId xmlns:p14="http://schemas.microsoft.com/office/powerpoint/2010/main" val="4159925982"/>
-      </p:ext>
-    </p:extLst>
   </p:cSld>
   <p:clrMapOvr>
     <a:masterClrMapping/>
@@ -4903,13 +4900,13 @@
               <a:buSzTx/>
               <a:buFontTx/>
               <a:buNone/>
-              <a:tabLst/>
               <a:defRPr/>
             </a:pPr>
             <a:r>
               <a:rPr lang="en-US" dirty="0"/>
               <a:t>Map defines the scope and have pins all around. When you look closer you might also find inaccuracies in certain regions. </a:t>
             </a:r>
+            <a:endParaRPr lang="en-US" dirty="0"/>
           </a:p>
           <a:p>
             <a:endParaRPr lang="en-US" dirty="0"/>
@@ -4933,18 +4930,12 @@
           <a:p>
             <a:fld id="{80A97930-A983-4E03-8DD5-7F4A82E27569}" type="slidenum">
               <a:rPr lang="en-US" smtClean="0"/>
-              <a:t>3</a:t>
             </a:fld>
             <a:endParaRPr lang="en-US"/>
           </a:p>
         </p:txBody>
       </p:sp>
     </p:spTree>
-    <p:extLst>
-      <p:ext uri="{BB962C8B-B14F-4D97-AF65-F5344CB8AC3E}">
-        <p14:creationId xmlns:p14="http://schemas.microsoft.com/office/powerpoint/2010/main" val="2792170981"/>
-      </p:ext>
-    </p:extLst>
   </p:cSld>
   <p:clrMapOvr>
     <a:masterClrMapping/>
@@ -5003,6 +4994,7 @@
               <a:rPr lang="en-US" dirty="0"/>
               <a:t>Learn by doing</a:t>
             </a:r>
+            <a:endParaRPr lang="en-US" dirty="0"/>
           </a:p>
           <a:p>
             <a:pPr marL="228600" indent="-228600">
@@ -5012,6 +5004,7 @@
               <a:rPr lang="en-US" dirty="0"/>
               <a:t>Taught at class is not enough</a:t>
             </a:r>
+            <a:endParaRPr lang="en-US" dirty="0"/>
           </a:p>
           <a:p>
             <a:pPr marL="685800" lvl="1" indent="-228600">
@@ -5021,6 +5014,7 @@
               <a:rPr lang="en-US" dirty="0"/>
               <a:t>New need for tasks</a:t>
             </a:r>
+            <a:endParaRPr lang="en-US" dirty="0"/>
           </a:p>
           <a:p>
             <a:pPr marL="685800" lvl="1" indent="-228600">
@@ -5030,6 +5024,7 @@
               <a:rPr lang="en-US" dirty="0"/>
               <a:t>New industry trend </a:t>
             </a:r>
+            <a:endParaRPr lang="en-US" dirty="0"/>
           </a:p>
           <a:p>
             <a:pPr marL="1143000" lvl="2" indent="-228600">
@@ -5039,6 +5034,7 @@
               <a:rPr lang="en-US" dirty="0"/>
               <a:t>(language: SAS -&gt; R, python ?-&gt; Julia?) </a:t>
             </a:r>
+            <a:endParaRPr lang="en-US" dirty="0"/>
           </a:p>
           <a:p>
             <a:pPr marL="1143000" lvl="2" indent="-228600">
@@ -5048,6 +5044,7 @@
               <a:rPr lang="en-US" dirty="0"/>
               <a:t>(computing: SAS server -&gt; Hadoop -&gt; cloud) </a:t>
             </a:r>
+            <a:endParaRPr lang="en-US" dirty="0"/>
           </a:p>
           <a:p>
             <a:pPr marL="1143000" lvl="2" indent="-228600">
@@ -5057,6 +5054,7 @@
               <a:rPr lang="en-US" dirty="0"/>
               <a:t>(workflow: waterfall -&gt; agile)</a:t>
             </a:r>
+            <a:endParaRPr lang="en-US" dirty="0"/>
           </a:p>
           <a:p>
             <a:pPr marL="228600" lvl="0" indent="-228600">
@@ -5083,18 +5081,12 @@
           <a:p>
             <a:fld id="{80A97930-A983-4E03-8DD5-7F4A82E27569}" type="slidenum">
               <a:rPr lang="en-US" smtClean="0"/>
-              <a:t>4</a:t>
             </a:fld>
             <a:endParaRPr lang="en-US"/>
           </a:p>
         </p:txBody>
       </p:sp>
     </p:spTree>
-    <p:extLst>
-      <p:ext uri="{BB962C8B-B14F-4D97-AF65-F5344CB8AC3E}">
-        <p14:creationId xmlns:p14="http://schemas.microsoft.com/office/powerpoint/2010/main" val="4009535468"/>
-      </p:ext>
-    </p:extLst>
   </p:cSld>
   <p:clrMapOvr>
     <a:masterClrMapping/>
@@ -5167,18 +5159,12 @@
           <a:p>
             <a:fld id="{80A97930-A983-4E03-8DD5-7F4A82E27569}" type="slidenum">
               <a:rPr lang="en-US" smtClean="0"/>
-              <a:t>5</a:t>
             </a:fld>
             <a:endParaRPr lang="en-US"/>
           </a:p>
         </p:txBody>
       </p:sp>
     </p:spTree>
-    <p:extLst>
-      <p:ext uri="{BB962C8B-B14F-4D97-AF65-F5344CB8AC3E}">
-        <p14:creationId xmlns:p14="http://schemas.microsoft.com/office/powerpoint/2010/main" val="3009775915"/>
-      </p:ext>
-    </p:extLst>
   </p:cSld>
   <p:clrMapOvr>
     <a:masterClrMapping/>
@@ -5251,18 +5237,12 @@
           <a:p>
             <a:fld id="{80A97930-A983-4E03-8DD5-7F4A82E27569}" type="slidenum">
               <a:rPr lang="en-US" smtClean="0"/>
-              <a:t>6</a:t>
             </a:fld>
             <a:endParaRPr lang="en-US"/>
           </a:p>
         </p:txBody>
       </p:sp>
     </p:spTree>
-    <p:extLst>
-      <p:ext uri="{BB962C8B-B14F-4D97-AF65-F5344CB8AC3E}">
-        <p14:creationId xmlns:p14="http://schemas.microsoft.com/office/powerpoint/2010/main" val="2372589285"/>
-      </p:ext>
-    </p:extLst>
   </p:cSld>
   <p:clrMapOvr>
     <a:masterClrMapping/>
@@ -5318,6 +5298,7 @@
               <a:rPr lang="en-US" dirty="0"/>
               <a:t>Reason mainly being easy dependency management (might not be merely python packages but system packages) and bash shell</a:t>
             </a:r>
+            <a:endParaRPr lang="en-US" dirty="0"/>
           </a:p>
         </p:txBody>
       </p:sp>
@@ -5338,18 +5319,12 @@
           <a:p>
             <a:fld id="{80A97930-A983-4E03-8DD5-7F4A82E27569}" type="slidenum">
               <a:rPr lang="en-US" smtClean="0"/>
-              <a:t>7</a:t>
             </a:fld>
             <a:endParaRPr lang="en-US"/>
           </a:p>
         </p:txBody>
       </p:sp>
     </p:spTree>
-    <p:extLst>
-      <p:ext uri="{BB962C8B-B14F-4D97-AF65-F5344CB8AC3E}">
-        <p14:creationId xmlns:p14="http://schemas.microsoft.com/office/powerpoint/2010/main" val="1912994850"/>
-      </p:ext>
-    </p:extLst>
   </p:cSld>
   <p:clrMapOvr>
     <a:masterClrMapping/>
@@ -5405,6 +5380,7 @@
               <a:rPr lang="en-US" dirty="0"/>
               <a:t>Don’t need to strictly follow; use as advice</a:t>
             </a:r>
+            <a:endParaRPr lang="en-US" dirty="0"/>
           </a:p>
         </p:txBody>
       </p:sp>
@@ -5425,18 +5401,12 @@
           <a:p>
             <a:fld id="{80A97930-A983-4E03-8DD5-7F4A82E27569}" type="slidenum">
               <a:rPr lang="en-US" smtClean="0"/>
-              <a:t>22</a:t>
             </a:fld>
             <a:endParaRPr lang="en-US"/>
           </a:p>
         </p:txBody>
       </p:sp>
     </p:spTree>
-    <p:extLst>
-      <p:ext uri="{BB962C8B-B14F-4D97-AF65-F5344CB8AC3E}">
-        <p14:creationId xmlns:p14="http://schemas.microsoft.com/office/powerpoint/2010/main" val="124729325"/>
-      </p:ext>
-    </p:extLst>
   </p:cSld>
   <p:clrMapOvr>
     <a:masterClrMapping/>
@@ -5509,18 +5479,12 @@
           <a:p>
             <a:fld id="{80A97930-A983-4E03-8DD5-7F4A82E27569}" type="slidenum">
               <a:rPr lang="en-US" smtClean="0"/>
-              <a:t>29</a:t>
             </a:fld>
             <a:endParaRPr lang="en-US"/>
           </a:p>
         </p:txBody>
       </p:sp>
     </p:spTree>
-    <p:extLst>
-      <p:ext uri="{BB962C8B-B14F-4D97-AF65-F5344CB8AC3E}">
-        <p14:creationId xmlns:p14="http://schemas.microsoft.com/office/powerpoint/2010/main" val="3332228187"/>
-      </p:ext>
-    </p:extLst>
   </p:cSld>
   <p:clrMapOvr>
     <a:masterClrMapping/>
@@ -5576,6 +5540,7 @@
               <a:rPr lang="en-US" dirty="0"/>
               <a:t>- Its trying times. eco</a:t>
             </a:r>
+            <a:endParaRPr lang="en-US" dirty="0"/>
           </a:p>
         </p:txBody>
       </p:sp>
@@ -5596,18 +5561,12 @@
           <a:p>
             <a:fld id="{80A97930-A983-4E03-8DD5-7F4A82E27569}" type="slidenum">
               <a:rPr lang="en-US" smtClean="0"/>
-              <a:t>31</a:t>
             </a:fld>
             <a:endParaRPr lang="en-US"/>
           </a:p>
         </p:txBody>
       </p:sp>
     </p:spTree>
-    <p:extLst>
-      <p:ext uri="{BB962C8B-B14F-4D97-AF65-F5344CB8AC3E}">
-        <p14:creationId xmlns:p14="http://schemas.microsoft.com/office/powerpoint/2010/main" val="1664870167"/>
-      </p:ext>
-    </p:extLst>
   </p:cSld>
   <p:clrMapOvr>
     <a:masterClrMapping/>
@@ -5634,13 +5593,7 @@
       </p:grpSpPr>
       <p:sp>
         <p:nvSpPr>
-          <p:cNvPr id="2" name="Title 1">
-            <a:extLst>
-              <a:ext uri="{FF2B5EF4-FFF2-40B4-BE49-F238E27FC236}">
-                <a16:creationId xmlns:a16="http://schemas.microsoft.com/office/drawing/2014/main" id="{89F65588-A162-4852-AD11-00FFF58ABAED}"/>
-              </a:ext>
-            </a:extLst>
-          </p:cNvPr>
+          <p:cNvPr id="2" name="Title 1"/>
           <p:cNvSpPr>
             <a:spLocks noGrp="1"/>
           </p:cNvSpPr>
@@ -5666,18 +5619,13 @@
               <a:rPr lang="en-US"/>
               <a:t>Click to edit Master title style</a:t>
             </a:r>
-          </a:p>
-        </p:txBody>
-      </p:sp>
-      <p:sp>
-        <p:nvSpPr>
-          <p:cNvPr id="3" name="Subtitle 2">
-            <a:extLst>
-              <a:ext uri="{FF2B5EF4-FFF2-40B4-BE49-F238E27FC236}">
-                <a16:creationId xmlns:a16="http://schemas.microsoft.com/office/drawing/2014/main" id="{96703BAD-5DF5-4FDF-8A61-1B84DF4E17A0}"/>
-              </a:ext>
-            </a:extLst>
-          </p:cNvPr>
+            <a:endParaRPr lang="en-US"/>
+          </a:p>
+        </p:txBody>
+      </p:sp>
+      <p:sp>
+        <p:nvSpPr>
+          <p:cNvPr id="3" name="Subtitle 2"/>
           <p:cNvSpPr>
             <a:spLocks noGrp="1"/>
           </p:cNvSpPr>
@@ -5736,18 +5684,13 @@
               <a:rPr lang="en-US"/>
               <a:t>Click to edit Master subtitle style</a:t>
             </a:r>
-          </a:p>
-        </p:txBody>
-      </p:sp>
-      <p:sp>
-        <p:nvSpPr>
-          <p:cNvPr id="4" name="Date Placeholder 3">
-            <a:extLst>
-              <a:ext uri="{FF2B5EF4-FFF2-40B4-BE49-F238E27FC236}">
-                <a16:creationId xmlns:a16="http://schemas.microsoft.com/office/drawing/2014/main" id="{5135B908-A2F5-444E-8681-D552954E767F}"/>
-              </a:ext>
-            </a:extLst>
-          </p:cNvPr>
+            <a:endParaRPr lang="en-US"/>
+          </a:p>
+        </p:txBody>
+      </p:sp>
+      <p:sp>
+        <p:nvSpPr>
+          <p:cNvPr id="4" name="Date Placeholder 3"/>
           <p:cNvSpPr>
             <a:spLocks noGrp="1"/>
           </p:cNvSpPr>
@@ -5762,7 +5705,6 @@
           <a:p>
             <a:fld id="{458389C9-C49E-4A2B-B675-A98BD14A26DC}" type="datetimeFigureOut">
               <a:rPr lang="en-US" smtClean="0"/>
-              <a:t>9/12/2020</a:t>
             </a:fld>
             <a:endParaRPr lang="en-US"/>
           </a:p>
@@ -5770,13 +5712,7 @@
       </p:sp>
       <p:sp>
         <p:nvSpPr>
-          <p:cNvPr id="5" name="Footer Placeholder 4">
-            <a:extLst>
-              <a:ext uri="{FF2B5EF4-FFF2-40B4-BE49-F238E27FC236}">
-                <a16:creationId xmlns:a16="http://schemas.microsoft.com/office/drawing/2014/main" id="{5FC0F6AC-9C82-4620-8C7E-17FF8658F502}"/>
-              </a:ext>
-            </a:extLst>
-          </p:cNvPr>
+          <p:cNvPr id="5" name="Footer Placeholder 4"/>
           <p:cNvSpPr>
             <a:spLocks noGrp="1"/>
           </p:cNvSpPr>
@@ -5795,13 +5731,7 @@
       </p:sp>
       <p:sp>
         <p:nvSpPr>
-          <p:cNvPr id="6" name="Slide Number Placeholder 5">
-            <a:extLst>
-              <a:ext uri="{FF2B5EF4-FFF2-40B4-BE49-F238E27FC236}">
-                <a16:creationId xmlns:a16="http://schemas.microsoft.com/office/drawing/2014/main" id="{EEEC16B5-0ED2-40C1-9C48-52CC645A37C1}"/>
-              </a:ext>
-            </a:extLst>
-          </p:cNvPr>
+          <p:cNvPr id="6" name="Slide Number Placeholder 5"/>
           <p:cNvSpPr>
             <a:spLocks noGrp="1"/>
           </p:cNvSpPr>
@@ -5816,18 +5746,12 @@
           <a:p>
             <a:fld id="{B27FC418-0A52-4861-9220-89804733364B}" type="slidenum">
               <a:rPr lang="en-US" smtClean="0"/>
-              <a:t>‹#›</a:t>
             </a:fld>
             <a:endParaRPr lang="en-US"/>
           </a:p>
         </p:txBody>
       </p:sp>
     </p:spTree>
-    <p:extLst>
-      <p:ext uri="{BB962C8B-B14F-4D97-AF65-F5344CB8AC3E}">
-        <p14:creationId xmlns:p14="http://schemas.microsoft.com/office/powerpoint/2010/main" val="916429446"/>
-      </p:ext>
-    </p:extLst>
   </p:cSld>
   <p:clrMapOvr>
     <a:masterClrMapping/>
@@ -5854,13 +5778,7 @@
       </p:grpSpPr>
       <p:sp>
         <p:nvSpPr>
-          <p:cNvPr id="2" name="Title 1">
-            <a:extLst>
-              <a:ext uri="{FF2B5EF4-FFF2-40B4-BE49-F238E27FC236}">
-                <a16:creationId xmlns:a16="http://schemas.microsoft.com/office/drawing/2014/main" id="{E052EB0F-1914-47E9-A240-20E7350E9833}"/>
-              </a:ext>
-            </a:extLst>
-          </p:cNvPr>
+          <p:cNvPr id="2" name="Title 1"/>
           <p:cNvSpPr>
             <a:spLocks noGrp="1"/>
           </p:cNvSpPr>
@@ -5877,18 +5795,13 @@
               <a:rPr lang="en-US"/>
               <a:t>Click to edit Master title style</a:t>
             </a:r>
-          </a:p>
-        </p:txBody>
-      </p:sp>
-      <p:sp>
-        <p:nvSpPr>
-          <p:cNvPr id="3" name="Vertical Text Placeholder 2">
-            <a:extLst>
-              <a:ext uri="{FF2B5EF4-FFF2-40B4-BE49-F238E27FC236}">
-                <a16:creationId xmlns:a16="http://schemas.microsoft.com/office/drawing/2014/main" id="{860D7BDB-9ADD-4039-8CFD-5BCBD290B06F}"/>
-              </a:ext>
-            </a:extLst>
-          </p:cNvPr>
+            <a:endParaRPr lang="en-US"/>
+          </a:p>
+        </p:txBody>
+      </p:sp>
+      <p:sp>
+        <p:nvSpPr>
+          <p:cNvPr id="3" name="Vertical Text Placeholder 2"/>
           <p:cNvSpPr>
             <a:spLocks noGrp="1"/>
           </p:cNvSpPr>
@@ -5906,6 +5819,7 @@
               <a:rPr lang="en-US"/>
               <a:t>Click to edit Master text styles</a:t>
             </a:r>
+            <a:endParaRPr lang="en-US"/>
           </a:p>
           <a:p>
             <a:pPr lvl="1"/>
@@ -5913,6 +5827,7 @@
               <a:rPr lang="en-US"/>
               <a:t>Second level</a:t>
             </a:r>
+            <a:endParaRPr lang="en-US"/>
           </a:p>
           <a:p>
             <a:pPr lvl="2"/>
@@ -5920,6 +5835,7 @@
               <a:rPr lang="en-US"/>
               <a:t>Third level</a:t>
             </a:r>
+            <a:endParaRPr lang="en-US"/>
           </a:p>
           <a:p>
             <a:pPr lvl="3"/>
@@ -5927,6 +5843,7 @@
               <a:rPr lang="en-US"/>
               <a:t>Fourth level</a:t>
             </a:r>
+            <a:endParaRPr lang="en-US"/>
           </a:p>
           <a:p>
             <a:pPr lvl="4"/>
@@ -5934,18 +5851,13 @@
               <a:rPr lang="en-US"/>
               <a:t>Fifth level</a:t>
             </a:r>
-          </a:p>
-        </p:txBody>
-      </p:sp>
-      <p:sp>
-        <p:nvSpPr>
-          <p:cNvPr id="4" name="Date Placeholder 3">
-            <a:extLst>
-              <a:ext uri="{FF2B5EF4-FFF2-40B4-BE49-F238E27FC236}">
-                <a16:creationId xmlns:a16="http://schemas.microsoft.com/office/drawing/2014/main" id="{6BF4785B-4D5B-4B2E-A7FF-73B75C943F9D}"/>
-              </a:ext>
-            </a:extLst>
-          </p:cNvPr>
+            <a:endParaRPr lang="en-US"/>
+          </a:p>
+        </p:txBody>
+      </p:sp>
+      <p:sp>
+        <p:nvSpPr>
+          <p:cNvPr id="4" name="Date Placeholder 3"/>
           <p:cNvSpPr>
             <a:spLocks noGrp="1"/>
           </p:cNvSpPr>
@@ -5960,7 +5872,6 @@
           <a:p>
             <a:fld id="{458389C9-C49E-4A2B-B675-A98BD14A26DC}" type="datetimeFigureOut">
               <a:rPr lang="en-US" smtClean="0"/>
-              <a:t>9/12/2020</a:t>
             </a:fld>
             <a:endParaRPr lang="en-US"/>
           </a:p>
@@ -5968,13 +5879,7 @@
       </p:sp>
       <p:sp>
         <p:nvSpPr>
-          <p:cNvPr id="5" name="Footer Placeholder 4">
-            <a:extLst>
-              <a:ext uri="{FF2B5EF4-FFF2-40B4-BE49-F238E27FC236}">
-                <a16:creationId xmlns:a16="http://schemas.microsoft.com/office/drawing/2014/main" id="{1072C1AA-17FD-4E14-8272-F8AC928A7F84}"/>
-              </a:ext>
-            </a:extLst>
-          </p:cNvPr>
+          <p:cNvPr id="5" name="Footer Placeholder 4"/>
           <p:cNvSpPr>
             <a:spLocks noGrp="1"/>
           </p:cNvSpPr>
@@ -5993,13 +5898,7 @@
       </p:sp>
       <p:sp>
         <p:nvSpPr>
-          <p:cNvPr id="6" name="Slide Number Placeholder 5">
-            <a:extLst>
-              <a:ext uri="{FF2B5EF4-FFF2-40B4-BE49-F238E27FC236}">
-                <a16:creationId xmlns:a16="http://schemas.microsoft.com/office/drawing/2014/main" id="{E6799295-856F-41DA-A2D5-BCEE27FAF4B1}"/>
-              </a:ext>
-            </a:extLst>
-          </p:cNvPr>
+          <p:cNvPr id="6" name="Slide Number Placeholder 5"/>
           <p:cNvSpPr>
             <a:spLocks noGrp="1"/>
           </p:cNvSpPr>
@@ -6014,18 +5913,12 @@
           <a:p>
             <a:fld id="{B27FC418-0A52-4861-9220-89804733364B}" type="slidenum">
               <a:rPr lang="en-US" smtClean="0"/>
-              <a:t>‹#›</a:t>
             </a:fld>
             <a:endParaRPr lang="en-US"/>
           </a:p>
         </p:txBody>
       </p:sp>
     </p:spTree>
-    <p:extLst>
-      <p:ext uri="{BB962C8B-B14F-4D97-AF65-F5344CB8AC3E}">
-        <p14:creationId xmlns:p14="http://schemas.microsoft.com/office/powerpoint/2010/main" val="3008912408"/>
-      </p:ext>
-    </p:extLst>
   </p:cSld>
   <p:clrMapOvr>
     <a:masterClrMapping/>
@@ -6052,13 +5945,7 @@
       </p:grpSpPr>
       <p:sp>
         <p:nvSpPr>
-          <p:cNvPr id="2" name="Vertical Title 1">
-            <a:extLst>
-              <a:ext uri="{FF2B5EF4-FFF2-40B4-BE49-F238E27FC236}">
-                <a16:creationId xmlns:a16="http://schemas.microsoft.com/office/drawing/2014/main" id="{A907A5D4-886E-48E7-93D5-EEB276AE75A0}"/>
-              </a:ext>
-            </a:extLst>
-          </p:cNvPr>
+          <p:cNvPr id="2" name="Vertical Title 1"/>
           <p:cNvSpPr>
             <a:spLocks noGrp="1"/>
           </p:cNvSpPr>
@@ -6080,18 +5967,13 @@
               <a:rPr lang="en-US"/>
               <a:t>Click to edit Master title style</a:t>
             </a:r>
-          </a:p>
-        </p:txBody>
-      </p:sp>
-      <p:sp>
-        <p:nvSpPr>
-          <p:cNvPr id="3" name="Vertical Text Placeholder 2">
-            <a:extLst>
-              <a:ext uri="{FF2B5EF4-FFF2-40B4-BE49-F238E27FC236}">
-                <a16:creationId xmlns:a16="http://schemas.microsoft.com/office/drawing/2014/main" id="{7B081C9D-724B-45C5-9F8A-A97C33973850}"/>
-              </a:ext>
-            </a:extLst>
-          </p:cNvPr>
+            <a:endParaRPr lang="en-US"/>
+          </a:p>
+        </p:txBody>
+      </p:sp>
+      <p:sp>
+        <p:nvSpPr>
+          <p:cNvPr id="3" name="Vertical Text Placeholder 2"/>
           <p:cNvSpPr>
             <a:spLocks noGrp="1"/>
           </p:cNvSpPr>
@@ -6114,6 +5996,7 @@
               <a:rPr lang="en-US"/>
               <a:t>Click to edit Master text styles</a:t>
             </a:r>
+            <a:endParaRPr lang="en-US"/>
           </a:p>
           <a:p>
             <a:pPr lvl="1"/>
@@ -6121,6 +6004,7 @@
               <a:rPr lang="en-US"/>
               <a:t>Second level</a:t>
             </a:r>
+            <a:endParaRPr lang="en-US"/>
           </a:p>
           <a:p>
             <a:pPr lvl="2"/>
@@ -6128,6 +6012,7 @@
               <a:rPr lang="en-US"/>
               <a:t>Third level</a:t>
             </a:r>
+            <a:endParaRPr lang="en-US"/>
           </a:p>
           <a:p>
             <a:pPr lvl="3"/>
@@ -6135,6 +6020,7 @@
               <a:rPr lang="en-US"/>
               <a:t>Fourth level</a:t>
             </a:r>
+            <a:endParaRPr lang="en-US"/>
           </a:p>
           <a:p>
             <a:pPr lvl="4"/>
@@ -6142,18 +6028,13 @@
               <a:rPr lang="en-US"/>
               <a:t>Fifth level</a:t>
             </a:r>
-          </a:p>
-        </p:txBody>
-      </p:sp>
-      <p:sp>
-        <p:nvSpPr>
-          <p:cNvPr id="4" name="Date Placeholder 3">
-            <a:extLst>
-              <a:ext uri="{FF2B5EF4-FFF2-40B4-BE49-F238E27FC236}">
-                <a16:creationId xmlns:a16="http://schemas.microsoft.com/office/drawing/2014/main" id="{7D365B0E-44B4-4E70-8838-9D9FC0A36AF4}"/>
-              </a:ext>
-            </a:extLst>
-          </p:cNvPr>
+            <a:endParaRPr lang="en-US"/>
+          </a:p>
+        </p:txBody>
+      </p:sp>
+      <p:sp>
+        <p:nvSpPr>
+          <p:cNvPr id="4" name="Date Placeholder 3"/>
           <p:cNvSpPr>
             <a:spLocks noGrp="1"/>
           </p:cNvSpPr>
@@ -6168,7 +6049,6 @@
           <a:p>
             <a:fld id="{458389C9-C49E-4A2B-B675-A98BD14A26DC}" type="datetimeFigureOut">
               <a:rPr lang="en-US" smtClean="0"/>
-              <a:t>9/12/2020</a:t>
             </a:fld>
             <a:endParaRPr lang="en-US"/>
           </a:p>
@@ -6176,13 +6056,7 @@
       </p:sp>
       <p:sp>
         <p:nvSpPr>
-          <p:cNvPr id="5" name="Footer Placeholder 4">
-            <a:extLst>
-              <a:ext uri="{FF2B5EF4-FFF2-40B4-BE49-F238E27FC236}">
-                <a16:creationId xmlns:a16="http://schemas.microsoft.com/office/drawing/2014/main" id="{D3BECAE9-B8ED-41E1-BBFF-C222A646D9E6}"/>
-              </a:ext>
-            </a:extLst>
-          </p:cNvPr>
+          <p:cNvPr id="5" name="Footer Placeholder 4"/>
           <p:cNvSpPr>
             <a:spLocks noGrp="1"/>
           </p:cNvSpPr>
@@ -6201,13 +6075,7 @@
       </p:sp>
       <p:sp>
         <p:nvSpPr>
-          <p:cNvPr id="6" name="Slide Number Placeholder 5">
-            <a:extLst>
-              <a:ext uri="{FF2B5EF4-FFF2-40B4-BE49-F238E27FC236}">
-                <a16:creationId xmlns:a16="http://schemas.microsoft.com/office/drawing/2014/main" id="{739C7623-CC29-41BC-9F82-3DE72393A948}"/>
-              </a:ext>
-            </a:extLst>
-          </p:cNvPr>
+          <p:cNvPr id="6" name="Slide Number Placeholder 5"/>
           <p:cNvSpPr>
             <a:spLocks noGrp="1"/>
           </p:cNvSpPr>
@@ -6222,18 +6090,12 @@
           <a:p>
             <a:fld id="{B27FC418-0A52-4861-9220-89804733364B}" type="slidenum">
               <a:rPr lang="en-US" smtClean="0"/>
-              <a:t>‹#›</a:t>
             </a:fld>
             <a:endParaRPr lang="en-US"/>
           </a:p>
         </p:txBody>
       </p:sp>
     </p:spTree>
-    <p:extLst>
-      <p:ext uri="{BB962C8B-B14F-4D97-AF65-F5344CB8AC3E}">
-        <p14:creationId xmlns:p14="http://schemas.microsoft.com/office/powerpoint/2010/main" val="2456397377"/>
-      </p:ext>
-    </p:extLst>
   </p:cSld>
   <p:clrMapOvr>
     <a:masterClrMapping/>
@@ -6260,13 +6122,7 @@
       </p:grpSpPr>
       <p:sp>
         <p:nvSpPr>
-          <p:cNvPr id="2" name="Title 1">
-            <a:extLst>
-              <a:ext uri="{FF2B5EF4-FFF2-40B4-BE49-F238E27FC236}">
-                <a16:creationId xmlns:a16="http://schemas.microsoft.com/office/drawing/2014/main" id="{530F6F2D-0BA2-4203-ADD9-91E0CE957B1C}"/>
-              </a:ext>
-            </a:extLst>
-          </p:cNvPr>
+          <p:cNvPr id="2" name="Title 1"/>
           <p:cNvSpPr>
             <a:spLocks noGrp="1"/>
           </p:cNvSpPr>
@@ -6283,18 +6139,13 @@
               <a:rPr lang="en-US"/>
               <a:t>Click to edit Master title style</a:t>
             </a:r>
-          </a:p>
-        </p:txBody>
-      </p:sp>
-      <p:sp>
-        <p:nvSpPr>
-          <p:cNvPr id="3" name="Content Placeholder 2">
-            <a:extLst>
-              <a:ext uri="{FF2B5EF4-FFF2-40B4-BE49-F238E27FC236}">
-                <a16:creationId xmlns:a16="http://schemas.microsoft.com/office/drawing/2014/main" id="{5BF6C835-2EF7-44F1-A604-725B8C0ED95A}"/>
-              </a:ext>
-            </a:extLst>
-          </p:cNvPr>
+            <a:endParaRPr lang="en-US"/>
+          </a:p>
+        </p:txBody>
+      </p:sp>
+      <p:sp>
+        <p:nvSpPr>
+          <p:cNvPr id="3" name="Content Placeholder 2"/>
           <p:cNvSpPr>
             <a:spLocks noGrp="1"/>
           </p:cNvSpPr>
@@ -6312,6 +6163,7 @@
               <a:rPr lang="en-US"/>
               <a:t>Click to edit Master text styles</a:t>
             </a:r>
+            <a:endParaRPr lang="en-US"/>
           </a:p>
           <a:p>
             <a:pPr lvl="1"/>
@@ -6319,6 +6171,7 @@
               <a:rPr lang="en-US"/>
               <a:t>Second level</a:t>
             </a:r>
+            <a:endParaRPr lang="en-US"/>
           </a:p>
           <a:p>
             <a:pPr lvl="2"/>
@@ -6326,6 +6179,7 @@
               <a:rPr lang="en-US"/>
               <a:t>Third level</a:t>
             </a:r>
+            <a:endParaRPr lang="en-US"/>
           </a:p>
           <a:p>
             <a:pPr lvl="3"/>
@@ -6333,6 +6187,7 @@
               <a:rPr lang="en-US"/>
               <a:t>Fourth level</a:t>
             </a:r>
+            <a:endParaRPr lang="en-US"/>
           </a:p>
           <a:p>
             <a:pPr lvl="4"/>
@@ -6340,18 +6195,13 @@
               <a:rPr lang="en-US"/>
               <a:t>Fifth level</a:t>
             </a:r>
-          </a:p>
-        </p:txBody>
-      </p:sp>
-      <p:sp>
-        <p:nvSpPr>
-          <p:cNvPr id="4" name="Date Placeholder 3">
-            <a:extLst>
-              <a:ext uri="{FF2B5EF4-FFF2-40B4-BE49-F238E27FC236}">
-                <a16:creationId xmlns:a16="http://schemas.microsoft.com/office/drawing/2014/main" id="{3D3159D8-7C2F-4FC5-BD67-F0706E3FA662}"/>
-              </a:ext>
-            </a:extLst>
-          </p:cNvPr>
+            <a:endParaRPr lang="en-US"/>
+          </a:p>
+        </p:txBody>
+      </p:sp>
+      <p:sp>
+        <p:nvSpPr>
+          <p:cNvPr id="4" name="Date Placeholder 3"/>
           <p:cNvSpPr>
             <a:spLocks noGrp="1"/>
           </p:cNvSpPr>
@@ -6366,7 +6216,6 @@
           <a:p>
             <a:fld id="{458389C9-C49E-4A2B-B675-A98BD14A26DC}" type="datetimeFigureOut">
               <a:rPr lang="en-US" smtClean="0"/>
-              <a:t>9/12/2020</a:t>
             </a:fld>
             <a:endParaRPr lang="en-US"/>
           </a:p>
@@ -6374,13 +6223,7 @@
       </p:sp>
       <p:sp>
         <p:nvSpPr>
-          <p:cNvPr id="5" name="Footer Placeholder 4">
-            <a:extLst>
-              <a:ext uri="{FF2B5EF4-FFF2-40B4-BE49-F238E27FC236}">
-                <a16:creationId xmlns:a16="http://schemas.microsoft.com/office/drawing/2014/main" id="{D87ABEB0-EA1C-461C-BD34-8455CE16C913}"/>
-              </a:ext>
-            </a:extLst>
-          </p:cNvPr>
+          <p:cNvPr id="5" name="Footer Placeholder 4"/>
           <p:cNvSpPr>
             <a:spLocks noGrp="1"/>
           </p:cNvSpPr>
@@ -6399,13 +6242,7 @@
       </p:sp>
       <p:sp>
         <p:nvSpPr>
-          <p:cNvPr id="6" name="Slide Number Placeholder 5">
-            <a:extLst>
-              <a:ext uri="{FF2B5EF4-FFF2-40B4-BE49-F238E27FC236}">
-                <a16:creationId xmlns:a16="http://schemas.microsoft.com/office/drawing/2014/main" id="{21FB10A9-5C5D-43B3-AA4E-D3844E88E351}"/>
-              </a:ext>
-            </a:extLst>
-          </p:cNvPr>
+          <p:cNvPr id="6" name="Slide Number Placeholder 5"/>
           <p:cNvSpPr>
             <a:spLocks noGrp="1"/>
           </p:cNvSpPr>
@@ -6420,18 +6257,12 @@
           <a:p>
             <a:fld id="{B27FC418-0A52-4861-9220-89804733364B}" type="slidenum">
               <a:rPr lang="en-US" smtClean="0"/>
-              <a:t>‹#›</a:t>
             </a:fld>
             <a:endParaRPr lang="en-US"/>
           </a:p>
         </p:txBody>
       </p:sp>
     </p:spTree>
-    <p:extLst>
-      <p:ext uri="{BB962C8B-B14F-4D97-AF65-F5344CB8AC3E}">
-        <p14:creationId xmlns:p14="http://schemas.microsoft.com/office/powerpoint/2010/main" val="3189174337"/>
-      </p:ext>
-    </p:extLst>
   </p:cSld>
   <p:clrMapOvr>
     <a:masterClrMapping/>
@@ -6458,13 +6289,7 @@
       </p:grpSpPr>
       <p:sp>
         <p:nvSpPr>
-          <p:cNvPr id="2" name="Title 1">
-            <a:extLst>
-              <a:ext uri="{FF2B5EF4-FFF2-40B4-BE49-F238E27FC236}">
-                <a16:creationId xmlns:a16="http://schemas.microsoft.com/office/drawing/2014/main" id="{643694DA-5825-49B6-8D92-510F75CEC3EE}"/>
-              </a:ext>
-            </a:extLst>
-          </p:cNvPr>
+          <p:cNvPr id="2" name="Title 1"/>
           <p:cNvSpPr>
             <a:spLocks noGrp="1"/>
           </p:cNvSpPr>
@@ -6490,18 +6315,13 @@
               <a:rPr lang="en-US"/>
               <a:t>Click to edit Master title style</a:t>
             </a:r>
-          </a:p>
-        </p:txBody>
-      </p:sp>
-      <p:sp>
-        <p:nvSpPr>
-          <p:cNvPr id="3" name="Text Placeholder 2">
-            <a:extLst>
-              <a:ext uri="{FF2B5EF4-FFF2-40B4-BE49-F238E27FC236}">
-                <a16:creationId xmlns:a16="http://schemas.microsoft.com/office/drawing/2014/main" id="{742EB3A6-D8F7-418B-860E-7ED18F8D27EB}"/>
-              </a:ext>
-            </a:extLst>
-          </p:cNvPr>
+            <a:endParaRPr lang="en-US"/>
+          </a:p>
+        </p:txBody>
+      </p:sp>
+      <p:sp>
+        <p:nvSpPr>
+          <p:cNvPr id="3" name="Text Placeholder 2"/>
           <p:cNvSpPr>
             <a:spLocks noGrp="1"/>
           </p:cNvSpPr>
@@ -6615,18 +6435,13 @@
               <a:rPr lang="en-US"/>
               <a:t>Click to edit Master text styles</a:t>
             </a:r>
-          </a:p>
-        </p:txBody>
-      </p:sp>
-      <p:sp>
-        <p:nvSpPr>
-          <p:cNvPr id="4" name="Date Placeholder 3">
-            <a:extLst>
-              <a:ext uri="{FF2B5EF4-FFF2-40B4-BE49-F238E27FC236}">
-                <a16:creationId xmlns:a16="http://schemas.microsoft.com/office/drawing/2014/main" id="{6926B129-4BC4-4656-864C-390C3E899463}"/>
-              </a:ext>
-            </a:extLst>
-          </p:cNvPr>
+            <a:endParaRPr lang="en-US"/>
+          </a:p>
+        </p:txBody>
+      </p:sp>
+      <p:sp>
+        <p:nvSpPr>
+          <p:cNvPr id="4" name="Date Placeholder 3"/>
           <p:cNvSpPr>
             <a:spLocks noGrp="1"/>
           </p:cNvSpPr>
@@ -6641,7 +6456,6 @@
           <a:p>
             <a:fld id="{458389C9-C49E-4A2B-B675-A98BD14A26DC}" type="datetimeFigureOut">
               <a:rPr lang="en-US" smtClean="0"/>
-              <a:t>9/12/2020</a:t>
             </a:fld>
             <a:endParaRPr lang="en-US"/>
           </a:p>
@@ -6649,13 +6463,7 @@
       </p:sp>
       <p:sp>
         <p:nvSpPr>
-          <p:cNvPr id="5" name="Footer Placeholder 4">
-            <a:extLst>
-              <a:ext uri="{FF2B5EF4-FFF2-40B4-BE49-F238E27FC236}">
-                <a16:creationId xmlns:a16="http://schemas.microsoft.com/office/drawing/2014/main" id="{4184B0FE-A21D-4630-A7C8-855675F35D36}"/>
-              </a:ext>
-            </a:extLst>
-          </p:cNvPr>
+          <p:cNvPr id="5" name="Footer Placeholder 4"/>
           <p:cNvSpPr>
             <a:spLocks noGrp="1"/>
           </p:cNvSpPr>
@@ -6674,13 +6482,7 @@
       </p:sp>
       <p:sp>
         <p:nvSpPr>
-          <p:cNvPr id="6" name="Slide Number Placeholder 5">
-            <a:extLst>
-              <a:ext uri="{FF2B5EF4-FFF2-40B4-BE49-F238E27FC236}">
-                <a16:creationId xmlns:a16="http://schemas.microsoft.com/office/drawing/2014/main" id="{134457FC-9D66-40A5-B3B6-39344EFF6161}"/>
-              </a:ext>
-            </a:extLst>
-          </p:cNvPr>
+          <p:cNvPr id="6" name="Slide Number Placeholder 5"/>
           <p:cNvSpPr>
             <a:spLocks noGrp="1"/>
           </p:cNvSpPr>
@@ -6695,18 +6497,12 @@
           <a:p>
             <a:fld id="{B27FC418-0A52-4861-9220-89804733364B}" type="slidenum">
               <a:rPr lang="en-US" smtClean="0"/>
-              <a:t>‹#›</a:t>
             </a:fld>
             <a:endParaRPr lang="en-US"/>
           </a:p>
         </p:txBody>
       </p:sp>
     </p:spTree>
-    <p:extLst>
-      <p:ext uri="{BB962C8B-B14F-4D97-AF65-F5344CB8AC3E}">
-        <p14:creationId xmlns:p14="http://schemas.microsoft.com/office/powerpoint/2010/main" val="4080425810"/>
-      </p:ext>
-    </p:extLst>
   </p:cSld>
   <p:clrMapOvr>
     <a:masterClrMapping/>
@@ -6733,13 +6529,7 @@
       </p:grpSpPr>
       <p:sp>
         <p:nvSpPr>
-          <p:cNvPr id="2" name="Title 1">
-            <a:extLst>
-              <a:ext uri="{FF2B5EF4-FFF2-40B4-BE49-F238E27FC236}">
-                <a16:creationId xmlns:a16="http://schemas.microsoft.com/office/drawing/2014/main" id="{4EC01978-C634-4B45-BD85-03427781479A}"/>
-              </a:ext>
-            </a:extLst>
-          </p:cNvPr>
+          <p:cNvPr id="2" name="Title 1"/>
           <p:cNvSpPr>
             <a:spLocks noGrp="1"/>
           </p:cNvSpPr>
@@ -6756,18 +6546,13 @@
               <a:rPr lang="en-US"/>
               <a:t>Click to edit Master title style</a:t>
             </a:r>
-          </a:p>
-        </p:txBody>
-      </p:sp>
-      <p:sp>
-        <p:nvSpPr>
-          <p:cNvPr id="3" name="Content Placeholder 2">
-            <a:extLst>
-              <a:ext uri="{FF2B5EF4-FFF2-40B4-BE49-F238E27FC236}">
-                <a16:creationId xmlns:a16="http://schemas.microsoft.com/office/drawing/2014/main" id="{8F827901-8B6D-406D-9176-A42A8F6C9277}"/>
-              </a:ext>
-            </a:extLst>
-          </p:cNvPr>
+            <a:endParaRPr lang="en-US"/>
+          </a:p>
+        </p:txBody>
+      </p:sp>
+      <p:sp>
+        <p:nvSpPr>
+          <p:cNvPr id="3" name="Content Placeholder 2"/>
           <p:cNvSpPr>
             <a:spLocks noGrp="1"/>
           </p:cNvSpPr>
@@ -6790,6 +6575,7 @@
               <a:rPr lang="en-US"/>
               <a:t>Click to edit Master text styles</a:t>
             </a:r>
+            <a:endParaRPr lang="en-US"/>
           </a:p>
           <a:p>
             <a:pPr lvl="1"/>
@@ -6797,6 +6583,7 @@
               <a:rPr lang="en-US"/>
               <a:t>Second level</a:t>
             </a:r>
+            <a:endParaRPr lang="en-US"/>
           </a:p>
           <a:p>
             <a:pPr lvl="2"/>
@@ -6804,6 +6591,7 @@
               <a:rPr lang="en-US"/>
               <a:t>Third level</a:t>
             </a:r>
+            <a:endParaRPr lang="en-US"/>
           </a:p>
           <a:p>
             <a:pPr lvl="3"/>
@@ -6811,6 +6599,7 @@
               <a:rPr lang="en-US"/>
               <a:t>Fourth level</a:t>
             </a:r>
+            <a:endParaRPr lang="en-US"/>
           </a:p>
           <a:p>
             <a:pPr lvl="4"/>
@@ -6818,18 +6607,13 @@
               <a:rPr lang="en-US"/>
               <a:t>Fifth level</a:t>
             </a:r>
-          </a:p>
-        </p:txBody>
-      </p:sp>
-      <p:sp>
-        <p:nvSpPr>
-          <p:cNvPr id="4" name="Content Placeholder 3">
-            <a:extLst>
-              <a:ext uri="{FF2B5EF4-FFF2-40B4-BE49-F238E27FC236}">
-                <a16:creationId xmlns:a16="http://schemas.microsoft.com/office/drawing/2014/main" id="{49436B7F-96E3-44A2-AFF3-0A5B05A358CF}"/>
-              </a:ext>
-            </a:extLst>
-          </p:cNvPr>
+            <a:endParaRPr lang="en-US"/>
+          </a:p>
+        </p:txBody>
+      </p:sp>
+      <p:sp>
+        <p:nvSpPr>
+          <p:cNvPr id="4" name="Content Placeholder 3"/>
           <p:cNvSpPr>
             <a:spLocks noGrp="1"/>
           </p:cNvSpPr>
@@ -6852,6 +6636,7 @@
               <a:rPr lang="en-US"/>
               <a:t>Click to edit Master text styles</a:t>
             </a:r>
+            <a:endParaRPr lang="en-US"/>
           </a:p>
           <a:p>
             <a:pPr lvl="1"/>
@@ -6859,6 +6644,7 @@
               <a:rPr lang="en-US"/>
               <a:t>Second level</a:t>
             </a:r>
+            <a:endParaRPr lang="en-US"/>
           </a:p>
           <a:p>
             <a:pPr lvl="2"/>
@@ -6866,6 +6652,7 @@
               <a:rPr lang="en-US"/>
               <a:t>Third level</a:t>
             </a:r>
+            <a:endParaRPr lang="en-US"/>
           </a:p>
           <a:p>
             <a:pPr lvl="3"/>
@@ -6873,6 +6660,7 @@
               <a:rPr lang="en-US"/>
               <a:t>Fourth level</a:t>
             </a:r>
+            <a:endParaRPr lang="en-US"/>
           </a:p>
           <a:p>
             <a:pPr lvl="4"/>
@@ -6880,18 +6668,13 @@
               <a:rPr lang="en-US"/>
               <a:t>Fifth level</a:t>
             </a:r>
-          </a:p>
-        </p:txBody>
-      </p:sp>
-      <p:sp>
-        <p:nvSpPr>
-          <p:cNvPr id="5" name="Date Placeholder 4">
-            <a:extLst>
-              <a:ext uri="{FF2B5EF4-FFF2-40B4-BE49-F238E27FC236}">
-                <a16:creationId xmlns:a16="http://schemas.microsoft.com/office/drawing/2014/main" id="{0F18AA24-CBCA-48E1-BE91-84404E68542B}"/>
-              </a:ext>
-            </a:extLst>
-          </p:cNvPr>
+            <a:endParaRPr lang="en-US"/>
+          </a:p>
+        </p:txBody>
+      </p:sp>
+      <p:sp>
+        <p:nvSpPr>
+          <p:cNvPr id="5" name="Date Placeholder 4"/>
           <p:cNvSpPr>
             <a:spLocks noGrp="1"/>
           </p:cNvSpPr>
@@ -6906,7 +6689,6 @@
           <a:p>
             <a:fld id="{458389C9-C49E-4A2B-B675-A98BD14A26DC}" type="datetimeFigureOut">
               <a:rPr lang="en-US" smtClean="0"/>
-              <a:t>9/12/2020</a:t>
             </a:fld>
             <a:endParaRPr lang="en-US"/>
           </a:p>
@@ -6914,13 +6696,7 @@
       </p:sp>
       <p:sp>
         <p:nvSpPr>
-          <p:cNvPr id="6" name="Footer Placeholder 5">
-            <a:extLst>
-              <a:ext uri="{FF2B5EF4-FFF2-40B4-BE49-F238E27FC236}">
-                <a16:creationId xmlns:a16="http://schemas.microsoft.com/office/drawing/2014/main" id="{2F62FB30-2EA6-4349-B384-2789FE62D607}"/>
-              </a:ext>
-            </a:extLst>
-          </p:cNvPr>
+          <p:cNvPr id="6" name="Footer Placeholder 5"/>
           <p:cNvSpPr>
             <a:spLocks noGrp="1"/>
           </p:cNvSpPr>
@@ -6939,13 +6715,7 @@
       </p:sp>
       <p:sp>
         <p:nvSpPr>
-          <p:cNvPr id="7" name="Slide Number Placeholder 6">
-            <a:extLst>
-              <a:ext uri="{FF2B5EF4-FFF2-40B4-BE49-F238E27FC236}">
-                <a16:creationId xmlns:a16="http://schemas.microsoft.com/office/drawing/2014/main" id="{E8ABC103-C2A9-4800-802F-F185AB0BE971}"/>
-              </a:ext>
-            </a:extLst>
-          </p:cNvPr>
+          <p:cNvPr id="7" name="Slide Number Placeholder 6"/>
           <p:cNvSpPr>
             <a:spLocks noGrp="1"/>
           </p:cNvSpPr>
@@ -6960,18 +6730,12 @@
           <a:p>
             <a:fld id="{B27FC418-0A52-4861-9220-89804733364B}" type="slidenum">
               <a:rPr lang="en-US" smtClean="0"/>
-              <a:t>‹#›</a:t>
             </a:fld>
             <a:endParaRPr lang="en-US"/>
           </a:p>
         </p:txBody>
       </p:sp>
     </p:spTree>
-    <p:extLst>
-      <p:ext uri="{BB962C8B-B14F-4D97-AF65-F5344CB8AC3E}">
-        <p14:creationId xmlns:p14="http://schemas.microsoft.com/office/powerpoint/2010/main" val="3602057002"/>
-      </p:ext>
-    </p:extLst>
   </p:cSld>
   <p:clrMapOvr>
     <a:masterClrMapping/>
@@ -6998,13 +6762,7 @@
       </p:grpSpPr>
       <p:sp>
         <p:nvSpPr>
-          <p:cNvPr id="2" name="Title 1">
-            <a:extLst>
-              <a:ext uri="{FF2B5EF4-FFF2-40B4-BE49-F238E27FC236}">
-                <a16:creationId xmlns:a16="http://schemas.microsoft.com/office/drawing/2014/main" id="{13B6B2E2-E565-4D05-B24B-4115F509BBE6}"/>
-              </a:ext>
-            </a:extLst>
-          </p:cNvPr>
+          <p:cNvPr id="2" name="Title 1"/>
           <p:cNvSpPr>
             <a:spLocks noGrp="1"/>
           </p:cNvSpPr>
@@ -7026,18 +6784,13 @@
               <a:rPr lang="en-US"/>
               <a:t>Click to edit Master title style</a:t>
             </a:r>
-          </a:p>
-        </p:txBody>
-      </p:sp>
-      <p:sp>
-        <p:nvSpPr>
-          <p:cNvPr id="3" name="Text Placeholder 2">
-            <a:extLst>
-              <a:ext uri="{FF2B5EF4-FFF2-40B4-BE49-F238E27FC236}">
-                <a16:creationId xmlns:a16="http://schemas.microsoft.com/office/drawing/2014/main" id="{51B3127E-EBA6-4B74-8BE7-FFA2F57DD5C4}"/>
-              </a:ext>
-            </a:extLst>
-          </p:cNvPr>
+            <a:endParaRPr lang="en-US"/>
+          </a:p>
+        </p:txBody>
+      </p:sp>
+      <p:sp>
+        <p:nvSpPr>
+          <p:cNvPr id="3" name="Text Placeholder 2"/>
           <p:cNvSpPr>
             <a:spLocks noGrp="1"/>
           </p:cNvSpPr>
@@ -7097,18 +6850,13 @@
               <a:rPr lang="en-US"/>
               <a:t>Click to edit Master text styles</a:t>
             </a:r>
-          </a:p>
-        </p:txBody>
-      </p:sp>
-      <p:sp>
-        <p:nvSpPr>
-          <p:cNvPr id="4" name="Content Placeholder 3">
-            <a:extLst>
-              <a:ext uri="{FF2B5EF4-FFF2-40B4-BE49-F238E27FC236}">
-                <a16:creationId xmlns:a16="http://schemas.microsoft.com/office/drawing/2014/main" id="{C5125524-1A3D-4A30-8696-D62E794821CE}"/>
-              </a:ext>
-            </a:extLst>
-          </p:cNvPr>
+            <a:endParaRPr lang="en-US"/>
+          </a:p>
+        </p:txBody>
+      </p:sp>
+      <p:sp>
+        <p:nvSpPr>
+          <p:cNvPr id="4" name="Content Placeholder 3"/>
           <p:cNvSpPr>
             <a:spLocks noGrp="1"/>
           </p:cNvSpPr>
@@ -7131,6 +6879,7 @@
               <a:rPr lang="en-US"/>
               <a:t>Click to edit Master text styles</a:t>
             </a:r>
+            <a:endParaRPr lang="en-US"/>
           </a:p>
           <a:p>
             <a:pPr lvl="1"/>
@@ -7138,6 +6887,7 @@
               <a:rPr lang="en-US"/>
               <a:t>Second level</a:t>
             </a:r>
+            <a:endParaRPr lang="en-US"/>
           </a:p>
           <a:p>
             <a:pPr lvl="2"/>
@@ -7145,6 +6895,7 @@
               <a:rPr lang="en-US"/>
               <a:t>Third level</a:t>
             </a:r>
+            <a:endParaRPr lang="en-US"/>
           </a:p>
           <a:p>
             <a:pPr lvl="3"/>
@@ -7152,6 +6903,7 @@
               <a:rPr lang="en-US"/>
               <a:t>Fourth level</a:t>
             </a:r>
+            <a:endParaRPr lang="en-US"/>
           </a:p>
           <a:p>
             <a:pPr lvl="4"/>
@@ -7159,18 +6911,13 @@
               <a:rPr lang="en-US"/>
               <a:t>Fifth level</a:t>
             </a:r>
-          </a:p>
-        </p:txBody>
-      </p:sp>
-      <p:sp>
-        <p:nvSpPr>
-          <p:cNvPr id="5" name="Text Placeholder 4">
-            <a:extLst>
-              <a:ext uri="{FF2B5EF4-FFF2-40B4-BE49-F238E27FC236}">
-                <a16:creationId xmlns:a16="http://schemas.microsoft.com/office/drawing/2014/main" id="{2CBB1283-74AA-4FF6-A9C2-0EB652B3098C}"/>
-              </a:ext>
-            </a:extLst>
-          </p:cNvPr>
+            <a:endParaRPr lang="en-US"/>
+          </a:p>
+        </p:txBody>
+      </p:sp>
+      <p:sp>
+        <p:nvSpPr>
+          <p:cNvPr id="5" name="Text Placeholder 4"/>
           <p:cNvSpPr>
             <a:spLocks noGrp="1"/>
           </p:cNvSpPr>
@@ -7230,18 +6977,13 @@
               <a:rPr lang="en-US"/>
               <a:t>Click to edit Master text styles</a:t>
             </a:r>
-          </a:p>
-        </p:txBody>
-      </p:sp>
-      <p:sp>
-        <p:nvSpPr>
-          <p:cNvPr id="6" name="Content Placeholder 5">
-            <a:extLst>
-              <a:ext uri="{FF2B5EF4-FFF2-40B4-BE49-F238E27FC236}">
-                <a16:creationId xmlns:a16="http://schemas.microsoft.com/office/drawing/2014/main" id="{697F62EB-9C46-41CD-87F3-D07FE81345DE}"/>
-              </a:ext>
-            </a:extLst>
-          </p:cNvPr>
+            <a:endParaRPr lang="en-US"/>
+          </a:p>
+        </p:txBody>
+      </p:sp>
+      <p:sp>
+        <p:nvSpPr>
+          <p:cNvPr id="6" name="Content Placeholder 5"/>
           <p:cNvSpPr>
             <a:spLocks noGrp="1"/>
           </p:cNvSpPr>
@@ -7264,6 +7006,7 @@
               <a:rPr lang="en-US"/>
               <a:t>Click to edit Master text styles</a:t>
             </a:r>
+            <a:endParaRPr lang="en-US"/>
           </a:p>
           <a:p>
             <a:pPr lvl="1"/>
@@ -7271,6 +7014,7 @@
               <a:rPr lang="en-US"/>
               <a:t>Second level</a:t>
             </a:r>
+            <a:endParaRPr lang="en-US"/>
           </a:p>
           <a:p>
             <a:pPr lvl="2"/>
@@ -7278,6 +7022,7 @@
               <a:rPr lang="en-US"/>
               <a:t>Third level</a:t>
             </a:r>
+            <a:endParaRPr lang="en-US"/>
           </a:p>
           <a:p>
             <a:pPr lvl="3"/>
@@ -7285,6 +7030,7 @@
               <a:rPr lang="en-US"/>
               <a:t>Fourth level</a:t>
             </a:r>
+            <a:endParaRPr lang="en-US"/>
           </a:p>
           <a:p>
             <a:pPr lvl="4"/>
@@ -7292,18 +7038,13 @@
               <a:rPr lang="en-US"/>
               <a:t>Fifth level</a:t>
             </a:r>
-          </a:p>
-        </p:txBody>
-      </p:sp>
-      <p:sp>
-        <p:nvSpPr>
-          <p:cNvPr id="7" name="Date Placeholder 6">
-            <a:extLst>
-              <a:ext uri="{FF2B5EF4-FFF2-40B4-BE49-F238E27FC236}">
-                <a16:creationId xmlns:a16="http://schemas.microsoft.com/office/drawing/2014/main" id="{97FE2862-2571-4573-9607-FE695DF25635}"/>
-              </a:ext>
-            </a:extLst>
-          </p:cNvPr>
+            <a:endParaRPr lang="en-US"/>
+          </a:p>
+        </p:txBody>
+      </p:sp>
+      <p:sp>
+        <p:nvSpPr>
+          <p:cNvPr id="7" name="Date Placeholder 6"/>
           <p:cNvSpPr>
             <a:spLocks noGrp="1"/>
           </p:cNvSpPr>
@@ -7318,7 +7059,6 @@
           <a:p>
             <a:fld id="{458389C9-C49E-4A2B-B675-A98BD14A26DC}" type="datetimeFigureOut">
               <a:rPr lang="en-US" smtClean="0"/>
-              <a:t>9/12/2020</a:t>
             </a:fld>
             <a:endParaRPr lang="en-US"/>
           </a:p>
@@ -7326,13 +7066,7 @@
       </p:sp>
       <p:sp>
         <p:nvSpPr>
-          <p:cNvPr id="8" name="Footer Placeholder 7">
-            <a:extLst>
-              <a:ext uri="{FF2B5EF4-FFF2-40B4-BE49-F238E27FC236}">
-                <a16:creationId xmlns:a16="http://schemas.microsoft.com/office/drawing/2014/main" id="{6B2C31BA-59BD-4AE4-B503-619034A1CBB6}"/>
-              </a:ext>
-            </a:extLst>
-          </p:cNvPr>
+          <p:cNvPr id="8" name="Footer Placeholder 7"/>
           <p:cNvSpPr>
             <a:spLocks noGrp="1"/>
           </p:cNvSpPr>
@@ -7351,13 +7085,7 @@
       </p:sp>
       <p:sp>
         <p:nvSpPr>
-          <p:cNvPr id="9" name="Slide Number Placeholder 8">
-            <a:extLst>
-              <a:ext uri="{FF2B5EF4-FFF2-40B4-BE49-F238E27FC236}">
-                <a16:creationId xmlns:a16="http://schemas.microsoft.com/office/drawing/2014/main" id="{A699EFB3-74E9-46D5-A6C5-E6C35B11746B}"/>
-              </a:ext>
-            </a:extLst>
-          </p:cNvPr>
+          <p:cNvPr id="9" name="Slide Number Placeholder 8"/>
           <p:cNvSpPr>
             <a:spLocks noGrp="1"/>
           </p:cNvSpPr>
@@ -7372,18 +7100,12 @@
           <a:p>
             <a:fld id="{B27FC418-0A52-4861-9220-89804733364B}" type="slidenum">
               <a:rPr lang="en-US" smtClean="0"/>
-              <a:t>‹#›</a:t>
             </a:fld>
             <a:endParaRPr lang="en-US"/>
           </a:p>
         </p:txBody>
       </p:sp>
     </p:spTree>
-    <p:extLst>
-      <p:ext uri="{BB962C8B-B14F-4D97-AF65-F5344CB8AC3E}">
-        <p14:creationId xmlns:p14="http://schemas.microsoft.com/office/powerpoint/2010/main" val="4159891568"/>
-      </p:ext>
-    </p:extLst>
   </p:cSld>
   <p:clrMapOvr>
     <a:masterClrMapping/>
@@ -7410,13 +7132,7 @@
       </p:grpSpPr>
       <p:sp>
         <p:nvSpPr>
-          <p:cNvPr id="2" name="Title 1">
-            <a:extLst>
-              <a:ext uri="{FF2B5EF4-FFF2-40B4-BE49-F238E27FC236}">
-                <a16:creationId xmlns:a16="http://schemas.microsoft.com/office/drawing/2014/main" id="{6A33EA3F-ACCD-4EC1-91E2-0A4B08805EB6}"/>
-              </a:ext>
-            </a:extLst>
-          </p:cNvPr>
+          <p:cNvPr id="2" name="Title 1"/>
           <p:cNvSpPr>
             <a:spLocks noGrp="1"/>
           </p:cNvSpPr>
@@ -7433,18 +7149,13 @@
               <a:rPr lang="en-US"/>
               <a:t>Click to edit Master title style</a:t>
             </a:r>
-          </a:p>
-        </p:txBody>
-      </p:sp>
-      <p:sp>
-        <p:nvSpPr>
-          <p:cNvPr id="3" name="Date Placeholder 2">
-            <a:extLst>
-              <a:ext uri="{FF2B5EF4-FFF2-40B4-BE49-F238E27FC236}">
-                <a16:creationId xmlns:a16="http://schemas.microsoft.com/office/drawing/2014/main" id="{8BD8918A-7A1A-4F5A-A93A-0A079912795F}"/>
-              </a:ext>
-            </a:extLst>
-          </p:cNvPr>
+            <a:endParaRPr lang="en-US"/>
+          </a:p>
+        </p:txBody>
+      </p:sp>
+      <p:sp>
+        <p:nvSpPr>
+          <p:cNvPr id="3" name="Date Placeholder 2"/>
           <p:cNvSpPr>
             <a:spLocks noGrp="1"/>
           </p:cNvSpPr>
@@ -7459,7 +7170,6 @@
           <a:p>
             <a:fld id="{458389C9-C49E-4A2B-B675-A98BD14A26DC}" type="datetimeFigureOut">
               <a:rPr lang="en-US" smtClean="0"/>
-              <a:t>9/12/2020</a:t>
             </a:fld>
             <a:endParaRPr lang="en-US"/>
           </a:p>
@@ -7467,13 +7177,7 @@
       </p:sp>
       <p:sp>
         <p:nvSpPr>
-          <p:cNvPr id="4" name="Footer Placeholder 3">
-            <a:extLst>
-              <a:ext uri="{FF2B5EF4-FFF2-40B4-BE49-F238E27FC236}">
-                <a16:creationId xmlns:a16="http://schemas.microsoft.com/office/drawing/2014/main" id="{68412504-C28F-4294-BBD3-D91899CC0AA4}"/>
-              </a:ext>
-            </a:extLst>
-          </p:cNvPr>
+          <p:cNvPr id="4" name="Footer Placeholder 3"/>
           <p:cNvSpPr>
             <a:spLocks noGrp="1"/>
           </p:cNvSpPr>
@@ -7492,13 +7196,7 @@
       </p:sp>
       <p:sp>
         <p:nvSpPr>
-          <p:cNvPr id="5" name="Slide Number Placeholder 4">
-            <a:extLst>
-              <a:ext uri="{FF2B5EF4-FFF2-40B4-BE49-F238E27FC236}">
-                <a16:creationId xmlns:a16="http://schemas.microsoft.com/office/drawing/2014/main" id="{F461755C-008F-4D85-BDBF-87D33AEF111E}"/>
-              </a:ext>
-            </a:extLst>
-          </p:cNvPr>
+          <p:cNvPr id="5" name="Slide Number Placeholder 4"/>
           <p:cNvSpPr>
             <a:spLocks noGrp="1"/>
           </p:cNvSpPr>
@@ -7513,18 +7211,12 @@
           <a:p>
             <a:fld id="{B27FC418-0A52-4861-9220-89804733364B}" type="slidenum">
               <a:rPr lang="en-US" smtClean="0"/>
-              <a:t>‹#›</a:t>
             </a:fld>
             <a:endParaRPr lang="en-US"/>
           </a:p>
         </p:txBody>
       </p:sp>
     </p:spTree>
-    <p:extLst>
-      <p:ext uri="{BB962C8B-B14F-4D97-AF65-F5344CB8AC3E}">
-        <p14:creationId xmlns:p14="http://schemas.microsoft.com/office/powerpoint/2010/main" val="2925921089"/>
-      </p:ext>
-    </p:extLst>
   </p:cSld>
   <p:clrMapOvr>
     <a:masterClrMapping/>
@@ -7551,13 +7243,7 @@
       </p:grpSpPr>
       <p:sp>
         <p:nvSpPr>
-          <p:cNvPr id="2" name="Date Placeholder 1">
-            <a:extLst>
-              <a:ext uri="{FF2B5EF4-FFF2-40B4-BE49-F238E27FC236}">
-                <a16:creationId xmlns:a16="http://schemas.microsoft.com/office/drawing/2014/main" id="{E859F374-6292-4B28-8E04-733B5029F2A1}"/>
-              </a:ext>
-            </a:extLst>
-          </p:cNvPr>
+          <p:cNvPr id="2" name="Date Placeholder 1"/>
           <p:cNvSpPr>
             <a:spLocks noGrp="1"/>
           </p:cNvSpPr>
@@ -7572,7 +7258,6 @@
           <a:p>
             <a:fld id="{458389C9-C49E-4A2B-B675-A98BD14A26DC}" type="datetimeFigureOut">
               <a:rPr lang="en-US" smtClean="0"/>
-              <a:t>9/12/2020</a:t>
             </a:fld>
             <a:endParaRPr lang="en-US"/>
           </a:p>
@@ -7580,13 +7265,7 @@
       </p:sp>
       <p:sp>
         <p:nvSpPr>
-          <p:cNvPr id="3" name="Footer Placeholder 2">
-            <a:extLst>
-              <a:ext uri="{FF2B5EF4-FFF2-40B4-BE49-F238E27FC236}">
-                <a16:creationId xmlns:a16="http://schemas.microsoft.com/office/drawing/2014/main" id="{6D4BDBA3-56AA-444B-9269-F505D15BDC1D}"/>
-              </a:ext>
-            </a:extLst>
-          </p:cNvPr>
+          <p:cNvPr id="3" name="Footer Placeholder 2"/>
           <p:cNvSpPr>
             <a:spLocks noGrp="1"/>
           </p:cNvSpPr>
@@ -7605,13 +7284,7 @@
       </p:sp>
       <p:sp>
         <p:nvSpPr>
-          <p:cNvPr id="4" name="Slide Number Placeholder 3">
-            <a:extLst>
-              <a:ext uri="{FF2B5EF4-FFF2-40B4-BE49-F238E27FC236}">
-                <a16:creationId xmlns:a16="http://schemas.microsoft.com/office/drawing/2014/main" id="{3B3444C7-FE84-4B8C-97D6-3483FD78DD43}"/>
-              </a:ext>
-            </a:extLst>
-          </p:cNvPr>
+          <p:cNvPr id="4" name="Slide Number Placeholder 3"/>
           <p:cNvSpPr>
             <a:spLocks noGrp="1"/>
           </p:cNvSpPr>
@@ -7626,18 +7299,12 @@
           <a:p>
             <a:fld id="{B27FC418-0A52-4861-9220-89804733364B}" type="slidenum">
               <a:rPr lang="en-US" smtClean="0"/>
-              <a:t>‹#›</a:t>
             </a:fld>
             <a:endParaRPr lang="en-US"/>
           </a:p>
         </p:txBody>
       </p:sp>
     </p:spTree>
-    <p:extLst>
-      <p:ext uri="{BB962C8B-B14F-4D97-AF65-F5344CB8AC3E}">
-        <p14:creationId xmlns:p14="http://schemas.microsoft.com/office/powerpoint/2010/main" val="2274363138"/>
-      </p:ext>
-    </p:extLst>
   </p:cSld>
   <p:clrMapOvr>
     <a:masterClrMapping/>
@@ -7664,13 +7331,7 @@
       </p:grpSpPr>
       <p:sp>
         <p:nvSpPr>
-          <p:cNvPr id="2" name="Title 1">
-            <a:extLst>
-              <a:ext uri="{FF2B5EF4-FFF2-40B4-BE49-F238E27FC236}">
-                <a16:creationId xmlns:a16="http://schemas.microsoft.com/office/drawing/2014/main" id="{F8631F5F-9F7D-4B03-AF69-E9AD85312B36}"/>
-              </a:ext>
-            </a:extLst>
-          </p:cNvPr>
+          <p:cNvPr id="2" name="Title 1"/>
           <p:cNvSpPr>
             <a:spLocks noGrp="1"/>
           </p:cNvSpPr>
@@ -7696,18 +7357,13 @@
               <a:rPr lang="en-US"/>
               <a:t>Click to edit Master title style</a:t>
             </a:r>
-          </a:p>
-        </p:txBody>
-      </p:sp>
-      <p:sp>
-        <p:nvSpPr>
-          <p:cNvPr id="3" name="Content Placeholder 2">
-            <a:extLst>
-              <a:ext uri="{FF2B5EF4-FFF2-40B4-BE49-F238E27FC236}">
-                <a16:creationId xmlns:a16="http://schemas.microsoft.com/office/drawing/2014/main" id="{CD42DB32-63A1-40DA-838B-3213A6748601}"/>
-              </a:ext>
-            </a:extLst>
-          </p:cNvPr>
+            <a:endParaRPr lang="en-US"/>
+          </a:p>
+        </p:txBody>
+      </p:sp>
+      <p:sp>
+        <p:nvSpPr>
+          <p:cNvPr id="3" name="Content Placeholder 2"/>
           <p:cNvSpPr>
             <a:spLocks noGrp="1"/>
           </p:cNvSpPr>
@@ -7758,6 +7414,7 @@
               <a:rPr lang="en-US"/>
               <a:t>Click to edit Master text styles</a:t>
             </a:r>
+            <a:endParaRPr lang="en-US"/>
           </a:p>
           <a:p>
             <a:pPr lvl="1"/>
@@ -7765,6 +7422,7 @@
               <a:rPr lang="en-US"/>
               <a:t>Second level</a:t>
             </a:r>
+            <a:endParaRPr lang="en-US"/>
           </a:p>
           <a:p>
             <a:pPr lvl="2"/>
@@ -7772,6 +7430,7 @@
               <a:rPr lang="en-US"/>
               <a:t>Third level</a:t>
             </a:r>
+            <a:endParaRPr lang="en-US"/>
           </a:p>
           <a:p>
             <a:pPr lvl="3"/>
@@ -7779,6 +7438,7 @@
               <a:rPr lang="en-US"/>
               <a:t>Fourth level</a:t>
             </a:r>
+            <a:endParaRPr lang="en-US"/>
           </a:p>
           <a:p>
             <a:pPr lvl="4"/>
@@ -7786,18 +7446,13 @@
               <a:rPr lang="en-US"/>
               <a:t>Fifth level</a:t>
             </a:r>
-          </a:p>
-        </p:txBody>
-      </p:sp>
-      <p:sp>
-        <p:nvSpPr>
-          <p:cNvPr id="4" name="Text Placeholder 3">
-            <a:extLst>
-              <a:ext uri="{FF2B5EF4-FFF2-40B4-BE49-F238E27FC236}">
-                <a16:creationId xmlns:a16="http://schemas.microsoft.com/office/drawing/2014/main" id="{F52BB86D-3318-464F-9CCE-78A4A2409404}"/>
-              </a:ext>
-            </a:extLst>
-          </p:cNvPr>
+            <a:endParaRPr lang="en-US"/>
+          </a:p>
+        </p:txBody>
+      </p:sp>
+      <p:sp>
+        <p:nvSpPr>
+          <p:cNvPr id="4" name="Text Placeholder 3"/>
           <p:cNvSpPr>
             <a:spLocks noGrp="1"/>
           </p:cNvSpPr>
@@ -7857,18 +7512,13 @@
               <a:rPr lang="en-US"/>
               <a:t>Click to edit Master text styles</a:t>
             </a:r>
-          </a:p>
-        </p:txBody>
-      </p:sp>
-      <p:sp>
-        <p:nvSpPr>
-          <p:cNvPr id="5" name="Date Placeholder 4">
-            <a:extLst>
-              <a:ext uri="{FF2B5EF4-FFF2-40B4-BE49-F238E27FC236}">
-                <a16:creationId xmlns:a16="http://schemas.microsoft.com/office/drawing/2014/main" id="{D030AED6-0731-45B6-A2CE-5CC59E05A0DE}"/>
-              </a:ext>
-            </a:extLst>
-          </p:cNvPr>
+            <a:endParaRPr lang="en-US"/>
+          </a:p>
+        </p:txBody>
+      </p:sp>
+      <p:sp>
+        <p:nvSpPr>
+          <p:cNvPr id="5" name="Date Placeholder 4"/>
           <p:cNvSpPr>
             <a:spLocks noGrp="1"/>
           </p:cNvSpPr>
@@ -7883,7 +7533,6 @@
           <a:p>
             <a:fld id="{458389C9-C49E-4A2B-B675-A98BD14A26DC}" type="datetimeFigureOut">
               <a:rPr lang="en-US" smtClean="0"/>
-              <a:t>9/12/2020</a:t>
             </a:fld>
             <a:endParaRPr lang="en-US"/>
           </a:p>
@@ -7891,13 +7540,7 @@
       </p:sp>
       <p:sp>
         <p:nvSpPr>
-          <p:cNvPr id="6" name="Footer Placeholder 5">
-            <a:extLst>
-              <a:ext uri="{FF2B5EF4-FFF2-40B4-BE49-F238E27FC236}">
-                <a16:creationId xmlns:a16="http://schemas.microsoft.com/office/drawing/2014/main" id="{8E6F47F5-5843-48D9-9FF4-71E451D04470}"/>
-              </a:ext>
-            </a:extLst>
-          </p:cNvPr>
+          <p:cNvPr id="6" name="Footer Placeholder 5"/>
           <p:cNvSpPr>
             <a:spLocks noGrp="1"/>
           </p:cNvSpPr>
@@ -7916,13 +7559,7 @@
       </p:sp>
       <p:sp>
         <p:nvSpPr>
-          <p:cNvPr id="7" name="Slide Number Placeholder 6">
-            <a:extLst>
-              <a:ext uri="{FF2B5EF4-FFF2-40B4-BE49-F238E27FC236}">
-                <a16:creationId xmlns:a16="http://schemas.microsoft.com/office/drawing/2014/main" id="{5CD336A0-C059-4C69-AA6C-B96125FD0BAA}"/>
-              </a:ext>
-            </a:extLst>
-          </p:cNvPr>
+          <p:cNvPr id="7" name="Slide Number Placeholder 6"/>
           <p:cNvSpPr>
             <a:spLocks noGrp="1"/>
           </p:cNvSpPr>
@@ -7937,18 +7574,12 @@
           <a:p>
             <a:fld id="{B27FC418-0A52-4861-9220-89804733364B}" type="slidenum">
               <a:rPr lang="en-US" smtClean="0"/>
-              <a:t>‹#›</a:t>
             </a:fld>
             <a:endParaRPr lang="en-US"/>
           </a:p>
         </p:txBody>
       </p:sp>
     </p:spTree>
-    <p:extLst>
-      <p:ext uri="{BB962C8B-B14F-4D97-AF65-F5344CB8AC3E}">
-        <p14:creationId xmlns:p14="http://schemas.microsoft.com/office/powerpoint/2010/main" val="2832194771"/>
-      </p:ext>
-    </p:extLst>
   </p:cSld>
   <p:clrMapOvr>
     <a:masterClrMapping/>
@@ -7975,13 +7606,7 @@
       </p:grpSpPr>
       <p:sp>
         <p:nvSpPr>
-          <p:cNvPr id="2" name="Title 1">
-            <a:extLst>
-              <a:ext uri="{FF2B5EF4-FFF2-40B4-BE49-F238E27FC236}">
-                <a16:creationId xmlns:a16="http://schemas.microsoft.com/office/drawing/2014/main" id="{D5F7DA63-7A3F-47C0-B750-D95F7A058C50}"/>
-              </a:ext>
-            </a:extLst>
-          </p:cNvPr>
+          <p:cNvPr id="2" name="Title 1"/>
           <p:cNvSpPr>
             <a:spLocks noGrp="1"/>
           </p:cNvSpPr>
@@ -8007,18 +7632,13 @@
               <a:rPr lang="en-US"/>
               <a:t>Click to edit Master title style</a:t>
             </a:r>
-          </a:p>
-        </p:txBody>
-      </p:sp>
-      <p:sp>
-        <p:nvSpPr>
-          <p:cNvPr id="3" name="Picture Placeholder 2">
-            <a:extLst>
-              <a:ext uri="{FF2B5EF4-FFF2-40B4-BE49-F238E27FC236}">
-                <a16:creationId xmlns:a16="http://schemas.microsoft.com/office/drawing/2014/main" id="{07286971-B4DC-4E5A-83CC-D59D8250873A}"/>
-              </a:ext>
-            </a:extLst>
-          </p:cNvPr>
+            <a:endParaRPr lang="en-US"/>
+          </a:p>
+        </p:txBody>
+      </p:sp>
+      <p:sp>
+        <p:nvSpPr>
+          <p:cNvPr id="3" name="Picture Placeholder 2"/>
           <p:cNvSpPr>
             <a:spLocks noGrp="1"/>
           </p:cNvSpPr>
@@ -8079,13 +7699,7 @@
       </p:sp>
       <p:sp>
         <p:nvSpPr>
-          <p:cNvPr id="4" name="Text Placeholder 3">
-            <a:extLst>
-              <a:ext uri="{FF2B5EF4-FFF2-40B4-BE49-F238E27FC236}">
-                <a16:creationId xmlns:a16="http://schemas.microsoft.com/office/drawing/2014/main" id="{21485E13-25BA-4922-B5BB-F71240FB2DF0}"/>
-              </a:ext>
-            </a:extLst>
-          </p:cNvPr>
+          <p:cNvPr id="4" name="Text Placeholder 3"/>
           <p:cNvSpPr>
             <a:spLocks noGrp="1"/>
           </p:cNvSpPr>
@@ -8145,18 +7759,13 @@
               <a:rPr lang="en-US"/>
               <a:t>Click to edit Master text styles</a:t>
             </a:r>
-          </a:p>
-        </p:txBody>
-      </p:sp>
-      <p:sp>
-        <p:nvSpPr>
-          <p:cNvPr id="5" name="Date Placeholder 4">
-            <a:extLst>
-              <a:ext uri="{FF2B5EF4-FFF2-40B4-BE49-F238E27FC236}">
-                <a16:creationId xmlns:a16="http://schemas.microsoft.com/office/drawing/2014/main" id="{B6B5C777-93CC-4B78-8BB1-8EB80008C275}"/>
-              </a:ext>
-            </a:extLst>
-          </p:cNvPr>
+            <a:endParaRPr lang="en-US"/>
+          </a:p>
+        </p:txBody>
+      </p:sp>
+      <p:sp>
+        <p:nvSpPr>
+          <p:cNvPr id="5" name="Date Placeholder 4"/>
           <p:cNvSpPr>
             <a:spLocks noGrp="1"/>
           </p:cNvSpPr>
@@ -8171,7 +7780,6 @@
           <a:p>
             <a:fld id="{458389C9-C49E-4A2B-B675-A98BD14A26DC}" type="datetimeFigureOut">
               <a:rPr lang="en-US" smtClean="0"/>
-              <a:t>9/12/2020</a:t>
             </a:fld>
             <a:endParaRPr lang="en-US"/>
           </a:p>
@@ -8179,13 +7787,7 @@
       </p:sp>
       <p:sp>
         <p:nvSpPr>
-          <p:cNvPr id="6" name="Footer Placeholder 5">
-            <a:extLst>
-              <a:ext uri="{FF2B5EF4-FFF2-40B4-BE49-F238E27FC236}">
-                <a16:creationId xmlns:a16="http://schemas.microsoft.com/office/drawing/2014/main" id="{26259F37-CBE2-42FC-ADA2-2680AB84511D}"/>
-              </a:ext>
-            </a:extLst>
-          </p:cNvPr>
+          <p:cNvPr id="6" name="Footer Placeholder 5"/>
           <p:cNvSpPr>
             <a:spLocks noGrp="1"/>
           </p:cNvSpPr>
@@ -8204,13 +7806,7 @@
       </p:sp>
       <p:sp>
         <p:nvSpPr>
-          <p:cNvPr id="7" name="Slide Number Placeholder 6">
-            <a:extLst>
-              <a:ext uri="{FF2B5EF4-FFF2-40B4-BE49-F238E27FC236}">
-                <a16:creationId xmlns:a16="http://schemas.microsoft.com/office/drawing/2014/main" id="{21805671-34ED-431A-8D4F-7B14E90AE2ED}"/>
-              </a:ext>
-            </a:extLst>
-          </p:cNvPr>
+          <p:cNvPr id="7" name="Slide Number Placeholder 6"/>
           <p:cNvSpPr>
             <a:spLocks noGrp="1"/>
           </p:cNvSpPr>
@@ -8225,18 +7821,12 @@
           <a:p>
             <a:fld id="{B27FC418-0A52-4861-9220-89804733364B}" type="slidenum">
               <a:rPr lang="en-US" smtClean="0"/>
-              <a:t>‹#›</a:t>
             </a:fld>
             <a:endParaRPr lang="en-US"/>
           </a:p>
         </p:txBody>
       </p:sp>
     </p:spTree>
-    <p:extLst>
-      <p:ext uri="{BB962C8B-B14F-4D97-AF65-F5344CB8AC3E}">
-        <p14:creationId xmlns:p14="http://schemas.microsoft.com/office/powerpoint/2010/main" val="1426334174"/>
-      </p:ext>
-    </p:extLst>
   </p:cSld>
   <p:clrMapOvr>
     <a:masterClrMapping/>
@@ -8268,13 +7858,7 @@
       </p:grpSpPr>
       <p:sp>
         <p:nvSpPr>
-          <p:cNvPr id="2" name="Title Placeholder 1">
-            <a:extLst>
-              <a:ext uri="{FF2B5EF4-FFF2-40B4-BE49-F238E27FC236}">
-                <a16:creationId xmlns:a16="http://schemas.microsoft.com/office/drawing/2014/main" id="{B17F7D73-84B8-45DB-A907-6B602C502DC2}"/>
-              </a:ext>
-            </a:extLst>
-          </p:cNvPr>
+          <p:cNvPr id="2" name="Title Placeholder 1"/>
           <p:cNvSpPr>
             <a:spLocks noGrp="1"/>
           </p:cNvSpPr>
@@ -8301,18 +7885,13 @@
               <a:rPr lang="en-US"/>
               <a:t>Click to edit Master title style</a:t>
             </a:r>
-          </a:p>
-        </p:txBody>
-      </p:sp>
-      <p:sp>
-        <p:nvSpPr>
-          <p:cNvPr id="3" name="Text Placeholder 2">
-            <a:extLst>
-              <a:ext uri="{FF2B5EF4-FFF2-40B4-BE49-F238E27FC236}">
-                <a16:creationId xmlns:a16="http://schemas.microsoft.com/office/drawing/2014/main" id="{BD7392B4-F16E-4698-B288-CB256C0FDE3A}"/>
-              </a:ext>
-            </a:extLst>
-          </p:cNvPr>
+            <a:endParaRPr lang="en-US"/>
+          </a:p>
+        </p:txBody>
+      </p:sp>
+      <p:sp>
+        <p:nvSpPr>
+          <p:cNvPr id="3" name="Text Placeholder 2"/>
           <p:cNvSpPr>
             <a:spLocks noGrp="1"/>
           </p:cNvSpPr>
@@ -8340,6 +7919,7 @@
               <a:rPr lang="en-US"/>
               <a:t>Click to edit Master text styles</a:t>
             </a:r>
+            <a:endParaRPr lang="en-US"/>
           </a:p>
           <a:p>
             <a:pPr lvl="1"/>
@@ -8347,6 +7927,7 @@
               <a:rPr lang="en-US"/>
               <a:t>Second level</a:t>
             </a:r>
+            <a:endParaRPr lang="en-US"/>
           </a:p>
           <a:p>
             <a:pPr lvl="2"/>
@@ -8354,6 +7935,7 @@
               <a:rPr lang="en-US"/>
               <a:t>Third level</a:t>
             </a:r>
+            <a:endParaRPr lang="en-US"/>
           </a:p>
           <a:p>
             <a:pPr lvl="3"/>
@@ -8361,6 +7943,7 @@
               <a:rPr lang="en-US"/>
               <a:t>Fourth level</a:t>
             </a:r>
+            <a:endParaRPr lang="en-US"/>
           </a:p>
           <a:p>
             <a:pPr lvl="4"/>
@@ -8368,18 +7951,13 @@
               <a:rPr lang="en-US"/>
               <a:t>Fifth level</a:t>
             </a:r>
-          </a:p>
-        </p:txBody>
-      </p:sp>
-      <p:sp>
-        <p:nvSpPr>
-          <p:cNvPr id="4" name="Date Placeholder 3">
-            <a:extLst>
-              <a:ext uri="{FF2B5EF4-FFF2-40B4-BE49-F238E27FC236}">
-                <a16:creationId xmlns:a16="http://schemas.microsoft.com/office/drawing/2014/main" id="{4F981B91-95CD-4132-BFDA-6050DAF043DF}"/>
-              </a:ext>
-            </a:extLst>
-          </p:cNvPr>
+            <a:endParaRPr lang="en-US"/>
+          </a:p>
+        </p:txBody>
+      </p:sp>
+      <p:sp>
+        <p:nvSpPr>
+          <p:cNvPr id="4" name="Date Placeholder 3"/>
           <p:cNvSpPr>
             <a:spLocks noGrp="1"/>
           </p:cNvSpPr>
@@ -8412,7 +7990,6 @@
           <a:p>
             <a:fld id="{458389C9-C49E-4A2B-B675-A98BD14A26DC}" type="datetimeFigureOut">
               <a:rPr lang="en-US" smtClean="0"/>
-              <a:t>9/12/2020</a:t>
             </a:fld>
             <a:endParaRPr lang="en-US"/>
           </a:p>
@@ -8420,13 +7997,7 @@
       </p:sp>
       <p:sp>
         <p:nvSpPr>
-          <p:cNvPr id="5" name="Footer Placeholder 4">
-            <a:extLst>
-              <a:ext uri="{FF2B5EF4-FFF2-40B4-BE49-F238E27FC236}">
-                <a16:creationId xmlns:a16="http://schemas.microsoft.com/office/drawing/2014/main" id="{F17729B5-7FF2-441A-AD71-804D200A9676}"/>
-              </a:ext>
-            </a:extLst>
-          </p:cNvPr>
+          <p:cNvPr id="5" name="Footer Placeholder 4"/>
           <p:cNvSpPr>
             <a:spLocks noGrp="1"/>
           </p:cNvSpPr>
@@ -8463,13 +8034,7 @@
       </p:sp>
       <p:sp>
         <p:nvSpPr>
-          <p:cNvPr id="6" name="Slide Number Placeholder 5">
-            <a:extLst>
-              <a:ext uri="{FF2B5EF4-FFF2-40B4-BE49-F238E27FC236}">
-                <a16:creationId xmlns:a16="http://schemas.microsoft.com/office/drawing/2014/main" id="{CF7BE907-5A25-4250-A537-29AA529464AD}"/>
-              </a:ext>
-            </a:extLst>
-          </p:cNvPr>
+          <p:cNvPr id="6" name="Slide Number Placeholder 5"/>
           <p:cNvSpPr>
             <a:spLocks noGrp="1"/>
           </p:cNvSpPr>
@@ -8502,18 +8067,12 @@
           <a:p>
             <a:fld id="{B27FC418-0A52-4861-9220-89804733364B}" type="slidenum">
               <a:rPr lang="en-US" smtClean="0"/>
-              <a:t>‹#›</a:t>
             </a:fld>
             <a:endParaRPr lang="en-US"/>
           </a:p>
         </p:txBody>
       </p:sp>
     </p:spTree>
-    <p:extLst>
-      <p:ext uri="{BB962C8B-B14F-4D97-AF65-F5344CB8AC3E}">
-        <p14:creationId xmlns:p14="http://schemas.microsoft.com/office/powerpoint/2010/main" val="512271807"/>
-      </p:ext>
-    </p:extLst>
   </p:cSld>
   <p:clrMap bg1="lt1" tx1="dk1" bg2="lt2" tx2="dk2" accent1="accent1" accent2="accent2" accent3="accent3" accent4="accent4" accent5="accent5" accent6="accent6" hlink="hlink" folHlink="folHlink"/>
   <p:sldLayoutIdLst>
@@ -8831,13 +8390,7 @@
       </p:grpSpPr>
       <p:sp>
         <p:nvSpPr>
-          <p:cNvPr id="2" name="Title 1">
-            <a:extLst>
-              <a:ext uri="{FF2B5EF4-FFF2-40B4-BE49-F238E27FC236}">
-                <a16:creationId xmlns:a16="http://schemas.microsoft.com/office/drawing/2014/main" id="{EB491821-467A-4481-B7A2-B3178C39161C}"/>
-              </a:ext>
-            </a:extLst>
-          </p:cNvPr>
+          <p:cNvPr id="2" name="Title 1"/>
           <p:cNvSpPr>
             <a:spLocks noGrp="1"/>
           </p:cNvSpPr>
@@ -8854,18 +8407,13 @@
               <a:rPr lang="en-US" dirty="0"/>
               <a:t>Coding Preparation for Machine Learning</a:t>
             </a:r>
-          </a:p>
-        </p:txBody>
-      </p:sp>
-      <p:sp>
-        <p:nvSpPr>
-          <p:cNvPr id="3" name="Subtitle 2">
-            <a:extLst>
-              <a:ext uri="{FF2B5EF4-FFF2-40B4-BE49-F238E27FC236}">
-                <a16:creationId xmlns:a16="http://schemas.microsoft.com/office/drawing/2014/main" id="{BB6E4993-D699-4C43-94DF-3D5D23E1BDB1}"/>
-              </a:ext>
-            </a:extLst>
-          </p:cNvPr>
+            <a:endParaRPr lang="en-US" dirty="0"/>
+          </a:p>
+        </p:txBody>
+      </p:sp>
+      <p:sp>
+        <p:nvSpPr>
+          <p:cNvPr id="3" name="Subtitle 2"/>
           <p:cNvSpPr>
             <a:spLocks noGrp="1"/>
           </p:cNvSpPr>
@@ -8878,16 +8426,22 @@
           <a:bodyPr/>
           <a:lstStyle/>
           <a:p>
+            <a:r>
+              <a:rPr lang="en-US"/>
+              <a:t>Fan Zhang</a:t>
+            </a:r>
+            <a:endParaRPr lang="en-US"/>
+          </a:p>
+          <a:p>
+            <a:r>
+              <a:rPr lang="en-US"/>
+              <a:t>fzhang13@schulich.yorku.ca</a:t>
+            </a:r>
             <a:endParaRPr lang="en-US"/>
           </a:p>
         </p:txBody>
       </p:sp>
     </p:spTree>
-    <p:extLst>
-      <p:ext uri="{BB962C8B-B14F-4D97-AF65-F5344CB8AC3E}">
-        <p14:creationId xmlns:p14="http://schemas.microsoft.com/office/powerpoint/2010/main" val="912848090"/>
-      </p:ext>
-    </p:extLst>
   </p:cSld>
   <p:clrMapOvr>
     <a:masterClrMapping/>
@@ -8914,13 +8468,7 @@
       </p:grpSpPr>
       <p:sp>
         <p:nvSpPr>
-          <p:cNvPr id="2" name="Title 1">
-            <a:extLst>
-              <a:ext uri="{FF2B5EF4-FFF2-40B4-BE49-F238E27FC236}">
-                <a16:creationId xmlns:a16="http://schemas.microsoft.com/office/drawing/2014/main" id="{DE9BE244-FFEC-4ECA-8950-68928C79164D}"/>
-              </a:ext>
-            </a:extLst>
-          </p:cNvPr>
+          <p:cNvPr id="2" name="Title 1"/>
           <p:cNvSpPr>
             <a:spLocks noGrp="1"/>
           </p:cNvSpPr>
@@ -8934,21 +8482,20 @@
           <a:lstStyle/>
           <a:p>
             <a:r>
-              <a:rPr lang="en-US" dirty="0"/>
-              <a:t>Data types</a:t>
-            </a:r>
-          </a:p>
-        </p:txBody>
-      </p:sp>
-      <p:sp>
-        <p:nvSpPr>
-          <p:cNvPr id="3" name="Content Placeholder 2">
-            <a:extLst>
-              <a:ext uri="{FF2B5EF4-FFF2-40B4-BE49-F238E27FC236}">
-                <a16:creationId xmlns:a16="http://schemas.microsoft.com/office/drawing/2014/main" id="{D9D0EE8C-DFA9-4B25-B6FB-69753AFBE8A7}"/>
-              </a:ext>
-            </a:extLst>
-          </p:cNvPr>
+              <a:rPr lang="en-US"/>
+              <a:t>programming </a:t>
+            </a:r>
+            <a:r>
+              <a:rPr lang="en-US" dirty="0"/>
+              <a:t>vocabularies</a:t>
+            </a:r>
+            <a:endParaRPr lang="en-US" dirty="0"/>
+          </a:p>
+        </p:txBody>
+      </p:sp>
+      <p:sp>
+        <p:nvSpPr>
+          <p:cNvPr id="3" name="Content Placeholder 2"/>
           <p:cNvSpPr>
             <a:spLocks noGrp="1"/>
           </p:cNvSpPr>
@@ -8965,77 +8512,107 @@
           <a:p>
             <a:r>
               <a:rPr lang="en-US" dirty="0"/>
+              <a:t>Data types</a:t>
+            </a:r>
+            <a:endParaRPr lang="en-US" dirty="0"/>
+          </a:p>
+          <a:p>
+            <a:pPr lvl="1"/>
+            <a:r>
+              <a:rPr lang="en-US" dirty="0"/>
               <a:t>Numeric</a:t>
             </a:r>
+            <a:endParaRPr lang="en-US" dirty="0"/>
           </a:p>
           <a:p>
             <a:pPr lvl="1"/>
             <a:r>
               <a:rPr lang="en-US" dirty="0"/>
-              <a:t>float, e.g. 23.3</a:t>
-            </a:r>
+              <a:t>Boolean</a:t>
+            </a:r>
+            <a:endParaRPr lang="en-US" dirty="0"/>
           </a:p>
           <a:p>
             <a:pPr lvl="1"/>
             <a:r>
               <a:rPr lang="en-US" dirty="0"/>
-              <a:t>int, e.g. 23</a:t>
-            </a:r>
-          </a:p>
-          <a:p>
-            <a:r>
-              <a:rPr lang="en-US" dirty="0"/>
-              <a:t>Boolean</a:t>
-            </a:r>
+              <a:t>Sequence</a:t>
+            </a:r>
+            <a:endParaRPr lang="en-US" dirty="0"/>
           </a:p>
           <a:p>
             <a:pPr lvl="1"/>
             <a:r>
               <a:rPr lang="en-US" dirty="0"/>
-              <a:t>True / False</a:t>
-            </a:r>
-          </a:p>
-          <a:p>
-            <a:r>
-              <a:rPr lang="en-US" dirty="0"/>
-              <a:t>Support arithmetic / logic calculation and ordering</a:t>
-            </a:r>
+              <a:t>Dictionary</a:t>
+            </a:r>
+            <a:endParaRPr lang="en-US" dirty="0"/>
           </a:p>
           <a:p>
             <a:pPr lvl="1"/>
             <a:r>
               <a:rPr lang="en-US" dirty="0"/>
-              <a:t>True is not False -&gt; True</a:t>
-            </a:r>
+              <a:t>…</a:t>
+            </a:r>
+            <a:endParaRPr lang="en-US" dirty="0"/>
+          </a:p>
+          <a:p>
+            <a:r>
+              <a:rPr lang="en-US" dirty="0"/>
+              <a:t>Control flow</a:t>
+            </a:r>
+            <a:endParaRPr lang="en-US" dirty="0"/>
           </a:p>
           <a:p>
             <a:pPr lvl="1"/>
             <a:r>
               <a:rPr lang="en-US" dirty="0"/>
-              <a:t>3 + 4.5 -&gt; 7.5</a:t>
-            </a:r>
+              <a:t>If … </a:t>
+            </a:r>
+            <a:r>
+              <a:rPr lang="en-US" dirty="0" err="1"/>
+              <a:t>elif</a:t>
+            </a:r>
+            <a:r>
+              <a:rPr lang="en-US" dirty="0"/>
+              <a:t> … else</a:t>
+            </a:r>
+            <a:endParaRPr lang="en-US" dirty="0"/>
           </a:p>
           <a:p>
             <a:pPr lvl="1"/>
             <a:r>
               <a:rPr lang="en-US" dirty="0"/>
-              <a:t>4 &gt; 3 -&gt; True</a:t>
-            </a:r>
-          </a:p>
-          <a:p>
-            <a:r>
-              <a:rPr lang="en-US" dirty="0"/>
-              <a:t>Default to int32 and float32 at assignment</a:t>
-            </a:r>
+              <a:t>For …</a:t>
+            </a:r>
+            <a:endParaRPr lang="en-US" dirty="0"/>
+          </a:p>
+          <a:p>
+            <a:pPr lvl="1"/>
+            <a:r>
+              <a:rPr lang="en-US" dirty="0"/>
+              <a:t>While …</a:t>
+            </a:r>
+            <a:endParaRPr lang="en-US" dirty="0"/>
+          </a:p>
+          <a:p>
+            <a:pPr lvl="1"/>
+            <a:r>
+              <a:rPr lang="en-US" dirty="0"/>
+              <a:t>…</a:t>
+            </a:r>
+            <a:endParaRPr lang="en-US" dirty="0"/>
+          </a:p>
+          <a:p>
+            <a:pPr lvl="1"/>
+            <a:endParaRPr lang="en-US" dirty="0"/>
+          </a:p>
+          <a:p>
+            <a:endParaRPr lang="en-US" dirty="0"/>
           </a:p>
         </p:txBody>
       </p:sp>
     </p:spTree>
-    <p:extLst>
-      <p:ext uri="{BB962C8B-B14F-4D97-AF65-F5344CB8AC3E}">
-        <p14:creationId xmlns:p14="http://schemas.microsoft.com/office/powerpoint/2010/main" val="2912541991"/>
-      </p:ext>
-    </p:extLst>
   </p:cSld>
   <p:clrMapOvr>
     <a:masterClrMapping/>
@@ -9062,13 +8639,7 @@
       </p:grpSpPr>
       <p:sp>
         <p:nvSpPr>
-          <p:cNvPr id="2" name="Title 1">
-            <a:extLst>
-              <a:ext uri="{FF2B5EF4-FFF2-40B4-BE49-F238E27FC236}">
-                <a16:creationId xmlns:a16="http://schemas.microsoft.com/office/drawing/2014/main" id="{DE9BE244-FFEC-4ECA-8950-68928C79164D}"/>
-              </a:ext>
-            </a:extLst>
-          </p:cNvPr>
+          <p:cNvPr id="2" name="Title 1"/>
           <p:cNvSpPr>
             <a:spLocks noGrp="1"/>
           </p:cNvSpPr>
@@ -9085,18 +8656,13 @@
               <a:rPr lang="en-US" dirty="0"/>
               <a:t>Data types</a:t>
             </a:r>
-          </a:p>
-        </p:txBody>
-      </p:sp>
-      <p:sp>
-        <p:nvSpPr>
-          <p:cNvPr id="3" name="Content Placeholder 2">
-            <a:extLst>
-              <a:ext uri="{FF2B5EF4-FFF2-40B4-BE49-F238E27FC236}">
-                <a16:creationId xmlns:a16="http://schemas.microsoft.com/office/drawing/2014/main" id="{D9D0EE8C-DFA9-4B25-B6FB-69753AFBE8A7}"/>
-              </a:ext>
-            </a:extLst>
-          </p:cNvPr>
+            <a:endParaRPr lang="en-US" dirty="0"/>
+          </a:p>
+        </p:txBody>
+      </p:sp>
+      <p:sp>
+        <p:nvSpPr>
+          <p:cNvPr id="3" name="Content Placeholder 2"/>
           <p:cNvSpPr>
             <a:spLocks noGrp="1"/>
           </p:cNvSpPr>
@@ -9115,6 +8681,7 @@
               <a:rPr lang="en-US" dirty="0"/>
               <a:t>Numeric</a:t>
             </a:r>
+            <a:endParaRPr lang="en-US" dirty="0"/>
           </a:p>
           <a:p>
             <a:pPr lvl="1"/>
@@ -9122,6 +8689,7 @@
               <a:rPr lang="en-US" dirty="0"/>
               <a:t>float, e.g. 23.3</a:t>
             </a:r>
+            <a:endParaRPr lang="en-US" dirty="0"/>
           </a:p>
           <a:p>
             <a:pPr lvl="1"/>
@@ -9129,12 +8697,14 @@
               <a:rPr lang="en-US" dirty="0"/>
               <a:t>int, e.g. 23</a:t>
             </a:r>
+            <a:endParaRPr lang="en-US" dirty="0"/>
           </a:p>
           <a:p>
             <a:r>
               <a:rPr lang="en-US" dirty="0"/>
               <a:t>Boolean</a:t>
             </a:r>
+            <a:endParaRPr lang="en-US" dirty="0"/>
           </a:p>
           <a:p>
             <a:pPr lvl="1"/>
@@ -9142,12 +8712,14 @@
               <a:rPr lang="en-US" dirty="0"/>
               <a:t>True / False</a:t>
             </a:r>
+            <a:endParaRPr lang="en-US" dirty="0"/>
           </a:p>
           <a:p>
             <a:r>
               <a:rPr lang="en-US" dirty="0"/>
               <a:t>Support arithmetic / logic calculation and ordering</a:t>
             </a:r>
+            <a:endParaRPr lang="en-US" dirty="0"/>
           </a:p>
           <a:p>
             <a:pPr lvl="1"/>
@@ -9155,6 +8727,7 @@
               <a:rPr lang="en-US" dirty="0"/>
               <a:t>True is not False -&gt; True</a:t>
             </a:r>
+            <a:endParaRPr lang="en-US" dirty="0"/>
           </a:p>
           <a:p>
             <a:pPr lvl="1"/>
@@ -9162,6 +8735,7 @@
               <a:rPr lang="en-US" dirty="0"/>
               <a:t>3 + 4.5 -&gt; 7.5</a:t>
             </a:r>
+            <a:endParaRPr lang="en-US" dirty="0"/>
           </a:p>
           <a:p>
             <a:pPr lvl="1"/>
@@ -9169,21 +8743,18 @@
               <a:rPr lang="en-US" dirty="0"/>
               <a:t>4 &gt; 3 -&gt; True</a:t>
             </a:r>
+            <a:endParaRPr lang="en-US" dirty="0"/>
           </a:p>
           <a:p>
             <a:r>
               <a:rPr lang="en-US" dirty="0"/>
               <a:t>Default to int32 and float32 at assignment</a:t>
             </a:r>
+            <a:endParaRPr lang="en-US" dirty="0"/>
           </a:p>
         </p:txBody>
       </p:sp>
     </p:spTree>
-    <p:extLst>
-      <p:ext uri="{BB962C8B-B14F-4D97-AF65-F5344CB8AC3E}">
-        <p14:creationId xmlns:p14="http://schemas.microsoft.com/office/powerpoint/2010/main" val="3331116562"/>
-      </p:ext>
-    </p:extLst>
   </p:cSld>
   <p:clrMapOvr>
     <a:masterClrMapping/>
@@ -9210,13 +8781,7 @@
       </p:grpSpPr>
       <p:sp>
         <p:nvSpPr>
-          <p:cNvPr id="2" name="Title 1">
-            <a:extLst>
-              <a:ext uri="{FF2B5EF4-FFF2-40B4-BE49-F238E27FC236}">
-                <a16:creationId xmlns:a16="http://schemas.microsoft.com/office/drawing/2014/main" id="{DE9BE244-FFEC-4ECA-8950-68928C79164D}"/>
-              </a:ext>
-            </a:extLst>
-          </p:cNvPr>
+          <p:cNvPr id="2" name="Title 1"/>
           <p:cNvSpPr>
             <a:spLocks noGrp="1"/>
           </p:cNvSpPr>
@@ -9233,18 +8798,13 @@
               <a:rPr lang="en-US" dirty="0"/>
               <a:t>Data types</a:t>
             </a:r>
-          </a:p>
-        </p:txBody>
-      </p:sp>
-      <p:sp>
-        <p:nvSpPr>
-          <p:cNvPr id="3" name="Content Placeholder 2">
-            <a:extLst>
-              <a:ext uri="{FF2B5EF4-FFF2-40B4-BE49-F238E27FC236}">
-                <a16:creationId xmlns:a16="http://schemas.microsoft.com/office/drawing/2014/main" id="{D9D0EE8C-DFA9-4B25-B6FB-69753AFBE8A7}"/>
-              </a:ext>
-            </a:extLst>
-          </p:cNvPr>
+            <a:endParaRPr lang="en-US" dirty="0"/>
+          </a:p>
+        </p:txBody>
+      </p:sp>
+      <p:sp>
+        <p:nvSpPr>
+          <p:cNvPr id="3" name="Content Placeholder 2"/>
           <p:cNvSpPr>
             <a:spLocks noGrp="1"/>
           </p:cNvSpPr>
@@ -9255,77 +8815,88 @@
         <p:spPr/>
         <p:txBody>
           <a:bodyPr>
-            <a:normAutofit/>
+            <a:normAutofit lnSpcReduction="10000"/>
           </a:bodyPr>
           <a:lstStyle/>
           <a:p>
             <a:r>
               <a:rPr lang="en-US" dirty="0"/>
-              <a:t>Sequence</a:t>
-            </a:r>
+              <a:t>Numeric</a:t>
+            </a:r>
+            <a:endParaRPr lang="en-US" dirty="0"/>
           </a:p>
           <a:p>
             <a:pPr lvl="1"/>
             <a:r>
               <a:rPr lang="en-US" dirty="0"/>
-              <a:t>string, e.g. ‘to be or not to be…’</a:t>
-            </a:r>
+              <a:t>float, e.g. 23.3</a:t>
+            </a:r>
+            <a:endParaRPr lang="en-US" dirty="0"/>
           </a:p>
           <a:p>
             <a:pPr lvl="1"/>
             <a:r>
               <a:rPr lang="en-US" dirty="0"/>
-              <a:t>list, e.g. [23, ‘red’, False, [45, ‘a’, None]]</a:t>
-            </a:r>
+              <a:t>int, e.g. 23</a:t>
+            </a:r>
+            <a:endParaRPr lang="en-US" dirty="0"/>
+          </a:p>
+          <a:p>
+            <a:r>
+              <a:rPr lang="en-US" dirty="0"/>
+              <a:t>Boolean</a:t>
+            </a:r>
+            <a:endParaRPr lang="en-US" dirty="0"/>
           </a:p>
           <a:p>
             <a:pPr lvl="1"/>
             <a:r>
               <a:rPr lang="en-US" dirty="0"/>
-              <a:t>tuple, e.g. (7,8)</a:t>
-            </a:r>
-          </a:p>
-          <a:p>
-            <a:r>
-              <a:rPr lang="en-US" dirty="0"/>
-              <a:t>Sequences are ordered collections and can be accessed via zero based indexing</a:t>
-            </a:r>
+              <a:t>True / False</a:t>
+            </a:r>
+            <a:endParaRPr lang="en-US" dirty="0"/>
+          </a:p>
+          <a:p>
+            <a:r>
+              <a:rPr lang="en-US" dirty="0"/>
+              <a:t>Support arithmetic / logic calculation and ordering</a:t>
+            </a:r>
+            <a:endParaRPr lang="en-US" dirty="0"/>
           </a:p>
           <a:p>
             <a:pPr lvl="1"/>
             <a:r>
               <a:rPr lang="en-US" dirty="0"/>
-              <a:t>[23, ‘red’, False, [45, ‘a’, None]][0] -&gt; 23</a:t>
-            </a:r>
+              <a:t>True is not False -&gt; True</a:t>
+            </a:r>
+            <a:endParaRPr lang="en-US" dirty="0"/>
           </a:p>
           <a:p>
             <a:pPr lvl="1"/>
             <a:r>
               <a:rPr lang="en-US" dirty="0"/>
-              <a:t>(7,8)[1] -&gt; 7</a:t>
-            </a:r>
+              <a:t>3 + 4.5 -&gt; 7.5</a:t>
+            </a:r>
+            <a:endParaRPr lang="en-US" dirty="0"/>
           </a:p>
           <a:p>
             <a:pPr lvl="1"/>
             <a:r>
               <a:rPr lang="en-US" dirty="0"/>
-              <a:t>‘to be or not to be…’[-1] -&gt; ‘.’</a:t>
-            </a:r>
-          </a:p>
-          <a:p>
-            <a:pPr marL="0" indent="0">
-              <a:buNone/>
-            </a:pPr>
+              <a:t>4 &gt; 3 -&gt; True</a:t>
+            </a:r>
+            <a:endParaRPr lang="en-US" dirty="0"/>
+          </a:p>
+          <a:p>
+            <a:r>
+              <a:rPr lang="en-US" dirty="0"/>
+              <a:t>Default to int32 and float32 at assignment</a:t>
+            </a:r>
             <a:endParaRPr lang="en-US" dirty="0"/>
           </a:p>
         </p:txBody>
       </p:sp>
     </p:spTree>
-    <p:extLst>
-      <p:ext uri="{BB962C8B-B14F-4D97-AF65-F5344CB8AC3E}">
-        <p14:creationId xmlns:p14="http://schemas.microsoft.com/office/powerpoint/2010/main" val="1969693401"/>
-      </p:ext>
-    </p:extLst>
   </p:cSld>
   <p:clrMapOvr>
     <a:masterClrMapping/>
@@ -9352,13 +8923,7 @@
       </p:grpSpPr>
       <p:sp>
         <p:nvSpPr>
-          <p:cNvPr id="2" name="Title 1">
-            <a:extLst>
-              <a:ext uri="{FF2B5EF4-FFF2-40B4-BE49-F238E27FC236}">
-                <a16:creationId xmlns:a16="http://schemas.microsoft.com/office/drawing/2014/main" id="{DE9BE244-FFEC-4ECA-8950-68928C79164D}"/>
-              </a:ext>
-            </a:extLst>
-          </p:cNvPr>
+          <p:cNvPr id="2" name="Title 1"/>
           <p:cNvSpPr>
             <a:spLocks noGrp="1"/>
           </p:cNvSpPr>
@@ -9375,18 +8940,13 @@
               <a:rPr lang="en-US" dirty="0"/>
               <a:t>Data types</a:t>
             </a:r>
-          </a:p>
-        </p:txBody>
-      </p:sp>
-      <p:sp>
-        <p:nvSpPr>
-          <p:cNvPr id="3" name="Content Placeholder 2">
-            <a:extLst>
-              <a:ext uri="{FF2B5EF4-FFF2-40B4-BE49-F238E27FC236}">
-                <a16:creationId xmlns:a16="http://schemas.microsoft.com/office/drawing/2014/main" id="{D9D0EE8C-DFA9-4B25-B6FB-69753AFBE8A7}"/>
-              </a:ext>
-            </a:extLst>
-          </p:cNvPr>
+            <a:endParaRPr lang="en-US" dirty="0"/>
+          </a:p>
+        </p:txBody>
+      </p:sp>
+      <p:sp>
+        <p:nvSpPr>
+          <p:cNvPr id="3" name="Content Placeholder 2"/>
           <p:cNvSpPr>
             <a:spLocks noGrp="1"/>
           </p:cNvSpPr>
@@ -9403,79 +8963,74 @@
           <a:p>
             <a:r>
               <a:rPr lang="en-US" dirty="0"/>
-              <a:t>Sequence supports some of the arithmetical calculation but meaning might be changed</a:t>
-            </a:r>
+              <a:t>Sequence</a:t>
+            </a:r>
+            <a:endParaRPr lang="en-US" dirty="0"/>
           </a:p>
           <a:p>
             <a:pPr lvl="1"/>
             <a:r>
               <a:rPr lang="en-US" dirty="0"/>
-              <a:t>[2,3] + [4] -&gt; [2,3,4]  </a:t>
-            </a:r>
+              <a:t>string, e.g. ‘to be or not to be…’</a:t>
+            </a:r>
+            <a:endParaRPr lang="en-US" dirty="0"/>
           </a:p>
           <a:p>
             <a:pPr lvl="1"/>
             <a:r>
               <a:rPr lang="en-US" dirty="0"/>
-              <a:t>‘</a:t>
-            </a:r>
-            <a:r>
-              <a:rPr lang="en-US" dirty="0" err="1"/>
-              <a:t>abc</a:t>
-            </a:r>
-            <a:r>
-              <a:rPr lang="en-US" dirty="0"/>
-              <a:t>’ + ‘def’ -&gt; ‘</a:t>
-            </a:r>
-            <a:r>
-              <a:rPr lang="en-US" dirty="0" err="1"/>
-              <a:t>abcdef</a:t>
-            </a:r>
-            <a:r>
-              <a:rPr lang="en-US" dirty="0"/>
-              <a:t>’</a:t>
-            </a:r>
-          </a:p>
-          <a:p>
-            <a:r>
-              <a:rPr lang="en-US" dirty="0"/>
-              <a:t>String and tuple don’t support item assignment</a:t>
-            </a:r>
-          </a:p>
-          <a:p>
-            <a:r>
-              <a:rPr lang="en-US" dirty="0"/>
-              <a:t>Tuple does support mixed element types but practically it’s not advised. Use list instead</a:t>
-            </a:r>
-          </a:p>
-          <a:p>
-            <a:r>
-              <a:rPr lang="en-US" dirty="0"/>
-              <a:t>If used purely for mathematical calculations then </a:t>
-            </a:r>
-            <a:r>
-              <a:rPr lang="en-US" dirty="0" err="1"/>
-              <a:t>numpy.array</a:t>
-            </a:r>
-            <a:r>
-              <a:rPr lang="en-US" dirty="0"/>
-              <a:t> might be better choice than list</a:t>
-            </a:r>
-          </a:p>
-          <a:p>
-            <a:endParaRPr lang="en-US" dirty="0"/>
-          </a:p>
-          <a:p>
+              <a:t>list, e.g. [23, ‘red’, False, [45, ‘a’, None]]</a:t>
+            </a:r>
+            <a:endParaRPr lang="en-US" dirty="0"/>
+          </a:p>
+          <a:p>
+            <a:pPr lvl="1"/>
+            <a:r>
+              <a:rPr lang="en-US" dirty="0"/>
+              <a:t>tuple, e.g. (7,8)</a:t>
+            </a:r>
+            <a:endParaRPr lang="en-US" dirty="0"/>
+          </a:p>
+          <a:p>
+            <a:r>
+              <a:rPr lang="en-US" dirty="0"/>
+              <a:t>Sequences are ordered collections and can be accessed via zero based indexing</a:t>
+            </a:r>
+            <a:endParaRPr lang="en-US" dirty="0"/>
+          </a:p>
+          <a:p>
+            <a:pPr lvl="1"/>
+            <a:r>
+              <a:rPr lang="en-US" dirty="0"/>
+              <a:t>[23, ‘red’, False, [45, ‘a’, None]][0] -&gt; 23</a:t>
+            </a:r>
+            <a:endParaRPr lang="en-US" dirty="0"/>
+          </a:p>
+          <a:p>
+            <a:pPr lvl="1"/>
+            <a:r>
+              <a:rPr lang="en-US" dirty="0"/>
+              <a:t>(7,8)[1] -&gt; 7</a:t>
+            </a:r>
+            <a:endParaRPr lang="en-US" dirty="0"/>
+          </a:p>
+          <a:p>
+            <a:pPr lvl="1"/>
+            <a:r>
+              <a:rPr lang="en-US" dirty="0"/>
+              <a:t>‘to be or not to be…’[-1] -&gt; ‘.’</a:t>
+            </a:r>
+            <a:endParaRPr lang="en-US" dirty="0"/>
+          </a:p>
+          <a:p>
+            <a:pPr marL="0" indent="0">
+              <a:buNone/>
+            </a:pPr>
             <a:endParaRPr lang="en-US" dirty="0"/>
           </a:p>
         </p:txBody>
       </p:sp>
     </p:spTree>
-    <p:extLst>
-      <p:ext uri="{BB962C8B-B14F-4D97-AF65-F5344CB8AC3E}">
-        <p14:creationId xmlns:p14="http://schemas.microsoft.com/office/powerpoint/2010/main" val="392198045"/>
-      </p:ext>
-    </p:extLst>
   </p:cSld>
   <p:clrMapOvr>
     <a:masterClrMapping/>
@@ -9502,13 +9057,7 @@
       </p:grpSpPr>
       <p:sp>
         <p:nvSpPr>
-          <p:cNvPr id="2" name="Title 1">
-            <a:extLst>
-              <a:ext uri="{FF2B5EF4-FFF2-40B4-BE49-F238E27FC236}">
-                <a16:creationId xmlns:a16="http://schemas.microsoft.com/office/drawing/2014/main" id="{DE9BE244-FFEC-4ECA-8950-68928C79164D}"/>
-              </a:ext>
-            </a:extLst>
-          </p:cNvPr>
+          <p:cNvPr id="2" name="Title 1"/>
           <p:cNvSpPr>
             <a:spLocks noGrp="1"/>
           </p:cNvSpPr>
@@ -9525,18 +9074,13 @@
               <a:rPr lang="en-US" dirty="0"/>
               <a:t>Data types</a:t>
             </a:r>
-          </a:p>
-        </p:txBody>
-      </p:sp>
-      <p:sp>
-        <p:nvSpPr>
-          <p:cNvPr id="3" name="Content Placeholder 2">
-            <a:extLst>
-              <a:ext uri="{FF2B5EF4-FFF2-40B4-BE49-F238E27FC236}">
-                <a16:creationId xmlns:a16="http://schemas.microsoft.com/office/drawing/2014/main" id="{D9D0EE8C-DFA9-4B25-B6FB-69753AFBE8A7}"/>
-              </a:ext>
-            </a:extLst>
-          </p:cNvPr>
+            <a:endParaRPr lang="en-US" dirty="0"/>
+          </a:p>
+        </p:txBody>
+      </p:sp>
+      <p:sp>
+        <p:nvSpPr>
+          <p:cNvPr id="3" name="Content Placeholder 2"/>
           <p:cNvSpPr>
             <a:spLocks noGrp="1"/>
           </p:cNvSpPr>
@@ -9553,96 +9097,80 @@
           <a:p>
             <a:r>
               <a:rPr lang="en-US" dirty="0"/>
-              <a:t>Dictionary</a:t>
-            </a:r>
+              <a:t>Sequence supports some of the arithmetical calculation but meaning might be changed</a:t>
+            </a:r>
+            <a:endParaRPr lang="en-US" dirty="0"/>
           </a:p>
           <a:p>
             <a:pPr lvl="1"/>
             <a:r>
               <a:rPr lang="en-US" dirty="0"/>
-              <a:t>E.g. {‘cat’: ‘meow’, ‘dog’: ‘woof’} </a:t>
-            </a:r>
+              <a:t>[2,3] + [4] -&gt; [2,3,4]  </a:t>
+            </a:r>
+            <a:endParaRPr lang="en-US" dirty="0"/>
           </a:p>
           <a:p>
             <a:pPr lvl="1"/>
             <a:r>
               <a:rPr lang="en-US" dirty="0"/>
-              <a:t>No ordering, key must be unique</a:t>
-            </a:r>
-          </a:p>
-          <a:p>
-            <a:pPr lvl="1"/>
-            <a:r>
-              <a:rPr lang="en-US" dirty="0"/>
-              <a:t>Faster to locate the value than list indexing</a:t>
-            </a:r>
-          </a:p>
-          <a:p>
-            <a:pPr lvl="1"/>
-            <a:r>
-              <a:rPr lang="en-US" dirty="0"/>
-              <a:t>Use key to refer the value</a:t>
-            </a:r>
-          </a:p>
-          <a:p>
-            <a:pPr marL="914400" lvl="2" indent="0">
-              <a:buNone/>
-            </a:pPr>
-            <a:r>
-              <a:rPr lang="en-US" dirty="0"/>
-              <a:t>{‘cat’: ‘meow’, ‘dog’: ‘woof’}[‘cat’] -&gt; ‘meow’</a:t>
-            </a:r>
-          </a:p>
-          <a:p>
-            <a:pPr lvl="1"/>
-            <a:r>
-              <a:rPr lang="en-US" dirty="0"/>
-              <a:t>Add key value pair by assignment</a:t>
-            </a:r>
-          </a:p>
-          <a:p>
-            <a:pPr marL="457200" lvl="1" indent="0">
-              <a:buNone/>
-            </a:pPr>
-            <a:r>
-              <a:rPr lang="en-US" dirty="0"/>
-              <a:t>	a = {‘cat’: ‘meow’, ‘dog’: ‘woof’}</a:t>
-            </a:r>
-          </a:p>
-          <a:p>
-            <a:pPr marL="457200" lvl="1" indent="0">
-              <a:buNone/>
-            </a:pPr>
-            <a:r>
-              <a:rPr lang="en-US" dirty="0"/>
-              <a:t>	a[‘sheep’] = ‘baa’</a:t>
-            </a:r>
-          </a:p>
-          <a:p>
-            <a:pPr marL="457200" lvl="1" indent="0">
-              <a:buNone/>
-            </a:pPr>
-            <a:r>
-              <a:rPr lang="en-US" dirty="0"/>
-              <a:t>	a -&gt; {‘cat’: ‘meow’, ‘dog’: ‘woof’, ‘sheep’: ‘baa’}</a:t>
-            </a:r>
-          </a:p>
-          <a:p>
-            <a:pPr lvl="2"/>
-            <a:endParaRPr lang="en-US" dirty="0"/>
-          </a:p>
-          <a:p>
-            <a:pPr lvl="2"/>
+              <a:t>‘</a:t>
+            </a:r>
+            <a:r>
+              <a:rPr lang="en-US" dirty="0" err="1"/>
+              <a:t>abc</a:t>
+            </a:r>
+            <a:r>
+              <a:rPr lang="en-US" dirty="0"/>
+              <a:t>’ + ‘def’ -&gt; ‘</a:t>
+            </a:r>
+            <a:r>
+              <a:rPr lang="en-US" dirty="0" err="1"/>
+              <a:t>abcdef</a:t>
+            </a:r>
+            <a:r>
+              <a:rPr lang="en-US" dirty="0"/>
+              <a:t>’</a:t>
+            </a:r>
+            <a:endParaRPr lang="en-US" dirty="0"/>
+          </a:p>
+          <a:p>
+            <a:r>
+              <a:rPr lang="en-US" dirty="0"/>
+              <a:t>String and tuple don’t support item assignment</a:t>
+            </a:r>
+            <a:endParaRPr lang="en-US" dirty="0"/>
+          </a:p>
+          <a:p>
+            <a:r>
+              <a:rPr lang="en-US" dirty="0"/>
+              <a:t>Tuple does support mixed element types but practically it’s not advised. Use list instead</a:t>
+            </a:r>
+            <a:endParaRPr lang="en-US" dirty="0"/>
+          </a:p>
+          <a:p>
+            <a:r>
+              <a:rPr lang="en-US" dirty="0"/>
+              <a:t>If used purely for mathematical calculations then </a:t>
+            </a:r>
+            <a:r>
+              <a:rPr lang="en-US" dirty="0" err="1"/>
+              <a:t>numpy.array</a:t>
+            </a:r>
+            <a:r>
+              <a:rPr lang="en-US" dirty="0"/>
+              <a:t> might be better choice than list</a:t>
+            </a:r>
+            <a:endParaRPr lang="en-US" dirty="0"/>
+          </a:p>
+          <a:p>
+            <a:endParaRPr lang="en-US" dirty="0"/>
+          </a:p>
+          <a:p>
             <a:endParaRPr lang="en-US" dirty="0"/>
           </a:p>
         </p:txBody>
       </p:sp>
     </p:spTree>
-    <p:extLst>
-      <p:ext uri="{BB962C8B-B14F-4D97-AF65-F5344CB8AC3E}">
-        <p14:creationId xmlns:p14="http://schemas.microsoft.com/office/powerpoint/2010/main" val="2859320347"/>
-      </p:ext>
-    </p:extLst>
   </p:cSld>
   <p:clrMapOvr>
     <a:masterClrMapping/>
@@ -9669,13 +9197,7 @@
       </p:grpSpPr>
       <p:sp>
         <p:nvSpPr>
-          <p:cNvPr id="2" name="Title 1">
-            <a:extLst>
-              <a:ext uri="{FF2B5EF4-FFF2-40B4-BE49-F238E27FC236}">
-                <a16:creationId xmlns:a16="http://schemas.microsoft.com/office/drawing/2014/main" id="{DE9BE244-FFEC-4ECA-8950-68928C79164D}"/>
-              </a:ext>
-            </a:extLst>
-          </p:cNvPr>
+          <p:cNvPr id="2" name="Title 1"/>
           <p:cNvSpPr>
             <a:spLocks noGrp="1"/>
           </p:cNvSpPr>
@@ -9692,18 +9214,13 @@
               <a:rPr lang="en-US" dirty="0"/>
               <a:t>Data types</a:t>
             </a:r>
-          </a:p>
-        </p:txBody>
-      </p:sp>
-      <p:sp>
-        <p:nvSpPr>
-          <p:cNvPr id="3" name="Content Placeholder 2">
-            <a:extLst>
-              <a:ext uri="{FF2B5EF4-FFF2-40B4-BE49-F238E27FC236}">
-                <a16:creationId xmlns:a16="http://schemas.microsoft.com/office/drawing/2014/main" id="{D9D0EE8C-DFA9-4B25-B6FB-69753AFBE8A7}"/>
-              </a:ext>
-            </a:extLst>
-          </p:cNvPr>
+            <a:endParaRPr lang="en-US" dirty="0"/>
+          </a:p>
+        </p:txBody>
+      </p:sp>
+      <p:sp>
+        <p:nvSpPr>
+          <p:cNvPr id="3" name="Content Placeholder 2"/>
           <p:cNvSpPr>
             <a:spLocks noGrp="1"/>
           </p:cNvSpPr>
@@ -9719,63 +9236,102 @@
           <a:lstStyle/>
           <a:p>
             <a:r>
-              <a:rPr lang="en-US" dirty="0" err="1"/>
-              <a:t>NoneType</a:t>
-            </a:r>
-            <a:r>
-              <a:rPr lang="en-US" dirty="0"/>
-              <a:t>: None</a:t>
-            </a:r>
+              <a:rPr lang="en-US" dirty="0"/>
+              <a:t>Dictionary</a:t>
+            </a:r>
+            <a:endParaRPr lang="en-US" dirty="0"/>
           </a:p>
           <a:p>
             <a:pPr lvl="1"/>
             <a:r>
               <a:rPr lang="en-US" dirty="0"/>
-              <a:t>Denoting missing values / objects (not covered)</a:t>
-            </a:r>
+              <a:t>E.g. {‘cat’: ‘meow’, ‘dog’: ‘woof’} </a:t>
+            </a:r>
+            <a:endParaRPr lang="en-US" dirty="0"/>
           </a:p>
           <a:p>
             <a:pPr lvl="1"/>
             <a:r>
               <a:rPr lang="en-US" dirty="0"/>
-              <a:t>None is not the same with anything else</a:t>
-            </a:r>
+              <a:t>No ordering, key must be unique</a:t>
+            </a:r>
+            <a:endParaRPr lang="en-US" dirty="0"/>
           </a:p>
           <a:p>
             <a:pPr lvl="1"/>
             <a:r>
               <a:rPr lang="en-US" dirty="0"/>
-              <a:t>No data type assigned need to infer, based on data and code</a:t>
-            </a:r>
-          </a:p>
-          <a:p>
-            <a:pPr lvl="2"/>
-            <a:r>
-              <a:rPr lang="en-US" dirty="0"/>
-              <a:t>E.g. [6, None, 8] -&gt; probably an int missing value</a:t>
-            </a:r>
-          </a:p>
-          <a:p>
-            <a:pPr lvl="2"/>
-            <a:r>
-              <a:rPr lang="en-US" dirty="0"/>
-              <a:t>caveat: [6, ‘a’, False, None] -&gt; impossible</a:t>
-            </a:r>
-          </a:p>
-          <a:p>
-            <a:pPr marL="0" indent="0">
+              <a:t>Faster to locate the value than list indexing</a:t>
+            </a:r>
+            <a:endParaRPr lang="en-US" dirty="0"/>
+          </a:p>
+          <a:p>
+            <a:pPr lvl="1"/>
+            <a:r>
+              <a:rPr lang="en-US" dirty="0"/>
+              <a:t>Use key to refer the value</a:t>
+            </a:r>
+            <a:endParaRPr lang="en-US" dirty="0"/>
+          </a:p>
+          <a:p>
+            <a:pPr marL="914400" lvl="2" indent="0">
               <a:buNone/>
             </a:pPr>
+            <a:r>
+              <a:rPr lang="en-US" dirty="0"/>
+              <a:t>{‘cat’: ‘meow’, ‘dog’: ‘woof’}[‘cat’] -&gt; ‘meow’</a:t>
+            </a:r>
+            <a:endParaRPr lang="en-US" dirty="0"/>
+          </a:p>
+          <a:p>
+            <a:pPr lvl="1"/>
+            <a:r>
+              <a:rPr lang="en-US" dirty="0"/>
+              <a:t>Add key value pair by assignment</a:t>
+            </a:r>
+            <a:endParaRPr lang="en-US" dirty="0"/>
+          </a:p>
+          <a:p>
+            <a:pPr marL="457200" lvl="1" indent="0">
+              <a:buNone/>
+            </a:pPr>
+            <a:r>
+              <a:rPr lang="en-US" dirty="0"/>
+              <a:t>	a = {‘cat’: ‘meow’, ‘dog’: ‘woof’}</a:t>
+            </a:r>
+            <a:endParaRPr lang="en-US" dirty="0"/>
+          </a:p>
+          <a:p>
+            <a:pPr marL="457200" lvl="1" indent="0">
+              <a:buNone/>
+            </a:pPr>
+            <a:r>
+              <a:rPr lang="en-US" dirty="0"/>
+              <a:t>	a[‘sheep’] = ‘baa’</a:t>
+            </a:r>
+            <a:endParaRPr lang="en-US" dirty="0"/>
+          </a:p>
+          <a:p>
+            <a:pPr marL="457200" lvl="1" indent="0">
+              <a:buNone/>
+            </a:pPr>
+            <a:r>
+              <a:rPr lang="en-US" dirty="0"/>
+              <a:t>	a -&gt; {‘cat’: ‘meow’, ‘dog’: ‘woof’, ‘sheep’: ‘baa’}</a:t>
+            </a:r>
+            <a:endParaRPr lang="en-US" dirty="0"/>
+          </a:p>
+          <a:p>
+            <a:pPr lvl="2"/>
+            <a:endParaRPr lang="en-US" dirty="0"/>
+          </a:p>
+          <a:p>
+            <a:pPr lvl="2"/>
             <a:endParaRPr lang="en-US" dirty="0"/>
           </a:p>
         </p:txBody>
       </p:sp>
     </p:spTree>
-    <p:extLst>
-      <p:ext uri="{BB962C8B-B14F-4D97-AF65-F5344CB8AC3E}">
-        <p14:creationId xmlns:p14="http://schemas.microsoft.com/office/powerpoint/2010/main" val="2153589241"/>
-      </p:ext>
-    </p:extLst>
   </p:cSld>
   <p:clrMapOvr>
     <a:masterClrMapping/>
@@ -9802,13 +9358,7 @@
       </p:grpSpPr>
       <p:sp>
         <p:nvSpPr>
-          <p:cNvPr id="2" name="Title 1">
-            <a:extLst>
-              <a:ext uri="{FF2B5EF4-FFF2-40B4-BE49-F238E27FC236}">
-                <a16:creationId xmlns:a16="http://schemas.microsoft.com/office/drawing/2014/main" id="{A3660A1D-7A19-4D49-855B-50BA5DCBA150}"/>
-              </a:ext>
-            </a:extLst>
-          </p:cNvPr>
+          <p:cNvPr id="2" name="Title 1"/>
           <p:cNvSpPr>
             <a:spLocks noGrp="1"/>
           </p:cNvSpPr>
@@ -9823,20 +9373,15 @@
           <a:p>
             <a:r>
               <a:rPr lang="en-US" dirty="0"/>
-              <a:t>Control Flow</a:t>
-            </a:r>
-          </a:p>
-        </p:txBody>
-      </p:sp>
-      <p:sp>
-        <p:nvSpPr>
-          <p:cNvPr id="3" name="Content Placeholder 2">
-            <a:extLst>
-              <a:ext uri="{FF2B5EF4-FFF2-40B4-BE49-F238E27FC236}">
-                <a16:creationId xmlns:a16="http://schemas.microsoft.com/office/drawing/2014/main" id="{90A4BBA8-2C32-4379-B885-2318B2D5BE09}"/>
-              </a:ext>
-            </a:extLst>
-          </p:cNvPr>
+              <a:t>Data types</a:t>
+            </a:r>
+            <a:endParaRPr lang="en-US" dirty="0"/>
+          </a:p>
+        </p:txBody>
+      </p:sp>
+      <p:sp>
+        <p:nvSpPr>
+          <p:cNvPr id="3" name="Content Placeholder 2"/>
           <p:cNvSpPr>
             <a:spLocks noGrp="1"/>
           </p:cNvSpPr>
@@ -9846,77 +9391,60 @@
         </p:nvSpPr>
         <p:spPr/>
         <p:txBody>
-          <a:bodyPr/>
+          <a:bodyPr>
+            <a:normAutofit/>
+          </a:bodyPr>
           <a:lstStyle/>
           <a:p>
             <a:r>
-              <a:rPr lang="en-US" dirty="0"/>
-              <a:t>indentation indicates control structure block of code belongs to</a:t>
-            </a:r>
-          </a:p>
-          <a:p>
-            <a:pPr marL="457200" lvl="1" indent="0">
-              <a:buNone/>
-            </a:pPr>
-            <a:r>
-              <a:rPr lang="en-US" dirty="0"/>
-              <a:t>if &lt;condition 1&gt;:</a:t>
-            </a:r>
-          </a:p>
-          <a:p>
-            <a:pPr marL="457200" lvl="1" indent="0">
-              <a:buNone/>
-            </a:pPr>
-            <a:r>
-              <a:rPr lang="en-US" dirty="0"/>
-              <a:t>	&lt;statement 1&gt;</a:t>
-            </a:r>
-          </a:p>
-          <a:p>
-            <a:pPr marL="457200" lvl="1" indent="0">
-              <a:buNone/>
-            </a:pPr>
-            <a:r>
               <a:rPr lang="en-US" dirty="0" err="1"/>
-              <a:t>elif</a:t>
-            </a:r>
-            <a:r>
-              <a:rPr lang="en-US" dirty="0"/>
-              <a:t> &lt;condition 2&gt;:</a:t>
-            </a:r>
-          </a:p>
-          <a:p>
-            <a:pPr marL="457200" lvl="1" indent="0">
-              <a:buNone/>
-            </a:pPr>
-            <a:r>
-              <a:rPr lang="en-US" dirty="0"/>
-              <a:t>	&lt;statement 2&gt;</a:t>
-            </a:r>
-          </a:p>
-          <a:p>
-            <a:pPr marL="457200" lvl="1" indent="0">
-              <a:buNone/>
-            </a:pPr>
-            <a:r>
-              <a:rPr lang="en-US" dirty="0"/>
-              <a:t>else:</a:t>
-            </a:r>
-          </a:p>
-          <a:p>
-            <a:pPr marL="457200" lvl="1" indent="0">
-              <a:buNone/>
-            </a:pPr>
-            <a:r>
-              <a:rPr lang="en-US" dirty="0"/>
-              <a:t>	&lt;statement 3&gt;</a:t>
-            </a:r>
-          </a:p>
-          <a:p>
-            <a:r>
-              <a:rPr lang="en-US" dirty="0"/>
-              <a:t>Python will not go through all the condition clauses, unit test is needed for debugging	</a:t>
-            </a:r>
+              <a:t>NoneType</a:t>
+            </a:r>
+            <a:r>
+              <a:rPr lang="en-US" dirty="0"/>
+              <a:t>: None</a:t>
+            </a:r>
+            <a:endParaRPr lang="en-US" dirty="0"/>
+          </a:p>
+          <a:p>
+            <a:pPr lvl="1"/>
+            <a:r>
+              <a:rPr lang="en-US" dirty="0"/>
+              <a:t>Denoting missing values / objects (not covered)</a:t>
+            </a:r>
+            <a:endParaRPr lang="en-US" dirty="0"/>
+          </a:p>
+          <a:p>
+            <a:pPr lvl="1"/>
+            <a:r>
+              <a:rPr lang="en-US" dirty="0"/>
+              <a:t>None is not the same with anything else</a:t>
+            </a:r>
+            <a:endParaRPr lang="en-US" dirty="0"/>
+          </a:p>
+          <a:p>
+            <a:pPr lvl="1"/>
+            <a:r>
+              <a:rPr lang="en-US" dirty="0"/>
+              <a:t>No data type assigned need to infer, based on data and code</a:t>
+            </a:r>
+            <a:endParaRPr lang="en-US" dirty="0"/>
+          </a:p>
+          <a:p>
+            <a:pPr lvl="2"/>
+            <a:r>
+              <a:rPr lang="en-US" dirty="0"/>
+              <a:t>E.g. [6, None, 8] -&gt; probably an int missing value</a:t>
+            </a:r>
+            <a:endParaRPr lang="en-US" dirty="0"/>
+          </a:p>
+          <a:p>
+            <a:pPr lvl="2"/>
+            <a:r>
+              <a:rPr lang="en-US" dirty="0"/>
+              <a:t>caveat: [6, ‘a’, False, None] -&gt; impossible</a:t>
+            </a:r>
+            <a:endParaRPr lang="en-US" dirty="0"/>
           </a:p>
           <a:p>
             <a:pPr marL="0" indent="0">
@@ -9927,11 +9455,6 @@
         </p:txBody>
       </p:sp>
     </p:spTree>
-    <p:extLst>
-      <p:ext uri="{BB962C8B-B14F-4D97-AF65-F5344CB8AC3E}">
-        <p14:creationId xmlns:p14="http://schemas.microsoft.com/office/powerpoint/2010/main" val="108057072"/>
-      </p:ext>
-    </p:extLst>
   </p:cSld>
   <p:clrMapOvr>
     <a:masterClrMapping/>
@@ -9958,13 +9481,7 @@
       </p:grpSpPr>
       <p:sp>
         <p:nvSpPr>
-          <p:cNvPr id="2" name="Title 1">
-            <a:extLst>
-              <a:ext uri="{FF2B5EF4-FFF2-40B4-BE49-F238E27FC236}">
-                <a16:creationId xmlns:a16="http://schemas.microsoft.com/office/drawing/2014/main" id="{7B4B3AFF-243C-467A-99C2-3A3ED6F4471B}"/>
-              </a:ext>
-            </a:extLst>
-          </p:cNvPr>
+          <p:cNvPr id="2" name="Title 1"/>
           <p:cNvSpPr>
             <a:spLocks noGrp="1"/>
           </p:cNvSpPr>
@@ -9981,18 +9498,13 @@
               <a:rPr lang="en-US" dirty="0"/>
               <a:t>Control Flow</a:t>
             </a:r>
-          </a:p>
-        </p:txBody>
-      </p:sp>
-      <p:sp>
-        <p:nvSpPr>
-          <p:cNvPr id="3" name="Content Placeholder 2">
-            <a:extLst>
-              <a:ext uri="{FF2B5EF4-FFF2-40B4-BE49-F238E27FC236}">
-                <a16:creationId xmlns:a16="http://schemas.microsoft.com/office/drawing/2014/main" id="{1AD468CC-5520-4AD2-BE95-EAED4B6D391F}"/>
-              </a:ext>
-            </a:extLst>
-          </p:cNvPr>
+            <a:endParaRPr lang="en-US" dirty="0"/>
+          </a:p>
+        </p:txBody>
+      </p:sp>
+      <p:sp>
+        <p:nvSpPr>
+          <p:cNvPr id="3" name="Content Placeholder 2"/>
           <p:cNvSpPr>
             <a:spLocks noGrp="1"/>
           </p:cNvSpPr>
@@ -10007,20 +9519,80 @@
           <a:p>
             <a:r>
               <a:rPr lang="en-US" dirty="0"/>
-              <a:t>While and for keywords are used for loop</a:t>
-            </a:r>
-          </a:p>
-          <a:p>
-            <a:r>
-              <a:rPr lang="en-US" dirty="0"/>
-              <a:t>Each step in the loop is called iteration</a:t>
-            </a:r>
-          </a:p>
-          <a:p>
-            <a:r>
-              <a:rPr lang="en-US" dirty="0"/>
-              <a:t>Iterator is the variable that allows the loop move to next iteration</a:t>
-            </a:r>
+              <a:t>indentation indicates control structure block of code belongs to</a:t>
+            </a:r>
+            <a:endParaRPr lang="en-US" dirty="0"/>
+          </a:p>
+          <a:p>
+            <a:pPr marL="457200" lvl="1" indent="0">
+              <a:buNone/>
+            </a:pPr>
+            <a:r>
+              <a:rPr lang="en-US" dirty="0"/>
+              <a:t>if &lt;condition 1&gt;:</a:t>
+            </a:r>
+            <a:endParaRPr lang="en-US" dirty="0"/>
+          </a:p>
+          <a:p>
+            <a:pPr marL="457200" lvl="1" indent="0">
+              <a:buNone/>
+            </a:pPr>
+            <a:r>
+              <a:rPr lang="en-US" dirty="0"/>
+              <a:t>	&lt;statement 1&gt;</a:t>
+            </a:r>
+            <a:endParaRPr lang="en-US" dirty="0"/>
+          </a:p>
+          <a:p>
+            <a:pPr marL="457200" lvl="1" indent="0">
+              <a:buNone/>
+            </a:pPr>
+            <a:r>
+              <a:rPr lang="en-US" dirty="0" err="1"/>
+              <a:t>elif</a:t>
+            </a:r>
+            <a:r>
+              <a:rPr lang="en-US" dirty="0"/>
+              <a:t> &lt;condition 2&gt;:</a:t>
+            </a:r>
+            <a:endParaRPr lang="en-US" dirty="0"/>
+          </a:p>
+          <a:p>
+            <a:pPr marL="457200" lvl="1" indent="0">
+              <a:buNone/>
+            </a:pPr>
+            <a:r>
+              <a:rPr lang="en-US" dirty="0"/>
+              <a:t>	&lt;statement 2&gt;</a:t>
+            </a:r>
+            <a:endParaRPr lang="en-US" dirty="0"/>
+          </a:p>
+          <a:p>
+            <a:pPr marL="457200" lvl="1" indent="0">
+              <a:buNone/>
+            </a:pPr>
+            <a:r>
+              <a:rPr lang="en-US" dirty="0"/>
+              <a:t>else:</a:t>
+            </a:r>
+            <a:endParaRPr lang="en-US" dirty="0"/>
+          </a:p>
+          <a:p>
+            <a:pPr marL="457200" lvl="1" indent="0">
+              <a:buNone/>
+            </a:pPr>
+            <a:r>
+              <a:rPr lang="en-US" dirty="0"/>
+              <a:t>	&lt;statement 3&gt;</a:t>
+            </a:r>
+            <a:endParaRPr lang="en-US" dirty="0"/>
+          </a:p>
+          <a:p>
+            <a:r>
+              <a:rPr lang="en-US" dirty="0"/>
+              <a:t>Python will not go through all the condition clauses, unit test is needed for debugging	</a:t>
+            </a:r>
+            <a:endParaRPr lang="en-US" dirty="0"/>
           </a:p>
           <a:p>
             <a:pPr marL="0" indent="0">
@@ -10028,20 +9600,9 @@
             </a:pPr>
             <a:endParaRPr lang="en-US" dirty="0"/>
           </a:p>
-          <a:p>
-            <a:pPr marL="0" indent="0">
-              <a:buNone/>
-            </a:pPr>
-            <a:endParaRPr lang="en-US" dirty="0"/>
-          </a:p>
         </p:txBody>
       </p:sp>
     </p:spTree>
-    <p:extLst>
-      <p:ext uri="{BB962C8B-B14F-4D97-AF65-F5344CB8AC3E}">
-        <p14:creationId xmlns:p14="http://schemas.microsoft.com/office/powerpoint/2010/main" val="1699202400"/>
-      </p:ext>
-    </p:extLst>
   </p:cSld>
   <p:clrMapOvr>
     <a:masterClrMapping/>
@@ -10068,13 +9629,7 @@
       </p:grpSpPr>
       <p:sp>
         <p:nvSpPr>
-          <p:cNvPr id="2" name="Title 1">
-            <a:extLst>
-              <a:ext uri="{FF2B5EF4-FFF2-40B4-BE49-F238E27FC236}">
-                <a16:creationId xmlns:a16="http://schemas.microsoft.com/office/drawing/2014/main" id="{7B4B3AFF-243C-467A-99C2-3A3ED6F4471B}"/>
-              </a:ext>
-            </a:extLst>
-          </p:cNvPr>
+          <p:cNvPr id="2" name="Title 1"/>
           <p:cNvSpPr>
             <a:spLocks noGrp="1"/>
           </p:cNvSpPr>
@@ -10089,20 +9644,15 @@
           <a:p>
             <a:r>
               <a:rPr lang="en-US" dirty="0"/>
-              <a:t>Control Flow: for</a:t>
-            </a:r>
-          </a:p>
-        </p:txBody>
-      </p:sp>
-      <p:sp>
-        <p:nvSpPr>
-          <p:cNvPr id="3" name="Content Placeholder 2">
-            <a:extLst>
-              <a:ext uri="{FF2B5EF4-FFF2-40B4-BE49-F238E27FC236}">
-                <a16:creationId xmlns:a16="http://schemas.microsoft.com/office/drawing/2014/main" id="{1AD468CC-5520-4AD2-BE95-EAED4B6D391F}"/>
-              </a:ext>
-            </a:extLst>
-          </p:cNvPr>
+              <a:t>Control Flow</a:t>
+            </a:r>
+            <a:endParaRPr lang="en-US" dirty="0"/>
+          </a:p>
+        </p:txBody>
+      </p:sp>
+      <p:sp>
+        <p:nvSpPr>
+          <p:cNvPr id="3" name="Content Placeholder 2"/>
           <p:cNvSpPr>
             <a:spLocks noGrp="1"/>
           </p:cNvSpPr>
@@ -10112,76 +9662,44 @@
         </p:nvSpPr>
         <p:spPr/>
         <p:txBody>
-          <a:bodyPr>
-            <a:normAutofit/>
-          </a:bodyPr>
+          <a:bodyPr/>
           <a:lstStyle/>
+          <a:p>
+            <a:r>
+              <a:rPr lang="en-US" dirty="0"/>
+              <a:t>While and for keywords are used for loop</a:t>
+            </a:r>
+            <a:endParaRPr lang="en-US" dirty="0"/>
+          </a:p>
+          <a:p>
+            <a:r>
+              <a:rPr lang="en-US" dirty="0"/>
+              <a:t>Each step in the loop is called iteration</a:t>
+            </a:r>
+            <a:endParaRPr lang="en-US" dirty="0"/>
+          </a:p>
+          <a:p>
+            <a:r>
+              <a:rPr lang="en-US" dirty="0"/>
+              <a:t>Iterator is the variable that allows the loop move to next iteration</a:t>
+            </a:r>
+            <a:endParaRPr lang="en-US" dirty="0"/>
+          </a:p>
           <a:p>
             <a:pPr marL="0" indent="0">
               <a:buNone/>
             </a:pPr>
-            <a:r>
-              <a:rPr lang="en-US" dirty="0"/>
-              <a:t>for &lt;iterator&gt; in &lt;sequence of iterator’s states&gt;:</a:t>
-            </a:r>
+            <a:endParaRPr lang="en-US" dirty="0"/>
           </a:p>
           <a:p>
             <a:pPr marL="0" indent="0">
               <a:buNone/>
             </a:pPr>
-            <a:r>
-              <a:rPr lang="en-US" dirty="0"/>
-              <a:t>	&lt;statement&gt;</a:t>
-            </a:r>
-          </a:p>
-          <a:p>
-            <a:pPr marL="0" indent="0">
-              <a:buNone/>
-            </a:pPr>
-            <a:endParaRPr lang="en-US" dirty="0"/>
-          </a:p>
-          <a:p>
-            <a:pPr marL="0" indent="0">
-              <a:buNone/>
-            </a:pPr>
-            <a:r>
-              <a:rPr lang="en-US" dirty="0"/>
-              <a:t>for </a:t>
-            </a:r>
-            <a:r>
-              <a:rPr lang="en-US" dirty="0" err="1"/>
-              <a:t>i</a:t>
-            </a:r>
-            <a:r>
-              <a:rPr lang="en-US" dirty="0"/>
-              <a:t> in [1,2,3]:</a:t>
-            </a:r>
-          </a:p>
-          <a:p>
-            <a:pPr marL="0" indent="0">
-              <a:buNone/>
-            </a:pPr>
-            <a:r>
-              <a:rPr lang="en-US" dirty="0"/>
-              <a:t>	print(</a:t>
-            </a:r>
-            <a:r>
-              <a:rPr lang="en-US" dirty="0" err="1"/>
-              <a:t>i</a:t>
-            </a:r>
-            <a:r>
-              <a:rPr lang="en-US" dirty="0"/>
-              <a:t>)</a:t>
-            </a:r>
+            <a:endParaRPr lang="en-US" dirty="0"/>
           </a:p>
         </p:txBody>
       </p:sp>
     </p:spTree>
-    <p:extLst>
-      <p:ext uri="{BB962C8B-B14F-4D97-AF65-F5344CB8AC3E}">
-        <p14:creationId xmlns:p14="http://schemas.microsoft.com/office/powerpoint/2010/main" val="1718268926"/>
-      </p:ext>
-    </p:extLst>
   </p:cSld>
   <p:clrMapOvr>
     <a:masterClrMapping/>
@@ -10208,13 +9726,7 @@
       </p:grpSpPr>
       <p:sp>
         <p:nvSpPr>
-          <p:cNvPr id="2" name="Title 1">
-            <a:extLst>
-              <a:ext uri="{FF2B5EF4-FFF2-40B4-BE49-F238E27FC236}">
-                <a16:creationId xmlns:a16="http://schemas.microsoft.com/office/drawing/2014/main" id="{7B4B3AFF-243C-467A-99C2-3A3ED6F4471B}"/>
-              </a:ext>
-            </a:extLst>
-          </p:cNvPr>
+          <p:cNvPr id="2" name="Title 1"/>
           <p:cNvSpPr>
             <a:spLocks noGrp="1"/>
           </p:cNvSpPr>
@@ -10229,20 +9741,15 @@
           <a:p>
             <a:r>
               <a:rPr lang="en-US" dirty="0"/>
-              <a:t>Control Flow: while</a:t>
-            </a:r>
-          </a:p>
-        </p:txBody>
-      </p:sp>
-      <p:sp>
-        <p:nvSpPr>
-          <p:cNvPr id="3" name="Content Placeholder 2">
-            <a:extLst>
-              <a:ext uri="{FF2B5EF4-FFF2-40B4-BE49-F238E27FC236}">
-                <a16:creationId xmlns:a16="http://schemas.microsoft.com/office/drawing/2014/main" id="{1AD468CC-5520-4AD2-BE95-EAED4B6D391F}"/>
-              </a:ext>
-            </a:extLst>
-          </p:cNvPr>
+              <a:t>Control Flow: for</a:t>
+            </a:r>
+            <a:endParaRPr lang="en-US" dirty="0"/>
+          </a:p>
+        </p:txBody>
+      </p:sp>
+      <p:sp>
+        <p:nvSpPr>
+          <p:cNvPr id="3" name="Content Placeholder 2"/>
           <p:cNvSpPr>
             <a:spLocks noGrp="1"/>
           </p:cNvSpPr>
@@ -10253,7 +9760,7 @@
         <p:spPr/>
         <p:txBody>
           <a:bodyPr>
-            <a:normAutofit lnSpcReduction="10000"/>
+            <a:normAutofit/>
           </a:bodyPr>
           <a:lstStyle/>
           <a:p>
@@ -10262,8 +9769,9 @@
             </a:pPr>
             <a:r>
               <a:rPr lang="en-US" dirty="0"/>
-              <a:t>&lt;iterator initialization&gt; </a:t>
-            </a:r>
+              <a:t>for &lt;iterator&gt; in &lt;sequence of iterator’s states&gt;:</a:t>
+            </a:r>
+            <a:endParaRPr lang="en-US" dirty="0"/>
           </a:p>
           <a:p>
             <a:pPr marL="0" indent="0">
@@ -10271,17 +9779,15 @@
             </a:pPr>
             <a:r>
               <a:rPr lang="en-US" dirty="0"/>
-              <a:t>while &lt;iterator condition&gt;:</a:t>
-            </a:r>
+              <a:t>	&lt;statement&gt;</a:t>
+            </a:r>
+            <a:endParaRPr lang="en-US" dirty="0"/>
           </a:p>
           <a:p>
             <a:pPr marL="0" indent="0">
               <a:buNone/>
             </a:pPr>
-            <a:r>
-              <a:rPr lang="en-US" dirty="0"/>
-              <a:t>	&lt;statement&gt;</a:t>
-            </a:r>
+            <a:endParaRPr lang="en-US" dirty="0"/>
           </a:p>
           <a:p>
             <a:pPr marL="0" indent="0">
@@ -10289,101 +9795,39 @@
             </a:pPr>
             <a:r>
               <a:rPr lang="en-US" dirty="0"/>
-              <a:t>	&lt;iterator condition update&gt;</a:t>
-            </a:r>
+              <a:t>for </a:t>
+            </a:r>
+            <a:r>
+              <a:rPr lang="en-US" dirty="0" err="1"/>
+              <a:t>i</a:t>
+            </a:r>
+            <a:r>
+              <a:rPr lang="en-US" dirty="0"/>
+              <a:t> in [1,2,3]:</a:t>
+            </a:r>
+            <a:endParaRPr lang="en-US" dirty="0"/>
           </a:p>
           <a:p>
             <a:pPr marL="0" indent="0">
               <a:buNone/>
             </a:pPr>
-            <a:endParaRPr lang="en-US" dirty="0"/>
-          </a:p>
-          <a:p>
-            <a:pPr marL="0" indent="0">
-              <a:buNone/>
-            </a:pPr>
+            <a:r>
+              <a:rPr lang="en-US" dirty="0"/>
+              <a:t>	print(</a:t>
+            </a:r>
             <a:r>
               <a:rPr lang="en-US" dirty="0" err="1"/>
               <a:t>i</a:t>
             </a:r>
             <a:r>
               <a:rPr lang="en-US" dirty="0"/>
-              <a:t>=5</a:t>
-            </a:r>
-          </a:p>
-          <a:p>
-            <a:pPr marL="0" indent="0">
-              <a:buNone/>
-            </a:pPr>
-            <a:r>
-              <a:rPr lang="en-US" dirty="0"/>
-              <a:t>while </a:t>
-            </a:r>
-            <a:r>
-              <a:rPr lang="en-US" dirty="0" err="1"/>
-              <a:t>i</a:t>
-            </a:r>
-            <a:r>
-              <a:rPr lang="en-US" dirty="0"/>
-              <a:t> &lt; 10:</a:t>
-            </a:r>
-          </a:p>
-          <a:p>
-            <a:pPr marL="0" indent="0">
-              <a:buNone/>
-            </a:pPr>
-            <a:r>
-              <a:rPr lang="en-US" dirty="0"/>
-              <a:t>	print(</a:t>
-            </a:r>
-            <a:r>
-              <a:rPr lang="en-US" dirty="0" err="1"/>
-              <a:t>i</a:t>
-            </a:r>
-            <a:r>
-              <a:rPr lang="en-US" dirty="0"/>
               <a:t>)</a:t>
             </a:r>
-          </a:p>
-          <a:p>
-            <a:pPr marL="0" indent="0">
-              <a:buNone/>
-            </a:pPr>
-            <a:r>
-              <a:rPr lang="en-US" dirty="0"/>
-              <a:t>	</a:t>
-            </a:r>
-            <a:r>
-              <a:rPr lang="en-US" dirty="0" err="1"/>
-              <a:t>i</a:t>
-            </a:r>
-            <a:r>
-              <a:rPr lang="en-US" dirty="0"/>
-              <a:t> = </a:t>
-            </a:r>
-            <a:r>
-              <a:rPr lang="en-US" dirty="0" err="1"/>
-              <a:t>i</a:t>
-            </a:r>
-            <a:r>
-              <a:rPr lang="en-US" dirty="0"/>
-              <a:t> + 2 </a:t>
-            </a:r>
-          </a:p>
-          <a:p>
-            <a:pPr marL="0" indent="0">
-              <a:buNone/>
-            </a:pPr>
             <a:endParaRPr lang="en-US" dirty="0"/>
           </a:p>
         </p:txBody>
       </p:sp>
     </p:spTree>
-    <p:extLst>
-      <p:ext uri="{BB962C8B-B14F-4D97-AF65-F5344CB8AC3E}">
-        <p14:creationId xmlns:p14="http://schemas.microsoft.com/office/powerpoint/2010/main" val="3326794622"/>
-      </p:ext>
-    </p:extLst>
   </p:cSld>
   <p:clrMapOvr>
     <a:masterClrMapping/>
@@ -10410,13 +9854,7 @@
       </p:grpSpPr>
       <p:sp>
         <p:nvSpPr>
-          <p:cNvPr id="2" name="Title 1">
-            <a:extLst>
-              <a:ext uri="{FF2B5EF4-FFF2-40B4-BE49-F238E27FC236}">
-                <a16:creationId xmlns:a16="http://schemas.microsoft.com/office/drawing/2014/main" id="{150EAA2E-1230-45A5-B58C-5C0AA41CA357}"/>
-              </a:ext>
-            </a:extLst>
-          </p:cNvPr>
+          <p:cNvPr id="2" name="Title 1"/>
           <p:cNvSpPr>
             <a:spLocks noGrp="1"/>
           </p:cNvSpPr>
@@ -10433,18 +9871,13 @@
               <a:rPr lang="en-US" dirty="0"/>
               <a:t>Goals</a:t>
             </a:r>
-          </a:p>
-        </p:txBody>
-      </p:sp>
-      <p:sp>
-        <p:nvSpPr>
-          <p:cNvPr id="3" name="Content Placeholder 2">
-            <a:extLst>
-              <a:ext uri="{FF2B5EF4-FFF2-40B4-BE49-F238E27FC236}">
-                <a16:creationId xmlns:a16="http://schemas.microsoft.com/office/drawing/2014/main" id="{69A92518-BB33-4519-BD7C-FDF90E844241}"/>
-              </a:ext>
-            </a:extLst>
-          </p:cNvPr>
+            <a:endParaRPr lang="en-US" dirty="0"/>
+          </a:p>
+        </p:txBody>
+      </p:sp>
+      <p:sp>
+        <p:nvSpPr>
+          <p:cNvPr id="3" name="Content Placeholder 2"/>
           <p:cNvSpPr>
             <a:spLocks noGrp="1"/>
           </p:cNvSpPr>
@@ -10463,18 +9896,21 @@
               <a:rPr lang="en-US" sz="3600" dirty="0"/>
               <a:t>Learn to “learn to code”</a:t>
             </a:r>
+            <a:endParaRPr lang="en-US" sz="3600" dirty="0"/>
           </a:p>
           <a:p>
             <a:r>
               <a:rPr lang="en-US" sz="3600" dirty="0"/>
               <a:t>Familiarize with coding environments</a:t>
             </a:r>
+            <a:endParaRPr lang="en-US" sz="3600" dirty="0"/>
           </a:p>
           <a:p>
             <a:r>
               <a:rPr lang="en-US" sz="3600" dirty="0"/>
               <a:t>Disclaimer</a:t>
             </a:r>
+            <a:endParaRPr lang="en-US" sz="3600" dirty="0"/>
           </a:p>
           <a:p>
             <a:pPr lvl="1"/>
@@ -10482,6 +9918,7 @@
               <a:rPr lang="en-US" sz="3200" dirty="0"/>
               <a:t>In case your professor tell you otherwise, trust him more!</a:t>
             </a:r>
+            <a:endParaRPr lang="en-US" sz="3200" dirty="0"/>
           </a:p>
           <a:p>
             <a:pPr lvl="1"/>
@@ -10494,11 +9931,6 @@
         </p:txBody>
       </p:sp>
     </p:spTree>
-    <p:extLst>
-      <p:ext uri="{BB962C8B-B14F-4D97-AF65-F5344CB8AC3E}">
-        <p14:creationId xmlns:p14="http://schemas.microsoft.com/office/powerpoint/2010/main" val="3465818323"/>
-      </p:ext>
-    </p:extLst>
   </p:cSld>
   <p:clrMapOvr>
     <a:masterClrMapping/>
@@ -10525,13 +9957,7 @@
       </p:grpSpPr>
       <p:sp>
         <p:nvSpPr>
-          <p:cNvPr id="2" name="Title 1">
-            <a:extLst>
-              <a:ext uri="{FF2B5EF4-FFF2-40B4-BE49-F238E27FC236}">
-                <a16:creationId xmlns:a16="http://schemas.microsoft.com/office/drawing/2014/main" id="{4D416DE8-81D1-4207-905A-51238BA525D8}"/>
-              </a:ext>
-            </a:extLst>
-          </p:cNvPr>
+          <p:cNvPr id="2" name="Title 1"/>
           <p:cNvSpPr>
             <a:spLocks noGrp="1"/>
           </p:cNvSpPr>
@@ -10546,20 +9972,15 @@
           <a:p>
             <a:r>
               <a:rPr lang="en-US" dirty="0"/>
-              <a:t>User Defined Functions</a:t>
-            </a:r>
-          </a:p>
-        </p:txBody>
-      </p:sp>
-      <p:sp>
-        <p:nvSpPr>
-          <p:cNvPr id="3" name="Content Placeholder 2">
-            <a:extLst>
-              <a:ext uri="{FF2B5EF4-FFF2-40B4-BE49-F238E27FC236}">
-                <a16:creationId xmlns:a16="http://schemas.microsoft.com/office/drawing/2014/main" id="{74726788-7B6B-47D3-9122-4C083878090D}"/>
-              </a:ext>
-            </a:extLst>
-          </p:cNvPr>
+              <a:t>Control Flow: while</a:t>
+            </a:r>
+            <a:endParaRPr lang="en-US" dirty="0"/>
+          </a:p>
+        </p:txBody>
+      </p:sp>
+      <p:sp>
+        <p:nvSpPr>
+          <p:cNvPr id="3" name="Content Placeholder 2"/>
           <p:cNvSpPr>
             <a:spLocks noGrp="1"/>
           </p:cNvSpPr>
@@ -10569,36 +9990,19 @@
         </p:nvSpPr>
         <p:spPr/>
         <p:txBody>
-          <a:bodyPr/>
+          <a:bodyPr>
+            <a:normAutofit lnSpcReduction="10000"/>
+          </a:bodyPr>
           <a:lstStyle/>
-          <a:p>
-            <a:r>
-              <a:rPr lang="en-US" dirty="0"/>
-              <a:t>Building blocks for procedural / functional programing</a:t>
-            </a:r>
-          </a:p>
-          <a:p>
-            <a:r>
-              <a:rPr lang="en-US" dirty="0"/>
-              <a:t>Written to conduct similar tasks, given changed inputs</a:t>
-            </a:r>
-          </a:p>
           <a:p>
             <a:pPr marL="0" indent="0">
               <a:buNone/>
             </a:pPr>
             <a:r>
               <a:rPr lang="en-US" dirty="0"/>
-              <a:t>def </a:t>
-            </a:r>
-            <a:r>
-              <a:rPr lang="en-US" dirty="0" err="1"/>
-              <a:t>function_name</a:t>
-            </a:r>
-            <a:r>
-              <a:rPr lang="en-US" dirty="0"/>
-              <a:t>(vars):</a:t>
-            </a:r>
+              <a:t>&lt;iterator initialization&gt; </a:t>
+            </a:r>
+            <a:endParaRPr lang="en-US" dirty="0"/>
           </a:p>
           <a:p>
             <a:pPr marL="0" indent="0">
@@ -10606,8 +10010,9 @@
             </a:pPr>
             <a:r>
               <a:rPr lang="en-US" dirty="0"/>
-              <a:t>	&lt;statements relating to variables&gt;</a:t>
-            </a:r>
+              <a:t>while &lt;iterator condition&gt;:</a:t>
+            </a:r>
+            <a:endParaRPr lang="en-US" dirty="0"/>
           </a:p>
           <a:p>
             <a:pPr marL="0" indent="0">
@@ -10615,52 +10020,111 @@
             </a:pPr>
             <a:r>
               <a:rPr lang="en-US" dirty="0"/>
-              <a:t>	return &lt;output&gt;</a:t>
-            </a:r>
+              <a:t>	&lt;statement&gt;</a:t>
+            </a:r>
+            <a:endParaRPr lang="en-US" dirty="0"/>
           </a:p>
           <a:p>
             <a:pPr marL="0" indent="0">
               <a:buNone/>
             </a:pPr>
+            <a:r>
+              <a:rPr lang="en-US" dirty="0"/>
+              <a:t>	&lt;iterator condition update&gt;</a:t>
+            </a:r>
             <a:endParaRPr lang="en-US" dirty="0"/>
           </a:p>
           <a:p>
             <a:pPr marL="0" indent="0">
               <a:buNone/>
             </a:pPr>
-            <a:r>
-              <a:rPr lang="en-US" dirty="0"/>
-              <a:t>def add(</a:t>
-            </a:r>
-            <a:r>
-              <a:rPr lang="en-US" dirty="0" err="1"/>
-              <a:t>a,b</a:t>
-            </a:r>
-            <a:r>
-              <a:rPr lang="en-US" dirty="0"/>
-              <a:t>):</a:t>
-            </a:r>
+            <a:endParaRPr lang="en-US" dirty="0"/>
           </a:p>
           <a:p>
             <a:pPr marL="0" indent="0">
               <a:buNone/>
             </a:pPr>
             <a:r>
-              <a:rPr lang="en-US" dirty="0"/>
-              <a:t>	return a + b</a:t>
-            </a:r>
-          </a:p>
-          <a:p>
+              <a:rPr lang="en-US" dirty="0" err="1"/>
+              <a:t>i</a:t>
+            </a:r>
+            <a:r>
+              <a:rPr lang="en-US" dirty="0"/>
+              <a:t>=5</a:t>
+            </a:r>
+            <a:endParaRPr lang="en-US" dirty="0"/>
+          </a:p>
+          <a:p>
+            <a:pPr marL="0" indent="0">
+              <a:buNone/>
+            </a:pPr>
+            <a:r>
+              <a:rPr lang="en-US" dirty="0"/>
+              <a:t>while </a:t>
+            </a:r>
+            <a:r>
+              <a:rPr lang="en-US" dirty="0" err="1"/>
+              <a:t>i</a:t>
+            </a:r>
+            <a:r>
+              <a:rPr lang="en-US" dirty="0"/>
+              <a:t> &lt; 10:</a:t>
+            </a:r>
+            <a:endParaRPr lang="en-US" dirty="0"/>
+          </a:p>
+          <a:p>
+            <a:pPr marL="0" indent="0">
+              <a:buNone/>
+            </a:pPr>
+            <a:r>
+              <a:rPr lang="en-US" dirty="0"/>
+              <a:t>	print(</a:t>
+            </a:r>
+            <a:r>
+              <a:rPr lang="en-US" dirty="0" err="1"/>
+              <a:t>i</a:t>
+            </a:r>
+            <a:r>
+              <a:rPr lang="en-US" dirty="0"/>
+              <a:t>)</a:t>
+            </a:r>
+            <a:endParaRPr lang="en-US" dirty="0"/>
+          </a:p>
+          <a:p>
+            <a:pPr marL="0" indent="0">
+              <a:buNone/>
+            </a:pPr>
+            <a:r>
+              <a:rPr lang="en-US" dirty="0"/>
+              <a:t>	</a:t>
+            </a:r>
+            <a:r>
+              <a:rPr lang="en-US" dirty="0" err="1"/>
+              <a:t>i</a:t>
+            </a:r>
+            <a:r>
+              <a:rPr lang="en-US" dirty="0"/>
+              <a:t> = </a:t>
+            </a:r>
+            <a:r>
+              <a:rPr lang="en-US" dirty="0" err="1"/>
+              <a:t>i</a:t>
+            </a:r>
+            <a:r>
+              <a:rPr lang="en-US" dirty="0"/>
+              <a:t> + 2 </a:t>
+            </a:r>
+            <a:endParaRPr lang="en-US" dirty="0"/>
+          </a:p>
+          <a:p>
+            <a:pPr marL="0" indent="0">
+              <a:buNone/>
+            </a:pPr>
             <a:endParaRPr lang="en-US" dirty="0"/>
           </a:p>
         </p:txBody>
       </p:sp>
     </p:spTree>
-    <p:extLst>
-      <p:ext uri="{BB962C8B-B14F-4D97-AF65-F5344CB8AC3E}">
-        <p14:creationId xmlns:p14="http://schemas.microsoft.com/office/powerpoint/2010/main" val="3771066435"/>
-      </p:ext>
-    </p:extLst>
   </p:cSld>
   <p:clrMapOvr>
     <a:masterClrMapping/>
@@ -10687,13 +10151,7 @@
       </p:grpSpPr>
       <p:sp>
         <p:nvSpPr>
-          <p:cNvPr id="2" name="Title 1">
-            <a:extLst>
-              <a:ext uri="{FF2B5EF4-FFF2-40B4-BE49-F238E27FC236}">
-                <a16:creationId xmlns:a16="http://schemas.microsoft.com/office/drawing/2014/main" id="{90DBCEC2-4571-4A84-8868-5F24AD229CA9}"/>
-              </a:ext>
-            </a:extLst>
-          </p:cNvPr>
+          <p:cNvPr id="2" name="Title 1"/>
           <p:cNvSpPr>
             <a:spLocks noGrp="1"/>
           </p:cNvSpPr>
@@ -10708,20 +10166,15 @@
           <a:p>
             <a:r>
               <a:rPr lang="en-US" dirty="0"/>
-              <a:t>Demo 2: basic ML pipeline</a:t>
-            </a:r>
-          </a:p>
-        </p:txBody>
-      </p:sp>
-      <p:sp>
-        <p:nvSpPr>
-          <p:cNvPr id="3" name="Content Placeholder 2">
-            <a:extLst>
-              <a:ext uri="{FF2B5EF4-FFF2-40B4-BE49-F238E27FC236}">
-                <a16:creationId xmlns:a16="http://schemas.microsoft.com/office/drawing/2014/main" id="{0A1CF431-FA55-4679-8D5D-40DF68108022}"/>
-              </a:ext>
-            </a:extLst>
-          </p:cNvPr>
+              <a:t>User Defined Functions</a:t>
+            </a:r>
+            <a:endParaRPr lang="en-US" dirty="0"/>
+          </a:p>
+        </p:txBody>
+      </p:sp>
+      <p:sp>
+        <p:nvSpPr>
+          <p:cNvPr id="3" name="Content Placeholder 2"/>
           <p:cNvSpPr>
             <a:spLocks noGrp="1"/>
           </p:cNvSpPr>
@@ -10733,20 +10186,98 @@
         <p:txBody>
           <a:bodyPr/>
           <a:lstStyle/>
+          <a:p>
+            <a:r>
+              <a:rPr lang="en-US" dirty="0"/>
+              <a:t>Building blocks for procedural / functional programing</a:t>
+            </a:r>
+            <a:endParaRPr lang="en-US" dirty="0"/>
+          </a:p>
+          <a:p>
+            <a:r>
+              <a:rPr lang="en-US" dirty="0"/>
+              <a:t>Written to conduct similar tasks, given changed inputs</a:t>
+            </a:r>
+            <a:endParaRPr lang="en-US" dirty="0"/>
+          </a:p>
           <a:p>
             <a:pPr marL="0" indent="0">
               <a:buNone/>
             </a:pPr>
+            <a:r>
+              <a:rPr lang="en-US" dirty="0"/>
+              <a:t>def </a:t>
+            </a:r>
+            <a:r>
+              <a:rPr lang="en-US" dirty="0" err="1"/>
+              <a:t>function_name</a:t>
+            </a:r>
+            <a:r>
+              <a:rPr lang="en-US" dirty="0"/>
+              <a:t>(vars):</a:t>
+            </a:r>
+            <a:endParaRPr lang="en-US" dirty="0"/>
+          </a:p>
+          <a:p>
+            <a:pPr marL="0" indent="0">
+              <a:buNone/>
+            </a:pPr>
+            <a:r>
+              <a:rPr lang="en-US" dirty="0"/>
+              <a:t>	&lt;statements relating to variables&gt;</a:t>
+            </a:r>
+            <a:endParaRPr lang="en-US" dirty="0"/>
+          </a:p>
+          <a:p>
+            <a:pPr marL="0" indent="0">
+              <a:buNone/>
+            </a:pPr>
+            <a:r>
+              <a:rPr lang="en-US" dirty="0"/>
+              <a:t>	return &lt;output&gt;</a:t>
+            </a:r>
+            <a:endParaRPr lang="en-US" dirty="0"/>
+          </a:p>
+          <a:p>
+            <a:pPr marL="0" indent="0">
+              <a:buNone/>
+            </a:pPr>
+            <a:endParaRPr lang="en-US" dirty="0"/>
+          </a:p>
+          <a:p>
+            <a:pPr marL="0" indent="0">
+              <a:buNone/>
+            </a:pPr>
+            <a:r>
+              <a:rPr lang="en-US" dirty="0"/>
+              <a:t>def add(</a:t>
+            </a:r>
+            <a:r>
+              <a:rPr lang="en-US" dirty="0" err="1"/>
+              <a:t>a,b</a:t>
+            </a:r>
+            <a:r>
+              <a:rPr lang="en-US" dirty="0"/>
+              <a:t>):</a:t>
+            </a:r>
+            <a:endParaRPr lang="en-US" dirty="0"/>
+          </a:p>
+          <a:p>
+            <a:pPr marL="0" indent="0">
+              <a:buNone/>
+            </a:pPr>
+            <a:r>
+              <a:rPr lang="en-US" dirty="0"/>
+              <a:t>	return a + b</a:t>
+            </a:r>
+            <a:endParaRPr lang="en-US" dirty="0"/>
+          </a:p>
+          <a:p>
             <a:endParaRPr lang="en-US" dirty="0"/>
           </a:p>
         </p:txBody>
       </p:sp>
     </p:spTree>
-    <p:extLst>
-      <p:ext uri="{BB962C8B-B14F-4D97-AF65-F5344CB8AC3E}">
-        <p14:creationId xmlns:p14="http://schemas.microsoft.com/office/powerpoint/2010/main" val="2284812612"/>
-      </p:ext>
-    </p:extLst>
   </p:cSld>
   <p:clrMapOvr>
     <a:masterClrMapping/>
@@ -10773,13 +10304,7 @@
       </p:grpSpPr>
       <p:sp>
         <p:nvSpPr>
-          <p:cNvPr id="2" name="Title 1">
-            <a:extLst>
-              <a:ext uri="{FF2B5EF4-FFF2-40B4-BE49-F238E27FC236}">
-                <a16:creationId xmlns:a16="http://schemas.microsoft.com/office/drawing/2014/main" id="{816850B7-4BA1-4905-A5C3-B6A52BD6CF34}"/>
-              </a:ext>
-            </a:extLst>
-          </p:cNvPr>
+          <p:cNvPr id="2" name="Title 1"/>
           <p:cNvSpPr>
             <a:spLocks noGrp="1"/>
           </p:cNvSpPr>
@@ -10794,20 +10319,15 @@
           <a:p>
             <a:r>
               <a:rPr lang="en-US" dirty="0"/>
-              <a:t>Coding Style</a:t>
-            </a:r>
-          </a:p>
-        </p:txBody>
-      </p:sp>
-      <p:sp>
-        <p:nvSpPr>
-          <p:cNvPr id="3" name="Content Placeholder 2">
-            <a:extLst>
-              <a:ext uri="{FF2B5EF4-FFF2-40B4-BE49-F238E27FC236}">
-                <a16:creationId xmlns:a16="http://schemas.microsoft.com/office/drawing/2014/main" id="{063579EA-14DB-4B04-B802-78C38A70BEF1}"/>
-              </a:ext>
-            </a:extLst>
-          </p:cNvPr>
+              <a:t>Demo 2: basic ML pipeline</a:t>
+            </a:r>
+            <a:endParaRPr lang="en-US" dirty="0"/>
+          </a:p>
+        </p:txBody>
+      </p:sp>
+      <p:sp>
+        <p:nvSpPr>
+          <p:cNvPr id="3" name="Content Placeholder 2"/>
           <p:cNvSpPr>
             <a:spLocks noGrp="1"/>
           </p:cNvSpPr>
@@ -10817,108 +10337,17 @@
         </p:nvSpPr>
         <p:spPr/>
         <p:txBody>
-          <a:bodyPr>
-            <a:normAutofit fontScale="92500" lnSpcReduction="10000"/>
-          </a:bodyPr>
+          <a:bodyPr/>
           <a:lstStyle/>
-          <a:p>
-            <a:r>
-              <a:rPr lang="en-US" dirty="0"/>
-              <a:t>Prefer most straightforward code easy to understand</a:t>
-            </a:r>
-          </a:p>
-          <a:p>
-            <a:r>
-              <a:rPr lang="en-US" dirty="0"/>
-              <a:t>One statement per line</a:t>
-            </a:r>
-          </a:p>
-          <a:p>
-            <a:r>
-              <a:rPr lang="en-US" dirty="0"/>
-              <a:t>Maximum 79 characters per line</a:t>
-            </a:r>
-          </a:p>
-          <a:p>
-            <a:r>
-              <a:rPr lang="en-US" dirty="0"/>
-              <a:t>Import packages at the beginning</a:t>
-            </a:r>
-          </a:p>
-          <a:p>
-            <a:r>
-              <a:rPr lang="en-US" dirty="0"/>
-              <a:t>Use NOTES / TODOs in comments</a:t>
-            </a:r>
-          </a:p>
           <a:p>
             <a:pPr marL="0" indent="0">
               <a:buNone/>
             </a:pPr>
             <a:endParaRPr lang="en-US" dirty="0"/>
           </a:p>
-          <a:p>
-            <a:pPr marL="0" indent="0">
-              <a:buNone/>
-            </a:pPr>
-            <a:r>
-              <a:rPr lang="en-US" sz="1200" dirty="0"/>
-              <a:t>Refs:</a:t>
-            </a:r>
-          </a:p>
-          <a:p>
-            <a:r>
-              <a:rPr lang="en-US" sz="1200" dirty="0">
-                <a:hlinkClick r:id="rId3"/>
-              </a:rPr>
-              <a:t>Simple guide</a:t>
-            </a:r>
-            <a:r>
-              <a:rPr lang="en-US" sz="1200" dirty="0"/>
-              <a:t> </a:t>
-            </a:r>
-          </a:p>
-          <a:p>
-            <a:r>
-              <a:rPr lang="en-US" sz="1200" dirty="0"/>
-              <a:t>https://docs.python-guide.org/writing/style/</a:t>
-            </a:r>
-          </a:p>
-          <a:p>
-            <a:r>
-              <a:rPr lang="en-US" sz="1200" dirty="0">
-                <a:hlinkClick r:id="rId4"/>
-              </a:rPr>
-              <a:t>Python official style guide</a:t>
-            </a:r>
-            <a:endParaRPr lang="en-US" sz="1200" dirty="0"/>
-          </a:p>
-          <a:p>
-            <a:r>
-              <a:rPr lang="en-US" sz="1200" dirty="0">
-                <a:hlinkClick r:id="rId5"/>
-              </a:rPr>
-              <a:t>Google’s naming guide</a:t>
-            </a:r>
-            <a:endParaRPr lang="en-US" sz="1200" dirty="0"/>
-          </a:p>
-          <a:p>
-            <a:r>
-              <a:rPr lang="en-US" sz="1200" dirty="0"/>
-              <a:t>https://www.python.org/dev/peps/pep-0020/</a:t>
-            </a:r>
-          </a:p>
-          <a:p>
-            <a:endParaRPr lang="en-US" dirty="0"/>
-          </a:p>
         </p:txBody>
       </p:sp>
     </p:spTree>
-    <p:extLst>
-      <p:ext uri="{BB962C8B-B14F-4D97-AF65-F5344CB8AC3E}">
-        <p14:creationId xmlns:p14="http://schemas.microsoft.com/office/powerpoint/2010/main" val="1639702585"/>
-      </p:ext>
-    </p:extLst>
   </p:cSld>
   <p:clrMapOvr>
     <a:masterClrMapping/>
@@ -10945,13 +10374,7 @@
       </p:grpSpPr>
       <p:sp>
         <p:nvSpPr>
-          <p:cNvPr id="2" name="Title 1">
-            <a:extLst>
-              <a:ext uri="{FF2B5EF4-FFF2-40B4-BE49-F238E27FC236}">
-                <a16:creationId xmlns:a16="http://schemas.microsoft.com/office/drawing/2014/main" id="{DEADC6C3-4E7A-4EDF-9E7E-11AEAE3DFD1F}"/>
-              </a:ext>
-            </a:extLst>
-          </p:cNvPr>
+          <p:cNvPr id="2" name="Title 1"/>
           <p:cNvSpPr>
             <a:spLocks noGrp="1"/>
           </p:cNvSpPr>
@@ -10966,20 +10389,15 @@
           <a:p>
             <a:r>
               <a:rPr lang="en-US" dirty="0"/>
-              <a:t>Coding Style: naming conventions</a:t>
-            </a:r>
-          </a:p>
-        </p:txBody>
-      </p:sp>
-      <p:sp>
-        <p:nvSpPr>
-          <p:cNvPr id="3" name="Content Placeholder 2">
-            <a:extLst>
-              <a:ext uri="{FF2B5EF4-FFF2-40B4-BE49-F238E27FC236}">
-                <a16:creationId xmlns:a16="http://schemas.microsoft.com/office/drawing/2014/main" id="{B64BB292-C949-4905-A19A-0532145D4F09}"/>
-              </a:ext>
-            </a:extLst>
-          </p:cNvPr>
+              <a:t>Coding Style</a:t>
+            </a:r>
+            <a:endParaRPr lang="en-US" dirty="0"/>
+          </a:p>
+        </p:txBody>
+      </p:sp>
+      <p:sp>
+        <p:nvSpPr>
+          <p:cNvPr id="3" name="Content Placeholder 2"/>
           <p:cNvSpPr>
             <a:spLocks noGrp="1"/>
           </p:cNvSpPr>
@@ -10996,75 +10414,47 @@
           <a:p>
             <a:r>
               <a:rPr lang="en-US" dirty="0"/>
-              <a:t>Python is case sensitive</a:t>
-            </a:r>
-          </a:p>
-          <a:p>
-            <a:r>
-              <a:rPr lang="en-US" dirty="0"/>
-              <a:t>Meaningful names, easier to remember / reference</a:t>
-            </a:r>
-          </a:p>
-          <a:p>
-            <a:pPr lvl="1"/>
-            <a:r>
-              <a:rPr lang="en-US" dirty="0" err="1"/>
-              <a:t>group_mean</a:t>
-            </a:r>
-            <a:r>
-              <a:rPr lang="en-US" dirty="0"/>
-              <a:t> better than m</a:t>
-            </a:r>
-          </a:p>
-          <a:p>
-            <a:r>
-              <a:rPr lang="en-US" dirty="0" err="1"/>
-              <a:t>less_important_variable</a:t>
-            </a:r>
-            <a:endParaRPr lang="en-US" dirty="0"/>
-          </a:p>
-          <a:p>
-            <a:pPr lvl="1"/>
-            <a:r>
-              <a:rPr lang="en-US" dirty="0"/>
-              <a:t>modules, packages, methods, functions</a:t>
-            </a:r>
-          </a:p>
-          <a:p>
-            <a:r>
-              <a:rPr lang="en-US" dirty="0" err="1"/>
-              <a:t>MoreImportantVariable</a:t>
-            </a:r>
-            <a:endParaRPr lang="en-US" dirty="0"/>
-          </a:p>
-          <a:p>
-            <a:pPr lvl="1"/>
-            <a:r>
-              <a:rPr lang="en-US" dirty="0"/>
-              <a:t>exceptions, classes</a:t>
-            </a:r>
-          </a:p>
-          <a:p>
-            <a:r>
-              <a:rPr lang="en-US" dirty="0"/>
-              <a:t>GOD_THIS_IS_SERIOUS</a:t>
-            </a:r>
-          </a:p>
-          <a:p>
-            <a:pPr lvl="1"/>
-            <a:r>
-              <a:rPr lang="en-US" dirty="0"/>
-              <a:t>global constants</a:t>
-            </a:r>
+              <a:t>Prefer most straightforward code easy to understand</a:t>
+            </a:r>
+            <a:endParaRPr lang="en-US" dirty="0"/>
+          </a:p>
+          <a:p>
+            <a:r>
+              <a:rPr lang="en-US" dirty="0"/>
+              <a:t>One statement per line</a:t>
+            </a:r>
+            <a:endParaRPr lang="en-US" dirty="0"/>
+          </a:p>
+          <a:p>
+            <a:r>
+              <a:rPr lang="en-US" dirty="0"/>
+              <a:t>Maximum 79 characters per line</a:t>
+            </a:r>
+            <a:endParaRPr lang="en-US" dirty="0"/>
+          </a:p>
+          <a:p>
+            <a:r>
+              <a:rPr lang="en-US" dirty="0"/>
+              <a:t>Import packages at the beginning</a:t>
+            </a:r>
+            <a:endParaRPr lang="en-US" dirty="0"/>
+          </a:p>
+          <a:p>
+            <a:r>
+              <a:rPr lang="en-US" dirty="0"/>
+              <a:t>Use NOTES / TODOs in comments</a:t>
+            </a:r>
+            <a:endParaRPr lang="en-US" dirty="0"/>
+          </a:p>
+          <a:p>
+            <a:pPr marL="0" indent="0">
+              <a:buNone/>
+            </a:pPr>
+            <a:endParaRPr lang="en-US" dirty="0"/>
           </a:p>
         </p:txBody>
       </p:sp>
     </p:spTree>
-    <p:extLst>
-      <p:ext uri="{BB962C8B-B14F-4D97-AF65-F5344CB8AC3E}">
-        <p14:creationId xmlns:p14="http://schemas.microsoft.com/office/powerpoint/2010/main" val="1470083538"/>
-      </p:ext>
-    </p:extLst>
   </p:cSld>
   <p:clrMapOvr>
     <a:masterClrMapping/>
@@ -11091,13 +10481,7 @@
       </p:grpSpPr>
       <p:sp>
         <p:nvSpPr>
-          <p:cNvPr id="2" name="Title 1">
-            <a:extLst>
-              <a:ext uri="{FF2B5EF4-FFF2-40B4-BE49-F238E27FC236}">
-                <a16:creationId xmlns:a16="http://schemas.microsoft.com/office/drawing/2014/main" id="{DEADC6C3-4E7A-4EDF-9E7E-11AEAE3DFD1F}"/>
-              </a:ext>
-            </a:extLst>
-          </p:cNvPr>
+          <p:cNvPr id="2" name="Title 1"/>
           <p:cNvSpPr>
             <a:spLocks noGrp="1"/>
           </p:cNvSpPr>
@@ -11112,25 +10496,15 @@
           <a:p>
             <a:r>
               <a:rPr lang="en-US" dirty="0"/>
-              <a:t>Coding Style: </a:t>
-            </a:r>
-            <a:r>
-              <a:rPr lang="en-US" dirty="0" err="1"/>
-              <a:t>whitespacing</a:t>
-            </a:r>
-            <a:endParaRPr lang="en-US" dirty="0"/>
-          </a:p>
-        </p:txBody>
-      </p:sp>
-      <p:sp>
-        <p:nvSpPr>
-          <p:cNvPr id="3" name="Content Placeholder 2">
-            <a:extLst>
-              <a:ext uri="{FF2B5EF4-FFF2-40B4-BE49-F238E27FC236}">
-                <a16:creationId xmlns:a16="http://schemas.microsoft.com/office/drawing/2014/main" id="{B64BB292-C949-4905-A19A-0532145D4F09}"/>
-              </a:ext>
-            </a:extLst>
-          </p:cNvPr>
+              <a:t>Coding Style: naming conventions</a:t>
+            </a:r>
+            <a:endParaRPr lang="en-US" dirty="0"/>
+          </a:p>
+        </p:txBody>
+      </p:sp>
+      <p:sp>
+        <p:nvSpPr>
+          <p:cNvPr id="3" name="Content Placeholder 2"/>
           <p:cNvSpPr>
             <a:spLocks noGrp="1"/>
           </p:cNvSpPr>
@@ -11147,46 +10521,77 @@
           <a:p>
             <a:r>
               <a:rPr lang="en-US" dirty="0"/>
-              <a:t>Use 4 spaces for indentation</a:t>
-            </a:r>
-          </a:p>
-          <a:p>
-            <a:r>
-              <a:rPr lang="en-US" dirty="0"/>
-              <a:t>Leave extra </a:t>
-            </a:r>
+              <a:t>Python is case sensitive</a:t>
+            </a:r>
+            <a:endParaRPr lang="en-US" dirty="0"/>
+          </a:p>
+          <a:p>
+            <a:r>
+              <a:rPr lang="en-US" dirty="0"/>
+              <a:t>Meaningful names, easier to remember / reference</a:t>
+            </a:r>
+            <a:endParaRPr lang="en-US" dirty="0"/>
+          </a:p>
+          <a:p>
+            <a:pPr lvl="1"/>
             <a:r>
               <a:rPr lang="en-US" dirty="0" err="1"/>
-              <a:t>linespace</a:t>
-            </a:r>
-            <a:r>
-              <a:rPr lang="en-US" dirty="0"/>
-              <a:t> between structures</a:t>
-            </a:r>
-          </a:p>
-          <a:p>
-            <a:r>
-              <a:rPr lang="en-US" dirty="0"/>
-              <a:t>Normal spacing for arithmetic equations</a:t>
-            </a:r>
-          </a:p>
-          <a:p>
-            <a:r>
-              <a:rPr lang="en-US" dirty="0"/>
-              <a:t>Tight spacing for parameters</a:t>
-            </a:r>
-          </a:p>
-          <a:p>
+              <a:t>group_mean</a:t>
+            </a:r>
+            <a:r>
+              <a:rPr lang="en-US" dirty="0"/>
+              <a:t> better than m</a:t>
+            </a:r>
+            <a:endParaRPr lang="en-US" dirty="0"/>
+          </a:p>
+          <a:p>
+            <a:r>
+              <a:rPr lang="en-US" dirty="0" err="1"/>
+              <a:t>less_important_variable</a:t>
+            </a:r>
+            <a:endParaRPr lang="en-US" dirty="0"/>
+          </a:p>
+          <a:p>
+            <a:pPr lvl="1"/>
+            <a:r>
+              <a:rPr lang="en-US" dirty="0"/>
+              <a:t>modules, packages, methods, functions</a:t>
+            </a:r>
+            <a:endParaRPr lang="en-US" dirty="0"/>
+          </a:p>
+          <a:p>
+            <a:r>
+              <a:rPr lang="en-US" dirty="0" err="1"/>
+              <a:t>MoreImportantVariable</a:t>
+            </a:r>
+            <a:endParaRPr lang="en-US" dirty="0"/>
+          </a:p>
+          <a:p>
+            <a:pPr lvl="1"/>
+            <a:r>
+              <a:rPr lang="en-US" dirty="0"/>
+              <a:t>exceptions, classes</a:t>
+            </a:r>
+            <a:endParaRPr lang="en-US" dirty="0"/>
+          </a:p>
+          <a:p>
+            <a:r>
+              <a:rPr lang="en-US" dirty="0"/>
+              <a:t>GOD_THIS_IS_SERIOUS</a:t>
+            </a:r>
+            <a:endParaRPr lang="en-US" dirty="0"/>
+          </a:p>
+          <a:p>
+            <a:pPr lvl="1"/>
+            <a:r>
+              <a:rPr lang="en-US" dirty="0"/>
+              <a:t>global constants</a:t>
+            </a:r>
             <a:endParaRPr lang="en-US" dirty="0"/>
           </a:p>
         </p:txBody>
       </p:sp>
     </p:spTree>
-    <p:extLst>
-      <p:ext uri="{BB962C8B-B14F-4D97-AF65-F5344CB8AC3E}">
-        <p14:creationId xmlns:p14="http://schemas.microsoft.com/office/powerpoint/2010/main" val="544379489"/>
-      </p:ext>
-    </p:extLst>
   </p:cSld>
   <p:clrMapOvr>
     <a:masterClrMapping/>
@@ -11213,13 +10618,7 @@
       </p:grpSpPr>
       <p:sp>
         <p:nvSpPr>
-          <p:cNvPr id="2" name="Title 1">
-            <a:extLst>
-              <a:ext uri="{FF2B5EF4-FFF2-40B4-BE49-F238E27FC236}">
-                <a16:creationId xmlns:a16="http://schemas.microsoft.com/office/drawing/2014/main" id="{DE1A7A38-F51B-4642-9724-1A5633A3762D}"/>
-              </a:ext>
-            </a:extLst>
-          </p:cNvPr>
+          <p:cNvPr id="2" name="Title 1"/>
           <p:cNvSpPr>
             <a:spLocks noGrp="1"/>
           </p:cNvSpPr>
@@ -11234,25 +10633,19 @@
           <a:p>
             <a:r>
               <a:rPr lang="en-US" dirty="0"/>
-              <a:t>Demo 3: </a:t>
-            </a:r>
-            <a:r>
-              <a:rPr lang="en-US"/>
-              <a:t>code style </a:t>
-            </a:r>
-            <a:endParaRPr lang="en-US" dirty="0"/>
-          </a:p>
-        </p:txBody>
-      </p:sp>
-      <p:sp>
-        <p:nvSpPr>
-          <p:cNvPr id="3" name="Content Placeholder 2">
-            <a:extLst>
-              <a:ext uri="{FF2B5EF4-FFF2-40B4-BE49-F238E27FC236}">
-                <a16:creationId xmlns:a16="http://schemas.microsoft.com/office/drawing/2014/main" id="{52B16551-D6A2-40B7-AC13-EF7A5216844C}"/>
-              </a:ext>
-            </a:extLst>
-          </p:cNvPr>
+              <a:t>Coding Style: </a:t>
+            </a:r>
+            <a:r>
+              <a:rPr lang="en-US" dirty="0" err="1"/>
+              <a:t>whitespacing</a:t>
+            </a:r>
+            <a:endParaRPr lang="en-US" dirty="0"/>
+          </a:p>
+        </p:txBody>
+      </p:sp>
+      <p:sp>
+        <p:nvSpPr>
+          <p:cNvPr id="3" name="Content Placeholder 2"/>
           <p:cNvSpPr>
             <a:spLocks noGrp="1"/>
           </p:cNvSpPr>
@@ -11262,19 +10655,52 @@
         </p:nvSpPr>
         <p:spPr/>
         <p:txBody>
-          <a:bodyPr/>
+          <a:bodyPr>
+            <a:normAutofit/>
+          </a:bodyPr>
           <a:lstStyle/>
           <a:p>
-            <a:endParaRPr lang="en-US"/>
+            <a:r>
+              <a:rPr lang="en-US" dirty="0"/>
+              <a:t>Use 4 spaces for indentation</a:t>
+            </a:r>
+            <a:endParaRPr lang="en-US" dirty="0"/>
+          </a:p>
+          <a:p>
+            <a:r>
+              <a:rPr lang="en-US" dirty="0"/>
+              <a:t>Leave extra </a:t>
+            </a:r>
+            <a:r>
+              <a:rPr lang="en-US" dirty="0" err="1"/>
+              <a:t>linespace</a:t>
+            </a:r>
+            <a:r>
+              <a:rPr lang="en-US" dirty="0"/>
+              <a:t> between structures</a:t>
+            </a:r>
+            <a:endParaRPr lang="en-US" dirty="0"/>
+          </a:p>
+          <a:p>
+            <a:r>
+              <a:rPr lang="en-US" dirty="0"/>
+              <a:t>Normal spacing for arithmetic equations</a:t>
+            </a:r>
+            <a:endParaRPr lang="en-US" dirty="0"/>
+          </a:p>
+          <a:p>
+            <a:r>
+              <a:rPr lang="en-US" dirty="0"/>
+              <a:t>Tight spacing for parameters</a:t>
+            </a:r>
+            <a:endParaRPr lang="en-US" dirty="0"/>
+          </a:p>
+          <a:p>
+            <a:endParaRPr lang="en-US" dirty="0"/>
           </a:p>
         </p:txBody>
       </p:sp>
     </p:spTree>
-    <p:extLst>
-      <p:ext uri="{BB962C8B-B14F-4D97-AF65-F5344CB8AC3E}">
-        <p14:creationId xmlns:p14="http://schemas.microsoft.com/office/powerpoint/2010/main" val="2060302114"/>
-      </p:ext>
-    </p:extLst>
   </p:cSld>
   <p:clrMapOvr>
     <a:masterClrMapping/>
@@ -11301,13 +10727,7 @@
       </p:grpSpPr>
       <p:sp>
         <p:nvSpPr>
-          <p:cNvPr id="2" name="Title 1">
-            <a:extLst>
-              <a:ext uri="{FF2B5EF4-FFF2-40B4-BE49-F238E27FC236}">
-                <a16:creationId xmlns:a16="http://schemas.microsoft.com/office/drawing/2014/main" id="{DEADC6C3-4E7A-4EDF-9E7E-11AEAE3DFD1F}"/>
-              </a:ext>
-            </a:extLst>
-          </p:cNvPr>
+          <p:cNvPr id="2" name="Title 1"/>
           <p:cNvSpPr>
             <a:spLocks noGrp="1"/>
           </p:cNvSpPr>
@@ -11322,20 +10742,19 @@
           <a:p>
             <a:r>
               <a:rPr lang="en-US" dirty="0"/>
-              <a:t>Coding Style: comments</a:t>
-            </a:r>
-          </a:p>
-        </p:txBody>
-      </p:sp>
-      <p:sp>
-        <p:nvSpPr>
-          <p:cNvPr id="3" name="Content Placeholder 2">
-            <a:extLst>
-              <a:ext uri="{FF2B5EF4-FFF2-40B4-BE49-F238E27FC236}">
-                <a16:creationId xmlns:a16="http://schemas.microsoft.com/office/drawing/2014/main" id="{B64BB292-C949-4905-A19A-0532145D4F09}"/>
-              </a:ext>
-            </a:extLst>
-          </p:cNvPr>
+              <a:t>Demo 3: </a:t>
+            </a:r>
+            <a:r>
+              <a:rPr lang="en-US"/>
+              <a:t>code style </a:t>
+            </a:r>
+            <a:endParaRPr lang="en-US" dirty="0"/>
+          </a:p>
+        </p:txBody>
+      </p:sp>
+      <p:sp>
+        <p:nvSpPr>
+          <p:cNvPr id="3" name="Content Placeholder 2"/>
           <p:cNvSpPr>
             <a:spLocks noGrp="1"/>
           </p:cNvSpPr>
@@ -11345,47 +10764,14 @@
         </p:nvSpPr>
         <p:spPr/>
         <p:txBody>
-          <a:bodyPr>
-            <a:normAutofit/>
-          </a:bodyPr>
+          <a:bodyPr/>
           <a:lstStyle/>
           <a:p>
-            <a:r>
-              <a:rPr lang="en-US" dirty="0"/>
-              <a:t>Use 4 spaces for indentation</a:t>
-            </a:r>
-          </a:p>
-          <a:p>
-            <a:r>
-              <a:rPr lang="en-US" dirty="0"/>
-              <a:t>Leave extra </a:t>
-            </a:r>
-            <a:r>
-              <a:rPr lang="en-US" dirty="0" err="1"/>
-              <a:t>linespace</a:t>
-            </a:r>
-            <a:r>
-              <a:rPr lang="en-US" dirty="0"/>
-              <a:t> between structures</a:t>
-            </a:r>
-          </a:p>
-          <a:p>
-            <a:r>
-              <a:rPr lang="en-US" dirty="0"/>
-              <a:t>Normal spacing between arithmetic equations</a:t>
-            </a:r>
-          </a:p>
-          <a:p>
-            <a:endParaRPr lang="en-US" dirty="0"/>
+            <a:endParaRPr lang="en-US"/>
           </a:p>
         </p:txBody>
       </p:sp>
     </p:spTree>
-    <p:extLst>
-      <p:ext uri="{BB962C8B-B14F-4D97-AF65-F5344CB8AC3E}">
-        <p14:creationId xmlns:p14="http://schemas.microsoft.com/office/powerpoint/2010/main" val="832099953"/>
-      </p:ext>
-    </p:extLst>
   </p:cSld>
   <p:clrMapOvr>
     <a:masterClrMapping/>
@@ -11412,13 +10798,7 @@
       </p:grpSpPr>
       <p:sp>
         <p:nvSpPr>
-          <p:cNvPr id="2" name="Title 1">
-            <a:extLst>
-              <a:ext uri="{FF2B5EF4-FFF2-40B4-BE49-F238E27FC236}">
-                <a16:creationId xmlns:a16="http://schemas.microsoft.com/office/drawing/2014/main" id="{EF08AF95-8DB2-403C-8FCB-EFE3AAC21336}"/>
-              </a:ext>
-            </a:extLst>
-          </p:cNvPr>
+          <p:cNvPr id="2" name="Title 1"/>
           <p:cNvSpPr>
             <a:spLocks noGrp="1"/>
           </p:cNvSpPr>
@@ -11431,19 +10811,17 @@
           <a:bodyPr/>
           <a:lstStyle/>
           <a:p>
-            <a:endParaRPr lang="en-US"/>
-          </a:p>
-        </p:txBody>
-      </p:sp>
-      <p:sp>
-        <p:nvSpPr>
-          <p:cNvPr id="3" name="Content Placeholder 2">
-            <a:extLst>
-              <a:ext uri="{FF2B5EF4-FFF2-40B4-BE49-F238E27FC236}">
-                <a16:creationId xmlns:a16="http://schemas.microsoft.com/office/drawing/2014/main" id="{A317468E-6357-4229-BEF2-79A0DEEDF036}"/>
-              </a:ext>
-            </a:extLst>
-          </p:cNvPr>
+            <a:r>
+              <a:rPr lang="en-US" dirty="0"/>
+              <a:t>Coding Style: comments</a:t>
+            </a:r>
+            <a:endParaRPr lang="en-US" dirty="0"/>
+          </a:p>
+        </p:txBody>
+      </p:sp>
+      <p:sp>
+        <p:nvSpPr>
+          <p:cNvPr id="3" name="Content Placeholder 2"/>
           <p:cNvSpPr>
             <a:spLocks noGrp="1"/>
           </p:cNvSpPr>
@@ -11453,19 +10831,45 @@
         </p:nvSpPr>
         <p:spPr/>
         <p:txBody>
-          <a:bodyPr/>
+          <a:bodyPr>
+            <a:normAutofit/>
+          </a:bodyPr>
           <a:lstStyle/>
           <a:p>
-            <a:endParaRPr lang="en-US"/>
+            <a:r>
+              <a:rPr lang="en-US" dirty="0"/>
+              <a:t>Use 4 spaces for indentation</a:t>
+            </a:r>
+            <a:endParaRPr lang="en-US" dirty="0"/>
+          </a:p>
+          <a:p>
+            <a:r>
+              <a:rPr lang="en-US" dirty="0"/>
+              <a:t>Leave extra </a:t>
+            </a:r>
+            <a:r>
+              <a:rPr lang="en-US" dirty="0" err="1"/>
+              <a:t>linespace</a:t>
+            </a:r>
+            <a:r>
+              <a:rPr lang="en-US" dirty="0"/>
+              <a:t> between structures</a:t>
+            </a:r>
+            <a:endParaRPr lang="en-US" dirty="0"/>
+          </a:p>
+          <a:p>
+            <a:r>
+              <a:rPr lang="en-US" dirty="0"/>
+              <a:t>Normal spacing between arithmetic equations</a:t>
+            </a:r>
+            <a:endParaRPr lang="en-US" dirty="0"/>
+          </a:p>
+          <a:p>
+            <a:endParaRPr lang="en-US" dirty="0"/>
           </a:p>
         </p:txBody>
       </p:sp>
     </p:spTree>
-    <p:extLst>
-      <p:ext uri="{BB962C8B-B14F-4D97-AF65-F5344CB8AC3E}">
-        <p14:creationId xmlns:p14="http://schemas.microsoft.com/office/powerpoint/2010/main" val="598383403"/>
-      </p:ext>
-    </p:extLst>
   </p:cSld>
   <p:clrMapOvr>
     <a:masterClrMapping/>
@@ -11492,13 +10896,7 @@
       </p:grpSpPr>
       <p:sp>
         <p:nvSpPr>
-          <p:cNvPr id="2" name="Title 1">
-            <a:extLst>
-              <a:ext uri="{FF2B5EF4-FFF2-40B4-BE49-F238E27FC236}">
-                <a16:creationId xmlns:a16="http://schemas.microsoft.com/office/drawing/2014/main" id="{628DA4BB-2B70-4BBC-9FA6-529F55EB4CAB}"/>
-              </a:ext>
-            </a:extLst>
-          </p:cNvPr>
+          <p:cNvPr id="2" name="Title 1"/>
           <p:cNvSpPr>
             <a:spLocks noGrp="1"/>
           </p:cNvSpPr>
@@ -11515,18 +10913,13 @@
               <a:rPr lang="en-US" dirty="0"/>
               <a:t>Third Q: how to organize</a:t>
             </a:r>
-          </a:p>
-        </p:txBody>
-      </p:sp>
-      <p:sp>
-        <p:nvSpPr>
-          <p:cNvPr id="3" name="Content Placeholder 2">
-            <a:extLst>
-              <a:ext uri="{FF2B5EF4-FFF2-40B4-BE49-F238E27FC236}">
-                <a16:creationId xmlns:a16="http://schemas.microsoft.com/office/drawing/2014/main" id="{6D19C171-1CD5-40BE-B072-C101A4542C5C}"/>
-              </a:ext>
-            </a:extLst>
-          </p:cNvPr>
+            <a:endParaRPr lang="en-US" dirty="0"/>
+          </a:p>
+        </p:txBody>
+      </p:sp>
+      <p:sp>
+        <p:nvSpPr>
+          <p:cNvPr id="3" name="Content Placeholder 2"/>
           <p:cNvSpPr>
             <a:spLocks noGrp="1"/>
           </p:cNvSpPr>
@@ -11545,6 +10938,7 @@
               <a:rPr lang="en-CA" dirty="0"/>
               <a:t>Rational</a:t>
             </a:r>
+            <a:endParaRPr lang="en-CA" dirty="0"/>
           </a:p>
           <a:p>
             <a:pPr lvl="1"/>
@@ -11552,6 +10946,7 @@
               <a:rPr lang="en-CA" dirty="0"/>
               <a:t>Reuse script</a:t>
             </a:r>
+            <a:endParaRPr lang="en-CA" dirty="0"/>
           </a:p>
           <a:p>
             <a:pPr lvl="1"/>
@@ -11579,12 +10974,14 @@
               <a:rPr lang="en-CA" dirty="0"/>
               <a:t>Enable collaboration</a:t>
             </a:r>
+            <a:endParaRPr lang="en-CA" dirty="0"/>
           </a:p>
           <a:p>
             <a:r>
               <a:rPr lang="en-CA" dirty="0"/>
               <a:t>See demo</a:t>
             </a:r>
+            <a:endParaRPr lang="en-CA" dirty="0"/>
           </a:p>
           <a:p>
             <a:r>
@@ -11593,7 +10990,7 @@
             </a:r>
             <a:r>
               <a:rPr lang="en-CA" dirty="0">
-                <a:hlinkClick r:id="rId2"/>
+                <a:hlinkClick r:id="rId1"/>
               </a:rPr>
               <a:t>here</a:t>
             </a:r>
@@ -11602,11 +10999,6 @@
         </p:txBody>
       </p:sp>
     </p:spTree>
-    <p:extLst>
-      <p:ext uri="{BB962C8B-B14F-4D97-AF65-F5344CB8AC3E}">
-        <p14:creationId xmlns:p14="http://schemas.microsoft.com/office/powerpoint/2010/main" val="3036273913"/>
-      </p:ext>
-    </p:extLst>
   </p:cSld>
   <p:clrMapOvr>
     <a:masterClrMapping/>
@@ -11633,13 +11025,7 @@
       </p:grpSpPr>
       <p:sp>
         <p:nvSpPr>
-          <p:cNvPr id="2" name="Title 1">
-            <a:extLst>
-              <a:ext uri="{FF2B5EF4-FFF2-40B4-BE49-F238E27FC236}">
-                <a16:creationId xmlns:a16="http://schemas.microsoft.com/office/drawing/2014/main" id="{24E89011-B896-4B6E-BF6D-6CB66D233028}"/>
-              </a:ext>
-            </a:extLst>
-          </p:cNvPr>
+          <p:cNvPr id="2" name="Title 1"/>
           <p:cNvSpPr>
             <a:spLocks noGrp="1"/>
           </p:cNvSpPr>
@@ -11656,18 +11042,13 @@
               <a:rPr lang="en-US" dirty="0"/>
               <a:t>Fourth Q: where to get help</a:t>
             </a:r>
-          </a:p>
-        </p:txBody>
-      </p:sp>
-      <p:sp>
-        <p:nvSpPr>
-          <p:cNvPr id="3" name="Content Placeholder 2">
-            <a:extLst>
-              <a:ext uri="{FF2B5EF4-FFF2-40B4-BE49-F238E27FC236}">
-                <a16:creationId xmlns:a16="http://schemas.microsoft.com/office/drawing/2014/main" id="{B86E7860-4F0A-411E-A86F-61B93D34774D}"/>
-              </a:ext>
-            </a:extLst>
-          </p:cNvPr>
+            <a:endParaRPr lang="en-US" dirty="0"/>
+          </a:p>
+        </p:txBody>
+      </p:sp>
+      <p:sp>
+        <p:nvSpPr>
+          <p:cNvPr id="3" name="Content Placeholder 2"/>
           <p:cNvSpPr>
             <a:spLocks noGrp="1"/>
           </p:cNvSpPr>
@@ -11684,6 +11065,7 @@
               <a:rPr lang="en-US" dirty="0"/>
               <a:t>Google to get the right keyword</a:t>
             </a:r>
+            <a:endParaRPr lang="en-US" dirty="0"/>
           </a:p>
           <a:p>
             <a:r>
@@ -11698,6 +11080,7 @@
               <a:rPr lang="en-US" dirty="0"/>
               <a:t> repo</a:t>
             </a:r>
+            <a:endParaRPr lang="en-US" dirty="0"/>
           </a:p>
           <a:p>
             <a:r>
@@ -11711,30 +11094,35 @@
               <a:rPr lang="en-US" dirty="0"/>
               <a:t>Medium</a:t>
             </a:r>
+            <a:endParaRPr lang="en-US" dirty="0"/>
           </a:p>
           <a:p>
             <a:r>
               <a:rPr lang="en-US" dirty="0"/>
               <a:t>Kaggle</a:t>
             </a:r>
+            <a:endParaRPr lang="en-US" dirty="0"/>
           </a:p>
           <a:p>
             <a:r>
               <a:rPr lang="en-US" dirty="0"/>
               <a:t>Paper(s)</a:t>
             </a:r>
+            <a:endParaRPr lang="en-US" dirty="0"/>
           </a:p>
           <a:p>
             <a:r>
               <a:rPr lang="en-US" dirty="0"/>
               <a:t>…</a:t>
             </a:r>
+            <a:endParaRPr lang="en-US" dirty="0"/>
           </a:p>
           <a:p>
             <a:r>
               <a:rPr lang="en-US" dirty="0"/>
               <a:t>Human beings</a:t>
             </a:r>
+            <a:endParaRPr lang="en-US" dirty="0"/>
           </a:p>
           <a:p>
             <a:endParaRPr lang="en-US" dirty="0"/>
@@ -11742,11 +11130,6 @@
         </p:txBody>
       </p:sp>
     </p:spTree>
-    <p:extLst>
-      <p:ext uri="{BB962C8B-B14F-4D97-AF65-F5344CB8AC3E}">
-        <p14:creationId xmlns:p14="http://schemas.microsoft.com/office/powerpoint/2010/main" val="1911179738"/>
-      </p:ext>
-    </p:extLst>
   </p:cSld>
   <p:clrMapOvr>
     <a:masterClrMapping/>
@@ -11773,13 +11156,7 @@
       </p:grpSpPr>
       <p:sp>
         <p:nvSpPr>
-          <p:cNvPr id="2" name="Title 1">
-            <a:extLst>
-              <a:ext uri="{FF2B5EF4-FFF2-40B4-BE49-F238E27FC236}">
-                <a16:creationId xmlns:a16="http://schemas.microsoft.com/office/drawing/2014/main" id="{150EAA2E-1230-45A5-B58C-5C0AA41CA357}"/>
-              </a:ext>
-            </a:extLst>
-          </p:cNvPr>
+          <p:cNvPr id="2" name="Title 1"/>
           <p:cNvSpPr>
             <a:spLocks noGrp="1"/>
           </p:cNvSpPr>
@@ -11796,18 +11173,13 @@
               <a:rPr lang="en-US" dirty="0"/>
               <a:t>Goals</a:t>
             </a:r>
-          </a:p>
-        </p:txBody>
-      </p:sp>
-      <p:sp>
-        <p:nvSpPr>
-          <p:cNvPr id="3" name="Content Placeholder 2">
-            <a:extLst>
-              <a:ext uri="{FF2B5EF4-FFF2-40B4-BE49-F238E27FC236}">
-                <a16:creationId xmlns:a16="http://schemas.microsoft.com/office/drawing/2014/main" id="{69A92518-BB33-4519-BD7C-FDF90E844241}"/>
-              </a:ext>
-            </a:extLst>
-          </p:cNvPr>
+            <a:endParaRPr lang="en-US" dirty="0"/>
+          </a:p>
+        </p:txBody>
+      </p:sp>
+      <p:sp>
+        <p:nvSpPr>
+          <p:cNvPr id="3" name="Content Placeholder 2"/>
           <p:cNvSpPr>
             <a:spLocks noGrp="1"/>
           </p:cNvSpPr>
@@ -11829,7 +11201,7 @@
             </a:r>
             <a:r>
               <a:rPr lang="en-US" sz="2800" dirty="0">
-                <a:hlinkClick r:id="rId3"/>
+                <a:hlinkClick r:id="rId1"/>
               </a:rPr>
               <a:t>map</a:t>
             </a:r>
@@ -11837,6 +11209,7 @@
               <a:rPr lang="en-US" sz="2800" dirty="0"/>
               <a:t>. Dig deeper yourself when relevant / interested</a:t>
             </a:r>
+            <a:endParaRPr lang="en-US" sz="2800" dirty="0"/>
           </a:p>
           <a:p>
             <a:pPr lvl="1"/>
@@ -11844,13 +11217,15 @@
               <a:rPr lang="en-US" sz="2800" dirty="0"/>
               <a:t>Try to cover questions that you should ask learning a language</a:t>
             </a:r>
+            <a:endParaRPr lang="en-US" sz="2800" dirty="0"/>
           </a:p>
           <a:p>
             <a:pPr lvl="1"/>
             <a:r>
               <a:rPr lang="en-US" sz="2800" dirty="0"/>
-              <a:t>(delete?)Try to re-direct to other’s materials instead of creating my own</a:t>
-            </a:r>
+              <a:t>Try to re-direct to other’s materials instead of creating my own</a:t>
+            </a:r>
+            <a:endParaRPr lang="en-US" sz="2800" dirty="0"/>
           </a:p>
           <a:p>
             <a:pPr lvl="1"/>
@@ -11858,6 +11233,7 @@
               <a:rPr lang="en-US" sz="2800" dirty="0"/>
               <a:t>Try not to cover too much on coding specifics, but will use python for demo</a:t>
             </a:r>
+            <a:endParaRPr lang="en-US" sz="2800" dirty="0"/>
           </a:p>
           <a:p>
             <a:pPr lvl="1"/>
@@ -11865,15 +11241,11 @@
               <a:rPr lang="en-US" sz="2800" dirty="0"/>
               <a:t>Some principles might be universal</a:t>
             </a:r>
+            <a:endParaRPr lang="en-US" sz="2800" dirty="0"/>
           </a:p>
         </p:txBody>
       </p:sp>
     </p:spTree>
-    <p:extLst>
-      <p:ext uri="{BB962C8B-B14F-4D97-AF65-F5344CB8AC3E}">
-        <p14:creationId xmlns:p14="http://schemas.microsoft.com/office/powerpoint/2010/main" val="3928775173"/>
-      </p:ext>
-    </p:extLst>
   </p:cSld>
   <p:clrMapOvr>
     <a:masterClrMapping/>
@@ -11900,13 +11272,7 @@
       </p:grpSpPr>
       <p:sp>
         <p:nvSpPr>
-          <p:cNvPr id="2" name="Title 1">
-            <a:extLst>
-              <a:ext uri="{FF2B5EF4-FFF2-40B4-BE49-F238E27FC236}">
-                <a16:creationId xmlns:a16="http://schemas.microsoft.com/office/drawing/2014/main" id="{63110015-E64F-4BBB-97BC-BD74EB25D792}"/>
-              </a:ext>
-            </a:extLst>
-          </p:cNvPr>
+          <p:cNvPr id="2" name="Title 1"/>
           <p:cNvSpPr>
             <a:spLocks noGrp="1"/>
           </p:cNvSpPr>
@@ -11923,18 +11289,13 @@
               <a:rPr lang="en-US" dirty="0"/>
               <a:t>Before we part…</a:t>
             </a:r>
-          </a:p>
-        </p:txBody>
-      </p:sp>
-      <p:sp>
-        <p:nvSpPr>
-          <p:cNvPr id="4" name="Content Placeholder 3">
-            <a:extLst>
-              <a:ext uri="{FF2B5EF4-FFF2-40B4-BE49-F238E27FC236}">
-                <a16:creationId xmlns:a16="http://schemas.microsoft.com/office/drawing/2014/main" id="{4EF57F46-8818-4909-BF04-709799219FBA}"/>
-              </a:ext>
-            </a:extLst>
-          </p:cNvPr>
+            <a:endParaRPr lang="en-US" dirty="0"/>
+          </a:p>
+        </p:txBody>
+      </p:sp>
+      <p:sp>
+        <p:nvSpPr>
+          <p:cNvPr id="4" name="Content Placeholder 3"/>
           <p:cNvSpPr>
             <a:spLocks noGrp="1"/>
           </p:cNvSpPr>
@@ -11949,7 +11310,7 @@
           <a:p>
             <a:r>
               <a:rPr lang="en-US" sz="3200" dirty="0">
-                <a:hlinkClick r:id="rId2"/>
+                <a:hlinkClick r:id="rId1"/>
               </a:rPr>
               <a:t>If CS textbook authors were to write arithmetic books</a:t>
             </a:r>
@@ -11960,21 +11321,18 @@
               <a:rPr lang="en-US" sz="3200" dirty="0"/>
               <a:t>consider giving similar speech after graduation</a:t>
             </a:r>
+            <a:endParaRPr lang="en-US" sz="3200" dirty="0"/>
           </a:p>
           <a:p>
             <a:r>
               <a:rPr lang="en-US" sz="3200" dirty="0"/>
               <a:t>Check the links on the slides (and maybe around them)</a:t>
             </a:r>
+            <a:endParaRPr lang="en-US" sz="3200" dirty="0"/>
           </a:p>
         </p:txBody>
       </p:sp>
     </p:spTree>
-    <p:extLst>
-      <p:ext uri="{BB962C8B-B14F-4D97-AF65-F5344CB8AC3E}">
-        <p14:creationId xmlns:p14="http://schemas.microsoft.com/office/powerpoint/2010/main" val="420670896"/>
-      </p:ext>
-    </p:extLst>
   </p:cSld>
   <p:clrMapOvr>
     <a:masterClrMapping/>
@@ -12001,13 +11359,7 @@
       </p:grpSpPr>
       <p:sp>
         <p:nvSpPr>
-          <p:cNvPr id="2" name="Title 1">
-            <a:extLst>
-              <a:ext uri="{FF2B5EF4-FFF2-40B4-BE49-F238E27FC236}">
-                <a16:creationId xmlns:a16="http://schemas.microsoft.com/office/drawing/2014/main" id="{04365A58-2B72-415E-881D-F83E7E857462}"/>
-              </a:ext>
-            </a:extLst>
-          </p:cNvPr>
+          <p:cNvPr id="2" name="Title 1"/>
           <p:cNvSpPr>
             <a:spLocks noGrp="1"/>
           </p:cNvSpPr>
@@ -12024,18 +11376,13 @@
               <a:rPr lang="en-US" dirty="0"/>
               <a:t>Congratulations!</a:t>
             </a:r>
-          </a:p>
-        </p:txBody>
-      </p:sp>
-      <p:sp>
-        <p:nvSpPr>
-          <p:cNvPr id="3" name="Content Placeholder 2">
-            <a:extLst>
-              <a:ext uri="{FF2B5EF4-FFF2-40B4-BE49-F238E27FC236}">
-                <a16:creationId xmlns:a16="http://schemas.microsoft.com/office/drawing/2014/main" id="{F4B4FE40-60FD-412A-8EE6-C95780B622AA}"/>
-              </a:ext>
-            </a:extLst>
-          </p:cNvPr>
+            <a:endParaRPr lang="en-US" dirty="0"/>
+          </a:p>
+        </p:txBody>
+      </p:sp>
+      <p:sp>
+        <p:nvSpPr>
+          <p:cNvPr id="3" name="Content Placeholder 2"/>
           <p:cNvSpPr>
             <a:spLocks noGrp="1"/>
           </p:cNvSpPr>
@@ -12052,18 +11399,21 @@
               <a:rPr lang="en-US" dirty="0"/>
               <a:t>Smart decision to advance study when economy is down</a:t>
             </a:r>
+            <a:endParaRPr lang="en-US" dirty="0"/>
           </a:p>
           <a:p>
             <a:r>
               <a:rPr lang="en-US" dirty="0"/>
               <a:t>AI / data analysis is interesting in itself</a:t>
             </a:r>
+            <a:endParaRPr lang="en-US" dirty="0"/>
           </a:p>
           <a:p>
             <a:r>
               <a:rPr lang="en-US" dirty="0"/>
               <a:t>Start of semester, or even change of environment</a:t>
             </a:r>
+            <a:endParaRPr lang="en-US" dirty="0"/>
           </a:p>
           <a:p>
             <a:endParaRPr lang="en-US" dirty="0"/>
@@ -12071,11 +11421,124 @@
         </p:txBody>
       </p:sp>
     </p:spTree>
-    <p:extLst>
-      <p:ext uri="{BB962C8B-B14F-4D97-AF65-F5344CB8AC3E}">
-        <p14:creationId xmlns:p14="http://schemas.microsoft.com/office/powerpoint/2010/main" val="351178066"/>
-      </p:ext>
-    </p:extLst>
+  </p:cSld>
+  <p:clrMapOvr>
+    <a:masterClrMapping/>
+  </p:clrMapOvr>
+</p:sld>
+</file>
+
+<file path=ppt/slides/slide32.xml><?xml version="1.0" encoding="utf-8"?>
+<p:sld xmlns:a="http://schemas.openxmlformats.org/drawingml/2006/main" xmlns:r="http://schemas.openxmlformats.org/officeDocument/2006/relationships" xmlns:p="http://schemas.openxmlformats.org/presentationml/2006/main">
+  <p:cSld>
+    <p:spTree>
+      <p:nvGrpSpPr>
+        <p:cNvPr id="1" name=""/>
+        <p:cNvGrpSpPr/>
+        <p:nvPr/>
+      </p:nvGrpSpPr>
+      <p:grpSpPr/>
+      <p:sp>
+        <p:nvSpPr>
+          <p:cNvPr id="2" name="Title 1"/>
+          <p:cNvSpPr>
+            <a:spLocks noGrp="1"/>
+          </p:cNvSpPr>
+          <p:nvPr>
+            <p:ph type="title"/>
+          </p:nvPr>
+        </p:nvSpPr>
+        <p:spPr/>
+        <p:txBody>
+          <a:bodyPr/>
+          <a:p>
+            <a:r>
+              <a:rPr lang="en-US"/>
+              <a:t>References</a:t>
+            </a:r>
+            <a:endParaRPr lang="en-US"/>
+          </a:p>
+        </p:txBody>
+      </p:sp>
+      <p:sp>
+        <p:nvSpPr>
+          <p:cNvPr id="3" name="Content Placeholder 2"/>
+          <p:cNvSpPr>
+            <a:spLocks noGrp="1"/>
+          </p:cNvSpPr>
+          <p:nvPr>
+            <p:ph idx="1"/>
+          </p:nvPr>
+        </p:nvSpPr>
+        <p:spPr/>
+        <p:txBody>
+          <a:bodyPr>
+            <a:normAutofit fontScale="50000"/>
+          </a:bodyPr>
+          <a:p>
+            <a:r>
+              <a:rPr lang="en-US"/>
+              <a:t>[A 1482 world map illustrated by Donnus Nicholas Germany’s, constructed using Ptolemy’s system]. (1482). https://en.wikipedia.org/wiki/Cartography#/media/File:Claudius_Ptolemy-_The_World.jpg</a:t>
+            </a:r>
+            <a:endParaRPr lang="en-US"/>
+          </a:p>
+          <a:p>
+            <a:r>
+              <a:rPr lang="en-US"/>
+              <a:t>Sculley, D. S., Holt, G. H., Golovin, D. G., Davydov, E. D., Phillips, T. P., Ebner, D. E., Chaudhary, V. C., Young, M. Y., Crespo, J. C., &amp; Dennison, D. D. (2015). Hidden technical debt in machine learning systems. Advances in Neural Information Processing Systems, 2503–2511. http://papers.nips.cc/paper/5656-hidden-technical-debt-in-machine-learning-systems</a:t>
+            </a:r>
+            <a:endParaRPr lang="en-US"/>
+          </a:p>
+          <a:p>
+            <a:r>
+              <a:rPr lang="en-US"/>
+              <a:t>Wikipedia contributors. (2020, September 17). Scripting language. Wikipedia. https://en.wikipedia.org/wiki/Scripting_language</a:t>
+            </a:r>
+            <a:endParaRPr lang="en-US"/>
+          </a:p>
+          <a:p>
+            <a:r>
+              <a:rPr lang="en-US"/>
+              <a:t>PEP 8 -- Style Guide for Python Code. (2001). Python.Org. https://www.python.org/dev/peps/pep-0008/</a:t>
+            </a:r>
+            <a:endParaRPr lang="en-US"/>
+          </a:p>
+          <a:p>
+            <a:r>
+              <a:rPr lang="en-US"/>
+              <a:t>Google Python Style Guide. (n.d.). Google Style Guides. https://google.github.io/styleguide/pyguide.html#316-naming</a:t>
+            </a:r>
+            <a:endParaRPr lang="en-US"/>
+          </a:p>
+          <a:p>
+            <a:r>
+              <a:rPr lang="en-US">
+                <a:sym typeface="+mn-ea"/>
+              </a:rPr>
+              <a:t>Code Style — The Hitchhiker's Guide to Python. (2011). Hitchhiker's Guide to Python. https://docs.python-guide.org/writing/style/</a:t>
+            </a:r>
+            <a:endParaRPr lang="en-US"/>
+          </a:p>
+          <a:p>
+            <a:r>
+              <a:rPr lang="en-US"/>
+              <a:t>Structuring Your Project — The Hitchhiker’s Guide to Python. (2011). Hitchhiker’s Guide to Python. https://docs.python-guide.org/writing/structure/</a:t>
+            </a:r>
+            <a:endParaRPr lang="en-US"/>
+          </a:p>
+          <a:p>
+            <a:r>
+              <a:rPr lang="en-US"/>
+              <a:t>Arithmetic for Beginners. (n.d.). Abstruse Goose. https://abstrusegoose.com/474</a:t>
+            </a:r>
+            <a:endParaRPr lang="en-US"/>
+          </a:p>
+          <a:p>
+            <a:endParaRPr lang="en-US"/>
+          </a:p>
+        </p:txBody>
+      </p:sp>
+    </p:spTree>
   </p:cSld>
   <p:clrMapOvr>
     <a:masterClrMapping/>
@@ -12102,13 +11565,7 @@
       </p:grpSpPr>
       <p:sp>
         <p:nvSpPr>
-          <p:cNvPr id="2" name="Title 1">
-            <a:extLst>
-              <a:ext uri="{FF2B5EF4-FFF2-40B4-BE49-F238E27FC236}">
-                <a16:creationId xmlns:a16="http://schemas.microsoft.com/office/drawing/2014/main" id="{B8059A4F-3A40-4D67-B816-98E2A546A941}"/>
-              </a:ext>
-            </a:extLst>
-          </p:cNvPr>
+          <p:cNvPr id="2" name="Title 1"/>
           <p:cNvSpPr>
             <a:spLocks noGrp="1"/>
           </p:cNvSpPr>
@@ -12125,28 +11582,18 @@
               <a:rPr lang="en-US" dirty="0"/>
               <a:t>My coding journey </a:t>
             </a:r>
+            <a:endParaRPr lang="en-US" dirty="0"/>
           </a:p>
         </p:txBody>
       </p:sp>
       <p:graphicFrame>
         <p:nvGraphicFramePr>
-          <p:cNvPr id="6" name="Content Placeholder 5">
-            <a:extLst>
-              <a:ext uri="{FF2B5EF4-FFF2-40B4-BE49-F238E27FC236}">
-                <a16:creationId xmlns:a16="http://schemas.microsoft.com/office/drawing/2014/main" id="{70EDE1A4-5161-4E5D-BACD-8D0600D880B8}"/>
-              </a:ext>
-            </a:extLst>
-          </p:cNvPr>
+          <p:cNvPr id="6" name="Content Placeholder 5"/>
           <p:cNvGraphicFramePr>
             <a:graphicFrameLocks noGrp="1"/>
           </p:cNvGraphicFramePr>
           <p:nvPr>
             <p:ph idx="1"/>
-            <p:extLst>
-              <p:ext uri="{D42A27DB-BD31-4B8C-83A1-F6EECF244321}">
-                <p14:modId xmlns:p14="http://schemas.microsoft.com/office/powerpoint/2010/main" val="635039674"/>
-              </p:ext>
-            </p:extLst>
           </p:nvPr>
         </p:nvGraphicFramePr>
         <p:xfrm>
@@ -12155,16 +11602,11 @@
         </p:xfrm>
         <a:graphic>
           <a:graphicData uri="http://schemas.openxmlformats.org/drawingml/2006/diagram">
-            <dgm:relIds xmlns:dgm="http://schemas.openxmlformats.org/drawingml/2006/diagram" xmlns:r="http://schemas.openxmlformats.org/officeDocument/2006/relationships" r:dm="rId3" r:lo="rId4" r:qs="rId5" r:cs="rId6"/>
+            <dgm:relIds xmlns:dgm="http://schemas.openxmlformats.org/drawingml/2006/diagram" xmlns:r="http://schemas.openxmlformats.org/officeDocument/2006/relationships" r:dm="rId1" r:lo="rId2" r:qs="rId3" r:cs="rId4"/>
           </a:graphicData>
         </a:graphic>
       </p:graphicFrame>
     </p:spTree>
-    <p:extLst>
-      <p:ext uri="{BB962C8B-B14F-4D97-AF65-F5344CB8AC3E}">
-        <p14:creationId xmlns:p14="http://schemas.microsoft.com/office/powerpoint/2010/main" val="1560344391"/>
-      </p:ext>
-    </p:extLst>
   </p:cSld>
   <p:clrMapOvr>
     <a:masterClrMapping/>
@@ -12181,23 +11623,10 @@
         <p:cNvGrpSpPr/>
         <p:nvPr/>
       </p:nvGrpSpPr>
-      <p:grpSpPr>
-        <a:xfrm>
-          <a:off x="0" y="0"/>
-          <a:ext cx="0" cy="0"/>
-          <a:chOff x="0" y="0"/>
-          <a:chExt cx="0" cy="0"/>
-        </a:xfrm>
-      </p:grpSpPr>
-      <p:sp>
-        <p:nvSpPr>
-          <p:cNvPr id="2" name="Title 1">
-            <a:extLst>
-              <a:ext uri="{FF2B5EF4-FFF2-40B4-BE49-F238E27FC236}">
-                <a16:creationId xmlns:a16="http://schemas.microsoft.com/office/drawing/2014/main" id="{AC3BE196-31B7-4BE2-9D75-2E3AD2A74A2D}"/>
-              </a:ext>
-            </a:extLst>
-          </p:cNvPr>
+      <p:grpSpPr/>
+      <p:sp>
+        <p:nvSpPr>
+          <p:cNvPr id="2" name="标题 1"/>
           <p:cNvSpPr>
             <a:spLocks noGrp="1"/>
           </p:cNvSpPr>
@@ -12208,24 +11637,18 @@
         <p:spPr/>
         <p:txBody>
           <a:bodyPr/>
-          <a:lstStyle/>
-          <a:p>
-            <a:r>
-              <a:rPr lang="en-US" dirty="0"/>
-              <a:t>Q: why python (for data science)</a:t>
-            </a:r>
-          </a:p>
-        </p:txBody>
-      </p:sp>
-      <p:sp>
-        <p:nvSpPr>
-          <p:cNvPr id="3" name="Content Placeholder 2">
-            <a:extLst>
-              <a:ext uri="{FF2B5EF4-FFF2-40B4-BE49-F238E27FC236}">
-                <a16:creationId xmlns:a16="http://schemas.microsoft.com/office/drawing/2014/main" id="{90B0A150-F05D-4123-BBA2-7C14D9BA998A}"/>
-              </a:ext>
-            </a:extLst>
-          </p:cNvPr>
+          <a:p>
+            <a:r>
+              <a:rPr lang="en-US" altLang="zh-CN"/>
+              <a:t>Survey Results</a:t>
+            </a:r>
+            <a:endParaRPr lang="en-US" altLang="zh-CN"/>
+          </a:p>
+        </p:txBody>
+      </p:sp>
+      <p:sp>
+        <p:nvSpPr>
+          <p:cNvPr id="3" name="内容占位符 2"/>
           <p:cNvSpPr>
             <a:spLocks noGrp="1"/>
           </p:cNvSpPr>
@@ -12235,63 +11658,19 @@
         </p:nvSpPr>
         <p:spPr/>
         <p:txBody>
-          <a:bodyPr>
-            <a:normAutofit/>
-          </a:bodyPr>
-          <a:lstStyle/>
-          <a:p>
-            <a:r>
-              <a:rPr lang="en-US" sz="3600" dirty="0">
-                <a:hlinkClick r:id="rId3"/>
+          <a:bodyPr/>
+          <a:p>
+            <a:r>
+              <a:rPr lang="en-US" altLang="zh-CN">
+                <a:hlinkClick r:id="rId1" tooltip="" action="ppaction://hlinkfile"/>
               </a:rPr>
-              <a:t>DS needs</a:t>
-            </a:r>
-            <a:endParaRPr lang="en-US" sz="3600" dirty="0"/>
-          </a:p>
-          <a:p>
-            <a:r>
-              <a:rPr lang="en-US" sz="3600" dirty="0">
-                <a:hlinkClick r:id="rId4"/>
-              </a:rPr>
-              <a:t>Glue language</a:t>
-            </a:r>
-            <a:endParaRPr lang="en-US" sz="3600" dirty="0"/>
-          </a:p>
-          <a:p>
-            <a:pPr lvl="1"/>
-            <a:r>
-              <a:rPr lang="en-US" sz="3200" dirty="0"/>
-              <a:t>Easy for prototyping</a:t>
-            </a:r>
-          </a:p>
-          <a:p>
-            <a:pPr lvl="1"/>
-            <a:r>
-              <a:rPr lang="en-US" sz="3200" dirty="0"/>
-              <a:t>Delivers learning instead of software</a:t>
-            </a:r>
-          </a:p>
-          <a:p>
-            <a:pPr lvl="1"/>
-            <a:r>
-              <a:rPr lang="en-US" sz="3200" dirty="0"/>
-              <a:t>Has solution for all parts of ML pipeline (python APIs)</a:t>
-            </a:r>
-          </a:p>
-          <a:p>
-            <a:pPr marL="0" indent="0">
-              <a:buNone/>
-            </a:pPr>
-            <a:endParaRPr lang="en-US" dirty="0"/>
+              <a:t>Here</a:t>
+            </a:r>
+            <a:endParaRPr lang="en-US" altLang="zh-CN"/>
           </a:p>
         </p:txBody>
       </p:sp>
     </p:spTree>
-    <p:extLst>
-      <p:ext uri="{BB962C8B-B14F-4D97-AF65-F5344CB8AC3E}">
-        <p14:creationId xmlns:p14="http://schemas.microsoft.com/office/powerpoint/2010/main" val="2600125771"/>
-      </p:ext>
-    </p:extLst>
   </p:cSld>
   <p:clrMapOvr>
     <a:masterClrMapping/>
@@ -12318,13 +11697,7 @@
       </p:grpSpPr>
       <p:sp>
         <p:nvSpPr>
-          <p:cNvPr id="2" name="Title 1">
-            <a:extLst>
-              <a:ext uri="{FF2B5EF4-FFF2-40B4-BE49-F238E27FC236}">
-                <a16:creationId xmlns:a16="http://schemas.microsoft.com/office/drawing/2014/main" id="{AC3BE196-31B7-4BE2-9D75-2E3AD2A74A2D}"/>
-              </a:ext>
-            </a:extLst>
-          </p:cNvPr>
+          <p:cNvPr id="2" name="Title 1"/>
           <p:cNvSpPr>
             <a:spLocks noGrp="1"/>
           </p:cNvSpPr>
@@ -12339,20 +11712,15 @@
           <a:p>
             <a:r>
               <a:rPr lang="en-US" dirty="0"/>
-              <a:t>Why python (for data science)</a:t>
-            </a:r>
-          </a:p>
-        </p:txBody>
-      </p:sp>
-      <p:sp>
-        <p:nvSpPr>
-          <p:cNvPr id="3" name="Content Placeholder 2">
-            <a:extLst>
-              <a:ext uri="{FF2B5EF4-FFF2-40B4-BE49-F238E27FC236}">
-                <a16:creationId xmlns:a16="http://schemas.microsoft.com/office/drawing/2014/main" id="{90B0A150-F05D-4123-BBA2-7C14D9BA998A}"/>
-              </a:ext>
-            </a:extLst>
-          </p:cNvPr>
+              <a:t>Q: why python (for data science)</a:t>
+            </a:r>
+            <a:endParaRPr lang="en-US" dirty="0"/>
+          </a:p>
+        </p:txBody>
+      </p:sp>
+      <p:sp>
+        <p:nvSpPr>
+          <p:cNvPr id="3" name="Content Placeholder 2"/>
           <p:cNvSpPr>
             <a:spLocks noGrp="1"/>
           </p:cNvSpPr>
@@ -12368,111 +11736,55 @@
           <a:lstStyle/>
           <a:p>
             <a:r>
-              <a:rPr lang="en-US" dirty="0"/>
-              <a:t>Extensive packages and community</a:t>
-            </a:r>
+              <a:rPr lang="en-US" sz="3600" dirty="0">
+                <a:hlinkClick r:id="rId1"/>
+              </a:rPr>
+              <a:t>DS needs</a:t>
+            </a:r>
+            <a:endParaRPr lang="en-US" sz="3600" dirty="0"/>
+          </a:p>
+          <a:p>
+            <a:r>
+              <a:rPr lang="en-US" sz="3600" dirty="0">
+                <a:hlinkClick r:id="rId2"/>
+              </a:rPr>
+              <a:t>Glue language</a:t>
+            </a:r>
+            <a:endParaRPr lang="en-US" sz="3600" dirty="0"/>
           </a:p>
           <a:p>
             <a:pPr lvl="1"/>
             <a:r>
-              <a:rPr lang="en-US" dirty="0"/>
-              <a:t>Don’t need to re-invent the wheel</a:t>
-            </a:r>
+              <a:rPr lang="en-US" sz="3200" dirty="0"/>
+              <a:t>Easy for prototyping</a:t>
+            </a:r>
+            <a:endParaRPr lang="en-US" sz="3200" dirty="0"/>
           </a:p>
           <a:p>
             <a:pPr lvl="1"/>
             <a:r>
-              <a:rPr lang="en-US" dirty="0"/>
-              <a:t>version control with pip and </a:t>
-            </a:r>
-            <a:r>
-              <a:rPr lang="en-US" dirty="0" err="1"/>
-              <a:t>conda</a:t>
-            </a:r>
-            <a:endParaRPr lang="en-US" dirty="0"/>
+              <a:rPr lang="en-US" sz="3200" dirty="0"/>
+              <a:t>Delivers learning instead of software</a:t>
+            </a:r>
+            <a:endParaRPr lang="en-US" sz="3200" dirty="0"/>
           </a:p>
           <a:p>
             <a:pPr lvl="1"/>
             <a:r>
-              <a:rPr lang="en-US" dirty="0"/>
-              <a:t>Might not as </a:t>
-            </a:r>
-            <a:r>
-              <a:rPr lang="en-US" dirty="0" err="1"/>
-              <a:t>lastest</a:t>
-            </a:r>
-            <a:r>
-              <a:rPr lang="en-US" dirty="0"/>
-              <a:t> as R’s, especially relating to stats</a:t>
-            </a:r>
-          </a:p>
-          <a:p>
-            <a:r>
-              <a:rPr lang="en-US" dirty="0"/>
-              <a:t>walkaround to run fast</a:t>
-            </a:r>
-          </a:p>
-          <a:p>
-            <a:pPr lvl="1"/>
-            <a:r>
-              <a:rPr lang="en-US" dirty="0"/>
-              <a:t>Packages compiled in C (</a:t>
-            </a:r>
-            <a:r>
-              <a:rPr lang="en-US" dirty="0" err="1"/>
-              <a:t>numpy</a:t>
-            </a:r>
-            <a:r>
-              <a:rPr lang="en-US" dirty="0"/>
-              <a:t>)</a:t>
-            </a:r>
-          </a:p>
-          <a:p>
-            <a:pPr lvl="1"/>
-            <a:r>
-              <a:rPr lang="en-US" dirty="0"/>
-              <a:t>Scripts only used as configuration / definition (</a:t>
-            </a:r>
-            <a:r>
-              <a:rPr lang="en-US" dirty="0" err="1"/>
-              <a:t>tensorflow</a:t>
-            </a:r>
-            <a:r>
-              <a:rPr lang="en-US" dirty="0"/>
-              <a:t>, airflow)</a:t>
-            </a:r>
-          </a:p>
-          <a:p>
-            <a:pPr lvl="1"/>
-            <a:r>
-              <a:rPr lang="en-US" dirty="0"/>
-              <a:t>Software with python APIs (</a:t>
-            </a:r>
-            <a:r>
-              <a:rPr lang="en-US" dirty="0" err="1"/>
-              <a:t>pyomo</a:t>
-            </a:r>
-            <a:r>
-              <a:rPr lang="en-US" dirty="0"/>
-              <a:t>, </a:t>
-            </a:r>
-            <a:r>
-              <a:rPr lang="en-US" dirty="0" err="1"/>
-              <a:t>ipopt</a:t>
-            </a:r>
-            <a:r>
-              <a:rPr lang="en-US" dirty="0"/>
-              <a:t>, GCP components)</a:t>
-            </a:r>
+              <a:rPr lang="en-US" sz="3200" dirty="0"/>
+              <a:t>Has solution for all parts of ML pipeline (python APIs)</a:t>
+            </a:r>
+            <a:endParaRPr lang="en-US" sz="3200" dirty="0"/>
+          </a:p>
+          <a:p>
+            <a:pPr marL="0" indent="0">
+              <a:buNone/>
+            </a:pPr>
+            <a:endParaRPr lang="en-US" dirty="0"/>
           </a:p>
         </p:txBody>
       </p:sp>
     </p:spTree>
-    <p:extLst>
-      <p:ext uri="{BB962C8B-B14F-4D97-AF65-F5344CB8AC3E}">
-        <p14:creationId xmlns:p14="http://schemas.microsoft.com/office/powerpoint/2010/main" val="258371615"/>
-      </p:ext>
-    </p:extLst>
   </p:cSld>
   <p:clrMapOvr>
     <a:masterClrMapping/>
@@ -12499,13 +11811,7 @@
       </p:grpSpPr>
       <p:sp>
         <p:nvSpPr>
-          <p:cNvPr id="2" name="Title 1">
-            <a:extLst>
-              <a:ext uri="{FF2B5EF4-FFF2-40B4-BE49-F238E27FC236}">
-                <a16:creationId xmlns:a16="http://schemas.microsoft.com/office/drawing/2014/main" id="{641F2418-FAE3-4335-8AD7-4BD3518C3FE9}"/>
-              </a:ext>
-            </a:extLst>
-          </p:cNvPr>
+          <p:cNvPr id="2" name="Title 1"/>
           <p:cNvSpPr>
             <a:spLocks noGrp="1"/>
           </p:cNvSpPr>
@@ -12520,20 +11826,15 @@
           <a:p>
             <a:r>
               <a:rPr lang="en-US" dirty="0"/>
-              <a:t>Q: what tools to use</a:t>
-            </a:r>
-          </a:p>
-        </p:txBody>
-      </p:sp>
-      <p:sp>
-        <p:nvSpPr>
-          <p:cNvPr id="3" name="Content Placeholder 2">
-            <a:extLst>
-              <a:ext uri="{FF2B5EF4-FFF2-40B4-BE49-F238E27FC236}">
-                <a16:creationId xmlns:a16="http://schemas.microsoft.com/office/drawing/2014/main" id="{DB987097-788C-4A3D-9B22-2E414A3EF446}"/>
-              </a:ext>
-            </a:extLst>
-          </p:cNvPr>
+              <a:t>Why python (for data science)</a:t>
+            </a:r>
+            <a:endParaRPr lang="en-US" dirty="0"/>
+          </a:p>
+        </p:txBody>
+      </p:sp>
+      <p:sp>
+        <p:nvSpPr>
+          <p:cNvPr id="3" name="Content Placeholder 2"/>
           <p:cNvSpPr>
             <a:spLocks noGrp="1"/>
           </p:cNvSpPr>
@@ -12543,71 +11844,119 @@
         </p:nvSpPr>
         <p:spPr/>
         <p:txBody>
-          <a:bodyPr/>
+          <a:bodyPr>
+            <a:normAutofit/>
+          </a:bodyPr>
           <a:lstStyle/>
           <a:p>
             <a:r>
               <a:rPr lang="en-US" dirty="0"/>
-              <a:t>If you haven’t a preference yet </a:t>
-            </a:r>
+              <a:t>Extensive packages and community</a:t>
+            </a:r>
+            <a:endParaRPr lang="en-US" dirty="0"/>
           </a:p>
           <a:p>
             <a:pPr lvl="1"/>
             <a:r>
+              <a:rPr lang="en-US" dirty="0"/>
+              <a:t>Don’t need to re-invent the wheel</a:t>
+            </a:r>
+            <a:endParaRPr lang="en-US" dirty="0"/>
+          </a:p>
+          <a:p>
+            <a:pPr lvl="1"/>
+            <a:r>
+              <a:rPr lang="en-US" dirty="0"/>
+              <a:t>version control with pip and </a:t>
+            </a:r>
+            <a:r>
               <a:rPr lang="en-US" dirty="0" err="1"/>
-              <a:t>Jupyter</a:t>
-            </a:r>
-            <a:r>
-              <a:rPr lang="en-US" dirty="0"/>
-              <a:t> notebook / lab</a:t>
-            </a:r>
+              <a:t>conda</a:t>
+            </a:r>
+            <a:endParaRPr lang="en-US" dirty="0"/>
           </a:p>
           <a:p>
             <a:pPr lvl="1"/>
             <a:r>
+              <a:rPr lang="en-US" dirty="0"/>
+              <a:t>Might not as </a:t>
+            </a:r>
+            <a:r>
               <a:rPr lang="en-US" dirty="0" err="1"/>
-              <a:t>Vscode</a:t>
-            </a:r>
-            <a:endParaRPr lang="en-US" dirty="0"/>
-          </a:p>
-          <a:p>
-            <a:r>
-              <a:rPr lang="en-US" dirty="0"/>
-              <a:t>(Worry later) environment and dependency</a:t>
-            </a:r>
+              <a:t>lastest</a:t>
+            </a:r>
+            <a:r>
+              <a:rPr lang="en-US" dirty="0"/>
+              <a:t> as R’s, especially relating to stats</a:t>
+            </a:r>
+            <a:endParaRPr lang="en-US" dirty="0"/>
+          </a:p>
+          <a:p>
+            <a:r>
+              <a:rPr lang="en-US" dirty="0"/>
+              <a:t>walkaround to run fast</a:t>
+            </a:r>
+            <a:endParaRPr lang="en-US" dirty="0"/>
           </a:p>
           <a:p>
             <a:pPr lvl="1"/>
             <a:r>
               <a:rPr lang="en-US" dirty="0"/>
-              <a:t>Linux / Unix &gt;&gt; windows</a:t>
-            </a:r>
+              <a:t>Packages compiled in C (</a:t>
+            </a:r>
+            <a:r>
+              <a:rPr lang="en-US" dirty="0" err="1"/>
+              <a:t>numpy</a:t>
+            </a:r>
+            <a:r>
+              <a:rPr lang="en-US" dirty="0"/>
+              <a:t>)</a:t>
+            </a:r>
+            <a:endParaRPr lang="en-US" dirty="0"/>
           </a:p>
           <a:p>
             <a:pPr lvl="1"/>
             <a:r>
               <a:rPr lang="en-US" dirty="0"/>
-              <a:t>WSL</a:t>
-            </a:r>
+              <a:t>Scripts only used as configuration / definition (</a:t>
+            </a:r>
+            <a:r>
+              <a:rPr lang="en-US" dirty="0" err="1"/>
+              <a:t>tensorflow</a:t>
+            </a:r>
+            <a:r>
+              <a:rPr lang="en-US" dirty="0"/>
+              <a:t>, airflow)</a:t>
+            </a:r>
+            <a:endParaRPr lang="en-US" dirty="0"/>
           </a:p>
           <a:p>
             <a:pPr lvl="1"/>
             <a:r>
               <a:rPr lang="en-US" dirty="0"/>
-              <a:t>docker</a:t>
-            </a:r>
-          </a:p>
-          <a:p>
+              <a:t>Software with python APIs (</a:t>
+            </a:r>
+            <a:r>
+              <a:rPr lang="en-US" dirty="0" err="1"/>
+              <a:t>pyomo</a:t>
+            </a:r>
+            <a:r>
+              <a:rPr lang="en-US" dirty="0"/>
+              <a:t>, </a:t>
+            </a:r>
+            <a:r>
+              <a:rPr lang="en-US" dirty="0" err="1"/>
+              <a:t>ipopt</a:t>
+            </a:r>
+            <a:r>
+              <a:rPr lang="en-US" dirty="0"/>
+              <a:t>, GCP components)</a:t>
+            </a:r>
             <a:endParaRPr lang="en-US" dirty="0"/>
           </a:p>
         </p:txBody>
       </p:sp>
     </p:spTree>
-    <p:extLst>
-      <p:ext uri="{BB962C8B-B14F-4D97-AF65-F5344CB8AC3E}">
-        <p14:creationId xmlns:p14="http://schemas.microsoft.com/office/powerpoint/2010/main" val="3112252378"/>
-      </p:ext>
-    </p:extLst>
   </p:cSld>
   <p:clrMapOvr>
     <a:masterClrMapping/>
@@ -12634,13 +11983,7 @@
       </p:grpSpPr>
       <p:sp>
         <p:nvSpPr>
-          <p:cNvPr id="2" name="Title 1">
-            <a:extLst>
-              <a:ext uri="{FF2B5EF4-FFF2-40B4-BE49-F238E27FC236}">
-                <a16:creationId xmlns:a16="http://schemas.microsoft.com/office/drawing/2014/main" id="{F1BFB600-0C60-4D8F-A50C-AEBAA1CE3BBA}"/>
-              </a:ext>
-            </a:extLst>
-          </p:cNvPr>
+          <p:cNvPr id="2" name="Title 1"/>
           <p:cNvSpPr>
             <a:spLocks noGrp="1"/>
           </p:cNvSpPr>
@@ -12655,28 +11998,15 @@
           <a:p>
             <a:r>
               <a:rPr lang="en-US" dirty="0"/>
-              <a:t>Demo 1: </a:t>
-            </a:r>
-            <a:r>
-              <a:rPr lang="en-US" dirty="0" err="1"/>
-              <a:t>jupyter</a:t>
-            </a:r>
-            <a:r>
-              <a:rPr lang="en-US" dirty="0"/>
-              <a:t> interface</a:t>
-            </a:r>
-          </a:p>
-        </p:txBody>
-      </p:sp>
-      <p:sp>
-        <p:nvSpPr>
-          <p:cNvPr id="3" name="Content Placeholder 2">
-            <a:extLst>
-              <a:ext uri="{FF2B5EF4-FFF2-40B4-BE49-F238E27FC236}">
-                <a16:creationId xmlns:a16="http://schemas.microsoft.com/office/drawing/2014/main" id="{00D45CEB-960E-42E5-9D85-BFBA5DFAEF83}"/>
-              </a:ext>
-            </a:extLst>
-          </p:cNvPr>
+              <a:t>Q: what tools to use</a:t>
+            </a:r>
+            <a:endParaRPr lang="en-US" dirty="0"/>
+          </a:p>
+        </p:txBody>
+      </p:sp>
+      <p:sp>
+        <p:nvSpPr>
+          <p:cNvPr id="3" name="Content Placeholder 2"/>
           <p:cNvSpPr>
             <a:spLocks noGrp="1"/>
           </p:cNvSpPr>
@@ -12689,16 +12019,69 @@
           <a:bodyPr/>
           <a:lstStyle/>
           <a:p>
-            <a:endParaRPr lang="en-US"/>
+            <a:r>
+              <a:rPr lang="en-US" dirty="0"/>
+              <a:t>If you haven’t a preference yet </a:t>
+            </a:r>
+            <a:endParaRPr lang="en-US" dirty="0"/>
+          </a:p>
+          <a:p>
+            <a:pPr lvl="1"/>
+            <a:r>
+              <a:rPr lang="en-US" dirty="0" err="1"/>
+              <a:t>Jupyter</a:t>
+            </a:r>
+            <a:r>
+              <a:rPr lang="en-US" dirty="0"/>
+              <a:t> notebook / lab</a:t>
+            </a:r>
+            <a:endParaRPr lang="en-US" dirty="0"/>
+          </a:p>
+          <a:p>
+            <a:pPr lvl="1"/>
+            <a:r>
+              <a:rPr lang="en-US" dirty="0" err="1"/>
+              <a:t>Vscode</a:t>
+            </a:r>
+            <a:endParaRPr lang="en-US" dirty="0"/>
+          </a:p>
+          <a:p>
+            <a:r>
+              <a:rPr lang="en-US" dirty="0"/>
+              <a:t>(Worry later) environment and dependency</a:t>
+            </a:r>
+            <a:endParaRPr lang="en-US" dirty="0"/>
+          </a:p>
+          <a:p>
+            <a:pPr lvl="1"/>
+            <a:r>
+              <a:rPr lang="en-US" dirty="0"/>
+              <a:t>Linux / Unix &gt;&gt; windows</a:t>
+            </a:r>
+            <a:endParaRPr lang="en-US" dirty="0"/>
+          </a:p>
+          <a:p>
+            <a:pPr lvl="1"/>
+            <a:r>
+              <a:rPr lang="en-US" dirty="0"/>
+              <a:t>WSL</a:t>
+            </a:r>
+            <a:endParaRPr lang="en-US" dirty="0"/>
+          </a:p>
+          <a:p>
+            <a:pPr lvl="1"/>
+            <a:r>
+              <a:rPr lang="en-US" dirty="0"/>
+              <a:t>docker</a:t>
+            </a:r>
+            <a:endParaRPr lang="en-US" dirty="0"/>
+          </a:p>
+          <a:p>
+            <a:endParaRPr lang="en-US" dirty="0"/>
           </a:p>
         </p:txBody>
       </p:sp>
     </p:spTree>
-    <p:extLst>
-      <p:ext uri="{BB962C8B-B14F-4D97-AF65-F5344CB8AC3E}">
-        <p14:creationId xmlns:p14="http://schemas.microsoft.com/office/powerpoint/2010/main" val="281520158"/>
-      </p:ext>
-    </p:extLst>
   </p:cSld>
   <p:clrMapOvr>
     <a:masterClrMapping/>
@@ -12725,13 +12108,7 @@
       </p:grpSpPr>
       <p:sp>
         <p:nvSpPr>
-          <p:cNvPr id="2" name="Title 1">
-            <a:extLst>
-              <a:ext uri="{FF2B5EF4-FFF2-40B4-BE49-F238E27FC236}">
-                <a16:creationId xmlns:a16="http://schemas.microsoft.com/office/drawing/2014/main" id="{DE9BE244-FFEC-4ECA-8950-68928C79164D}"/>
-              </a:ext>
-            </a:extLst>
-          </p:cNvPr>
+          <p:cNvPr id="2" name="Title 1"/>
           <p:cNvSpPr>
             <a:spLocks noGrp="1"/>
           </p:cNvSpPr>
@@ -12745,25 +12122,24 @@
           <a:lstStyle/>
           <a:p>
             <a:r>
-              <a:rPr lang="en-US"/>
-              <a:t>programming </a:t>
-            </a:r>
-            <a:r>
-              <a:rPr lang="en-US" dirty="0"/>
-              <a:t>vocabularies</a:t>
-            </a:r>
-          </a:p>
-        </p:txBody>
-      </p:sp>
-      <p:sp>
-        <p:nvSpPr>
-          <p:cNvPr id="3" name="Content Placeholder 2">
-            <a:extLst>
-              <a:ext uri="{FF2B5EF4-FFF2-40B4-BE49-F238E27FC236}">
-                <a16:creationId xmlns:a16="http://schemas.microsoft.com/office/drawing/2014/main" id="{D9D0EE8C-DFA9-4B25-B6FB-69753AFBE8A7}"/>
-              </a:ext>
-            </a:extLst>
-          </p:cNvPr>
+              <a:rPr lang="en-US" dirty="0"/>
+              <a:t>Demo 1: </a:t>
+            </a:r>
+            <a:r>
+              <a:rPr lang="en-US" dirty="0" err="1"/>
+              <a:t>jupyter</a:t>
+            </a:r>
+            <a:r>
+              <a:rPr lang="en-US" dirty="0"/>
+              <a:t> interface</a:t>
+            </a:r>
+            <a:endParaRPr lang="en-US" dirty="0"/>
+          </a:p>
+        </p:txBody>
+      </p:sp>
+      <p:sp>
+        <p:nvSpPr>
+          <p:cNvPr id="3" name="Content Placeholder 2"/>
           <p:cNvSpPr>
             <a:spLocks noGrp="1"/>
           </p:cNvSpPr>
@@ -12773,108 +12149,14 @@
         </p:nvSpPr>
         <p:spPr/>
         <p:txBody>
-          <a:bodyPr>
-            <a:normAutofit lnSpcReduction="10000"/>
-          </a:bodyPr>
+          <a:bodyPr/>
           <a:lstStyle/>
           <a:p>
-            <a:r>
-              <a:rPr lang="en-US" dirty="0"/>
-              <a:t>Data types</a:t>
-            </a:r>
-          </a:p>
-          <a:p>
-            <a:pPr lvl="1"/>
-            <a:r>
-              <a:rPr lang="en-US" dirty="0"/>
-              <a:t>Numeric</a:t>
-            </a:r>
-          </a:p>
-          <a:p>
-            <a:pPr lvl="1"/>
-            <a:r>
-              <a:rPr lang="en-US" dirty="0"/>
-              <a:t>Boolean</a:t>
-            </a:r>
-          </a:p>
-          <a:p>
-            <a:pPr lvl="1"/>
-            <a:r>
-              <a:rPr lang="en-US" dirty="0"/>
-              <a:t>Sequence</a:t>
-            </a:r>
-          </a:p>
-          <a:p>
-            <a:pPr lvl="1"/>
-            <a:r>
-              <a:rPr lang="en-US" dirty="0"/>
-              <a:t>Dictionary</a:t>
-            </a:r>
-          </a:p>
-          <a:p>
-            <a:pPr lvl="1"/>
-            <a:r>
-              <a:rPr lang="en-US" dirty="0"/>
-              <a:t>…</a:t>
-            </a:r>
-          </a:p>
-          <a:p>
-            <a:r>
-              <a:rPr lang="en-US" dirty="0"/>
-              <a:t>Control flow</a:t>
-            </a:r>
-          </a:p>
-          <a:p>
-            <a:pPr lvl="1"/>
-            <a:r>
-              <a:rPr lang="en-US" dirty="0"/>
-              <a:t>If … </a:t>
-            </a:r>
-            <a:r>
-              <a:rPr lang="en-US" dirty="0" err="1"/>
-              <a:t>elif</a:t>
-            </a:r>
-            <a:r>
-              <a:rPr lang="en-US" dirty="0"/>
-              <a:t> … else</a:t>
-            </a:r>
-          </a:p>
-          <a:p>
-            <a:pPr lvl="1"/>
-            <a:r>
-              <a:rPr lang="en-US" dirty="0"/>
-              <a:t>For …</a:t>
-            </a:r>
-          </a:p>
-          <a:p>
-            <a:pPr lvl="1"/>
-            <a:r>
-              <a:rPr lang="en-US" dirty="0"/>
-              <a:t>While …</a:t>
-            </a:r>
-          </a:p>
-          <a:p>
-            <a:pPr lvl="1"/>
-            <a:r>
-              <a:rPr lang="en-US" dirty="0"/>
-              <a:t>…</a:t>
-            </a:r>
-          </a:p>
-          <a:p>
-            <a:pPr lvl="1"/>
-            <a:endParaRPr lang="en-US" dirty="0"/>
-          </a:p>
-          <a:p>
-            <a:endParaRPr lang="en-US" dirty="0"/>
+            <a:endParaRPr lang="en-US"/>
           </a:p>
         </p:txBody>
       </p:sp>
     </p:spTree>
-    <p:extLst>
-      <p:ext uri="{BB962C8B-B14F-4D97-AF65-F5344CB8AC3E}">
-        <p14:creationId xmlns:p14="http://schemas.microsoft.com/office/powerpoint/2010/main" val="439385333"/>
-      </p:ext>
-    </p:extLst>
   </p:cSld>
   <p:clrMapOvr>
     <a:masterClrMapping/>
@@ -12925,7 +12207,7 @@
     </a:clrScheme>
     <a:fontScheme name="Office">
       <a:majorFont>
-        <a:latin typeface="Calibri Light" panose="020F0302020204030204"/>
+        <a:latin typeface="Calibri Light"/>
         <a:ea typeface=""/>
         <a:cs typeface=""/>
         <a:font script="Jpan" typeface="游ゴシック Light"/>
@@ -12958,26 +12240,9 @@
         <a:font script="Viet" typeface="Times New Roman"/>
         <a:font script="Uigh" typeface="Microsoft Uighur"/>
         <a:font script="Geor" typeface="Sylfaen"/>
-        <a:font script="Armn" typeface="Arial"/>
-        <a:font script="Bugi" typeface="Leelawadee UI"/>
-        <a:font script="Bopo" typeface="Microsoft JhengHei"/>
-        <a:font script="Java" typeface="Javanese Text"/>
-        <a:font script="Lisu" typeface="Segoe UI"/>
-        <a:font script="Mymr" typeface="Myanmar Text"/>
-        <a:font script="Nkoo" typeface="Ebrima"/>
-        <a:font script="Olck" typeface="Nirmala UI"/>
-        <a:font script="Osma" typeface="Ebrima"/>
-        <a:font script="Phag" typeface="Phagspa"/>
-        <a:font script="Syrn" typeface="Estrangelo Edessa"/>
-        <a:font script="Syrj" typeface="Estrangelo Edessa"/>
-        <a:font script="Syre" typeface="Estrangelo Edessa"/>
-        <a:font script="Sora" typeface="Nirmala UI"/>
-        <a:font script="Tale" typeface="Microsoft Tai Le"/>
-        <a:font script="Talu" typeface="Microsoft New Tai Lue"/>
-        <a:font script="Tfng" typeface="Ebrima"/>
       </a:majorFont>
       <a:minorFont>
-        <a:latin typeface="Calibri" panose="020F0502020204030204"/>
+        <a:latin typeface="Calibri"/>
         <a:ea typeface=""/>
         <a:cs typeface=""/>
         <a:font script="Jpan" typeface="游ゴシック"/>
@@ -13010,23 +12275,6 @@
         <a:font script="Viet" typeface="Arial"/>
         <a:font script="Uigh" typeface="Microsoft Uighur"/>
         <a:font script="Geor" typeface="Sylfaen"/>
-        <a:font script="Armn" typeface="Arial"/>
-        <a:font script="Bugi" typeface="Leelawadee UI"/>
-        <a:font script="Bopo" typeface="Microsoft JhengHei"/>
-        <a:font script="Java" typeface="Javanese Text"/>
-        <a:font script="Lisu" typeface="Segoe UI"/>
-        <a:font script="Mymr" typeface="Myanmar Text"/>
-        <a:font script="Nkoo" typeface="Ebrima"/>
-        <a:font script="Olck" typeface="Nirmala UI"/>
-        <a:font script="Osma" typeface="Ebrima"/>
-        <a:font script="Phag" typeface="Phagspa"/>
-        <a:font script="Syrn" typeface="Estrangelo Edessa"/>
-        <a:font script="Syrj" typeface="Estrangelo Edessa"/>
-        <a:font script="Syre" typeface="Estrangelo Edessa"/>
-        <a:font script="Sora" typeface="Nirmala UI"/>
-        <a:font script="Tale" typeface="Microsoft Tai Le"/>
-        <a:font script="Talu" typeface="Microsoft New Tai Lue"/>
-        <a:font script="Tfng" typeface="Ebrima"/>
       </a:minorFont>
     </a:fontScheme>
     <a:fmtScheme name="Office">
@@ -13167,8 +12415,6 @@
       </a:bgFillStyleLst>
     </a:fmtScheme>
   </a:themeElements>
-  <a:objectDefaults/>
-  <a:extraClrSchemeLst/>
   <a:extLst>
     <a:ext uri="{05A4C25C-085E-4340-85A3-A5531E510DB2}">
       <thm15:themeFamily xmlns:thm15="http://schemas.microsoft.com/office/thememl/2012/main" name="Office Theme" id="{62F939B6-93AF-4DB8-9C6B-D6C7DFDC589F}" vid="{4A3C46E8-61CC-4603-A589-7422A47A8E4A}"/>
@@ -13220,7 +12466,7 @@
     </a:clrScheme>
     <a:fontScheme name="Office">
       <a:majorFont>
-        <a:latin typeface="Calibri Light" panose="020F0302020204030204"/>
+        <a:latin typeface="Calibri Light"/>
         <a:ea typeface=""/>
         <a:cs typeface=""/>
         <a:font script="Jpan" typeface="游ゴシック Light"/>
@@ -13253,26 +12499,9 @@
         <a:font script="Viet" typeface="Times New Roman"/>
         <a:font script="Uigh" typeface="Microsoft Uighur"/>
         <a:font script="Geor" typeface="Sylfaen"/>
-        <a:font script="Armn" typeface="Arial"/>
-        <a:font script="Bugi" typeface="Leelawadee UI"/>
-        <a:font script="Bopo" typeface="Microsoft JhengHei"/>
-        <a:font script="Java" typeface="Javanese Text"/>
-        <a:font script="Lisu" typeface="Segoe UI"/>
-        <a:font script="Mymr" typeface="Myanmar Text"/>
-        <a:font script="Nkoo" typeface="Ebrima"/>
-        <a:font script="Olck" typeface="Nirmala UI"/>
-        <a:font script="Osma" typeface="Ebrima"/>
-        <a:font script="Phag" typeface="Phagspa"/>
-        <a:font script="Syrn" typeface="Estrangelo Edessa"/>
-        <a:font script="Syrj" typeface="Estrangelo Edessa"/>
-        <a:font script="Syre" typeface="Estrangelo Edessa"/>
-        <a:font script="Sora" typeface="Nirmala UI"/>
-        <a:font script="Tale" typeface="Microsoft Tai Le"/>
-        <a:font script="Talu" typeface="Microsoft New Tai Lue"/>
-        <a:font script="Tfng" typeface="Ebrima"/>
       </a:majorFont>
       <a:minorFont>
-        <a:latin typeface="Calibri" panose="020F0502020204030204"/>
+        <a:latin typeface="Calibri"/>
         <a:ea typeface=""/>
         <a:cs typeface=""/>
         <a:font script="Jpan" typeface="游ゴシック"/>
@@ -13305,23 +12534,6 @@
         <a:font script="Viet" typeface="Arial"/>
         <a:font script="Uigh" typeface="Microsoft Uighur"/>
         <a:font script="Geor" typeface="Sylfaen"/>
-        <a:font script="Armn" typeface="Arial"/>
-        <a:font script="Bugi" typeface="Leelawadee UI"/>
-        <a:font script="Bopo" typeface="Microsoft JhengHei"/>
-        <a:font script="Java" typeface="Javanese Text"/>
-        <a:font script="Lisu" typeface="Segoe UI"/>
-        <a:font script="Mymr" typeface="Myanmar Text"/>
-        <a:font script="Nkoo" typeface="Ebrima"/>
-        <a:font script="Olck" typeface="Nirmala UI"/>
-        <a:font script="Osma" typeface="Ebrima"/>
-        <a:font script="Phag" typeface="Phagspa"/>
-        <a:font script="Syrn" typeface="Estrangelo Edessa"/>
-        <a:font script="Syrj" typeface="Estrangelo Edessa"/>
-        <a:font script="Syre" typeface="Estrangelo Edessa"/>
-        <a:font script="Sora" typeface="Nirmala UI"/>
-        <a:font script="Tale" typeface="Microsoft Tai Le"/>
-        <a:font script="Talu" typeface="Microsoft New Tai Lue"/>
-        <a:font script="Tfng" typeface="Ebrima"/>
       </a:minorFont>
     </a:fontScheme>
     <a:fmtScheme name="Office">
@@ -13462,8 +12674,6 @@
       </a:bgFillStyleLst>
     </a:fmtScheme>
   </a:themeElements>
-  <a:objectDefaults/>
-  <a:extraClrSchemeLst/>
   <a:extLst>
     <a:ext uri="{05A4C25C-085E-4340-85A3-A5531E510DB2}">
       <thm15:themeFamily xmlns:thm15="http://schemas.microsoft.com/office/thememl/2012/main" name="Office Theme" id="{62F939B6-93AF-4DB8-9C6B-D6C7DFDC589F}" vid="{4A3C46E8-61CC-4603-A589-7422A47A8E4A}"/>

--- a/Intro.pptx
+++ b/Intro.pptx
@@ -5,41 +5,42 @@
     <p:sldMasterId id="2147483648" r:id="rId1"/>
   </p:sldMasterIdLst>
   <p:notesMasterIdLst>
-    <p:notesMasterId r:id="rId5"/>
+    <p:notesMasterId r:id="rId35"/>
   </p:notesMasterIdLst>
   <p:sldIdLst>
-    <p:sldId id="256" r:id="rId3"/>
-    <p:sldId id="258" r:id="rId4"/>
-    <p:sldId id="265" r:id="rId6"/>
-    <p:sldId id="257" r:id="rId7"/>
-    <p:sldId id="303" r:id="rId8"/>
-    <p:sldId id="259" r:id="rId9"/>
-    <p:sldId id="264" r:id="rId10"/>
-    <p:sldId id="260" r:id="rId11"/>
-    <p:sldId id="268" r:id="rId12"/>
-    <p:sldId id="275" r:id="rId13"/>
-    <p:sldId id="277" r:id="rId14"/>
-    <p:sldId id="279" r:id="rId15"/>
-    <p:sldId id="276" r:id="rId16"/>
-    <p:sldId id="282" r:id="rId17"/>
-    <p:sldId id="283" r:id="rId18"/>
-    <p:sldId id="281" r:id="rId19"/>
-    <p:sldId id="285" r:id="rId20"/>
-    <p:sldId id="286" r:id="rId21"/>
-    <p:sldId id="288" r:id="rId22"/>
-    <p:sldId id="287" r:id="rId23"/>
-    <p:sldId id="289" r:id="rId24"/>
-    <p:sldId id="272" r:id="rId25"/>
-    <p:sldId id="261" r:id="rId26"/>
-    <p:sldId id="270" r:id="rId27"/>
-    <p:sldId id="271" r:id="rId28"/>
-    <p:sldId id="290" r:id="rId29"/>
-    <p:sldId id="274" r:id="rId30"/>
-    <p:sldId id="262" r:id="rId31"/>
-    <p:sldId id="263" r:id="rId32"/>
-    <p:sldId id="266" r:id="rId33"/>
-    <p:sldId id="267" r:id="rId34"/>
-    <p:sldId id="302" r:id="rId35"/>
+    <p:sldId id="256" r:id="rId2"/>
+    <p:sldId id="258" r:id="rId3"/>
+    <p:sldId id="265" r:id="rId4"/>
+    <p:sldId id="257" r:id="rId5"/>
+    <p:sldId id="303" r:id="rId6"/>
+    <p:sldId id="259" r:id="rId7"/>
+    <p:sldId id="264" r:id="rId8"/>
+    <p:sldId id="260" r:id="rId9"/>
+    <p:sldId id="268" r:id="rId10"/>
+    <p:sldId id="275" r:id="rId11"/>
+    <p:sldId id="277" r:id="rId12"/>
+    <p:sldId id="279" r:id="rId13"/>
+    <p:sldId id="276" r:id="rId14"/>
+    <p:sldId id="282" r:id="rId15"/>
+    <p:sldId id="283" r:id="rId16"/>
+    <p:sldId id="281" r:id="rId17"/>
+    <p:sldId id="285" r:id="rId18"/>
+    <p:sldId id="286" r:id="rId19"/>
+    <p:sldId id="288" r:id="rId20"/>
+    <p:sldId id="287" r:id="rId21"/>
+    <p:sldId id="289" r:id="rId22"/>
+    <p:sldId id="272" r:id="rId23"/>
+    <p:sldId id="261" r:id="rId24"/>
+    <p:sldId id="270" r:id="rId25"/>
+    <p:sldId id="271" r:id="rId26"/>
+    <p:sldId id="290" r:id="rId27"/>
+    <p:sldId id="274" r:id="rId28"/>
+    <p:sldId id="262" r:id="rId29"/>
+    <p:sldId id="263" r:id="rId30"/>
+    <p:sldId id="266" r:id="rId31"/>
+    <p:sldId id="304" r:id="rId32"/>
+    <p:sldId id="267" r:id="rId33"/>
+    <p:sldId id="302" r:id="rId34"/>
   </p:sldIdLst>
   <p:sldSz cx="12192000" cy="6858000"/>
   <p:notesSz cx="6858000" cy="9144000"/>
@@ -141,13 +142,9 @@
   <p:extLst>
     <p:ext uri="{521415D9-36F7-43E2-AB2F-B90AF26B5E84}">
       <p14:sectionLst xmlns:p14="http://schemas.microsoft.com/office/powerpoint/2010/main">
-        <p14:section name="默认节" id="{c582ab3f-a5fe-4d6f-9115-146eb5c86743}">
+        <p14:section name="MentalPrepare" id="{25649EBE-C188-432F-8595-72A5AFF3295D}">
           <p14:sldIdLst>
             <p14:sldId id="256"/>
-          </p14:sldIdLst>
-        </p14:section>
-        <p14:section name="MentalPrepare" id="{25649ebe-c188-432f-8595-72a5aff3295d}">
-          <p14:sldIdLst>
             <p14:sldId id="258"/>
             <p14:sldId id="265"/>
             <p14:sldId id="257"/>
@@ -158,7 +155,7 @@
             <p14:sldId id="268"/>
           </p14:sldIdLst>
         </p14:section>
-        <p14:section name="Basics_readCode" id="{3d2ccb80-0824-4d79-84d6-60c1afc4f6de}">
+        <p14:section name="Basics_readCode" id="{3D2CCB80-0824-4D79-84D6-60C1AFC4F6DE}">
           <p14:sldIdLst>
             <p14:sldId id="275"/>
             <p14:sldId id="277"/>
@@ -166,16 +163,16 @@
             <p14:sldId id="276"/>
             <p14:sldId id="282"/>
             <p14:sldId id="283"/>
+            <p14:sldId id="281"/>
             <p14:sldId id="285"/>
             <p14:sldId id="286"/>
             <p14:sldId id="288"/>
             <p14:sldId id="287"/>
             <p14:sldId id="289"/>
             <p14:sldId id="272"/>
-            <p14:sldId id="281"/>
           </p14:sldIdLst>
         </p14:section>
-        <p14:section name="WriteBetterCode" id="{9714212b-e7f1-465a-a91c-73033fcb63fb}">
+        <p14:section name="WriteBetterCode" id="{9714212B-E7F1-465A-A91C-73033FCB63FB}">
           <p14:sldIdLst>
             <p14:sldId id="261"/>
             <p14:sldId id="270"/>
@@ -186,21 +183,25 @@
             <p14:sldId id="263"/>
           </p14:sldIdLst>
         </p14:section>
-        <p14:section name="Conclusion" id="{4118c437-2137-4706-a389-4be976ef80ec}">
+        <p14:section name="Conclusion" id="{4118C437-2137-4706-A389-4BE976EF80EC}">
           <p14:sldIdLst>
             <p14:sldId id="266"/>
+            <p14:sldId id="304"/>
             <p14:sldId id="267"/>
             <p14:sldId id="302"/>
           </p14:sldIdLst>
         </p14:section>
       </p14:sectionLst>
     </p:ext>
+    <p:ext uri="{EFAFB233-063F-42B5-8137-9DF3F51BA10A}">
+      <p15:sldGuideLst xmlns:p15="http://schemas.microsoft.com/office/powerpoint/2012/main"/>
+    </p:ext>
   </p:extLst>
 </p:presentation>
 </file>
 
 <file path=ppt/diagrams/colors1.xml><?xml version="1.0" encoding="utf-8"?>
-<dgm:colorsDef xmlns:dgm="http://schemas.openxmlformats.org/drawingml/2006/diagram" xmlns:a="http://schemas.openxmlformats.org/drawingml/2006/main" uniqueId="urn:microsoft.com/office/officeart/2005/8/colors/accent3_2">
+<dgm:colorsDef xmlns:dgm="http://schemas.openxmlformats.org/drawingml/2006/diagram" xmlns:a="http://schemas.openxmlformats.org/drawingml/2006/main" uniqueId="urn:microsoft.com/office/officeart/2005/8/colors/accent3_2#1">
   <dgm:title val=""/>
   <dgm:desc val=""/>
   <dgm:catLst>
@@ -950,7 +951,7 @@
 <dgm:dataModel xmlns:dgm="http://schemas.openxmlformats.org/drawingml/2006/diagram" xmlns:a="http://schemas.openxmlformats.org/drawingml/2006/main">
   <dgm:ptLst>
     <dgm:pt modelId="{24794AB0-8FAF-4185-9DB8-05F27CAD2A0D}" type="doc">
-      <dgm:prSet loTypeId="urn:microsoft.com/office/officeart/2005/8/layout/process5" loCatId="process" qsTypeId="urn:microsoft.com/office/officeart/2005/8/quickstyle/simple1" qsCatId="simple" csTypeId="urn:microsoft.com/office/officeart/2005/8/colors/accent3_2" csCatId="accent3" phldr="1"/>
+      <dgm:prSet loTypeId="urn:microsoft.com/office/officeart/2005/8/layout/process5#1" loCatId="process" qsTypeId="urn:microsoft.com/office/officeart/2005/8/quickstyle/simple1#1" qsCatId="simple" csTypeId="urn:microsoft.com/office/officeart/2005/8/colors/accent3_2#1" csCatId="accent3" phldr="1"/>
       <dgm:spPr/>
       <dgm:t>
         <a:bodyPr/>
@@ -974,7 +975,7 @@
         </a:p>
       </dgm:t>
     </dgm:pt>
-    <dgm:pt modelId="{C4E2901D-F9F3-4DF4-81DB-34E89D018E20}" cxnId="{F1CD984F-9394-4E31-BC1B-BCE850CF9B3A}" type="parTrans">
+    <dgm:pt modelId="{C4E2901D-F9F3-4DF4-81DB-34E89D018E20}" type="parTrans" cxnId="{F1CD984F-9394-4E31-BC1B-BCE850CF9B3A}">
       <dgm:prSet/>
       <dgm:spPr/>
       <dgm:t>
@@ -985,7 +986,7 @@
         </a:p>
       </dgm:t>
     </dgm:pt>
-    <dgm:pt modelId="{E7A9F034-9FAF-4467-B13A-1B4489934856}" cxnId="{F1CD984F-9394-4E31-BC1B-BCE850CF9B3A}" type="sibTrans">
+    <dgm:pt modelId="{E7A9F034-9FAF-4467-B13A-1B4489934856}" type="sibTrans" cxnId="{F1CD984F-9394-4E31-BC1B-BCE850CF9B3A}">
       <dgm:prSet/>
       <dgm:spPr/>
       <dgm:t>
@@ -1010,7 +1011,7 @@
         </a:p>
       </dgm:t>
     </dgm:pt>
-    <dgm:pt modelId="{F646DE2A-E2E4-46E8-A0C5-35A081CCDC48}" cxnId="{24662723-51F1-420B-AD88-69AFAE5CF7F0}" type="parTrans">
+    <dgm:pt modelId="{F646DE2A-E2E4-46E8-A0C5-35A081CCDC48}" type="parTrans" cxnId="{24662723-51F1-420B-AD88-69AFAE5CF7F0}">
       <dgm:prSet/>
       <dgm:spPr/>
       <dgm:t>
@@ -1021,7 +1022,7 @@
         </a:p>
       </dgm:t>
     </dgm:pt>
-    <dgm:pt modelId="{DF4ADE36-03AA-45E4-A8DF-DA4583253ED7}" cxnId="{24662723-51F1-420B-AD88-69AFAE5CF7F0}" type="sibTrans">
+    <dgm:pt modelId="{DF4ADE36-03AA-45E4-A8DF-DA4583253ED7}" type="sibTrans" cxnId="{24662723-51F1-420B-AD88-69AFAE5CF7F0}">
       <dgm:prSet/>
       <dgm:spPr/>
       <dgm:t>
@@ -1046,7 +1047,7 @@
         </a:p>
       </dgm:t>
     </dgm:pt>
-    <dgm:pt modelId="{FF19D409-37A8-4C36-981A-13ADBEE7F4EC}" cxnId="{1C37A94F-5B61-4E14-81BA-07F10C38E37E}" type="parTrans">
+    <dgm:pt modelId="{FF19D409-37A8-4C36-981A-13ADBEE7F4EC}" type="parTrans" cxnId="{1C37A94F-5B61-4E14-81BA-07F10C38E37E}">
       <dgm:prSet/>
       <dgm:spPr/>
       <dgm:t>
@@ -1057,7 +1058,7 @@
         </a:p>
       </dgm:t>
     </dgm:pt>
-    <dgm:pt modelId="{2042D633-6E6A-4499-B840-34D24E6B904A}" cxnId="{1C37A94F-5B61-4E14-81BA-07F10C38E37E}" type="sibTrans">
+    <dgm:pt modelId="{2042D633-6E6A-4499-B840-34D24E6B904A}" type="sibTrans" cxnId="{1C37A94F-5B61-4E14-81BA-07F10C38E37E}">
       <dgm:prSet/>
       <dgm:spPr/>
       <dgm:t>
@@ -1082,7 +1083,7 @@
         </a:p>
       </dgm:t>
     </dgm:pt>
-    <dgm:pt modelId="{36BD5E26-8D86-4341-B20D-03F857122A29}" cxnId="{E36F9156-9924-4B88-ADFB-2084901D66B0}" type="parTrans">
+    <dgm:pt modelId="{36BD5E26-8D86-4341-B20D-03F857122A29}" type="parTrans" cxnId="{E36F9156-9924-4B88-ADFB-2084901D66B0}">
       <dgm:prSet/>
       <dgm:spPr/>
       <dgm:t>
@@ -1093,7 +1094,7 @@
         </a:p>
       </dgm:t>
     </dgm:pt>
-    <dgm:pt modelId="{E309B7F1-6DFA-42AA-9333-8A29304684AA}" cxnId="{E36F9156-9924-4B88-ADFB-2084901D66B0}" type="sibTrans">
+    <dgm:pt modelId="{E309B7F1-6DFA-42AA-9333-8A29304684AA}" type="sibTrans" cxnId="{E36F9156-9924-4B88-ADFB-2084901D66B0}">
       <dgm:prSet/>
       <dgm:spPr/>
       <dgm:t>
@@ -1118,7 +1119,7 @@
         </a:p>
       </dgm:t>
     </dgm:pt>
-    <dgm:pt modelId="{FDB17C87-CE25-4B55-A97E-4A09C4704831}" cxnId="{4B475F77-1E83-4A29-BA41-813943A7AD0F}" type="parTrans">
+    <dgm:pt modelId="{FDB17C87-CE25-4B55-A97E-4A09C4704831}" type="parTrans" cxnId="{4B475F77-1E83-4A29-BA41-813943A7AD0F}">
       <dgm:prSet/>
       <dgm:spPr/>
       <dgm:t>
@@ -1129,7 +1130,7 @@
         </a:p>
       </dgm:t>
     </dgm:pt>
-    <dgm:pt modelId="{8668CF54-84F3-4F5E-8C83-4A0140589BF6}" cxnId="{4B475F77-1E83-4A29-BA41-813943A7AD0F}" type="sibTrans">
+    <dgm:pt modelId="{8668CF54-84F3-4F5E-8C83-4A0140589BF6}" type="sibTrans" cxnId="{4B475F77-1E83-4A29-BA41-813943A7AD0F}">
       <dgm:prSet/>
       <dgm:spPr/>
       <dgm:t>
@@ -1154,7 +1155,7 @@
         </a:p>
       </dgm:t>
     </dgm:pt>
-    <dgm:pt modelId="{87294F5D-61F9-46BE-9804-C1AB743E95FD}" cxnId="{EDA9474E-9794-4823-85A4-4E8FAC895E2D}" type="parTrans">
+    <dgm:pt modelId="{87294F5D-61F9-46BE-9804-C1AB743E95FD}" type="parTrans" cxnId="{EDA9474E-9794-4823-85A4-4E8FAC895E2D}">
       <dgm:prSet/>
       <dgm:spPr/>
       <dgm:t>
@@ -1165,7 +1166,7 @@
         </a:p>
       </dgm:t>
     </dgm:pt>
-    <dgm:pt modelId="{9440EF18-BB57-4349-85BC-F44152C88B89}" cxnId="{EDA9474E-9794-4823-85A4-4E8FAC895E2D}" type="sibTrans">
+    <dgm:pt modelId="{9440EF18-BB57-4349-85BC-F44152C88B89}" type="sibTrans" cxnId="{EDA9474E-9794-4823-85A4-4E8FAC895E2D}">
       <dgm:prSet/>
       <dgm:spPr/>
       <dgm:t>
@@ -1190,7 +1191,7 @@
         </a:p>
       </dgm:t>
     </dgm:pt>
-    <dgm:pt modelId="{4FDE414D-B5D0-490B-94AE-D7B1E79F09A0}" cxnId="{9637CB25-30A8-40A0-B01A-548A01D90A31}" type="parTrans">
+    <dgm:pt modelId="{4FDE414D-B5D0-490B-94AE-D7B1E79F09A0}" type="parTrans" cxnId="{9637CB25-30A8-40A0-B01A-548A01D90A31}">
       <dgm:prSet/>
       <dgm:spPr/>
       <dgm:t>
@@ -1201,7 +1202,7 @@
         </a:p>
       </dgm:t>
     </dgm:pt>
-    <dgm:pt modelId="{2E6A23D1-579C-4575-B5F1-992DDF1A2158}" cxnId="{9637CB25-30A8-40A0-B01A-548A01D90A31}" type="sibTrans">
+    <dgm:pt modelId="{2E6A23D1-579C-4575-B5F1-992DDF1A2158}" type="sibTrans" cxnId="{9637CB25-30A8-40A0-B01A-548A01D90A31}">
       <dgm:prSet/>
       <dgm:spPr/>
       <dgm:t>
@@ -1226,7 +1227,7 @@
         </a:p>
       </dgm:t>
     </dgm:pt>
-    <dgm:pt modelId="{3A6AC764-3ACB-40FD-8A9A-E9465641AB3E}" cxnId="{73843EC2-85BD-4551-BFBC-9D4218393C12}" type="parTrans">
+    <dgm:pt modelId="{3A6AC764-3ACB-40FD-8A9A-E9465641AB3E}" type="parTrans" cxnId="{73843EC2-85BD-4551-BFBC-9D4218393C12}">
       <dgm:prSet/>
       <dgm:spPr/>
       <dgm:t>
@@ -1237,7 +1238,7 @@
         </a:p>
       </dgm:t>
     </dgm:pt>
-    <dgm:pt modelId="{7C1BD8DC-B79E-4FF8-92EA-079F73A6E2DF}" cxnId="{73843EC2-85BD-4551-BFBC-9D4218393C12}" type="sibTrans">
+    <dgm:pt modelId="{7C1BD8DC-B79E-4FF8-92EA-079F73A6E2DF}" type="sibTrans" cxnId="{73843EC2-85BD-4551-BFBC-9D4218393C12}">
       <dgm:prSet/>
       <dgm:spPr/>
       <dgm:t>
@@ -1263,7 +1264,7 @@
         </a:p>
       </dgm:t>
     </dgm:pt>
-    <dgm:pt modelId="{6C9A0E44-F589-40DB-BF7D-D41C0DE96D62}" cxnId="{D4008091-21DD-48A0-AF47-40BD00B812D1}" type="parTrans">
+    <dgm:pt modelId="{6C9A0E44-F589-40DB-BF7D-D41C0DE96D62}" type="parTrans" cxnId="{D4008091-21DD-48A0-AF47-40BD00B812D1}">
       <dgm:prSet/>
       <dgm:spPr/>
       <dgm:t>
@@ -1274,7 +1275,7 @@
         </a:p>
       </dgm:t>
     </dgm:pt>
-    <dgm:pt modelId="{DCF3FD67-409C-4CF8-AA5D-1B45DC6AB759}" cxnId="{D4008091-21DD-48A0-AF47-40BD00B812D1}" type="sibTrans">
+    <dgm:pt modelId="{DCF3FD67-409C-4CF8-AA5D-1B45DC6AB759}" type="sibTrans" cxnId="{D4008091-21DD-48A0-AF47-40BD00B812D1}">
       <dgm:prSet/>
       <dgm:spPr/>
       <dgm:t>
@@ -1299,7 +1300,7 @@
         </a:p>
       </dgm:t>
     </dgm:pt>
-    <dgm:pt modelId="{CA32131A-89A7-4069-B793-14250DEC8CB7}" cxnId="{E9E1CB22-EE03-4067-82B1-92659FC51F51}" type="parTrans">
+    <dgm:pt modelId="{CA32131A-89A7-4069-B793-14250DEC8CB7}" type="parTrans" cxnId="{E9E1CB22-EE03-4067-82B1-92659FC51F51}">
       <dgm:prSet/>
       <dgm:spPr/>
       <dgm:t>
@@ -1310,7 +1311,7 @@
         </a:p>
       </dgm:t>
     </dgm:pt>
-    <dgm:pt modelId="{57567237-F15C-4FE4-A6F2-DD66947B543F}" cxnId="{E9E1CB22-EE03-4067-82B1-92659FC51F51}" type="sibTrans">
+    <dgm:pt modelId="{57567237-F15C-4FE4-A6F2-DD66947B543F}" type="sibTrans" cxnId="{E9E1CB22-EE03-4067-82B1-92659FC51F51}">
       <dgm:prSet/>
       <dgm:spPr/>
       <dgm:t>
@@ -1335,7 +1336,7 @@
         </a:p>
       </dgm:t>
     </dgm:pt>
-    <dgm:pt modelId="{CC5C5254-5BB7-4A57-931E-84502C11DB71}" cxnId="{F4895D68-CFC3-4E88-9AC9-C27A99F58AF1}" type="parTrans">
+    <dgm:pt modelId="{CC5C5254-5BB7-4A57-931E-84502C11DB71}" type="parTrans" cxnId="{F4895D68-CFC3-4E88-9AC9-C27A99F58AF1}">
       <dgm:prSet/>
       <dgm:spPr/>
       <dgm:t>
@@ -1346,7 +1347,7 @@
         </a:p>
       </dgm:t>
     </dgm:pt>
-    <dgm:pt modelId="{7BBF2DD5-602D-4E50-BDE9-BC0AA2001000}" cxnId="{F4895D68-CFC3-4E88-9AC9-C27A99F58AF1}" type="sibTrans">
+    <dgm:pt modelId="{7BBF2DD5-602D-4E50-BDE9-BC0AA2001000}" type="sibTrans" cxnId="{F4895D68-CFC3-4E88-9AC9-C27A99F58AF1}">
       <dgm:prSet/>
       <dgm:spPr/>
       <dgm:t>
@@ -1371,7 +1372,7 @@
         </a:p>
       </dgm:t>
     </dgm:pt>
-    <dgm:pt modelId="{DFD48E33-B05D-4435-BB0B-7898E4A7481E}" cxnId="{91D6763F-C160-4F4C-964D-6C5ADBC4D6A4}" type="parTrans">
+    <dgm:pt modelId="{DFD48E33-B05D-4435-BB0B-7898E4A7481E}" type="parTrans" cxnId="{91D6763F-C160-4F4C-964D-6C5ADBC4D6A4}">
       <dgm:prSet/>
       <dgm:spPr/>
       <dgm:t>
@@ -1382,7 +1383,7 @@
         </a:p>
       </dgm:t>
     </dgm:pt>
-    <dgm:pt modelId="{F6C0E4B4-70A9-4051-9079-E090F382A7CC}" cxnId="{91D6763F-C160-4F4C-964D-6C5ADBC4D6A4}" type="sibTrans">
+    <dgm:pt modelId="{F6C0E4B4-70A9-4051-9079-E090F382A7CC}" type="sibTrans" cxnId="{91D6763F-C160-4F4C-964D-6C5ADBC4D6A4}">
       <dgm:prSet/>
       <dgm:spPr/>
       <dgm:t>
@@ -1439,7 +1440,7 @@
         </a:p>
       </dgm:t>
     </dgm:pt>
-    <dgm:pt modelId="{1D207502-4BEA-473F-95DC-415A70E803A1}" cxnId="{582C214B-2729-4D75-A21D-A49F917821A2}" type="parTrans">
+    <dgm:pt modelId="{1D207502-4BEA-473F-95DC-415A70E803A1}" type="parTrans" cxnId="{582C214B-2729-4D75-A21D-A49F917821A2}">
       <dgm:prSet/>
       <dgm:spPr/>
       <dgm:t>
@@ -1450,7 +1451,7 @@
         </a:p>
       </dgm:t>
     </dgm:pt>
-    <dgm:pt modelId="{A9EDC95C-7B72-4708-9C05-4CA73DC790EA}" cxnId="{582C214B-2729-4D75-A21D-A49F917821A2}" type="sibTrans">
+    <dgm:pt modelId="{A9EDC95C-7B72-4708-9C05-4CA73DC790EA}" type="sibTrans" cxnId="{582C214B-2729-4D75-A21D-A49F917821A2}">
       <dgm:prSet/>
       <dgm:spPr/>
       <dgm:t>
@@ -1483,7 +1484,7 @@
         </a:p>
       </dgm:t>
     </dgm:pt>
-    <dgm:pt modelId="{2C842D45-E0CD-4912-8197-E0485DE15462}" cxnId="{A8B84EC6-403E-4CFE-9A35-6F259202DE5A}" type="parTrans">
+    <dgm:pt modelId="{2C842D45-E0CD-4912-8197-E0485DE15462}" type="parTrans" cxnId="{A8B84EC6-403E-4CFE-9A35-6F259202DE5A}">
       <dgm:prSet/>
       <dgm:spPr/>
       <dgm:t>
@@ -1494,7 +1495,7 @@
         </a:p>
       </dgm:t>
     </dgm:pt>
-    <dgm:pt modelId="{12962F09-95E6-4284-8FB2-7AC77F1F978B}" cxnId="{A8B84EC6-403E-4CFE-9A35-6F259202DE5A}" type="sibTrans">
+    <dgm:pt modelId="{12962F09-95E6-4284-8FB2-7AC77F1F978B}" type="sibTrans" cxnId="{A8B84EC6-403E-4CFE-9A35-6F259202DE5A}">
       <dgm:prSet/>
       <dgm:spPr/>
       <dgm:t>
@@ -1519,7 +1520,7 @@
         </a:p>
       </dgm:t>
     </dgm:pt>
-    <dgm:pt modelId="{04F26D18-2C22-4E89-98C2-D31A7C667434}" cxnId="{DA75948C-1FEC-4F3E-8014-D4BF889D8DBA}" type="parTrans">
+    <dgm:pt modelId="{04F26D18-2C22-4E89-98C2-D31A7C667434}" type="parTrans" cxnId="{DA75948C-1FEC-4F3E-8014-D4BF889D8DBA}">
       <dgm:prSet/>
       <dgm:spPr/>
       <dgm:t>
@@ -1530,7 +1531,7 @@
         </a:p>
       </dgm:t>
     </dgm:pt>
-    <dgm:pt modelId="{EE32D3F4-5467-42F9-A01F-410465E1707B}" cxnId="{DA75948C-1FEC-4F3E-8014-D4BF889D8DBA}" type="sibTrans">
+    <dgm:pt modelId="{EE32D3F4-5467-42F9-A01F-410465E1707B}" type="sibTrans" cxnId="{DA75948C-1FEC-4F3E-8014-D4BF889D8DBA}">
       <dgm:prSet/>
       <dgm:spPr/>
       <dgm:t>
@@ -1555,7 +1556,7 @@
         </a:p>
       </dgm:t>
     </dgm:pt>
-    <dgm:pt modelId="{8051ED07-5AC1-4A77-A700-B308DA8395D8}" cxnId="{2D4AADF0-DD97-4E69-A45E-C063BE295545}" type="parTrans">
+    <dgm:pt modelId="{8051ED07-5AC1-4A77-A700-B308DA8395D8}" type="parTrans" cxnId="{2D4AADF0-DD97-4E69-A45E-C063BE295545}">
       <dgm:prSet/>
       <dgm:spPr/>
       <dgm:t>
@@ -1566,7 +1567,7 @@
         </a:p>
       </dgm:t>
     </dgm:pt>
-    <dgm:pt modelId="{4648B6BD-6970-4AB4-BD2F-8E3387715C69}" cxnId="{2D4AADF0-DD97-4E69-A45E-C063BE295545}" type="sibTrans">
+    <dgm:pt modelId="{4648B6BD-6970-4AB4-BD2F-8E3387715C69}" type="sibTrans" cxnId="{2D4AADF0-DD97-4E69-A45E-C063BE295545}">
       <dgm:prSet/>
       <dgm:spPr/>
       <dgm:t>
@@ -1591,7 +1592,7 @@
         </a:p>
       </dgm:t>
     </dgm:pt>
-    <dgm:pt modelId="{0884AF51-450B-4F13-9EC5-D1454520F32F}" cxnId="{8D3E12C5-9A4F-4A72-A82F-1BE995EA0F1F}" type="parTrans">
+    <dgm:pt modelId="{0884AF51-450B-4F13-9EC5-D1454520F32F}" type="parTrans" cxnId="{8D3E12C5-9A4F-4A72-A82F-1BE995EA0F1F}">
       <dgm:prSet/>
       <dgm:spPr/>
       <dgm:t>
@@ -1602,7 +1603,7 @@
         </a:p>
       </dgm:t>
     </dgm:pt>
-    <dgm:pt modelId="{18B647EE-13BD-4C85-87FC-55A3B12111C0}" cxnId="{8D3E12C5-9A4F-4A72-A82F-1BE995EA0F1F}" type="sibTrans">
+    <dgm:pt modelId="{18B647EE-13BD-4C85-87FC-55A3B12111C0}" type="sibTrans" cxnId="{8D3E12C5-9A4F-4A72-A82F-1BE995EA0F1F}">
       <dgm:prSet/>
       <dgm:spPr/>
       <dgm:t>
@@ -1627,7 +1628,7 @@
         </a:p>
       </dgm:t>
     </dgm:pt>
-    <dgm:pt modelId="{C4AD17D8-BA59-4A20-A8A9-85917C39C6D9}" cxnId="{8AF25B80-B930-4FAA-B759-23548DEBDEA6}" type="parTrans">
+    <dgm:pt modelId="{C4AD17D8-BA59-4A20-A8A9-85917C39C6D9}" type="parTrans" cxnId="{8AF25B80-B930-4FAA-B759-23548DEBDEA6}">
       <dgm:prSet/>
       <dgm:spPr/>
       <dgm:t>
@@ -1638,7 +1639,7 @@
         </a:p>
       </dgm:t>
     </dgm:pt>
-    <dgm:pt modelId="{F5BCB2DA-80B8-44FD-B5D1-85D71178BF17}" cxnId="{8AF25B80-B930-4FAA-B759-23548DEBDEA6}" type="sibTrans">
+    <dgm:pt modelId="{F5BCB2DA-80B8-44FD-B5D1-85D71178BF17}" type="sibTrans" cxnId="{8AF25B80-B930-4FAA-B759-23548DEBDEA6}">
       <dgm:prSet/>
       <dgm:spPr/>
       <dgm:t>
@@ -1663,7 +1664,7 @@
         </a:p>
       </dgm:t>
     </dgm:pt>
-    <dgm:pt modelId="{E22D8156-8A51-4554-B1E9-16454800B2B6}" cxnId="{A0DC18F9-49E2-46E9-A9C0-E87FC49E7C5A}" type="parTrans">
+    <dgm:pt modelId="{E22D8156-8A51-4554-B1E9-16454800B2B6}" type="parTrans" cxnId="{A0DC18F9-49E2-46E9-A9C0-E87FC49E7C5A}">
       <dgm:prSet/>
       <dgm:spPr/>
       <dgm:t>
@@ -1674,7 +1675,7 @@
         </a:p>
       </dgm:t>
     </dgm:pt>
-    <dgm:pt modelId="{E60E4695-F937-4793-93D7-4B8E62DF348C}" cxnId="{A0DC18F9-49E2-46E9-A9C0-E87FC49E7C5A}" type="sibTrans">
+    <dgm:pt modelId="{E60E4695-F937-4793-93D7-4B8E62DF348C}" type="sibTrans" cxnId="{A0DC18F9-49E2-46E9-A9C0-E87FC49E7C5A}">
       <dgm:prSet/>
       <dgm:spPr/>
       <dgm:t>
@@ -1699,7 +1700,7 @@
         </a:p>
       </dgm:t>
     </dgm:pt>
-    <dgm:pt modelId="{3AD1990D-3483-4F82-8395-C9003D9268E3}" cxnId="{FDBAE78E-B30C-4D43-8083-C7BE2D5186CD}" type="parTrans">
+    <dgm:pt modelId="{3AD1990D-3483-4F82-8395-C9003D9268E3}" type="parTrans" cxnId="{FDBAE78E-B30C-4D43-8083-C7BE2D5186CD}">
       <dgm:prSet/>
       <dgm:spPr/>
       <dgm:t>
@@ -1710,7 +1711,7 @@
         </a:p>
       </dgm:t>
     </dgm:pt>
-    <dgm:pt modelId="{6059FD45-D131-4458-90FD-833D52EA31CE}" cxnId="{FDBAE78E-B30C-4D43-8083-C7BE2D5186CD}" type="sibTrans">
+    <dgm:pt modelId="{6059FD45-D131-4458-90FD-833D52EA31CE}" type="sibTrans" cxnId="{FDBAE78E-B30C-4D43-8083-C7BE2D5186CD}">
       <dgm:prSet/>
       <dgm:spPr/>
       <dgm:t>
@@ -1735,7 +1736,7 @@
         </a:p>
       </dgm:t>
     </dgm:pt>
-    <dgm:pt modelId="{48527D5B-9B4F-40D2-8003-9586F99D6C26}" cxnId="{01E82DC1-5447-4081-BAA8-D4A56478B32A}" type="parTrans">
+    <dgm:pt modelId="{48527D5B-9B4F-40D2-8003-9586F99D6C26}" type="parTrans" cxnId="{01E82DC1-5447-4081-BAA8-D4A56478B32A}">
       <dgm:prSet/>
       <dgm:spPr/>
       <dgm:t>
@@ -1746,7 +1747,7 @@
         </a:p>
       </dgm:t>
     </dgm:pt>
-    <dgm:pt modelId="{18854954-606D-479F-A4CF-68466EB7CD64}" cxnId="{01E82DC1-5447-4081-BAA8-D4A56478B32A}" type="sibTrans">
+    <dgm:pt modelId="{18854954-606D-479F-A4CF-68466EB7CD64}" type="sibTrans" cxnId="{01E82DC1-5447-4081-BAA8-D4A56478B32A}">
       <dgm:prSet/>
       <dgm:spPr/>
       <dgm:t>
@@ -1772,7 +1773,7 @@
         </a:p>
       </dgm:t>
     </dgm:pt>
-    <dgm:pt modelId="{E74B674E-439E-4280-A4F9-C2FC93331810}" cxnId="{42E27D88-CE4E-48A5-B0A5-7B03022C4B26}" type="parTrans">
+    <dgm:pt modelId="{E74B674E-439E-4280-A4F9-C2FC93331810}" type="parTrans" cxnId="{42E27D88-CE4E-48A5-B0A5-7B03022C4B26}">
       <dgm:prSet/>
       <dgm:spPr/>
       <dgm:t>
@@ -1783,7 +1784,7 @@
         </a:p>
       </dgm:t>
     </dgm:pt>
-    <dgm:pt modelId="{8C6174F4-C176-408A-8A77-9026CDB9690F}" cxnId="{42E27D88-CE4E-48A5-B0A5-7B03022C4B26}" type="sibTrans">
+    <dgm:pt modelId="{8C6174F4-C176-408A-8A77-9026CDB9690F}" type="sibTrans" cxnId="{42E27D88-CE4E-48A5-B0A5-7B03022C4B26}">
       <dgm:prSet/>
       <dgm:spPr/>
       <dgm:t>
@@ -1808,7 +1809,7 @@
         </a:p>
       </dgm:t>
     </dgm:pt>
-    <dgm:pt modelId="{DF8C4973-320B-46ED-8088-CA948A8BAE18}" cxnId="{C9C397A3-AEF6-4FFB-AC37-3208EE5CFEC8}" type="parTrans">
+    <dgm:pt modelId="{DF8C4973-320B-46ED-8088-CA948A8BAE18}" type="parTrans" cxnId="{C9C397A3-AEF6-4FFB-AC37-3208EE5CFEC8}">
       <dgm:prSet/>
       <dgm:spPr/>
       <dgm:t>
@@ -1819,7 +1820,7 @@
         </a:p>
       </dgm:t>
     </dgm:pt>
-    <dgm:pt modelId="{6B767584-457C-4FB2-93C4-576E6FFF367C}" cxnId="{C9C397A3-AEF6-4FFB-AC37-3208EE5CFEC8}" type="sibTrans">
+    <dgm:pt modelId="{6B767584-457C-4FB2-93C4-576E6FFF367C}" type="sibTrans" cxnId="{C9C397A3-AEF6-4FFB-AC37-3208EE5CFEC8}">
       <dgm:prSet/>
       <dgm:spPr/>
       <dgm:t>
@@ -1845,7 +1846,7 @@
         </a:p>
       </dgm:t>
     </dgm:pt>
-    <dgm:pt modelId="{4953B18B-0B8F-4EC3-84A2-0326B341CD0D}" cxnId="{9F58F07C-FA8C-4A7D-BDFD-9FF318A0B6AE}" type="parTrans">
+    <dgm:pt modelId="{4953B18B-0B8F-4EC3-84A2-0326B341CD0D}" type="parTrans" cxnId="{9F58F07C-FA8C-4A7D-BDFD-9FF318A0B6AE}">
       <dgm:prSet/>
       <dgm:spPr/>
       <dgm:t>
@@ -1856,7 +1857,7 @@
         </a:p>
       </dgm:t>
     </dgm:pt>
-    <dgm:pt modelId="{C17DA759-7CFD-4585-9EB4-A818F6601636}" cxnId="{9F58F07C-FA8C-4A7D-BDFD-9FF318A0B6AE}" type="sibTrans">
+    <dgm:pt modelId="{C17DA759-7CFD-4585-9EB4-A818F6601636}" type="sibTrans" cxnId="{9F58F07C-FA8C-4A7D-BDFD-9FF318A0B6AE}">
       <dgm:prSet/>
       <dgm:spPr/>
       <dgm:t>
@@ -1966,87 +1967,87 @@
     </dgm:pt>
   </dgm:ptLst>
   <dgm:cxnLst>
-    <dgm:cxn modelId="{1D851406-054E-427B-8A1C-6E4DD63D5D7A}" type="presOf" srcId="{E7619C34-370C-4A5D-B868-04D2420B6157}" destId="{1F30C224-6B30-439F-AC01-464795AEA358}" srcOrd="0" destOrd="1" presId="urn:microsoft.com/office/officeart/2005/8/layout/process5"/>
-    <dgm:cxn modelId="{C64A0E10-600C-4A93-8E23-BBECD4F3D142}" type="presOf" srcId="{A1EDFF11-2D36-4EFC-AA02-33A025632147}" destId="{1F30C224-6B30-439F-AC01-464795AEA358}" srcOrd="0" destOrd="0" presId="urn:microsoft.com/office/officeart/2005/8/layout/process5"/>
-    <dgm:cxn modelId="{03EC3118-62A6-4710-B059-C40693D50C2E}" type="presOf" srcId="{FA7AED45-07C5-4152-9CE9-C04144C89741}" destId="{EC221A5C-0670-4439-89CB-82778AC934DD}" srcOrd="0" destOrd="0" presId="urn:microsoft.com/office/officeart/2005/8/layout/process5"/>
-    <dgm:cxn modelId="{A15FED20-9790-4617-B7BC-7699D5B30CB2}" type="presOf" srcId="{B71896CA-974C-4D51-8CD8-7B04150BC3C5}" destId="{835CEF26-9977-42DA-8647-7B4B0D27C8B5}" srcOrd="0" destOrd="0" presId="urn:microsoft.com/office/officeart/2005/8/layout/process5"/>
+    <dgm:cxn modelId="{1D851406-054E-427B-8A1C-6E4DD63D5D7A}" type="presOf" srcId="{E7619C34-370C-4A5D-B868-04D2420B6157}" destId="{1F30C224-6B30-439F-AC01-464795AEA358}" srcOrd="0" destOrd="1" presId="urn:microsoft.com/office/officeart/2005/8/layout/process5#1"/>
+    <dgm:cxn modelId="{C64A0E10-600C-4A93-8E23-BBECD4F3D142}" type="presOf" srcId="{A1EDFF11-2D36-4EFC-AA02-33A025632147}" destId="{1F30C224-6B30-439F-AC01-464795AEA358}" srcOrd="0" destOrd="0" presId="urn:microsoft.com/office/officeart/2005/8/layout/process5#1"/>
+    <dgm:cxn modelId="{03EC3118-62A6-4710-B059-C40693D50C2E}" type="presOf" srcId="{FA7AED45-07C5-4152-9CE9-C04144C89741}" destId="{EC221A5C-0670-4439-89CB-82778AC934DD}" srcOrd="0" destOrd="0" presId="urn:microsoft.com/office/officeart/2005/8/layout/process5#1"/>
+    <dgm:cxn modelId="{A15FED20-9790-4617-B7BC-7699D5B30CB2}" type="presOf" srcId="{B71896CA-974C-4D51-8CD8-7B04150BC3C5}" destId="{835CEF26-9977-42DA-8647-7B4B0D27C8B5}" srcOrd="0" destOrd="0" presId="urn:microsoft.com/office/officeart/2005/8/layout/process5#1"/>
     <dgm:cxn modelId="{E9E1CB22-EE03-4067-82B1-92659FC51F51}" srcId="{A1EDFF11-2D36-4EFC-AA02-33A025632147}" destId="{E7619C34-370C-4A5D-B868-04D2420B6157}" srcOrd="0" destOrd="0" parTransId="{CA32131A-89A7-4069-B793-14250DEC8CB7}" sibTransId="{57567237-F15C-4FE4-A6F2-DD66947B543F}"/>
     <dgm:cxn modelId="{24662723-51F1-420B-AD88-69AFAE5CF7F0}" srcId="{B71896CA-974C-4D51-8CD8-7B04150BC3C5}" destId="{F73A9532-4ACB-4CEC-9783-3EA41B01F798}" srcOrd="0" destOrd="0" parTransId="{F646DE2A-E2E4-46E8-A0C5-35A081CCDC48}" sibTransId="{DF4ADE36-03AA-45E4-A8DF-DA4583253ED7}"/>
-    <dgm:cxn modelId="{A1260A24-ED63-4E8A-8A67-0010B6EA2B29}" type="presOf" srcId="{E7A9F034-9FAF-4467-B13A-1B4489934856}" destId="{63F79507-A58F-4BDE-86E0-AFC52B0CE9C5}" srcOrd="0" destOrd="0" presId="urn:microsoft.com/office/officeart/2005/8/layout/process5"/>
-    <dgm:cxn modelId="{C63CA925-3080-4AD9-9B86-54A003EA1EEE}" type="presOf" srcId="{B5FCEE8B-9B7D-43E5-81BE-28ED3D820D47}" destId="{1F30C224-6B30-439F-AC01-464795AEA358}" srcOrd="0" destOrd="3" presId="urn:microsoft.com/office/officeart/2005/8/layout/process5"/>
+    <dgm:cxn modelId="{A1260A24-ED63-4E8A-8A67-0010B6EA2B29}" type="presOf" srcId="{E7A9F034-9FAF-4467-B13A-1B4489934856}" destId="{63F79507-A58F-4BDE-86E0-AFC52B0CE9C5}" srcOrd="0" destOrd="0" presId="urn:microsoft.com/office/officeart/2005/8/layout/process5#1"/>
+    <dgm:cxn modelId="{C63CA925-3080-4AD9-9B86-54A003EA1EEE}" type="presOf" srcId="{B5FCEE8B-9B7D-43E5-81BE-28ED3D820D47}" destId="{1F30C224-6B30-439F-AC01-464795AEA358}" srcOrd="0" destOrd="3" presId="urn:microsoft.com/office/officeart/2005/8/layout/process5#1"/>
     <dgm:cxn modelId="{9637CB25-30A8-40A0-B01A-548A01D90A31}" srcId="{FA7AED45-07C5-4152-9CE9-C04144C89741}" destId="{2867E9DB-7097-4A6A-847D-7087450DE850}" srcOrd="1" destOrd="0" parTransId="{4FDE414D-B5D0-490B-94AE-D7B1E79F09A0}" sibTransId="{2E6A23D1-579C-4575-B5F1-992DDF1A2158}"/>
     <dgm:cxn modelId="{91D6763F-C160-4F4C-964D-6C5ADBC4D6A4}" srcId="{A1EDFF11-2D36-4EFC-AA02-33A025632147}" destId="{B5FCEE8B-9B7D-43E5-81BE-28ED3D820D47}" srcOrd="2" destOrd="0" parTransId="{DFD48E33-B05D-4435-BB0B-7898E4A7481E}" sibTransId="{F6C0E4B4-70A9-4051-9079-E090F382A7CC}"/>
-    <dgm:cxn modelId="{7F077440-794F-4D02-9D71-EB2019E11EBB}" type="presOf" srcId="{DCF3FD67-409C-4CF8-AA5D-1B45DC6AB759}" destId="{932B4F0E-BE51-42E3-943F-224DABCAE4BC}" srcOrd="0" destOrd="0" presId="urn:microsoft.com/office/officeart/2005/8/layout/process5"/>
-    <dgm:cxn modelId="{A31A5C61-732D-4AFD-AA63-5E2E55C5BAB5}" type="presOf" srcId="{54C9D3C5-AF35-451F-B92E-AB39094EB43D}" destId="{52CF645B-0F5F-44E5-BAF6-AEB6ADFFD999}" srcOrd="0" destOrd="2" presId="urn:microsoft.com/office/officeart/2005/8/layout/process5"/>
-    <dgm:cxn modelId="{14999862-3EFF-4F9E-A3BB-E365A6FE8DF2}" type="presOf" srcId="{B69871F9-9F99-45E3-9B4A-F0681CBAB3CB}" destId="{19284039-A4AE-4588-838B-D877298BA4C7}" srcOrd="0" destOrd="3" presId="urn:microsoft.com/office/officeart/2005/8/layout/process5"/>
-    <dgm:cxn modelId="{2B4A5245-F83E-4430-ACBB-892E1B668C63}" type="presOf" srcId="{B0EDC19F-D5B6-4679-8CA8-D7B46EAD14B0}" destId="{AD313303-52E2-443A-A892-A7E1609D8372}" srcOrd="0" destOrd="0" presId="urn:microsoft.com/office/officeart/2005/8/layout/process5"/>
+    <dgm:cxn modelId="{7F077440-794F-4D02-9D71-EB2019E11EBB}" type="presOf" srcId="{DCF3FD67-409C-4CF8-AA5D-1B45DC6AB759}" destId="{932B4F0E-BE51-42E3-943F-224DABCAE4BC}" srcOrd="0" destOrd="0" presId="urn:microsoft.com/office/officeart/2005/8/layout/process5#1"/>
+    <dgm:cxn modelId="{A31A5C61-732D-4AFD-AA63-5E2E55C5BAB5}" type="presOf" srcId="{54C9D3C5-AF35-451F-B92E-AB39094EB43D}" destId="{52CF645B-0F5F-44E5-BAF6-AEB6ADFFD999}" srcOrd="0" destOrd="2" presId="urn:microsoft.com/office/officeart/2005/8/layout/process5#1"/>
+    <dgm:cxn modelId="{14999862-3EFF-4F9E-A3BB-E365A6FE8DF2}" type="presOf" srcId="{B69871F9-9F99-45E3-9B4A-F0681CBAB3CB}" destId="{19284039-A4AE-4588-838B-D877298BA4C7}" srcOrd="0" destOrd="3" presId="urn:microsoft.com/office/officeart/2005/8/layout/process5#1"/>
+    <dgm:cxn modelId="{2B4A5245-F83E-4430-ACBB-892E1B668C63}" type="presOf" srcId="{B0EDC19F-D5B6-4679-8CA8-D7B46EAD14B0}" destId="{AD313303-52E2-443A-A892-A7E1609D8372}" srcOrd="0" destOrd="0" presId="urn:microsoft.com/office/officeart/2005/8/layout/process5#1"/>
     <dgm:cxn modelId="{F4895D68-CFC3-4E88-9AC9-C27A99F58AF1}" srcId="{A1EDFF11-2D36-4EFC-AA02-33A025632147}" destId="{7F647C47-9893-4287-A3EA-8E05A60D61B0}" srcOrd="1" destOrd="0" parTransId="{CC5C5254-5BB7-4A57-931E-84502C11DB71}" sibTransId="{7BBF2DD5-602D-4E50-BDE9-BC0AA2001000}"/>
-    <dgm:cxn modelId="{B96BB34A-9037-43A5-8F7A-7D99E89A637C}" type="presOf" srcId="{38079928-CA08-40B8-B216-B68CE60BDF5C}" destId="{52CF645B-0F5F-44E5-BAF6-AEB6ADFFD999}" srcOrd="0" destOrd="0" presId="urn:microsoft.com/office/officeart/2005/8/layout/process5"/>
+    <dgm:cxn modelId="{B96BB34A-9037-43A5-8F7A-7D99E89A637C}" type="presOf" srcId="{38079928-CA08-40B8-B216-B68CE60BDF5C}" destId="{52CF645B-0F5F-44E5-BAF6-AEB6ADFFD999}" srcOrd="0" destOrd="0" presId="urn:microsoft.com/office/officeart/2005/8/layout/process5#1"/>
     <dgm:cxn modelId="{582C214B-2729-4D75-A21D-A49F917821A2}" srcId="{FA7AED45-07C5-4152-9CE9-C04144C89741}" destId="{D13B0127-C0DB-4E54-879D-6C125D038984}" srcOrd="2" destOrd="0" parTransId="{1D207502-4BEA-473F-95DC-415A70E803A1}" sibTransId="{A9EDC95C-7B72-4708-9C05-4CA73DC790EA}"/>
-    <dgm:cxn modelId="{5A40266C-4CB8-4533-B4DF-17AD5D9E60E0}" type="presOf" srcId="{9440EF18-BB57-4349-85BC-F44152C88B89}" destId="{3693D5BB-B6B0-46A5-8268-A6479480A37F}" srcOrd="1" destOrd="0" presId="urn:microsoft.com/office/officeart/2005/8/layout/process5"/>
-    <dgm:cxn modelId="{F6D5B16D-9BD3-4107-81CD-076CB82E4F4E}" type="presOf" srcId="{CD1F8555-D3AF-4215-8118-3C884FC776CD}" destId="{835CEF26-9977-42DA-8647-7B4B0D27C8B5}" srcOrd="0" destOrd="3" presId="urn:microsoft.com/office/officeart/2005/8/layout/process5"/>
+    <dgm:cxn modelId="{5A40266C-4CB8-4533-B4DF-17AD5D9E60E0}" type="presOf" srcId="{9440EF18-BB57-4349-85BC-F44152C88B89}" destId="{3693D5BB-B6B0-46A5-8268-A6479480A37F}" srcOrd="1" destOrd="0" presId="urn:microsoft.com/office/officeart/2005/8/layout/process5#1"/>
+    <dgm:cxn modelId="{F6D5B16D-9BD3-4107-81CD-076CB82E4F4E}" type="presOf" srcId="{CD1F8555-D3AF-4215-8118-3C884FC776CD}" destId="{835CEF26-9977-42DA-8647-7B4B0D27C8B5}" srcOrd="0" destOrd="3" presId="urn:microsoft.com/office/officeart/2005/8/layout/process5#1"/>
     <dgm:cxn modelId="{EDA9474E-9794-4823-85A4-4E8FAC895E2D}" srcId="{24794AB0-8FAF-4185-9DB8-05F27CAD2A0D}" destId="{FA7AED45-07C5-4152-9CE9-C04144C89741}" srcOrd="3" destOrd="0" parTransId="{87294F5D-61F9-46BE-9804-C1AB743E95FD}" sibTransId="{9440EF18-BB57-4349-85BC-F44152C88B89}"/>
-    <dgm:cxn modelId="{0BF4044F-05DD-495D-BF4E-0863EBAA7AB1}" type="presOf" srcId="{7E43A396-7A17-4AB6-BF64-BFA24056257D}" destId="{19284039-A4AE-4588-838B-D877298BA4C7}" srcOrd="0" destOrd="2" presId="urn:microsoft.com/office/officeart/2005/8/layout/process5"/>
+    <dgm:cxn modelId="{0BF4044F-05DD-495D-BF4E-0863EBAA7AB1}" type="presOf" srcId="{7E43A396-7A17-4AB6-BF64-BFA24056257D}" destId="{19284039-A4AE-4588-838B-D877298BA4C7}" srcOrd="0" destOrd="2" presId="urn:microsoft.com/office/officeart/2005/8/layout/process5#1"/>
     <dgm:cxn modelId="{F1CD984F-9394-4E31-BC1B-BCE850CF9B3A}" srcId="{24794AB0-8FAF-4185-9DB8-05F27CAD2A0D}" destId="{B71896CA-974C-4D51-8CD8-7B04150BC3C5}" srcOrd="0" destOrd="0" parTransId="{C4E2901D-F9F3-4DF4-81DB-34E89D018E20}" sibTransId="{E7A9F034-9FAF-4467-B13A-1B4489934856}"/>
     <dgm:cxn modelId="{1C37A94F-5B61-4E14-81BA-07F10C38E37E}" srcId="{B71896CA-974C-4D51-8CD8-7B04150BC3C5}" destId="{CD1F8555-D3AF-4215-8118-3C884FC776CD}" srcOrd="2" destOrd="0" parTransId="{FF19D409-37A8-4C36-981A-13ADBEE7F4EC}" sibTransId="{2042D633-6E6A-4499-B840-34D24E6B904A}"/>
     <dgm:cxn modelId="{E36F9156-9924-4B88-ADFB-2084901D66B0}" srcId="{24794AB0-8FAF-4185-9DB8-05F27CAD2A0D}" destId="{B0EDC19F-D5B6-4679-8CA8-D7B46EAD14B0}" srcOrd="1" destOrd="0" parTransId="{36BD5E26-8D86-4341-B20D-03F857122A29}" sibTransId="{E309B7F1-6DFA-42AA-9333-8A29304684AA}"/>
     <dgm:cxn modelId="{4B475F77-1E83-4A29-BA41-813943A7AD0F}" srcId="{B0EDC19F-D5B6-4679-8CA8-D7B46EAD14B0}" destId="{A285396E-4F0F-495E-A2E0-36CD14768126}" srcOrd="0" destOrd="0" parTransId="{FDB17C87-CE25-4B55-A97E-4A09C4704831}" sibTransId="{8668CF54-84F3-4F5E-8C83-4A0140589BF6}"/>
-    <dgm:cxn modelId="{EE26DE79-ADCC-4227-AB79-6F4C2412D539}" type="presOf" srcId="{EE32D3F4-5467-42F9-A01F-410465E1707B}" destId="{26CD4856-275F-42B3-B4A7-411E9E40E0AA}" srcOrd="0" destOrd="0" presId="urn:microsoft.com/office/officeart/2005/8/layout/process5"/>
+    <dgm:cxn modelId="{EE26DE79-ADCC-4227-AB79-6F4C2412D539}" type="presOf" srcId="{EE32D3F4-5467-42F9-A01F-410465E1707B}" destId="{26CD4856-275F-42B3-B4A7-411E9E40E0AA}" srcOrd="0" destOrd="0" presId="urn:microsoft.com/office/officeart/2005/8/layout/process5#1"/>
     <dgm:cxn modelId="{9F58F07C-FA8C-4A7D-BDFD-9FF318A0B6AE}" srcId="{B71896CA-974C-4D51-8CD8-7B04150BC3C5}" destId="{AB917A24-CE53-4C05-8EAC-E150B1F45960}" srcOrd="1" destOrd="0" parTransId="{4953B18B-0B8F-4EC3-84A2-0326B341CD0D}" sibTransId="{C17DA759-7CFD-4585-9EB4-A818F6601636}"/>
     <dgm:cxn modelId="{8AF25B80-B930-4FAA-B759-23548DEBDEA6}" srcId="{24794AB0-8FAF-4185-9DB8-05F27CAD2A0D}" destId="{8E90E5BF-3047-4CD6-9FC0-FA2A045AB93F}" srcOrd="5" destOrd="0" parTransId="{C4AD17D8-BA59-4A20-A8A9-85917C39C6D9}" sibTransId="{F5BCB2DA-80B8-44FD-B5D1-85D71178BF17}"/>
-    <dgm:cxn modelId="{CCEBEE82-F16F-41A4-9657-C8741819C0F9}" type="presOf" srcId="{24794AB0-8FAF-4185-9DB8-05F27CAD2A0D}" destId="{144D3249-FC31-46AA-902C-CC7975656B95}" srcOrd="0" destOrd="0" presId="urn:microsoft.com/office/officeart/2005/8/layout/process5"/>
-    <dgm:cxn modelId="{2424E886-E835-4CA7-93AD-5D8BD1E047DE}" type="presOf" srcId="{9440EF18-BB57-4349-85BC-F44152C88B89}" destId="{FFDD65B5-0EC1-4B60-9689-035B7F553030}" srcOrd="0" destOrd="0" presId="urn:microsoft.com/office/officeart/2005/8/layout/process5"/>
+    <dgm:cxn modelId="{CCEBEE82-F16F-41A4-9657-C8741819C0F9}" type="presOf" srcId="{24794AB0-8FAF-4185-9DB8-05F27CAD2A0D}" destId="{144D3249-FC31-46AA-902C-CC7975656B95}" srcOrd="0" destOrd="0" presId="urn:microsoft.com/office/officeart/2005/8/layout/process5#1"/>
+    <dgm:cxn modelId="{2424E886-E835-4CA7-93AD-5D8BD1E047DE}" type="presOf" srcId="{9440EF18-BB57-4349-85BC-F44152C88B89}" destId="{FFDD65B5-0EC1-4B60-9689-035B7F553030}" srcOrd="0" destOrd="0" presId="urn:microsoft.com/office/officeart/2005/8/layout/process5#1"/>
     <dgm:cxn modelId="{42E27D88-CE4E-48A5-B0A5-7B03022C4B26}" srcId="{8E90E5BF-3047-4CD6-9FC0-FA2A045AB93F}" destId="{5E69E4AF-16E8-4070-9EFD-23897A578B08}" srcOrd="3" destOrd="0" parTransId="{E74B674E-439E-4280-A4F9-C2FC93331810}" sibTransId="{8C6174F4-C176-408A-8A77-9026CDB9690F}"/>
     <dgm:cxn modelId="{DA75948C-1FEC-4F3E-8014-D4BF889D8DBA}" srcId="{24794AB0-8FAF-4185-9DB8-05F27CAD2A0D}" destId="{38079928-CA08-40B8-B216-B68CE60BDF5C}" srcOrd="4" destOrd="0" parTransId="{04F26D18-2C22-4E89-98C2-D31A7C667434}" sibTransId="{EE32D3F4-5467-42F9-A01F-410465E1707B}"/>
     <dgm:cxn modelId="{FDBAE78E-B30C-4D43-8083-C7BE2D5186CD}" srcId="{8E90E5BF-3047-4CD6-9FC0-FA2A045AB93F}" destId="{B69871F9-9F99-45E3-9B4A-F0681CBAB3CB}" srcOrd="2" destOrd="0" parTransId="{3AD1990D-3483-4F82-8395-C9003D9268E3}" sibTransId="{6059FD45-D131-4458-90FD-833D52EA31CE}"/>
     <dgm:cxn modelId="{D4008091-21DD-48A0-AF47-40BD00B812D1}" srcId="{24794AB0-8FAF-4185-9DB8-05F27CAD2A0D}" destId="{A1EDFF11-2D36-4EFC-AA02-33A025632147}" srcOrd="2" destOrd="0" parTransId="{6C9A0E44-F589-40DB-BF7D-D41C0DE96D62}" sibTransId="{DCF3FD67-409C-4CF8-AA5D-1B45DC6AB759}"/>
-    <dgm:cxn modelId="{2B48BA91-195F-4DC0-9782-2FC3A5FDBFC4}" type="presOf" srcId="{E309B7F1-6DFA-42AA-9333-8A29304684AA}" destId="{71244DAB-880E-4EC5-B009-6F03041F7636}" srcOrd="0" destOrd="0" presId="urn:microsoft.com/office/officeart/2005/8/layout/process5"/>
-    <dgm:cxn modelId="{0EB3FD91-F30D-4067-8EBB-BD494EF48A47}" type="presOf" srcId="{DCF3FD67-409C-4CF8-AA5D-1B45DC6AB759}" destId="{F8DE4133-18E5-4A75-8965-F0F47F677503}" srcOrd="1" destOrd="0" presId="urn:microsoft.com/office/officeart/2005/8/layout/process5"/>
-    <dgm:cxn modelId="{E12A1A96-8791-41AD-8E8A-BC8AF7B4E1AE}" type="presOf" srcId="{7F647C47-9893-4287-A3EA-8E05A60D61B0}" destId="{1F30C224-6B30-439F-AC01-464795AEA358}" srcOrd="0" destOrd="2" presId="urn:microsoft.com/office/officeart/2005/8/layout/process5"/>
-    <dgm:cxn modelId="{59B8499A-F882-4224-B0D7-3942C3073D4A}" type="presOf" srcId="{39616154-235B-458E-B36D-2F14000A7C26}" destId="{AD313303-52E2-443A-A892-A7E1609D8372}" srcOrd="0" destOrd="2" presId="urn:microsoft.com/office/officeart/2005/8/layout/process5"/>
-    <dgm:cxn modelId="{39D9F19D-C770-4CF9-8462-BE60DC5C4AA2}" type="presOf" srcId="{8E90E5BF-3047-4CD6-9FC0-FA2A045AB93F}" destId="{19284039-A4AE-4588-838B-D877298BA4C7}" srcOrd="0" destOrd="0" presId="urn:microsoft.com/office/officeart/2005/8/layout/process5"/>
-    <dgm:cxn modelId="{F898B1A1-395E-4FCC-AE21-0011E603B0C5}" type="presOf" srcId="{E7A9F034-9FAF-4467-B13A-1B4489934856}" destId="{7556C1E0-D474-42D1-9146-B4F5B3BAAF4D}" srcOrd="1" destOrd="0" presId="urn:microsoft.com/office/officeart/2005/8/layout/process5"/>
-    <dgm:cxn modelId="{D63E28A3-52B6-4007-ACDA-40755BC9B449}" type="presOf" srcId="{D13B0127-C0DB-4E54-879D-6C125D038984}" destId="{EC221A5C-0670-4439-89CB-82778AC934DD}" srcOrd="0" destOrd="3" presId="urn:microsoft.com/office/officeart/2005/8/layout/process5"/>
+    <dgm:cxn modelId="{2B48BA91-195F-4DC0-9782-2FC3A5FDBFC4}" type="presOf" srcId="{E309B7F1-6DFA-42AA-9333-8A29304684AA}" destId="{71244DAB-880E-4EC5-B009-6F03041F7636}" srcOrd="0" destOrd="0" presId="urn:microsoft.com/office/officeart/2005/8/layout/process5#1"/>
+    <dgm:cxn modelId="{0EB3FD91-F30D-4067-8EBB-BD494EF48A47}" type="presOf" srcId="{DCF3FD67-409C-4CF8-AA5D-1B45DC6AB759}" destId="{F8DE4133-18E5-4A75-8965-F0F47F677503}" srcOrd="1" destOrd="0" presId="urn:microsoft.com/office/officeart/2005/8/layout/process5#1"/>
+    <dgm:cxn modelId="{E12A1A96-8791-41AD-8E8A-BC8AF7B4E1AE}" type="presOf" srcId="{7F647C47-9893-4287-A3EA-8E05A60D61B0}" destId="{1F30C224-6B30-439F-AC01-464795AEA358}" srcOrd="0" destOrd="2" presId="urn:microsoft.com/office/officeart/2005/8/layout/process5#1"/>
+    <dgm:cxn modelId="{59B8499A-F882-4224-B0D7-3942C3073D4A}" type="presOf" srcId="{39616154-235B-458E-B36D-2F14000A7C26}" destId="{AD313303-52E2-443A-A892-A7E1609D8372}" srcOrd="0" destOrd="2" presId="urn:microsoft.com/office/officeart/2005/8/layout/process5#1"/>
+    <dgm:cxn modelId="{39D9F19D-C770-4CF9-8462-BE60DC5C4AA2}" type="presOf" srcId="{8E90E5BF-3047-4CD6-9FC0-FA2A045AB93F}" destId="{19284039-A4AE-4588-838B-D877298BA4C7}" srcOrd="0" destOrd="0" presId="urn:microsoft.com/office/officeart/2005/8/layout/process5#1"/>
+    <dgm:cxn modelId="{F898B1A1-395E-4FCC-AE21-0011E603B0C5}" type="presOf" srcId="{E7A9F034-9FAF-4467-B13A-1B4489934856}" destId="{7556C1E0-D474-42D1-9146-B4F5B3BAAF4D}" srcOrd="1" destOrd="0" presId="urn:microsoft.com/office/officeart/2005/8/layout/process5#1"/>
+    <dgm:cxn modelId="{D63E28A3-52B6-4007-ACDA-40755BC9B449}" type="presOf" srcId="{D13B0127-C0DB-4E54-879D-6C125D038984}" destId="{EC221A5C-0670-4439-89CB-82778AC934DD}" srcOrd="0" destOrd="3" presId="urn:microsoft.com/office/officeart/2005/8/layout/process5#1"/>
     <dgm:cxn modelId="{C9C397A3-AEF6-4FFB-AC37-3208EE5CFEC8}" srcId="{8E90E5BF-3047-4CD6-9FC0-FA2A045AB93F}" destId="{7E43A396-7A17-4AB6-BF64-BFA24056257D}" srcOrd="1" destOrd="0" parTransId="{DF8C4973-320B-46ED-8088-CA948A8BAE18}" sibTransId="{6B767584-457C-4FB2-93C4-576E6FFF367C}"/>
-    <dgm:cxn modelId="{0735C9A4-3A2F-4CE4-BE88-066E241EB685}" type="presOf" srcId="{CE6367BC-2716-4C51-8FA3-81C52497FEF5}" destId="{52CF645B-0F5F-44E5-BAF6-AEB6ADFFD999}" srcOrd="0" destOrd="3" presId="urn:microsoft.com/office/officeart/2005/8/layout/process5"/>
-    <dgm:cxn modelId="{624580AB-0BCA-4BCB-9AD7-F37D4E079402}" type="presOf" srcId="{5E69E4AF-16E8-4070-9EFD-23897A578B08}" destId="{19284039-A4AE-4588-838B-D877298BA4C7}" srcOrd="0" destOrd="4" presId="urn:microsoft.com/office/officeart/2005/8/layout/process5"/>
-    <dgm:cxn modelId="{54B660AD-34BD-4BCA-A666-827CA2B0D35C}" type="presOf" srcId="{AB917A24-CE53-4C05-8EAC-E150B1F45960}" destId="{835CEF26-9977-42DA-8647-7B4B0D27C8B5}" srcOrd="0" destOrd="2" presId="urn:microsoft.com/office/officeart/2005/8/layout/process5"/>
-    <dgm:cxn modelId="{39B79BBC-3AA7-4D9C-BE85-F0C4E3BA7F37}" type="presOf" srcId="{3E7B2C78-1A3D-422D-B58C-12B542EABFD8}" destId="{EC221A5C-0670-4439-89CB-82778AC934DD}" srcOrd="0" destOrd="1" presId="urn:microsoft.com/office/officeart/2005/8/layout/process5"/>
+    <dgm:cxn modelId="{0735C9A4-3A2F-4CE4-BE88-066E241EB685}" type="presOf" srcId="{CE6367BC-2716-4C51-8FA3-81C52497FEF5}" destId="{52CF645B-0F5F-44E5-BAF6-AEB6ADFFD999}" srcOrd="0" destOrd="3" presId="urn:microsoft.com/office/officeart/2005/8/layout/process5#1"/>
+    <dgm:cxn modelId="{624580AB-0BCA-4BCB-9AD7-F37D4E079402}" type="presOf" srcId="{5E69E4AF-16E8-4070-9EFD-23897A578B08}" destId="{19284039-A4AE-4588-838B-D877298BA4C7}" srcOrd="0" destOrd="4" presId="urn:microsoft.com/office/officeart/2005/8/layout/process5#1"/>
+    <dgm:cxn modelId="{54B660AD-34BD-4BCA-A666-827CA2B0D35C}" type="presOf" srcId="{AB917A24-CE53-4C05-8EAC-E150B1F45960}" destId="{835CEF26-9977-42DA-8647-7B4B0D27C8B5}" srcOrd="0" destOrd="2" presId="urn:microsoft.com/office/officeart/2005/8/layout/process5#1"/>
+    <dgm:cxn modelId="{39B79BBC-3AA7-4D9C-BE85-F0C4E3BA7F37}" type="presOf" srcId="{3E7B2C78-1A3D-422D-B58C-12B542EABFD8}" destId="{EC221A5C-0670-4439-89CB-82778AC934DD}" srcOrd="0" destOrd="1" presId="urn:microsoft.com/office/officeart/2005/8/layout/process5#1"/>
     <dgm:cxn modelId="{01E82DC1-5447-4081-BAA8-D4A56478B32A}" srcId="{38079928-CA08-40B8-B216-B68CE60BDF5C}" destId="{CE6367BC-2716-4C51-8FA3-81C52497FEF5}" srcOrd="2" destOrd="0" parTransId="{48527D5B-9B4F-40D2-8003-9586F99D6C26}" sibTransId="{18854954-606D-479F-A4CF-68466EB7CD64}"/>
     <dgm:cxn modelId="{73843EC2-85BD-4551-BFBC-9D4218393C12}" srcId="{B0EDC19F-D5B6-4679-8CA8-D7B46EAD14B0}" destId="{39616154-235B-458E-B36D-2F14000A7C26}" srcOrd="1" destOrd="0" parTransId="{3A6AC764-3ACB-40FD-8A9A-E9465641AB3E}" sibTransId="{7C1BD8DC-B79E-4FF8-92EA-079F73A6E2DF}"/>
-    <dgm:cxn modelId="{B3A6ABC3-EE43-42AE-86AB-AC0CB5324CEC}" type="presOf" srcId="{F73A9532-4ACB-4CEC-9783-3EA41B01F798}" destId="{835CEF26-9977-42DA-8647-7B4B0D27C8B5}" srcOrd="0" destOrd="1" presId="urn:microsoft.com/office/officeart/2005/8/layout/process5"/>
+    <dgm:cxn modelId="{B3A6ABC3-EE43-42AE-86AB-AC0CB5324CEC}" type="presOf" srcId="{F73A9532-4ACB-4CEC-9783-3EA41B01F798}" destId="{835CEF26-9977-42DA-8647-7B4B0D27C8B5}" srcOrd="0" destOrd="1" presId="urn:microsoft.com/office/officeart/2005/8/layout/process5#1"/>
     <dgm:cxn modelId="{8D3E12C5-9A4F-4A72-A82F-1BE995EA0F1F}" srcId="{38079928-CA08-40B8-B216-B68CE60BDF5C}" destId="{54C9D3C5-AF35-451F-B92E-AB39094EB43D}" srcOrd="1" destOrd="0" parTransId="{0884AF51-450B-4F13-9EC5-D1454520F32F}" sibTransId="{18B647EE-13BD-4C85-87FC-55A3B12111C0}"/>
     <dgm:cxn modelId="{A8B84EC6-403E-4CFE-9A35-6F259202DE5A}" srcId="{FA7AED45-07C5-4152-9CE9-C04144C89741}" destId="{3E7B2C78-1A3D-422D-B58C-12B542EABFD8}" srcOrd="0" destOrd="0" parTransId="{2C842D45-E0CD-4912-8197-E0485DE15462}" sibTransId="{12962F09-95E6-4284-8FB2-7AC77F1F978B}"/>
-    <dgm:cxn modelId="{C52CB7CD-5DF4-413A-822C-5C5E58C6F39E}" type="presOf" srcId="{E309B7F1-6DFA-42AA-9333-8A29304684AA}" destId="{26A3EE27-1074-46D9-81C9-52B1966F5757}" srcOrd="1" destOrd="0" presId="urn:microsoft.com/office/officeart/2005/8/layout/process5"/>
-    <dgm:cxn modelId="{957CF3D7-5F79-48E1-BD54-B147E2042138}" type="presOf" srcId="{A285396E-4F0F-495E-A2E0-36CD14768126}" destId="{AD313303-52E2-443A-A892-A7E1609D8372}" srcOrd="0" destOrd="1" presId="urn:microsoft.com/office/officeart/2005/8/layout/process5"/>
-    <dgm:cxn modelId="{29FD52E6-2434-45B4-A5A3-4015399320BD}" type="presOf" srcId="{7E7204A9-64E6-4016-98A8-5D9FBEAD0140}" destId="{52CF645B-0F5F-44E5-BAF6-AEB6ADFFD999}" srcOrd="0" destOrd="1" presId="urn:microsoft.com/office/officeart/2005/8/layout/process5"/>
-    <dgm:cxn modelId="{F78238E7-9AEA-4191-A519-459D8A7441E1}" type="presOf" srcId="{EE32D3F4-5467-42F9-A01F-410465E1707B}" destId="{A20891FA-8CF9-401B-96F3-B9B80A2E2462}" srcOrd="1" destOrd="0" presId="urn:microsoft.com/office/officeart/2005/8/layout/process5"/>
-    <dgm:cxn modelId="{11EF5EEC-87CF-4A89-A379-B041856B355F}" type="presOf" srcId="{2867E9DB-7097-4A6A-847D-7087450DE850}" destId="{EC221A5C-0670-4439-89CB-82778AC934DD}" srcOrd="0" destOrd="2" presId="urn:microsoft.com/office/officeart/2005/8/layout/process5"/>
+    <dgm:cxn modelId="{C52CB7CD-5DF4-413A-822C-5C5E58C6F39E}" type="presOf" srcId="{E309B7F1-6DFA-42AA-9333-8A29304684AA}" destId="{26A3EE27-1074-46D9-81C9-52B1966F5757}" srcOrd="1" destOrd="0" presId="urn:microsoft.com/office/officeart/2005/8/layout/process5#1"/>
+    <dgm:cxn modelId="{957CF3D7-5F79-48E1-BD54-B147E2042138}" type="presOf" srcId="{A285396E-4F0F-495E-A2E0-36CD14768126}" destId="{AD313303-52E2-443A-A892-A7E1609D8372}" srcOrd="0" destOrd="1" presId="urn:microsoft.com/office/officeart/2005/8/layout/process5#1"/>
+    <dgm:cxn modelId="{29FD52E6-2434-45B4-A5A3-4015399320BD}" type="presOf" srcId="{7E7204A9-64E6-4016-98A8-5D9FBEAD0140}" destId="{52CF645B-0F5F-44E5-BAF6-AEB6ADFFD999}" srcOrd="0" destOrd="1" presId="urn:microsoft.com/office/officeart/2005/8/layout/process5#1"/>
+    <dgm:cxn modelId="{F78238E7-9AEA-4191-A519-459D8A7441E1}" type="presOf" srcId="{EE32D3F4-5467-42F9-A01F-410465E1707B}" destId="{A20891FA-8CF9-401B-96F3-B9B80A2E2462}" srcOrd="1" destOrd="0" presId="urn:microsoft.com/office/officeart/2005/8/layout/process5#1"/>
+    <dgm:cxn modelId="{11EF5EEC-87CF-4A89-A379-B041856B355F}" type="presOf" srcId="{2867E9DB-7097-4A6A-847D-7087450DE850}" destId="{EC221A5C-0670-4439-89CB-82778AC934DD}" srcOrd="0" destOrd="2" presId="urn:microsoft.com/office/officeart/2005/8/layout/process5#1"/>
     <dgm:cxn modelId="{2D4AADF0-DD97-4E69-A45E-C063BE295545}" srcId="{38079928-CA08-40B8-B216-B68CE60BDF5C}" destId="{7E7204A9-64E6-4016-98A8-5D9FBEAD0140}" srcOrd="0" destOrd="0" parTransId="{8051ED07-5AC1-4A77-A700-B308DA8395D8}" sibTransId="{4648B6BD-6970-4AB4-BD2F-8E3387715C69}"/>
-    <dgm:cxn modelId="{A32820F4-B8A4-48C4-8701-5D2543BE3362}" type="presOf" srcId="{DC7CC678-B297-4AEF-BF11-9AB54013928C}" destId="{19284039-A4AE-4588-838B-D877298BA4C7}" srcOrd="0" destOrd="1" presId="urn:microsoft.com/office/officeart/2005/8/layout/process5"/>
+    <dgm:cxn modelId="{A32820F4-B8A4-48C4-8701-5D2543BE3362}" type="presOf" srcId="{DC7CC678-B297-4AEF-BF11-9AB54013928C}" destId="{19284039-A4AE-4588-838B-D877298BA4C7}" srcOrd="0" destOrd="1" presId="urn:microsoft.com/office/officeart/2005/8/layout/process5#1"/>
     <dgm:cxn modelId="{A0DC18F9-49E2-46E9-A9C0-E87FC49E7C5A}" srcId="{8E90E5BF-3047-4CD6-9FC0-FA2A045AB93F}" destId="{DC7CC678-B297-4AEF-BF11-9AB54013928C}" srcOrd="0" destOrd="0" parTransId="{E22D8156-8A51-4554-B1E9-16454800B2B6}" sibTransId="{E60E4695-F937-4793-93D7-4B8E62DF348C}"/>
-    <dgm:cxn modelId="{5B507E6B-82BB-44C3-9F01-70935A9585BA}" type="presParOf" srcId="{144D3249-FC31-46AA-902C-CC7975656B95}" destId="{835CEF26-9977-42DA-8647-7B4B0D27C8B5}" srcOrd="0" destOrd="0" presId="urn:microsoft.com/office/officeart/2005/8/layout/process5"/>
-    <dgm:cxn modelId="{956D6048-D253-4670-B124-5BC14049776F}" type="presParOf" srcId="{144D3249-FC31-46AA-902C-CC7975656B95}" destId="{63F79507-A58F-4BDE-86E0-AFC52B0CE9C5}" srcOrd="1" destOrd="0" presId="urn:microsoft.com/office/officeart/2005/8/layout/process5"/>
-    <dgm:cxn modelId="{3210C529-E8F7-4C82-B30A-AE73507BA407}" type="presParOf" srcId="{63F79507-A58F-4BDE-86E0-AFC52B0CE9C5}" destId="{7556C1E0-D474-42D1-9146-B4F5B3BAAF4D}" srcOrd="0" destOrd="0" presId="urn:microsoft.com/office/officeart/2005/8/layout/process5"/>
-    <dgm:cxn modelId="{17634B48-37C9-4306-A696-2FBFB551247A}" type="presParOf" srcId="{144D3249-FC31-46AA-902C-CC7975656B95}" destId="{AD313303-52E2-443A-A892-A7E1609D8372}" srcOrd="2" destOrd="0" presId="urn:microsoft.com/office/officeart/2005/8/layout/process5"/>
-    <dgm:cxn modelId="{0191AB61-0A98-42A5-8238-AF53D202A95D}" type="presParOf" srcId="{144D3249-FC31-46AA-902C-CC7975656B95}" destId="{71244DAB-880E-4EC5-B009-6F03041F7636}" srcOrd="3" destOrd="0" presId="urn:microsoft.com/office/officeart/2005/8/layout/process5"/>
-    <dgm:cxn modelId="{0AED9A64-6A00-4923-9598-DA67B2CA9797}" type="presParOf" srcId="{71244DAB-880E-4EC5-B009-6F03041F7636}" destId="{26A3EE27-1074-46D9-81C9-52B1966F5757}" srcOrd="0" destOrd="0" presId="urn:microsoft.com/office/officeart/2005/8/layout/process5"/>
-    <dgm:cxn modelId="{15C26BA3-F374-44C7-9DC0-A5213AEA25F2}" type="presParOf" srcId="{144D3249-FC31-46AA-902C-CC7975656B95}" destId="{1F30C224-6B30-439F-AC01-464795AEA358}" srcOrd="4" destOrd="0" presId="urn:microsoft.com/office/officeart/2005/8/layout/process5"/>
-    <dgm:cxn modelId="{7070EE5C-887C-4EC6-A221-C90FB8EBA08B}" type="presParOf" srcId="{144D3249-FC31-46AA-902C-CC7975656B95}" destId="{932B4F0E-BE51-42E3-943F-224DABCAE4BC}" srcOrd="5" destOrd="0" presId="urn:microsoft.com/office/officeart/2005/8/layout/process5"/>
-    <dgm:cxn modelId="{E2707542-A4D4-4F08-85E2-861CD04EC1B5}" type="presParOf" srcId="{932B4F0E-BE51-42E3-943F-224DABCAE4BC}" destId="{F8DE4133-18E5-4A75-8965-F0F47F677503}" srcOrd="0" destOrd="0" presId="urn:microsoft.com/office/officeart/2005/8/layout/process5"/>
-    <dgm:cxn modelId="{D9059081-63AC-49EE-A00D-0AB4BB40059E}" type="presParOf" srcId="{144D3249-FC31-46AA-902C-CC7975656B95}" destId="{EC221A5C-0670-4439-89CB-82778AC934DD}" srcOrd="6" destOrd="0" presId="urn:microsoft.com/office/officeart/2005/8/layout/process5"/>
-    <dgm:cxn modelId="{72C667BE-9E76-4A39-B16E-8AEA822B4D95}" type="presParOf" srcId="{144D3249-FC31-46AA-902C-CC7975656B95}" destId="{FFDD65B5-0EC1-4B60-9689-035B7F553030}" srcOrd="7" destOrd="0" presId="urn:microsoft.com/office/officeart/2005/8/layout/process5"/>
-    <dgm:cxn modelId="{0E3D566A-872D-4833-8F71-ADFE6D4AA6A0}" type="presParOf" srcId="{FFDD65B5-0EC1-4B60-9689-035B7F553030}" destId="{3693D5BB-B6B0-46A5-8268-A6479480A37F}" srcOrd="0" destOrd="0" presId="urn:microsoft.com/office/officeart/2005/8/layout/process5"/>
-    <dgm:cxn modelId="{12488185-4BB5-4757-A814-D777A71EDB10}" type="presParOf" srcId="{144D3249-FC31-46AA-902C-CC7975656B95}" destId="{52CF645B-0F5F-44E5-BAF6-AEB6ADFFD999}" srcOrd="8" destOrd="0" presId="urn:microsoft.com/office/officeart/2005/8/layout/process5"/>
-    <dgm:cxn modelId="{12FABE02-B4FE-425F-8E67-C0AF43944F88}" type="presParOf" srcId="{144D3249-FC31-46AA-902C-CC7975656B95}" destId="{26CD4856-275F-42B3-B4A7-411E9E40E0AA}" srcOrd="9" destOrd="0" presId="urn:microsoft.com/office/officeart/2005/8/layout/process5"/>
-    <dgm:cxn modelId="{66F8A5CE-B203-4F1A-8088-A3934B6DCD08}" type="presParOf" srcId="{26CD4856-275F-42B3-B4A7-411E9E40E0AA}" destId="{A20891FA-8CF9-401B-96F3-B9B80A2E2462}" srcOrd="0" destOrd="0" presId="urn:microsoft.com/office/officeart/2005/8/layout/process5"/>
-    <dgm:cxn modelId="{83A95E6D-BFF8-4135-BE41-A97E3A2581C7}" type="presParOf" srcId="{144D3249-FC31-46AA-902C-CC7975656B95}" destId="{19284039-A4AE-4588-838B-D877298BA4C7}" srcOrd="10" destOrd="0" presId="urn:microsoft.com/office/officeart/2005/8/layout/process5"/>
+    <dgm:cxn modelId="{5B507E6B-82BB-44C3-9F01-70935A9585BA}" type="presParOf" srcId="{144D3249-FC31-46AA-902C-CC7975656B95}" destId="{835CEF26-9977-42DA-8647-7B4B0D27C8B5}" srcOrd="0" destOrd="0" presId="urn:microsoft.com/office/officeart/2005/8/layout/process5#1"/>
+    <dgm:cxn modelId="{956D6048-D253-4670-B124-5BC14049776F}" type="presParOf" srcId="{144D3249-FC31-46AA-902C-CC7975656B95}" destId="{63F79507-A58F-4BDE-86E0-AFC52B0CE9C5}" srcOrd="1" destOrd="0" presId="urn:microsoft.com/office/officeart/2005/8/layout/process5#1"/>
+    <dgm:cxn modelId="{3210C529-E8F7-4C82-B30A-AE73507BA407}" type="presParOf" srcId="{63F79507-A58F-4BDE-86E0-AFC52B0CE9C5}" destId="{7556C1E0-D474-42D1-9146-B4F5B3BAAF4D}" srcOrd="0" destOrd="0" presId="urn:microsoft.com/office/officeart/2005/8/layout/process5#1"/>
+    <dgm:cxn modelId="{17634B48-37C9-4306-A696-2FBFB551247A}" type="presParOf" srcId="{144D3249-FC31-46AA-902C-CC7975656B95}" destId="{AD313303-52E2-443A-A892-A7E1609D8372}" srcOrd="2" destOrd="0" presId="urn:microsoft.com/office/officeart/2005/8/layout/process5#1"/>
+    <dgm:cxn modelId="{0191AB61-0A98-42A5-8238-AF53D202A95D}" type="presParOf" srcId="{144D3249-FC31-46AA-902C-CC7975656B95}" destId="{71244DAB-880E-4EC5-B009-6F03041F7636}" srcOrd="3" destOrd="0" presId="urn:microsoft.com/office/officeart/2005/8/layout/process5#1"/>
+    <dgm:cxn modelId="{0AED9A64-6A00-4923-9598-DA67B2CA9797}" type="presParOf" srcId="{71244DAB-880E-4EC5-B009-6F03041F7636}" destId="{26A3EE27-1074-46D9-81C9-52B1966F5757}" srcOrd="0" destOrd="0" presId="urn:microsoft.com/office/officeart/2005/8/layout/process5#1"/>
+    <dgm:cxn modelId="{15C26BA3-F374-44C7-9DC0-A5213AEA25F2}" type="presParOf" srcId="{144D3249-FC31-46AA-902C-CC7975656B95}" destId="{1F30C224-6B30-439F-AC01-464795AEA358}" srcOrd="4" destOrd="0" presId="urn:microsoft.com/office/officeart/2005/8/layout/process5#1"/>
+    <dgm:cxn modelId="{7070EE5C-887C-4EC6-A221-C90FB8EBA08B}" type="presParOf" srcId="{144D3249-FC31-46AA-902C-CC7975656B95}" destId="{932B4F0E-BE51-42E3-943F-224DABCAE4BC}" srcOrd="5" destOrd="0" presId="urn:microsoft.com/office/officeart/2005/8/layout/process5#1"/>
+    <dgm:cxn modelId="{E2707542-A4D4-4F08-85E2-861CD04EC1B5}" type="presParOf" srcId="{932B4F0E-BE51-42E3-943F-224DABCAE4BC}" destId="{F8DE4133-18E5-4A75-8965-F0F47F677503}" srcOrd="0" destOrd="0" presId="urn:microsoft.com/office/officeart/2005/8/layout/process5#1"/>
+    <dgm:cxn modelId="{D9059081-63AC-49EE-A00D-0AB4BB40059E}" type="presParOf" srcId="{144D3249-FC31-46AA-902C-CC7975656B95}" destId="{EC221A5C-0670-4439-89CB-82778AC934DD}" srcOrd="6" destOrd="0" presId="urn:microsoft.com/office/officeart/2005/8/layout/process5#1"/>
+    <dgm:cxn modelId="{72C667BE-9E76-4A39-B16E-8AEA822B4D95}" type="presParOf" srcId="{144D3249-FC31-46AA-902C-CC7975656B95}" destId="{FFDD65B5-0EC1-4B60-9689-035B7F553030}" srcOrd="7" destOrd="0" presId="urn:microsoft.com/office/officeart/2005/8/layout/process5#1"/>
+    <dgm:cxn modelId="{0E3D566A-872D-4833-8F71-ADFE6D4AA6A0}" type="presParOf" srcId="{FFDD65B5-0EC1-4B60-9689-035B7F553030}" destId="{3693D5BB-B6B0-46A5-8268-A6479480A37F}" srcOrd="0" destOrd="0" presId="urn:microsoft.com/office/officeart/2005/8/layout/process5#1"/>
+    <dgm:cxn modelId="{12488185-4BB5-4757-A814-D777A71EDB10}" type="presParOf" srcId="{144D3249-FC31-46AA-902C-CC7975656B95}" destId="{52CF645B-0F5F-44E5-BAF6-AEB6ADFFD999}" srcOrd="8" destOrd="0" presId="urn:microsoft.com/office/officeart/2005/8/layout/process5#1"/>
+    <dgm:cxn modelId="{12FABE02-B4FE-425F-8E67-C0AF43944F88}" type="presParOf" srcId="{144D3249-FC31-46AA-902C-CC7975656B95}" destId="{26CD4856-275F-42B3-B4A7-411E9E40E0AA}" srcOrd="9" destOrd="0" presId="urn:microsoft.com/office/officeart/2005/8/layout/process5#1"/>
+    <dgm:cxn modelId="{66F8A5CE-B203-4F1A-8088-A3934B6DCD08}" type="presParOf" srcId="{26CD4856-275F-42B3-B4A7-411E9E40E0AA}" destId="{A20891FA-8CF9-401B-96F3-B9B80A2E2462}" srcOrd="0" destOrd="0" presId="urn:microsoft.com/office/officeart/2005/8/layout/process5#1"/>
+    <dgm:cxn modelId="{83A95E6D-BFF8-4135-BE41-A97E3A2581C7}" type="presParOf" srcId="{144D3249-FC31-46AA-902C-CC7975656B95}" destId="{19284039-A4AE-4588-838B-D877298BA4C7}" srcOrd="10" destOrd="0" presId="urn:microsoft.com/office/officeart/2005/8/layout/process5#1"/>
   </dgm:cxnLst>
   <dgm:bg/>
   <dgm:whole/>
   <dgm:extLst>
     <a:ext uri="http://schemas.microsoft.com/office/drawing/2008/diagram">
-      <dsp:dataModelExt xmlns:dsp="http://schemas.microsoft.com/office/drawing/2008/diagram" relId="rId5" minVer="http://schemas.openxmlformats.org/drawingml/2006/diagram"/>
+      <dsp:dataModelExt xmlns:dsp="http://schemas.microsoft.com/office/drawing/2008/diagram" relId="rId7" minVer="http://schemas.openxmlformats.org/drawingml/2006/diagram"/>
     </a:ext>
   </dgm:extLst>
 </dgm:dataModel>
@@ -3262,7 +3263,7 @@
 </file>
 
 <file path=ppt/diagrams/layout1.xml><?xml version="1.0" encoding="utf-8"?>
-<dgm:layoutDef xmlns:dgm="http://schemas.openxmlformats.org/drawingml/2006/diagram" xmlns:a="http://schemas.openxmlformats.org/drawingml/2006/main" uniqueId="urn:microsoft.com/office/officeart/2005/8/layout/process5">
+<dgm:layoutDef xmlns:dgm="http://schemas.openxmlformats.org/drawingml/2006/diagram" xmlns:a="http://schemas.openxmlformats.org/drawingml/2006/main" uniqueId="urn:microsoft.com/office/officeart/2005/8/layout/process5#1">
   <dgm:title val=""/>
   <dgm:desc val=""/>
   <dgm:catLst>
@@ -3433,7 +3434,7 @@
 </file>
 
 <file path=ppt/diagrams/quickStyle1.xml><?xml version="1.0" encoding="utf-8"?>
-<dgm:styleDef xmlns:dgm="http://schemas.openxmlformats.org/drawingml/2006/diagram" xmlns:a="http://schemas.openxmlformats.org/drawingml/2006/main" uniqueId="urn:microsoft.com/office/officeart/2005/8/quickstyle/simple1">
+<dgm:styleDef xmlns:dgm="http://schemas.openxmlformats.org/drawingml/2006/diagram" xmlns:a="http://schemas.openxmlformats.org/drawingml/2006/main" uniqueId="urn:microsoft.com/office/officeart/2005/8/quickstyle/simple1#1">
   <dgm:title val=""/>
   <dgm:desc val=""/>
   <dgm:catLst>
@@ -3448,6 +3449,7 @@
       <a:camera prst="orthographicFront"/>
       <a:lightRig rig="threePt" dir="t"/>
     </dgm:scene3d>
+    <dgm:sp3d/>
     <dgm:txPr/>
     <dgm:style>
       <a:lnRef idx="2">
@@ -3467,6 +3469,7 @@
       <a:camera prst="orthographicFront"/>
       <a:lightRig rig="threePt" dir="t"/>
     </dgm:scene3d>
+    <dgm:sp3d/>
     <dgm:txPr/>
     <dgm:style>
       <a:lnRef idx="2">
@@ -3486,6 +3489,7 @@
       <a:camera prst="orthographicFront"/>
       <a:lightRig rig="threePt" dir="t"/>
     </dgm:scene3d>
+    <dgm:sp3d/>
     <dgm:txPr/>
     <dgm:style>
       <a:lnRef idx="2">
@@ -3505,6 +3509,7 @@
       <a:camera prst="orthographicFront"/>
       <a:lightRig rig="threePt" dir="t"/>
     </dgm:scene3d>
+    <dgm:sp3d/>
     <dgm:txPr/>
     <dgm:style>
       <a:lnRef idx="2">
@@ -3526,6 +3531,7 @@
       <a:camera prst="orthographicFront"/>
       <a:lightRig rig="threePt" dir="t"/>
     </dgm:scene3d>
+    <dgm:sp3d/>
     <dgm:txPr/>
     <dgm:style>
       <a:lnRef idx="2">
@@ -3547,6 +3553,7 @@
       <a:camera prst="orthographicFront"/>
       <a:lightRig rig="threePt" dir="t"/>
     </dgm:scene3d>
+    <dgm:sp3d/>
     <dgm:txPr/>
     <dgm:style>
       <a:lnRef idx="2">
@@ -3568,6 +3575,7 @@
       <a:camera prst="orthographicFront"/>
       <a:lightRig rig="threePt" dir="t"/>
     </dgm:scene3d>
+    <dgm:sp3d/>
     <dgm:txPr/>
     <dgm:style>
       <a:lnRef idx="2">
@@ -3589,6 +3597,7 @@
       <a:camera prst="orthographicFront"/>
       <a:lightRig rig="threePt" dir="t"/>
     </dgm:scene3d>
+    <dgm:sp3d/>
     <dgm:txPr/>
     <dgm:style>
       <a:lnRef idx="2">
@@ -3610,6 +3619,7 @@
       <a:camera prst="orthographicFront"/>
       <a:lightRig rig="threePt" dir="t"/>
     </dgm:scene3d>
+    <dgm:sp3d/>
     <dgm:txPr/>
     <dgm:style>
       <a:lnRef idx="2">
@@ -3631,6 +3641,7 @@
       <a:camera prst="orthographicFront"/>
       <a:lightRig rig="threePt" dir="t"/>
     </dgm:scene3d>
+    <dgm:sp3d/>
     <dgm:txPr/>
     <dgm:style>
       <a:lnRef idx="2">
@@ -3650,6 +3661,7 @@
       <a:camera prst="orthographicFront"/>
       <a:lightRig rig="threePt" dir="t"/>
     </dgm:scene3d>
+    <dgm:sp3d/>
     <dgm:txPr/>
     <dgm:style>
       <a:lnRef idx="2">
@@ -3669,6 +3681,7 @@
       <a:camera prst="orthographicFront"/>
       <a:lightRig rig="threePt" dir="t"/>
     </dgm:scene3d>
+    <dgm:sp3d/>
     <dgm:txPr/>
     <dgm:style>
       <a:lnRef idx="2">
@@ -3688,6 +3701,7 @@
       <a:camera prst="orthographicFront"/>
       <a:lightRig rig="threePt" dir="t"/>
     </dgm:scene3d>
+    <dgm:sp3d/>
     <dgm:txPr/>
     <dgm:style>
       <a:lnRef idx="0">
@@ -3707,6 +3721,7 @@
       <a:camera prst="orthographicFront"/>
       <a:lightRig rig="threePt" dir="t"/>
     </dgm:scene3d>
+    <dgm:sp3d/>
     <dgm:txPr/>
     <dgm:style>
       <a:lnRef idx="0">
@@ -3728,6 +3743,7 @@
       <a:camera prst="orthographicFront"/>
       <a:lightRig rig="threePt" dir="t"/>
     </dgm:scene3d>
+    <dgm:sp3d/>
     <dgm:txPr/>
     <dgm:style>
       <a:lnRef idx="2">
@@ -3747,6 +3763,7 @@
       <a:camera prst="orthographicFront"/>
       <a:lightRig rig="threePt" dir="t"/>
     </dgm:scene3d>
+    <dgm:sp3d/>
     <dgm:txPr/>
     <dgm:style>
       <a:lnRef idx="2">
@@ -3766,6 +3783,7 @@
       <a:camera prst="orthographicFront"/>
       <a:lightRig rig="threePt" dir="t"/>
     </dgm:scene3d>
+    <dgm:sp3d/>
     <dgm:txPr/>
     <dgm:style>
       <a:lnRef idx="0">
@@ -3785,6 +3803,7 @@
       <a:camera prst="orthographicFront"/>
       <a:lightRig rig="threePt" dir="t"/>
     </dgm:scene3d>
+    <dgm:sp3d/>
     <dgm:txPr/>
     <dgm:style>
       <a:lnRef idx="2">
@@ -3804,6 +3823,7 @@
       <a:camera prst="orthographicFront"/>
       <a:lightRig rig="threePt" dir="t"/>
     </dgm:scene3d>
+    <dgm:sp3d/>
     <dgm:txPr/>
     <dgm:style>
       <a:lnRef idx="2">
@@ -3823,6 +3843,7 @@
       <a:camera prst="orthographicFront"/>
       <a:lightRig rig="threePt" dir="t"/>
     </dgm:scene3d>
+    <dgm:sp3d/>
     <dgm:txPr/>
     <dgm:style>
       <a:lnRef idx="2">
@@ -3842,6 +3863,7 @@
       <a:camera prst="orthographicFront"/>
       <a:lightRig rig="threePt" dir="t"/>
     </dgm:scene3d>
+    <dgm:sp3d/>
     <dgm:txPr/>
     <dgm:style>
       <a:lnRef idx="2">
@@ -3861,6 +3883,7 @@
       <a:camera prst="orthographicFront"/>
       <a:lightRig rig="threePt" dir="t"/>
     </dgm:scene3d>
+    <dgm:sp3d/>
     <dgm:txPr/>
     <dgm:style>
       <a:lnRef idx="2">
@@ -3880,6 +3903,7 @@
       <a:camera prst="orthographicFront"/>
       <a:lightRig rig="threePt" dir="t"/>
     </dgm:scene3d>
+    <dgm:sp3d/>
     <dgm:txPr/>
     <dgm:style>
       <a:lnRef idx="2">
@@ -3899,6 +3923,7 @@
       <a:camera prst="orthographicFront"/>
       <a:lightRig rig="threePt" dir="t"/>
     </dgm:scene3d>
+    <dgm:sp3d/>
     <dgm:txPr/>
     <dgm:style>
       <a:lnRef idx="2">
@@ -3918,6 +3943,7 @@
       <a:camera prst="orthographicFront"/>
       <a:lightRig rig="threePt" dir="t"/>
     </dgm:scene3d>
+    <dgm:sp3d/>
     <dgm:txPr/>
     <dgm:style>
       <a:lnRef idx="2">
@@ -3937,6 +3963,7 @@
       <a:camera prst="orthographicFront"/>
       <a:lightRig rig="threePt" dir="t"/>
     </dgm:scene3d>
+    <dgm:sp3d/>
     <dgm:txPr/>
     <dgm:style>
       <a:lnRef idx="0">
@@ -3958,6 +3985,7 @@
       <a:camera prst="orthographicFront"/>
       <a:lightRig rig="threePt" dir="t"/>
     </dgm:scene3d>
+    <dgm:sp3d/>
     <dgm:txPr/>
     <dgm:style>
       <a:lnRef idx="2">
@@ -3979,6 +4007,7 @@
       <a:camera prst="orthographicFront"/>
       <a:lightRig rig="threePt" dir="t"/>
     </dgm:scene3d>
+    <dgm:sp3d/>
     <dgm:txPr/>
     <dgm:style>
       <a:lnRef idx="2">
@@ -4000,6 +4029,7 @@
       <a:camera prst="orthographicFront"/>
       <a:lightRig rig="threePt" dir="t"/>
     </dgm:scene3d>
+    <dgm:sp3d/>
     <dgm:txPr/>
     <dgm:style>
       <a:lnRef idx="2">
@@ -4021,6 +4051,7 @@
       <a:camera prst="orthographicFront"/>
       <a:lightRig rig="threePt" dir="t"/>
     </dgm:scene3d>
+    <dgm:sp3d/>
     <dgm:txPr/>
     <dgm:style>
       <a:lnRef idx="2">
@@ -4042,6 +4073,7 @@
       <a:camera prst="orthographicFront"/>
       <a:lightRig rig="threePt" dir="t"/>
     </dgm:scene3d>
+    <dgm:sp3d/>
     <dgm:txPr/>
     <dgm:style>
       <a:lnRef idx="2">
@@ -4063,6 +4095,7 @@
       <a:camera prst="orthographicFront"/>
       <a:lightRig rig="threePt" dir="t"/>
     </dgm:scene3d>
+    <dgm:sp3d/>
     <dgm:txPr/>
     <dgm:style>
       <a:lnRef idx="2">
@@ -4084,6 +4117,7 @@
       <a:camera prst="orthographicFront"/>
       <a:lightRig rig="threePt" dir="t"/>
     </dgm:scene3d>
+    <dgm:sp3d/>
     <dgm:txPr/>
     <dgm:style>
       <a:lnRef idx="2">
@@ -4103,6 +4137,7 @@
       <a:camera prst="orthographicFront"/>
       <a:lightRig rig="threePt" dir="t"/>
     </dgm:scene3d>
+    <dgm:sp3d/>
     <dgm:txPr/>
     <dgm:style>
       <a:lnRef idx="2">
@@ -4122,6 +4157,7 @@
       <a:camera prst="orthographicFront"/>
       <a:lightRig rig="threePt" dir="t"/>
     </dgm:scene3d>
+    <dgm:sp3d/>
     <dgm:txPr/>
     <dgm:style>
       <a:lnRef idx="2">
@@ -4141,6 +4177,7 @@
       <a:camera prst="orthographicFront"/>
       <a:lightRig rig="threePt" dir="t"/>
     </dgm:scene3d>
+    <dgm:sp3d/>
     <dgm:txPr/>
     <dgm:style>
       <a:lnRef idx="2">
@@ -4160,6 +4197,7 @@
       <a:camera prst="orthographicFront"/>
       <a:lightRig rig="threePt" dir="t"/>
     </dgm:scene3d>
+    <dgm:sp3d/>
     <dgm:txPr/>
     <dgm:style>
       <a:lnRef idx="2">
@@ -4181,6 +4219,7 @@
       <a:camera prst="orthographicFront"/>
       <a:lightRig rig="threePt" dir="t"/>
     </dgm:scene3d>
+    <dgm:sp3d/>
     <dgm:txPr/>
     <dgm:style>
       <a:lnRef idx="2">
@@ -4202,6 +4241,7 @@
       <a:camera prst="orthographicFront"/>
       <a:lightRig rig="threePt" dir="t"/>
     </dgm:scene3d>
+    <dgm:sp3d/>
     <dgm:txPr/>
     <dgm:style>
       <a:lnRef idx="2">
@@ -4223,6 +4263,7 @@
       <a:camera prst="orthographicFront"/>
       <a:lightRig rig="threePt" dir="t"/>
     </dgm:scene3d>
+    <dgm:sp3d/>
     <dgm:txPr/>
     <dgm:style>
       <a:lnRef idx="2">
@@ -4244,6 +4285,7 @@
       <a:camera prst="orthographicFront"/>
       <a:lightRig rig="threePt" dir="t"/>
     </dgm:scene3d>
+    <dgm:sp3d/>
     <dgm:txPr/>
     <dgm:style>
       <a:lnRef idx="0">
@@ -4263,6 +4305,7 @@
       <a:camera prst="orthographicFront"/>
       <a:lightRig rig="threePt" dir="t"/>
     </dgm:scene3d>
+    <dgm:sp3d/>
     <dgm:txPr/>
     <dgm:style>
       <a:lnRef idx="1">
@@ -4282,6 +4325,7 @@
       <a:camera prst="orthographicFront"/>
       <a:lightRig rig="threePt" dir="t"/>
     </dgm:scene3d>
+    <dgm:sp3d/>
     <dgm:txPr/>
     <dgm:style>
       <a:lnRef idx="0">
@@ -4303,6 +4347,7 @@
       <a:camera prst="orthographicFront"/>
       <a:lightRig rig="threePt" dir="t"/>
     </dgm:scene3d>
+    <dgm:sp3d/>
     <dgm:txPr/>
     <dgm:style>
       <a:lnRef idx="2">
@@ -4322,6 +4367,7 @@
       <a:camera prst="orthographicFront"/>
       <a:lightRig rig="threePt" dir="t"/>
     </dgm:scene3d>
+    <dgm:sp3d/>
     <dgm:txPr/>
     <dgm:style>
       <a:lnRef idx="2">
@@ -4341,6 +4387,7 @@
       <a:camera prst="orthographicFront"/>
       <a:lightRig rig="threePt" dir="t"/>
     </dgm:scene3d>
+    <dgm:sp3d/>
     <dgm:txPr/>
     <dgm:style>
       <a:lnRef idx="2">
@@ -4360,6 +4407,7 @@
       <a:camera prst="orthographicFront"/>
       <a:lightRig rig="threePt" dir="t"/>
     </dgm:scene3d>
+    <dgm:sp3d/>
     <dgm:txPr/>
     <dgm:style>
       <a:lnRef idx="1">
@@ -4379,6 +4427,7 @@
       <a:camera prst="orthographicFront"/>
       <a:lightRig rig="threePt" dir="t"/>
     </dgm:scene3d>
+    <dgm:sp3d/>
     <dgm:txPr/>
     <dgm:style>
       <a:lnRef idx="0">
@@ -4398,6 +4447,7 @@
       <a:camera prst="orthographicFront"/>
       <a:lightRig rig="threePt" dir="t"/>
     </dgm:scene3d>
+    <dgm:sp3d/>
     <dgm:txPr/>
     <dgm:style>
       <a:lnRef idx="2">
@@ -4499,6 +4549,7 @@
           <a:p>
             <a:fld id="{6315994C-DD30-4E43-B3D3-FD8225D233B5}" type="datetimeFigureOut">
               <a:rPr lang="en-US" smtClean="0"/>
+              <a:t>10/2/2020</a:t>
             </a:fld>
             <a:endParaRPr lang="en-US"/>
           </a:p>
@@ -4565,7 +4616,6 @@
               <a:rPr lang="en-US"/>
               <a:t>Click to edit Master text styles</a:t>
             </a:r>
-            <a:endParaRPr lang="en-US"/>
           </a:p>
           <a:p>
             <a:pPr lvl="1"/>
@@ -4573,7 +4623,6 @@
               <a:rPr lang="en-US"/>
               <a:t>Second level</a:t>
             </a:r>
-            <a:endParaRPr lang="en-US"/>
           </a:p>
           <a:p>
             <a:pPr lvl="2"/>
@@ -4581,7 +4630,6 @@
               <a:rPr lang="en-US"/>
               <a:t>Third level</a:t>
             </a:r>
-            <a:endParaRPr lang="en-US"/>
           </a:p>
           <a:p>
             <a:pPr lvl="3"/>
@@ -4589,7 +4637,6 @@
               <a:rPr lang="en-US"/>
               <a:t>Fourth level</a:t>
             </a:r>
-            <a:endParaRPr lang="en-US"/>
           </a:p>
           <a:p>
             <a:pPr lvl="4"/>
@@ -4597,7 +4644,6 @@
               <a:rPr lang="en-US"/>
               <a:t>Fifth level</a:t>
             </a:r>
-            <a:endParaRPr lang="en-US"/>
           </a:p>
         </p:txBody>
       </p:sp>
@@ -4661,6 +4707,7 @@
           <a:p>
             <a:fld id="{80A97930-A983-4E03-8DD5-7F4A82E27569}" type="slidenum">
               <a:rPr lang="en-US" smtClean="0"/>
+              <a:t>‹#›</a:t>
             </a:fld>
             <a:endParaRPr lang="en-US"/>
           </a:p>
@@ -4829,6 +4876,7 @@
           <a:p>
             <a:fld id="{80A97930-A983-4E03-8DD5-7F4A82E27569}" type="slidenum">
               <a:rPr lang="en-US" smtClean="0"/>
+              <a:t>2</a:t>
             </a:fld>
             <a:endParaRPr lang="en-US"/>
           </a:p>
@@ -4906,7 +4954,6 @@
               <a:rPr lang="en-US" dirty="0"/>
               <a:t>Map defines the scope and have pins all around. When you look closer you might also find inaccuracies in certain regions. </a:t>
             </a:r>
-            <a:endParaRPr lang="en-US" dirty="0"/>
           </a:p>
           <a:p>
             <a:endParaRPr lang="en-US" dirty="0"/>
@@ -4930,6 +4977,7 @@
           <a:p>
             <a:fld id="{80A97930-A983-4E03-8DD5-7F4A82E27569}" type="slidenum">
               <a:rPr lang="en-US" smtClean="0"/>
+              <a:t>3</a:t>
             </a:fld>
             <a:endParaRPr lang="en-US"/>
           </a:p>
@@ -4994,7 +5042,6 @@
               <a:rPr lang="en-US" dirty="0"/>
               <a:t>Learn by doing</a:t>
             </a:r>
-            <a:endParaRPr lang="en-US" dirty="0"/>
           </a:p>
           <a:p>
             <a:pPr marL="228600" indent="-228600">
@@ -5004,7 +5051,6 @@
               <a:rPr lang="en-US" dirty="0"/>
               <a:t>Taught at class is not enough</a:t>
             </a:r>
-            <a:endParaRPr lang="en-US" dirty="0"/>
           </a:p>
           <a:p>
             <a:pPr marL="685800" lvl="1" indent="-228600">
@@ -5014,7 +5060,6 @@
               <a:rPr lang="en-US" dirty="0"/>
               <a:t>New need for tasks</a:t>
             </a:r>
-            <a:endParaRPr lang="en-US" dirty="0"/>
           </a:p>
           <a:p>
             <a:pPr marL="685800" lvl="1" indent="-228600">
@@ -5024,7 +5069,6 @@
               <a:rPr lang="en-US" dirty="0"/>
               <a:t>New industry trend </a:t>
             </a:r>
-            <a:endParaRPr lang="en-US" dirty="0"/>
           </a:p>
           <a:p>
             <a:pPr marL="1143000" lvl="2" indent="-228600">
@@ -5034,7 +5078,6 @@
               <a:rPr lang="en-US" dirty="0"/>
               <a:t>(language: SAS -&gt; R, python ?-&gt; Julia?) </a:t>
             </a:r>
-            <a:endParaRPr lang="en-US" dirty="0"/>
           </a:p>
           <a:p>
             <a:pPr marL="1143000" lvl="2" indent="-228600">
@@ -5044,7 +5087,6 @@
               <a:rPr lang="en-US" dirty="0"/>
               <a:t>(computing: SAS server -&gt; Hadoop -&gt; cloud) </a:t>
             </a:r>
-            <a:endParaRPr lang="en-US" dirty="0"/>
           </a:p>
           <a:p>
             <a:pPr marL="1143000" lvl="2" indent="-228600">
@@ -5054,7 +5096,6 @@
               <a:rPr lang="en-US" dirty="0"/>
               <a:t>(workflow: waterfall -&gt; agile)</a:t>
             </a:r>
-            <a:endParaRPr lang="en-US" dirty="0"/>
           </a:p>
           <a:p>
             <a:pPr marL="228600" lvl="0" indent="-228600">
@@ -5081,6 +5122,7 @@
           <a:p>
             <a:fld id="{80A97930-A983-4E03-8DD5-7F4A82E27569}" type="slidenum">
               <a:rPr lang="en-US" smtClean="0"/>
+              <a:t>4</a:t>
             </a:fld>
             <a:endParaRPr lang="en-US"/>
           </a:p>
@@ -5159,6 +5201,7 @@
           <a:p>
             <a:fld id="{80A97930-A983-4E03-8DD5-7F4A82E27569}" type="slidenum">
               <a:rPr lang="en-US" smtClean="0"/>
+              <a:t>6</a:t>
             </a:fld>
             <a:endParaRPr lang="en-US"/>
           </a:p>
@@ -5237,6 +5280,7 @@
           <a:p>
             <a:fld id="{80A97930-A983-4E03-8DD5-7F4A82E27569}" type="slidenum">
               <a:rPr lang="en-US" smtClean="0"/>
+              <a:t>7</a:t>
             </a:fld>
             <a:endParaRPr lang="en-US"/>
           </a:p>
@@ -5298,7 +5342,6 @@
               <a:rPr lang="en-US" dirty="0"/>
               <a:t>Reason mainly being easy dependency management (might not be merely python packages but system packages) and bash shell</a:t>
             </a:r>
-            <a:endParaRPr lang="en-US" dirty="0"/>
           </a:p>
         </p:txBody>
       </p:sp>
@@ -5319,6 +5362,7 @@
           <a:p>
             <a:fld id="{80A97930-A983-4E03-8DD5-7F4A82E27569}" type="slidenum">
               <a:rPr lang="en-US" smtClean="0"/>
+              <a:t>8</a:t>
             </a:fld>
             <a:endParaRPr lang="en-US"/>
           </a:p>
@@ -5380,7 +5424,6 @@
               <a:rPr lang="en-US" dirty="0"/>
               <a:t>Don’t need to strictly follow; use as advice</a:t>
             </a:r>
-            <a:endParaRPr lang="en-US" dirty="0"/>
           </a:p>
         </p:txBody>
       </p:sp>
@@ -5401,6 +5444,7 @@
           <a:p>
             <a:fld id="{80A97930-A983-4E03-8DD5-7F4A82E27569}" type="slidenum">
               <a:rPr lang="en-US" smtClean="0"/>
+              <a:t>23</a:t>
             </a:fld>
             <a:endParaRPr lang="en-US"/>
           </a:p>
@@ -5479,6 +5523,7 @@
           <a:p>
             <a:fld id="{80A97930-A983-4E03-8DD5-7F4A82E27569}" type="slidenum">
               <a:rPr lang="en-US" smtClean="0"/>
+              <a:t>29</a:t>
             </a:fld>
             <a:endParaRPr lang="en-US"/>
           </a:p>
@@ -5540,7 +5585,6 @@
               <a:rPr lang="en-US" dirty="0"/>
               <a:t>- Its trying times. eco</a:t>
             </a:r>
-            <a:endParaRPr lang="en-US" dirty="0"/>
           </a:p>
         </p:txBody>
       </p:sp>
@@ -5561,6 +5605,7 @@
           <a:p>
             <a:fld id="{80A97930-A983-4E03-8DD5-7F4A82E27569}" type="slidenum">
               <a:rPr lang="en-US" smtClean="0"/>
+              <a:t>32</a:t>
             </a:fld>
             <a:endParaRPr lang="en-US"/>
           </a:p>
@@ -5619,7 +5664,6 @@
               <a:rPr lang="en-US"/>
               <a:t>Click to edit Master title style</a:t>
             </a:r>
-            <a:endParaRPr lang="en-US"/>
           </a:p>
         </p:txBody>
       </p:sp>
@@ -5684,7 +5728,6 @@
               <a:rPr lang="en-US"/>
               <a:t>Click to edit Master subtitle style</a:t>
             </a:r>
-            <a:endParaRPr lang="en-US"/>
           </a:p>
         </p:txBody>
       </p:sp>
@@ -5705,6 +5748,7 @@
           <a:p>
             <a:fld id="{458389C9-C49E-4A2B-B675-A98BD14A26DC}" type="datetimeFigureOut">
               <a:rPr lang="en-US" smtClean="0"/>
+              <a:t>10/2/2020</a:t>
             </a:fld>
             <a:endParaRPr lang="en-US"/>
           </a:p>
@@ -5746,6 +5790,7 @@
           <a:p>
             <a:fld id="{B27FC418-0A52-4861-9220-89804733364B}" type="slidenum">
               <a:rPr lang="en-US" smtClean="0"/>
+              <a:t>‹#›</a:t>
             </a:fld>
             <a:endParaRPr lang="en-US"/>
           </a:p>
@@ -5795,7 +5840,6 @@
               <a:rPr lang="en-US"/>
               <a:t>Click to edit Master title style</a:t>
             </a:r>
-            <a:endParaRPr lang="en-US"/>
           </a:p>
         </p:txBody>
       </p:sp>
@@ -5819,7 +5863,6 @@
               <a:rPr lang="en-US"/>
               <a:t>Click to edit Master text styles</a:t>
             </a:r>
-            <a:endParaRPr lang="en-US"/>
           </a:p>
           <a:p>
             <a:pPr lvl="1"/>
@@ -5827,7 +5870,6 @@
               <a:rPr lang="en-US"/>
               <a:t>Second level</a:t>
             </a:r>
-            <a:endParaRPr lang="en-US"/>
           </a:p>
           <a:p>
             <a:pPr lvl="2"/>
@@ -5835,7 +5877,6 @@
               <a:rPr lang="en-US"/>
               <a:t>Third level</a:t>
             </a:r>
-            <a:endParaRPr lang="en-US"/>
           </a:p>
           <a:p>
             <a:pPr lvl="3"/>
@@ -5843,7 +5884,6 @@
               <a:rPr lang="en-US"/>
               <a:t>Fourth level</a:t>
             </a:r>
-            <a:endParaRPr lang="en-US"/>
           </a:p>
           <a:p>
             <a:pPr lvl="4"/>
@@ -5851,7 +5891,6 @@
               <a:rPr lang="en-US"/>
               <a:t>Fifth level</a:t>
             </a:r>
-            <a:endParaRPr lang="en-US"/>
           </a:p>
         </p:txBody>
       </p:sp>
@@ -5872,6 +5911,7 @@
           <a:p>
             <a:fld id="{458389C9-C49E-4A2B-B675-A98BD14A26DC}" type="datetimeFigureOut">
               <a:rPr lang="en-US" smtClean="0"/>
+              <a:t>10/2/2020</a:t>
             </a:fld>
             <a:endParaRPr lang="en-US"/>
           </a:p>
@@ -5913,6 +5953,7 @@
           <a:p>
             <a:fld id="{B27FC418-0A52-4861-9220-89804733364B}" type="slidenum">
               <a:rPr lang="en-US" smtClean="0"/>
+              <a:t>‹#›</a:t>
             </a:fld>
             <a:endParaRPr lang="en-US"/>
           </a:p>
@@ -5967,7 +6008,6 @@
               <a:rPr lang="en-US"/>
               <a:t>Click to edit Master title style</a:t>
             </a:r>
-            <a:endParaRPr lang="en-US"/>
           </a:p>
         </p:txBody>
       </p:sp>
@@ -5996,7 +6036,6 @@
               <a:rPr lang="en-US"/>
               <a:t>Click to edit Master text styles</a:t>
             </a:r>
-            <a:endParaRPr lang="en-US"/>
           </a:p>
           <a:p>
             <a:pPr lvl="1"/>
@@ -6004,7 +6043,6 @@
               <a:rPr lang="en-US"/>
               <a:t>Second level</a:t>
             </a:r>
-            <a:endParaRPr lang="en-US"/>
           </a:p>
           <a:p>
             <a:pPr lvl="2"/>
@@ -6012,7 +6050,6 @@
               <a:rPr lang="en-US"/>
               <a:t>Third level</a:t>
             </a:r>
-            <a:endParaRPr lang="en-US"/>
           </a:p>
           <a:p>
             <a:pPr lvl="3"/>
@@ -6020,7 +6057,6 @@
               <a:rPr lang="en-US"/>
               <a:t>Fourth level</a:t>
             </a:r>
-            <a:endParaRPr lang="en-US"/>
           </a:p>
           <a:p>
             <a:pPr lvl="4"/>
@@ -6028,7 +6064,6 @@
               <a:rPr lang="en-US"/>
               <a:t>Fifth level</a:t>
             </a:r>
-            <a:endParaRPr lang="en-US"/>
           </a:p>
         </p:txBody>
       </p:sp>
@@ -6049,6 +6084,7 @@
           <a:p>
             <a:fld id="{458389C9-C49E-4A2B-B675-A98BD14A26DC}" type="datetimeFigureOut">
               <a:rPr lang="en-US" smtClean="0"/>
+              <a:t>10/2/2020</a:t>
             </a:fld>
             <a:endParaRPr lang="en-US"/>
           </a:p>
@@ -6090,6 +6126,7 @@
           <a:p>
             <a:fld id="{B27FC418-0A52-4861-9220-89804733364B}" type="slidenum">
               <a:rPr lang="en-US" smtClean="0"/>
+              <a:t>‹#›</a:t>
             </a:fld>
             <a:endParaRPr lang="en-US"/>
           </a:p>
@@ -6139,7 +6176,6 @@
               <a:rPr lang="en-US"/>
               <a:t>Click to edit Master title style</a:t>
             </a:r>
-            <a:endParaRPr lang="en-US"/>
           </a:p>
         </p:txBody>
       </p:sp>
@@ -6163,7 +6199,6 @@
               <a:rPr lang="en-US"/>
               <a:t>Click to edit Master text styles</a:t>
             </a:r>
-            <a:endParaRPr lang="en-US"/>
           </a:p>
           <a:p>
             <a:pPr lvl="1"/>
@@ -6171,7 +6206,6 @@
               <a:rPr lang="en-US"/>
               <a:t>Second level</a:t>
             </a:r>
-            <a:endParaRPr lang="en-US"/>
           </a:p>
           <a:p>
             <a:pPr lvl="2"/>
@@ -6179,7 +6213,6 @@
               <a:rPr lang="en-US"/>
               <a:t>Third level</a:t>
             </a:r>
-            <a:endParaRPr lang="en-US"/>
           </a:p>
           <a:p>
             <a:pPr lvl="3"/>
@@ -6187,7 +6220,6 @@
               <a:rPr lang="en-US"/>
               <a:t>Fourth level</a:t>
             </a:r>
-            <a:endParaRPr lang="en-US"/>
           </a:p>
           <a:p>
             <a:pPr lvl="4"/>
@@ -6195,7 +6227,6 @@
               <a:rPr lang="en-US"/>
               <a:t>Fifth level</a:t>
             </a:r>
-            <a:endParaRPr lang="en-US"/>
           </a:p>
         </p:txBody>
       </p:sp>
@@ -6216,6 +6247,7 @@
           <a:p>
             <a:fld id="{458389C9-C49E-4A2B-B675-A98BD14A26DC}" type="datetimeFigureOut">
               <a:rPr lang="en-US" smtClean="0"/>
+              <a:t>10/2/2020</a:t>
             </a:fld>
             <a:endParaRPr lang="en-US"/>
           </a:p>
@@ -6257,6 +6289,7 @@
           <a:p>
             <a:fld id="{B27FC418-0A52-4861-9220-89804733364B}" type="slidenum">
               <a:rPr lang="en-US" smtClean="0"/>
+              <a:t>‹#›</a:t>
             </a:fld>
             <a:endParaRPr lang="en-US"/>
           </a:p>
@@ -6315,7 +6348,6 @@
               <a:rPr lang="en-US"/>
               <a:t>Click to edit Master title style</a:t>
             </a:r>
-            <a:endParaRPr lang="en-US"/>
           </a:p>
         </p:txBody>
       </p:sp>
@@ -6435,7 +6467,6 @@
               <a:rPr lang="en-US"/>
               <a:t>Click to edit Master text styles</a:t>
             </a:r>
-            <a:endParaRPr lang="en-US"/>
           </a:p>
         </p:txBody>
       </p:sp>
@@ -6456,6 +6487,7 @@
           <a:p>
             <a:fld id="{458389C9-C49E-4A2B-B675-A98BD14A26DC}" type="datetimeFigureOut">
               <a:rPr lang="en-US" smtClean="0"/>
+              <a:t>10/2/2020</a:t>
             </a:fld>
             <a:endParaRPr lang="en-US"/>
           </a:p>
@@ -6497,6 +6529,7 @@
           <a:p>
             <a:fld id="{B27FC418-0A52-4861-9220-89804733364B}" type="slidenum">
               <a:rPr lang="en-US" smtClean="0"/>
+              <a:t>‹#›</a:t>
             </a:fld>
             <a:endParaRPr lang="en-US"/>
           </a:p>
@@ -6546,7 +6579,6 @@
               <a:rPr lang="en-US"/>
               <a:t>Click to edit Master title style</a:t>
             </a:r>
-            <a:endParaRPr lang="en-US"/>
           </a:p>
         </p:txBody>
       </p:sp>
@@ -6575,7 +6607,6 @@
               <a:rPr lang="en-US"/>
               <a:t>Click to edit Master text styles</a:t>
             </a:r>
-            <a:endParaRPr lang="en-US"/>
           </a:p>
           <a:p>
             <a:pPr lvl="1"/>
@@ -6583,7 +6614,6 @@
               <a:rPr lang="en-US"/>
               <a:t>Second level</a:t>
             </a:r>
-            <a:endParaRPr lang="en-US"/>
           </a:p>
           <a:p>
             <a:pPr lvl="2"/>
@@ -6591,7 +6621,6 @@
               <a:rPr lang="en-US"/>
               <a:t>Third level</a:t>
             </a:r>
-            <a:endParaRPr lang="en-US"/>
           </a:p>
           <a:p>
             <a:pPr lvl="3"/>
@@ -6599,7 +6628,6 @@
               <a:rPr lang="en-US"/>
               <a:t>Fourth level</a:t>
             </a:r>
-            <a:endParaRPr lang="en-US"/>
           </a:p>
           <a:p>
             <a:pPr lvl="4"/>
@@ -6607,7 +6635,6 @@
               <a:rPr lang="en-US"/>
               <a:t>Fifth level</a:t>
             </a:r>
-            <a:endParaRPr lang="en-US"/>
           </a:p>
         </p:txBody>
       </p:sp>
@@ -6636,7 +6663,6 @@
               <a:rPr lang="en-US"/>
               <a:t>Click to edit Master text styles</a:t>
             </a:r>
-            <a:endParaRPr lang="en-US"/>
           </a:p>
           <a:p>
             <a:pPr lvl="1"/>
@@ -6644,7 +6670,6 @@
               <a:rPr lang="en-US"/>
               <a:t>Second level</a:t>
             </a:r>
-            <a:endParaRPr lang="en-US"/>
           </a:p>
           <a:p>
             <a:pPr lvl="2"/>
@@ -6652,7 +6677,6 @@
               <a:rPr lang="en-US"/>
               <a:t>Third level</a:t>
             </a:r>
-            <a:endParaRPr lang="en-US"/>
           </a:p>
           <a:p>
             <a:pPr lvl="3"/>
@@ -6660,7 +6684,6 @@
               <a:rPr lang="en-US"/>
               <a:t>Fourth level</a:t>
             </a:r>
-            <a:endParaRPr lang="en-US"/>
           </a:p>
           <a:p>
             <a:pPr lvl="4"/>
@@ -6668,7 +6691,6 @@
               <a:rPr lang="en-US"/>
               <a:t>Fifth level</a:t>
             </a:r>
-            <a:endParaRPr lang="en-US"/>
           </a:p>
         </p:txBody>
       </p:sp>
@@ -6689,6 +6711,7 @@
           <a:p>
             <a:fld id="{458389C9-C49E-4A2B-B675-A98BD14A26DC}" type="datetimeFigureOut">
               <a:rPr lang="en-US" smtClean="0"/>
+              <a:t>10/2/2020</a:t>
             </a:fld>
             <a:endParaRPr lang="en-US"/>
           </a:p>
@@ -6730,6 +6753,7 @@
           <a:p>
             <a:fld id="{B27FC418-0A52-4861-9220-89804733364B}" type="slidenum">
               <a:rPr lang="en-US" smtClean="0"/>
+              <a:t>‹#›</a:t>
             </a:fld>
             <a:endParaRPr lang="en-US"/>
           </a:p>
@@ -6784,7 +6808,6 @@
               <a:rPr lang="en-US"/>
               <a:t>Click to edit Master title style</a:t>
             </a:r>
-            <a:endParaRPr lang="en-US"/>
           </a:p>
         </p:txBody>
       </p:sp>
@@ -6850,7 +6873,6 @@
               <a:rPr lang="en-US"/>
               <a:t>Click to edit Master text styles</a:t>
             </a:r>
-            <a:endParaRPr lang="en-US"/>
           </a:p>
         </p:txBody>
       </p:sp>
@@ -6879,7 +6901,6 @@
               <a:rPr lang="en-US"/>
               <a:t>Click to edit Master text styles</a:t>
             </a:r>
-            <a:endParaRPr lang="en-US"/>
           </a:p>
           <a:p>
             <a:pPr lvl="1"/>
@@ -6887,7 +6908,6 @@
               <a:rPr lang="en-US"/>
               <a:t>Second level</a:t>
             </a:r>
-            <a:endParaRPr lang="en-US"/>
           </a:p>
           <a:p>
             <a:pPr lvl="2"/>
@@ -6895,7 +6915,6 @@
               <a:rPr lang="en-US"/>
               <a:t>Third level</a:t>
             </a:r>
-            <a:endParaRPr lang="en-US"/>
           </a:p>
           <a:p>
             <a:pPr lvl="3"/>
@@ -6903,7 +6922,6 @@
               <a:rPr lang="en-US"/>
               <a:t>Fourth level</a:t>
             </a:r>
-            <a:endParaRPr lang="en-US"/>
           </a:p>
           <a:p>
             <a:pPr lvl="4"/>
@@ -6911,7 +6929,6 @@
               <a:rPr lang="en-US"/>
               <a:t>Fifth level</a:t>
             </a:r>
-            <a:endParaRPr lang="en-US"/>
           </a:p>
         </p:txBody>
       </p:sp>
@@ -6977,7 +6994,6 @@
               <a:rPr lang="en-US"/>
               <a:t>Click to edit Master text styles</a:t>
             </a:r>
-            <a:endParaRPr lang="en-US"/>
           </a:p>
         </p:txBody>
       </p:sp>
@@ -7006,7 +7022,6 @@
               <a:rPr lang="en-US"/>
               <a:t>Click to edit Master text styles</a:t>
             </a:r>
-            <a:endParaRPr lang="en-US"/>
           </a:p>
           <a:p>
             <a:pPr lvl="1"/>
@@ -7014,7 +7029,6 @@
               <a:rPr lang="en-US"/>
               <a:t>Second level</a:t>
             </a:r>
-            <a:endParaRPr lang="en-US"/>
           </a:p>
           <a:p>
             <a:pPr lvl="2"/>
@@ -7022,7 +7036,6 @@
               <a:rPr lang="en-US"/>
               <a:t>Third level</a:t>
             </a:r>
-            <a:endParaRPr lang="en-US"/>
           </a:p>
           <a:p>
             <a:pPr lvl="3"/>
@@ -7030,7 +7043,6 @@
               <a:rPr lang="en-US"/>
               <a:t>Fourth level</a:t>
             </a:r>
-            <a:endParaRPr lang="en-US"/>
           </a:p>
           <a:p>
             <a:pPr lvl="4"/>
@@ -7038,7 +7050,6 @@
               <a:rPr lang="en-US"/>
               <a:t>Fifth level</a:t>
             </a:r>
-            <a:endParaRPr lang="en-US"/>
           </a:p>
         </p:txBody>
       </p:sp>
@@ -7059,6 +7070,7 @@
           <a:p>
             <a:fld id="{458389C9-C49E-4A2B-B675-A98BD14A26DC}" type="datetimeFigureOut">
               <a:rPr lang="en-US" smtClean="0"/>
+              <a:t>10/2/2020</a:t>
             </a:fld>
             <a:endParaRPr lang="en-US"/>
           </a:p>
@@ -7100,6 +7112,7 @@
           <a:p>
             <a:fld id="{B27FC418-0A52-4861-9220-89804733364B}" type="slidenum">
               <a:rPr lang="en-US" smtClean="0"/>
+              <a:t>‹#›</a:t>
             </a:fld>
             <a:endParaRPr lang="en-US"/>
           </a:p>
@@ -7149,7 +7162,6 @@
               <a:rPr lang="en-US"/>
               <a:t>Click to edit Master title style</a:t>
             </a:r>
-            <a:endParaRPr lang="en-US"/>
           </a:p>
         </p:txBody>
       </p:sp>
@@ -7170,6 +7182,7 @@
           <a:p>
             <a:fld id="{458389C9-C49E-4A2B-B675-A98BD14A26DC}" type="datetimeFigureOut">
               <a:rPr lang="en-US" smtClean="0"/>
+              <a:t>10/2/2020</a:t>
             </a:fld>
             <a:endParaRPr lang="en-US"/>
           </a:p>
@@ -7211,6 +7224,7 @@
           <a:p>
             <a:fld id="{B27FC418-0A52-4861-9220-89804733364B}" type="slidenum">
               <a:rPr lang="en-US" smtClean="0"/>
+              <a:t>‹#›</a:t>
             </a:fld>
             <a:endParaRPr lang="en-US"/>
           </a:p>
@@ -7258,6 +7272,7 @@
           <a:p>
             <a:fld id="{458389C9-C49E-4A2B-B675-A98BD14A26DC}" type="datetimeFigureOut">
               <a:rPr lang="en-US" smtClean="0"/>
+              <a:t>10/2/2020</a:t>
             </a:fld>
             <a:endParaRPr lang="en-US"/>
           </a:p>
@@ -7299,6 +7314,7 @@
           <a:p>
             <a:fld id="{B27FC418-0A52-4861-9220-89804733364B}" type="slidenum">
               <a:rPr lang="en-US" smtClean="0"/>
+              <a:t>‹#›</a:t>
             </a:fld>
             <a:endParaRPr lang="en-US"/>
           </a:p>
@@ -7357,7 +7373,6 @@
               <a:rPr lang="en-US"/>
               <a:t>Click to edit Master title style</a:t>
             </a:r>
-            <a:endParaRPr lang="en-US"/>
           </a:p>
         </p:txBody>
       </p:sp>
@@ -7414,7 +7429,6 @@
               <a:rPr lang="en-US"/>
               <a:t>Click to edit Master text styles</a:t>
             </a:r>
-            <a:endParaRPr lang="en-US"/>
           </a:p>
           <a:p>
             <a:pPr lvl="1"/>
@@ -7422,7 +7436,6 @@
               <a:rPr lang="en-US"/>
               <a:t>Second level</a:t>
             </a:r>
-            <a:endParaRPr lang="en-US"/>
           </a:p>
           <a:p>
             <a:pPr lvl="2"/>
@@ -7430,7 +7443,6 @@
               <a:rPr lang="en-US"/>
               <a:t>Third level</a:t>
             </a:r>
-            <a:endParaRPr lang="en-US"/>
           </a:p>
           <a:p>
             <a:pPr lvl="3"/>
@@ -7438,7 +7450,6 @@
               <a:rPr lang="en-US"/>
               <a:t>Fourth level</a:t>
             </a:r>
-            <a:endParaRPr lang="en-US"/>
           </a:p>
           <a:p>
             <a:pPr lvl="4"/>
@@ -7446,7 +7457,6 @@
               <a:rPr lang="en-US"/>
               <a:t>Fifth level</a:t>
             </a:r>
-            <a:endParaRPr lang="en-US"/>
           </a:p>
         </p:txBody>
       </p:sp>
@@ -7512,7 +7522,6 @@
               <a:rPr lang="en-US"/>
               <a:t>Click to edit Master text styles</a:t>
             </a:r>
-            <a:endParaRPr lang="en-US"/>
           </a:p>
         </p:txBody>
       </p:sp>
@@ -7533,6 +7542,7 @@
           <a:p>
             <a:fld id="{458389C9-C49E-4A2B-B675-A98BD14A26DC}" type="datetimeFigureOut">
               <a:rPr lang="en-US" smtClean="0"/>
+              <a:t>10/2/2020</a:t>
             </a:fld>
             <a:endParaRPr lang="en-US"/>
           </a:p>
@@ -7574,6 +7584,7 @@
           <a:p>
             <a:fld id="{B27FC418-0A52-4861-9220-89804733364B}" type="slidenum">
               <a:rPr lang="en-US" smtClean="0"/>
+              <a:t>‹#›</a:t>
             </a:fld>
             <a:endParaRPr lang="en-US"/>
           </a:p>
@@ -7632,7 +7643,6 @@
               <a:rPr lang="en-US"/>
               <a:t>Click to edit Master title style</a:t>
             </a:r>
-            <a:endParaRPr lang="en-US"/>
           </a:p>
         </p:txBody>
       </p:sp>
@@ -7759,7 +7769,6 @@
               <a:rPr lang="en-US"/>
               <a:t>Click to edit Master text styles</a:t>
             </a:r>
-            <a:endParaRPr lang="en-US"/>
           </a:p>
         </p:txBody>
       </p:sp>
@@ -7780,6 +7789,7 @@
           <a:p>
             <a:fld id="{458389C9-C49E-4A2B-B675-A98BD14A26DC}" type="datetimeFigureOut">
               <a:rPr lang="en-US" smtClean="0"/>
+              <a:t>10/2/2020</a:t>
             </a:fld>
             <a:endParaRPr lang="en-US"/>
           </a:p>
@@ -7821,6 +7831,7 @@
           <a:p>
             <a:fld id="{B27FC418-0A52-4861-9220-89804733364B}" type="slidenum">
               <a:rPr lang="en-US" smtClean="0"/>
+              <a:t>‹#›</a:t>
             </a:fld>
             <a:endParaRPr lang="en-US"/>
           </a:p>
@@ -7885,7 +7896,6 @@
               <a:rPr lang="en-US"/>
               <a:t>Click to edit Master title style</a:t>
             </a:r>
-            <a:endParaRPr lang="en-US"/>
           </a:p>
         </p:txBody>
       </p:sp>
@@ -7919,7 +7929,6 @@
               <a:rPr lang="en-US"/>
               <a:t>Click to edit Master text styles</a:t>
             </a:r>
-            <a:endParaRPr lang="en-US"/>
           </a:p>
           <a:p>
             <a:pPr lvl="1"/>
@@ -7927,7 +7936,6 @@
               <a:rPr lang="en-US"/>
               <a:t>Second level</a:t>
             </a:r>
-            <a:endParaRPr lang="en-US"/>
           </a:p>
           <a:p>
             <a:pPr lvl="2"/>
@@ -7935,7 +7943,6 @@
               <a:rPr lang="en-US"/>
               <a:t>Third level</a:t>
             </a:r>
-            <a:endParaRPr lang="en-US"/>
           </a:p>
           <a:p>
             <a:pPr lvl="3"/>
@@ -7943,7 +7950,6 @@
               <a:rPr lang="en-US"/>
               <a:t>Fourth level</a:t>
             </a:r>
-            <a:endParaRPr lang="en-US"/>
           </a:p>
           <a:p>
             <a:pPr lvl="4"/>
@@ -7951,7 +7957,6 @@
               <a:rPr lang="en-US"/>
               <a:t>Fifth level</a:t>
             </a:r>
-            <a:endParaRPr lang="en-US"/>
           </a:p>
         </p:txBody>
       </p:sp>
@@ -7990,6 +7995,7 @@
           <a:p>
             <a:fld id="{458389C9-C49E-4A2B-B675-A98BD14A26DC}" type="datetimeFigureOut">
               <a:rPr lang="en-US" smtClean="0"/>
+              <a:t>10/2/2020</a:t>
             </a:fld>
             <a:endParaRPr lang="en-US"/>
           </a:p>
@@ -8067,6 +8073,7 @@
           <a:p>
             <a:fld id="{B27FC418-0A52-4861-9220-89804733364B}" type="slidenum">
               <a:rPr lang="en-US" smtClean="0"/>
+              <a:t>‹#›</a:t>
             </a:fld>
             <a:endParaRPr lang="en-US"/>
           </a:p>
@@ -8407,7 +8414,6 @@
               <a:rPr lang="en-US" dirty="0"/>
               <a:t>Coding Preparation for Machine Learning</a:t>
             </a:r>
-            <a:endParaRPr lang="en-US" dirty="0"/>
           </a:p>
         </p:txBody>
       </p:sp>
@@ -8430,14 +8436,12 @@
               <a:rPr lang="en-US"/>
               <a:t>Fan Zhang</a:t>
             </a:r>
-            <a:endParaRPr lang="en-US"/>
           </a:p>
           <a:p>
             <a:r>
               <a:rPr lang="en-US"/>
               <a:t>fzhang13@schulich.yorku.ca</a:t>
             </a:r>
-            <a:endParaRPr lang="en-US"/>
           </a:p>
         </p:txBody>
       </p:sp>
@@ -8489,7 +8493,6 @@
               <a:rPr lang="en-US" dirty="0"/>
               <a:t>vocabularies</a:t>
             </a:r>
-            <a:endParaRPr lang="en-US" dirty="0"/>
           </a:p>
         </p:txBody>
       </p:sp>
@@ -8514,7 +8517,6 @@
               <a:rPr lang="en-US" dirty="0"/>
               <a:t>Data types</a:t>
             </a:r>
-            <a:endParaRPr lang="en-US" dirty="0"/>
           </a:p>
           <a:p>
             <a:pPr lvl="1"/>
@@ -8522,7 +8524,6 @@
               <a:rPr lang="en-US" dirty="0"/>
               <a:t>Numeric</a:t>
             </a:r>
-            <a:endParaRPr lang="en-US" dirty="0"/>
           </a:p>
           <a:p>
             <a:pPr lvl="1"/>
@@ -8530,7 +8531,6 @@
               <a:rPr lang="en-US" dirty="0"/>
               <a:t>Boolean</a:t>
             </a:r>
-            <a:endParaRPr lang="en-US" dirty="0"/>
           </a:p>
           <a:p>
             <a:pPr lvl="1"/>
@@ -8538,7 +8538,6 @@
               <a:rPr lang="en-US" dirty="0"/>
               <a:t>Sequence</a:t>
             </a:r>
-            <a:endParaRPr lang="en-US" dirty="0"/>
           </a:p>
           <a:p>
             <a:pPr lvl="1"/>
@@ -8546,7 +8545,6 @@
               <a:rPr lang="en-US" dirty="0"/>
               <a:t>Dictionary</a:t>
             </a:r>
-            <a:endParaRPr lang="en-US" dirty="0"/>
           </a:p>
           <a:p>
             <a:pPr lvl="1"/>
@@ -8554,14 +8552,12 @@
               <a:rPr lang="en-US" dirty="0"/>
               <a:t>…</a:t>
             </a:r>
-            <a:endParaRPr lang="en-US" dirty="0"/>
           </a:p>
           <a:p>
             <a:r>
               <a:rPr lang="en-US" dirty="0"/>
               <a:t>Control flow</a:t>
             </a:r>
-            <a:endParaRPr lang="en-US" dirty="0"/>
           </a:p>
           <a:p>
             <a:pPr lvl="1"/>
@@ -8577,7 +8573,6 @@
               <a:rPr lang="en-US" dirty="0"/>
               <a:t> … else</a:t>
             </a:r>
-            <a:endParaRPr lang="en-US" dirty="0"/>
           </a:p>
           <a:p>
             <a:pPr lvl="1"/>
@@ -8585,7 +8580,6 @@
               <a:rPr lang="en-US" dirty="0"/>
               <a:t>For …</a:t>
             </a:r>
-            <a:endParaRPr lang="en-US" dirty="0"/>
           </a:p>
           <a:p>
             <a:pPr lvl="1"/>
@@ -8593,7 +8587,6 @@
               <a:rPr lang="en-US" dirty="0"/>
               <a:t>While …</a:t>
             </a:r>
-            <a:endParaRPr lang="en-US" dirty="0"/>
           </a:p>
           <a:p>
             <a:pPr lvl="1"/>
@@ -8601,7 +8594,6 @@
               <a:rPr lang="en-US" dirty="0"/>
               <a:t>…</a:t>
             </a:r>
-            <a:endParaRPr lang="en-US" dirty="0"/>
           </a:p>
           <a:p>
             <a:pPr lvl="1"/>
@@ -8656,7 +8648,6 @@
               <a:rPr lang="en-US" dirty="0"/>
               <a:t>Data types</a:t>
             </a:r>
-            <a:endParaRPr lang="en-US" dirty="0"/>
           </a:p>
         </p:txBody>
       </p:sp>
@@ -8681,7 +8672,6 @@
               <a:rPr lang="en-US" dirty="0"/>
               <a:t>Numeric</a:t>
             </a:r>
-            <a:endParaRPr lang="en-US" dirty="0"/>
           </a:p>
           <a:p>
             <a:pPr lvl="1"/>
@@ -8689,7 +8679,6 @@
               <a:rPr lang="en-US" dirty="0"/>
               <a:t>float, e.g. 23.3</a:t>
             </a:r>
-            <a:endParaRPr lang="en-US" dirty="0"/>
           </a:p>
           <a:p>
             <a:pPr lvl="1"/>
@@ -8697,14 +8686,12 @@
               <a:rPr lang="en-US" dirty="0"/>
               <a:t>int, e.g. 23</a:t>
             </a:r>
-            <a:endParaRPr lang="en-US" dirty="0"/>
           </a:p>
           <a:p>
             <a:r>
               <a:rPr lang="en-US" dirty="0"/>
               <a:t>Boolean</a:t>
             </a:r>
-            <a:endParaRPr lang="en-US" dirty="0"/>
           </a:p>
           <a:p>
             <a:pPr lvl="1"/>
@@ -8712,14 +8699,12 @@
               <a:rPr lang="en-US" dirty="0"/>
               <a:t>True / False</a:t>
             </a:r>
-            <a:endParaRPr lang="en-US" dirty="0"/>
           </a:p>
           <a:p>
             <a:r>
               <a:rPr lang="en-US" dirty="0"/>
               <a:t>Support arithmetic / logic calculation and ordering</a:t>
             </a:r>
-            <a:endParaRPr lang="en-US" dirty="0"/>
           </a:p>
           <a:p>
             <a:pPr lvl="1"/>
@@ -8727,7 +8712,6 @@
               <a:rPr lang="en-US" dirty="0"/>
               <a:t>True is not False -&gt; True</a:t>
             </a:r>
-            <a:endParaRPr lang="en-US" dirty="0"/>
           </a:p>
           <a:p>
             <a:pPr lvl="1"/>
@@ -8735,7 +8719,6 @@
               <a:rPr lang="en-US" dirty="0"/>
               <a:t>3 + 4.5 -&gt; 7.5</a:t>
             </a:r>
-            <a:endParaRPr lang="en-US" dirty="0"/>
           </a:p>
           <a:p>
             <a:pPr lvl="1"/>
@@ -8743,14 +8726,12 @@
               <a:rPr lang="en-US" dirty="0"/>
               <a:t>4 &gt; 3 -&gt; True</a:t>
             </a:r>
-            <a:endParaRPr lang="en-US" dirty="0"/>
           </a:p>
           <a:p>
             <a:r>
               <a:rPr lang="en-US" dirty="0"/>
               <a:t>Default to int32 and float32 at assignment</a:t>
             </a:r>
-            <a:endParaRPr lang="en-US" dirty="0"/>
           </a:p>
         </p:txBody>
       </p:sp>
@@ -8798,7 +8779,6 @@
               <a:rPr lang="en-US" dirty="0"/>
               <a:t>Data types</a:t>
             </a:r>
-            <a:endParaRPr lang="en-US" dirty="0"/>
           </a:p>
         </p:txBody>
       </p:sp>
@@ -8823,7 +8803,6 @@
               <a:rPr lang="en-US" dirty="0"/>
               <a:t>Numeric</a:t>
             </a:r>
-            <a:endParaRPr lang="en-US" dirty="0"/>
           </a:p>
           <a:p>
             <a:pPr lvl="1"/>
@@ -8831,7 +8810,6 @@
               <a:rPr lang="en-US" dirty="0"/>
               <a:t>float, e.g. 23.3</a:t>
             </a:r>
-            <a:endParaRPr lang="en-US" dirty="0"/>
           </a:p>
           <a:p>
             <a:pPr lvl="1"/>
@@ -8839,14 +8817,12 @@
               <a:rPr lang="en-US" dirty="0"/>
               <a:t>int, e.g. 23</a:t>
             </a:r>
-            <a:endParaRPr lang="en-US" dirty="0"/>
           </a:p>
           <a:p>
             <a:r>
               <a:rPr lang="en-US" dirty="0"/>
               <a:t>Boolean</a:t>
             </a:r>
-            <a:endParaRPr lang="en-US" dirty="0"/>
           </a:p>
           <a:p>
             <a:pPr lvl="1"/>
@@ -8854,14 +8830,12 @@
               <a:rPr lang="en-US" dirty="0"/>
               <a:t>True / False</a:t>
             </a:r>
-            <a:endParaRPr lang="en-US" dirty="0"/>
           </a:p>
           <a:p>
             <a:r>
               <a:rPr lang="en-US" dirty="0"/>
               <a:t>Support arithmetic / logic calculation and ordering</a:t>
             </a:r>
-            <a:endParaRPr lang="en-US" dirty="0"/>
           </a:p>
           <a:p>
             <a:pPr lvl="1"/>
@@ -8869,7 +8843,6 @@
               <a:rPr lang="en-US" dirty="0"/>
               <a:t>True is not False -&gt; True</a:t>
             </a:r>
-            <a:endParaRPr lang="en-US" dirty="0"/>
           </a:p>
           <a:p>
             <a:pPr lvl="1"/>
@@ -8877,7 +8850,6 @@
               <a:rPr lang="en-US" dirty="0"/>
               <a:t>3 + 4.5 -&gt; 7.5</a:t>
             </a:r>
-            <a:endParaRPr lang="en-US" dirty="0"/>
           </a:p>
           <a:p>
             <a:pPr lvl="1"/>
@@ -8885,14 +8857,12 @@
               <a:rPr lang="en-US" dirty="0"/>
               <a:t>4 &gt; 3 -&gt; True</a:t>
             </a:r>
-            <a:endParaRPr lang="en-US" dirty="0"/>
           </a:p>
           <a:p>
             <a:r>
               <a:rPr lang="en-US" dirty="0"/>
               <a:t>Default to int32 and float32 at assignment</a:t>
             </a:r>
-            <a:endParaRPr lang="en-US" dirty="0"/>
           </a:p>
         </p:txBody>
       </p:sp>
@@ -8940,7 +8910,6 @@
               <a:rPr lang="en-US" dirty="0"/>
               <a:t>Data types</a:t>
             </a:r>
-            <a:endParaRPr lang="en-US" dirty="0"/>
           </a:p>
         </p:txBody>
       </p:sp>
@@ -8965,7 +8934,6 @@
               <a:rPr lang="en-US" dirty="0"/>
               <a:t>Sequence</a:t>
             </a:r>
-            <a:endParaRPr lang="en-US" dirty="0"/>
           </a:p>
           <a:p>
             <a:pPr lvl="1"/>
@@ -8973,7 +8941,6 @@
               <a:rPr lang="en-US" dirty="0"/>
               <a:t>string, e.g. ‘to be or not to be…’</a:t>
             </a:r>
-            <a:endParaRPr lang="en-US" dirty="0"/>
           </a:p>
           <a:p>
             <a:pPr lvl="1"/>
@@ -8981,7 +8948,6 @@
               <a:rPr lang="en-US" dirty="0"/>
               <a:t>list, e.g. [23, ‘red’, False, [45, ‘a’, None]]</a:t>
             </a:r>
-            <a:endParaRPr lang="en-US" dirty="0"/>
           </a:p>
           <a:p>
             <a:pPr lvl="1"/>
@@ -8989,14 +8955,12 @@
               <a:rPr lang="en-US" dirty="0"/>
               <a:t>tuple, e.g. (7,8)</a:t>
             </a:r>
-            <a:endParaRPr lang="en-US" dirty="0"/>
           </a:p>
           <a:p>
             <a:r>
               <a:rPr lang="en-US" dirty="0"/>
               <a:t>Sequences are ordered collections and can be accessed via zero based indexing</a:t>
             </a:r>
-            <a:endParaRPr lang="en-US" dirty="0"/>
           </a:p>
           <a:p>
             <a:pPr lvl="1"/>
@@ -9004,7 +8968,6 @@
               <a:rPr lang="en-US" dirty="0"/>
               <a:t>[23, ‘red’, False, [45, ‘a’, None]][0] -&gt; 23</a:t>
             </a:r>
-            <a:endParaRPr lang="en-US" dirty="0"/>
           </a:p>
           <a:p>
             <a:pPr lvl="1"/>
@@ -9012,7 +8975,6 @@
               <a:rPr lang="en-US" dirty="0"/>
               <a:t>(7,8)[1] -&gt; 7</a:t>
             </a:r>
-            <a:endParaRPr lang="en-US" dirty="0"/>
           </a:p>
           <a:p>
             <a:pPr lvl="1"/>
@@ -9020,7 +8982,6 @@
               <a:rPr lang="en-US" dirty="0"/>
               <a:t>‘to be or not to be…’[-1] -&gt; ‘.’</a:t>
             </a:r>
-            <a:endParaRPr lang="en-US" dirty="0"/>
           </a:p>
           <a:p>
             <a:pPr marL="0" indent="0">
@@ -9074,7 +9035,6 @@
               <a:rPr lang="en-US" dirty="0"/>
               <a:t>Data types</a:t>
             </a:r>
-            <a:endParaRPr lang="en-US" dirty="0"/>
           </a:p>
         </p:txBody>
       </p:sp>
@@ -9099,7 +9059,6 @@
               <a:rPr lang="en-US" dirty="0"/>
               <a:t>Sequence supports some of the arithmetical calculation but meaning might be changed</a:t>
             </a:r>
-            <a:endParaRPr lang="en-US" dirty="0"/>
           </a:p>
           <a:p>
             <a:pPr lvl="1"/>
@@ -9107,7 +9066,6 @@
               <a:rPr lang="en-US" dirty="0"/>
               <a:t>[2,3] + [4] -&gt; [2,3,4]  </a:t>
             </a:r>
-            <a:endParaRPr lang="en-US" dirty="0"/>
           </a:p>
           <a:p>
             <a:pPr lvl="1"/>
@@ -9131,21 +9089,18 @@
               <a:rPr lang="en-US" dirty="0"/>
               <a:t>’</a:t>
             </a:r>
-            <a:endParaRPr lang="en-US" dirty="0"/>
           </a:p>
           <a:p>
             <a:r>
               <a:rPr lang="en-US" dirty="0"/>
               <a:t>String and tuple don’t support item assignment</a:t>
             </a:r>
-            <a:endParaRPr lang="en-US" dirty="0"/>
           </a:p>
           <a:p>
             <a:r>
               <a:rPr lang="en-US" dirty="0"/>
               <a:t>Tuple does support mixed element types but practically it’s not advised. Use list instead</a:t>
             </a:r>
-            <a:endParaRPr lang="en-US" dirty="0"/>
           </a:p>
           <a:p>
             <a:r>
@@ -9160,7 +9115,6 @@
               <a:rPr lang="en-US" dirty="0"/>
               <a:t> might be better choice than list</a:t>
             </a:r>
-            <a:endParaRPr lang="en-US" dirty="0"/>
           </a:p>
           <a:p>
             <a:endParaRPr lang="en-US" dirty="0"/>
@@ -9214,7 +9168,6 @@
               <a:rPr lang="en-US" dirty="0"/>
               <a:t>Data types</a:t>
             </a:r>
-            <a:endParaRPr lang="en-US" dirty="0"/>
           </a:p>
         </p:txBody>
       </p:sp>
@@ -9239,7 +9192,6 @@
               <a:rPr lang="en-US" dirty="0"/>
               <a:t>Dictionary</a:t>
             </a:r>
-            <a:endParaRPr lang="en-US" dirty="0"/>
           </a:p>
           <a:p>
             <a:pPr lvl="1"/>
@@ -9247,7 +9199,6 @@
               <a:rPr lang="en-US" dirty="0"/>
               <a:t>E.g. {‘cat’: ‘meow’, ‘dog’: ‘woof’} </a:t>
             </a:r>
-            <a:endParaRPr lang="en-US" dirty="0"/>
           </a:p>
           <a:p>
             <a:pPr lvl="1"/>
@@ -9255,7 +9206,6 @@
               <a:rPr lang="en-US" dirty="0"/>
               <a:t>No ordering, key must be unique</a:t>
             </a:r>
-            <a:endParaRPr lang="en-US" dirty="0"/>
           </a:p>
           <a:p>
             <a:pPr lvl="1"/>
@@ -9263,7 +9213,6 @@
               <a:rPr lang="en-US" dirty="0"/>
               <a:t>Faster to locate the value than list indexing</a:t>
             </a:r>
-            <a:endParaRPr lang="en-US" dirty="0"/>
           </a:p>
           <a:p>
             <a:pPr lvl="1"/>
@@ -9271,7 +9220,6 @@
               <a:rPr lang="en-US" dirty="0"/>
               <a:t>Use key to refer the value</a:t>
             </a:r>
-            <a:endParaRPr lang="en-US" dirty="0"/>
           </a:p>
           <a:p>
             <a:pPr marL="914400" lvl="2" indent="0">
@@ -9281,7 +9229,6 @@
               <a:rPr lang="en-US" dirty="0"/>
               <a:t>{‘cat’: ‘meow’, ‘dog’: ‘woof’}[‘cat’] -&gt; ‘meow’</a:t>
             </a:r>
-            <a:endParaRPr lang="en-US" dirty="0"/>
           </a:p>
           <a:p>
             <a:pPr lvl="1"/>
@@ -9289,7 +9236,6 @@
               <a:rPr lang="en-US" dirty="0"/>
               <a:t>Add key value pair by assignment</a:t>
             </a:r>
-            <a:endParaRPr lang="en-US" dirty="0"/>
           </a:p>
           <a:p>
             <a:pPr marL="457200" lvl="1" indent="0">
@@ -9299,7 +9245,6 @@
               <a:rPr lang="en-US" dirty="0"/>
               <a:t>	a = {‘cat’: ‘meow’, ‘dog’: ‘woof’}</a:t>
             </a:r>
-            <a:endParaRPr lang="en-US" dirty="0"/>
           </a:p>
           <a:p>
             <a:pPr marL="457200" lvl="1" indent="0">
@@ -9309,7 +9254,6 @@
               <a:rPr lang="en-US" dirty="0"/>
               <a:t>	a[‘sheep’] = ‘baa’</a:t>
             </a:r>
-            <a:endParaRPr lang="en-US" dirty="0"/>
           </a:p>
           <a:p>
             <a:pPr marL="457200" lvl="1" indent="0">
@@ -9319,7 +9263,6 @@
               <a:rPr lang="en-US" dirty="0"/>
               <a:t>	a -&gt; {‘cat’: ‘meow’, ‘dog’: ‘woof’, ‘sheep’: ‘baa’}</a:t>
             </a:r>
-            <a:endParaRPr lang="en-US" dirty="0"/>
           </a:p>
           <a:p>
             <a:pPr lvl="2"/>
@@ -9375,7 +9318,6 @@
               <a:rPr lang="en-US" dirty="0"/>
               <a:t>Data types</a:t>
             </a:r>
-            <a:endParaRPr lang="en-US" dirty="0"/>
           </a:p>
         </p:txBody>
       </p:sp>
@@ -9404,7 +9346,6 @@
               <a:rPr lang="en-US" dirty="0"/>
               <a:t>: None</a:t>
             </a:r>
-            <a:endParaRPr lang="en-US" dirty="0"/>
           </a:p>
           <a:p>
             <a:pPr lvl="1"/>
@@ -9412,7 +9353,6 @@
               <a:rPr lang="en-US" dirty="0"/>
               <a:t>Denoting missing values / objects (not covered)</a:t>
             </a:r>
-            <a:endParaRPr lang="en-US" dirty="0"/>
           </a:p>
           <a:p>
             <a:pPr lvl="1"/>
@@ -9420,7 +9360,6 @@
               <a:rPr lang="en-US" dirty="0"/>
               <a:t>None is not the same with anything else</a:t>
             </a:r>
-            <a:endParaRPr lang="en-US" dirty="0"/>
           </a:p>
           <a:p>
             <a:pPr lvl="1"/>
@@ -9428,7 +9367,6 @@
               <a:rPr lang="en-US" dirty="0"/>
               <a:t>No data type assigned need to infer, based on data and code</a:t>
             </a:r>
-            <a:endParaRPr lang="en-US" dirty="0"/>
           </a:p>
           <a:p>
             <a:pPr lvl="2"/>
@@ -9436,7 +9374,6 @@
               <a:rPr lang="en-US" dirty="0"/>
               <a:t>E.g. [6, None, 8] -&gt; probably an int missing value</a:t>
             </a:r>
-            <a:endParaRPr lang="en-US" dirty="0"/>
           </a:p>
           <a:p>
             <a:pPr lvl="2"/>
@@ -9444,7 +9381,6 @@
               <a:rPr lang="en-US" dirty="0"/>
               <a:t>caveat: [6, ‘a’, False, None] -&gt; impossible</a:t>
             </a:r>
-            <a:endParaRPr lang="en-US" dirty="0"/>
           </a:p>
           <a:p>
             <a:pPr marL="0" indent="0">
@@ -9498,7 +9434,6 @@
               <a:rPr lang="en-US" dirty="0"/>
               <a:t>Control Flow</a:t>
             </a:r>
-            <a:endParaRPr lang="en-US" dirty="0"/>
           </a:p>
         </p:txBody>
       </p:sp>
@@ -9521,7 +9456,6 @@
               <a:rPr lang="en-US" dirty="0"/>
               <a:t>indentation indicates control structure block of code belongs to</a:t>
             </a:r>
-            <a:endParaRPr lang="en-US" dirty="0"/>
           </a:p>
           <a:p>
             <a:pPr marL="457200" lvl="1" indent="0">
@@ -9531,7 +9465,6 @@
               <a:rPr lang="en-US" dirty="0"/>
               <a:t>if &lt;condition 1&gt;:</a:t>
             </a:r>
-            <a:endParaRPr lang="en-US" dirty="0"/>
           </a:p>
           <a:p>
             <a:pPr marL="457200" lvl="1" indent="0">
@@ -9541,7 +9474,6 @@
               <a:rPr lang="en-US" dirty="0"/>
               <a:t>	&lt;statement 1&gt;</a:t>
             </a:r>
-            <a:endParaRPr lang="en-US" dirty="0"/>
           </a:p>
           <a:p>
             <a:pPr marL="457200" lvl="1" indent="0">
@@ -9555,7 +9487,6 @@
               <a:rPr lang="en-US" dirty="0"/>
               <a:t> &lt;condition 2&gt;:</a:t>
             </a:r>
-            <a:endParaRPr lang="en-US" dirty="0"/>
           </a:p>
           <a:p>
             <a:pPr marL="457200" lvl="1" indent="0">
@@ -9565,7 +9496,6 @@
               <a:rPr lang="en-US" dirty="0"/>
               <a:t>	&lt;statement 2&gt;</a:t>
             </a:r>
-            <a:endParaRPr lang="en-US" dirty="0"/>
           </a:p>
           <a:p>
             <a:pPr marL="457200" lvl="1" indent="0">
@@ -9575,7 +9505,6 @@
               <a:rPr lang="en-US" dirty="0"/>
               <a:t>else:</a:t>
             </a:r>
-            <a:endParaRPr lang="en-US" dirty="0"/>
           </a:p>
           <a:p>
             <a:pPr marL="457200" lvl="1" indent="0">
@@ -9585,14 +9514,12 @@
               <a:rPr lang="en-US" dirty="0"/>
               <a:t>	&lt;statement 3&gt;</a:t>
             </a:r>
-            <a:endParaRPr lang="en-US" dirty="0"/>
           </a:p>
           <a:p>
             <a:r>
               <a:rPr lang="en-US" dirty="0"/>
               <a:t>Python will not go through all the condition clauses, unit test is needed for debugging	</a:t>
             </a:r>
-            <a:endParaRPr lang="en-US" dirty="0"/>
           </a:p>
           <a:p>
             <a:pPr marL="0" indent="0">
@@ -9646,7 +9573,6 @@
               <a:rPr lang="en-US" dirty="0"/>
               <a:t>Control Flow</a:t>
             </a:r>
-            <a:endParaRPr lang="en-US" dirty="0"/>
           </a:p>
         </p:txBody>
       </p:sp>
@@ -9669,21 +9595,18 @@
               <a:rPr lang="en-US" dirty="0"/>
               <a:t>While and for keywords are used for loop</a:t>
             </a:r>
-            <a:endParaRPr lang="en-US" dirty="0"/>
           </a:p>
           <a:p>
             <a:r>
               <a:rPr lang="en-US" dirty="0"/>
               <a:t>Each step in the loop is called iteration</a:t>
             </a:r>
-            <a:endParaRPr lang="en-US" dirty="0"/>
           </a:p>
           <a:p>
             <a:r>
               <a:rPr lang="en-US" dirty="0"/>
               <a:t>Iterator is the variable that allows the loop move to next iteration</a:t>
             </a:r>
-            <a:endParaRPr lang="en-US" dirty="0"/>
           </a:p>
           <a:p>
             <a:pPr marL="0" indent="0">
@@ -9743,7 +9666,6 @@
               <a:rPr lang="en-US" dirty="0"/>
               <a:t>Control Flow: for</a:t>
             </a:r>
-            <a:endParaRPr lang="en-US" dirty="0"/>
           </a:p>
         </p:txBody>
       </p:sp>
@@ -9771,7 +9693,6 @@
               <a:rPr lang="en-US" dirty="0"/>
               <a:t>for &lt;iterator&gt; in &lt;sequence of iterator’s states&gt;:</a:t>
             </a:r>
-            <a:endParaRPr lang="en-US" dirty="0"/>
           </a:p>
           <a:p>
             <a:pPr marL="0" indent="0">
@@ -9781,7 +9702,6 @@
               <a:rPr lang="en-US" dirty="0"/>
               <a:t>	&lt;statement&gt;</a:t>
             </a:r>
-            <a:endParaRPr lang="en-US" dirty="0"/>
           </a:p>
           <a:p>
             <a:pPr marL="0" indent="0">
@@ -9805,7 +9725,6 @@
               <a:rPr lang="en-US" dirty="0"/>
               <a:t> in [1,2,3]:</a:t>
             </a:r>
-            <a:endParaRPr lang="en-US" dirty="0"/>
           </a:p>
           <a:p>
             <a:pPr marL="0" indent="0">
@@ -9823,7 +9742,6 @@
               <a:rPr lang="en-US" dirty="0"/>
               <a:t>)</a:t>
             </a:r>
-            <a:endParaRPr lang="en-US" dirty="0"/>
           </a:p>
         </p:txBody>
       </p:sp>
@@ -9871,7 +9789,6 @@
               <a:rPr lang="en-US" dirty="0"/>
               <a:t>Goals</a:t>
             </a:r>
-            <a:endParaRPr lang="en-US" dirty="0"/>
           </a:p>
         </p:txBody>
       </p:sp>
@@ -9896,21 +9813,18 @@
               <a:rPr lang="en-US" sz="3600" dirty="0"/>
               <a:t>Learn to “learn to code”</a:t>
             </a:r>
-            <a:endParaRPr lang="en-US" sz="3600" dirty="0"/>
           </a:p>
           <a:p>
             <a:r>
               <a:rPr lang="en-US" sz="3600" dirty="0"/>
               <a:t>Familiarize with coding environments</a:t>
             </a:r>
-            <a:endParaRPr lang="en-US" sz="3600" dirty="0"/>
           </a:p>
           <a:p>
             <a:r>
               <a:rPr lang="en-US" sz="3600" dirty="0"/>
               <a:t>Disclaimer</a:t>
             </a:r>
-            <a:endParaRPr lang="en-US" sz="3600" dirty="0"/>
           </a:p>
           <a:p>
             <a:pPr lvl="1"/>
@@ -9918,7 +9832,6 @@
               <a:rPr lang="en-US" sz="3200" dirty="0"/>
               <a:t>In case your professor tell you otherwise, trust him more!</a:t>
             </a:r>
-            <a:endParaRPr lang="en-US" sz="3200" dirty="0"/>
           </a:p>
           <a:p>
             <a:pPr lvl="1"/>
@@ -9974,7 +9887,6 @@
               <a:rPr lang="en-US" dirty="0"/>
               <a:t>Control Flow: while</a:t>
             </a:r>
-            <a:endParaRPr lang="en-US" dirty="0"/>
           </a:p>
         </p:txBody>
       </p:sp>
@@ -10002,7 +9914,6 @@
               <a:rPr lang="en-US" dirty="0"/>
               <a:t>&lt;iterator initialization&gt; </a:t>
             </a:r>
-            <a:endParaRPr lang="en-US" dirty="0"/>
           </a:p>
           <a:p>
             <a:pPr marL="0" indent="0">
@@ -10012,7 +9923,6 @@
               <a:rPr lang="en-US" dirty="0"/>
               <a:t>while &lt;iterator condition&gt;:</a:t>
             </a:r>
-            <a:endParaRPr lang="en-US" dirty="0"/>
           </a:p>
           <a:p>
             <a:pPr marL="0" indent="0">
@@ -10022,7 +9932,6 @@
               <a:rPr lang="en-US" dirty="0"/>
               <a:t>	&lt;statement&gt;</a:t>
             </a:r>
-            <a:endParaRPr lang="en-US" dirty="0"/>
           </a:p>
           <a:p>
             <a:pPr marL="0" indent="0">
@@ -10032,7 +9941,6 @@
               <a:rPr lang="en-US" dirty="0"/>
               <a:t>	&lt;iterator condition update&gt;</a:t>
             </a:r>
-            <a:endParaRPr lang="en-US" dirty="0"/>
           </a:p>
           <a:p>
             <a:pPr marL="0" indent="0">
@@ -10052,7 +9960,6 @@
               <a:rPr lang="en-US" dirty="0"/>
               <a:t>=5</a:t>
             </a:r>
-            <a:endParaRPr lang="en-US" dirty="0"/>
           </a:p>
           <a:p>
             <a:pPr marL="0" indent="0">
@@ -10070,7 +9977,6 @@
               <a:rPr lang="en-US" dirty="0"/>
               <a:t> &lt; 10:</a:t>
             </a:r>
-            <a:endParaRPr lang="en-US" dirty="0"/>
           </a:p>
           <a:p>
             <a:pPr marL="0" indent="0">
@@ -10088,7 +9994,6 @@
               <a:rPr lang="en-US" dirty="0"/>
               <a:t>)</a:t>
             </a:r>
-            <a:endParaRPr lang="en-US" dirty="0"/>
           </a:p>
           <a:p>
             <a:pPr marL="0" indent="0">
@@ -10114,7 +10019,6 @@
               <a:rPr lang="en-US" dirty="0"/>
               <a:t> + 2 </a:t>
             </a:r>
-            <a:endParaRPr lang="en-US" dirty="0"/>
           </a:p>
           <a:p>
             <a:pPr marL="0" indent="0">
@@ -10168,7 +10072,6 @@
               <a:rPr lang="en-US" dirty="0"/>
               <a:t>User Defined Functions</a:t>
             </a:r>
-            <a:endParaRPr lang="en-US" dirty="0"/>
           </a:p>
         </p:txBody>
       </p:sp>
@@ -10191,14 +10094,12 @@
               <a:rPr lang="en-US" dirty="0"/>
               <a:t>Building blocks for procedural / functional programing</a:t>
             </a:r>
-            <a:endParaRPr lang="en-US" dirty="0"/>
           </a:p>
           <a:p>
             <a:r>
               <a:rPr lang="en-US" dirty="0"/>
               <a:t>Written to conduct similar tasks, given changed inputs</a:t>
             </a:r>
-            <a:endParaRPr lang="en-US" dirty="0"/>
           </a:p>
           <a:p>
             <a:pPr marL="0" indent="0">
@@ -10216,7 +10117,6 @@
               <a:rPr lang="en-US" dirty="0"/>
               <a:t>(vars):</a:t>
             </a:r>
-            <a:endParaRPr lang="en-US" dirty="0"/>
           </a:p>
           <a:p>
             <a:pPr marL="0" indent="0">
@@ -10226,7 +10126,6 @@
               <a:rPr lang="en-US" dirty="0"/>
               <a:t>	&lt;statements relating to variables&gt;</a:t>
             </a:r>
-            <a:endParaRPr lang="en-US" dirty="0"/>
           </a:p>
           <a:p>
             <a:pPr marL="0" indent="0">
@@ -10236,7 +10135,6 @@
               <a:rPr lang="en-US" dirty="0"/>
               <a:t>	return &lt;output&gt;</a:t>
             </a:r>
-            <a:endParaRPr lang="en-US" dirty="0"/>
           </a:p>
           <a:p>
             <a:pPr marL="0" indent="0">
@@ -10260,7 +10158,6 @@
               <a:rPr lang="en-US" dirty="0"/>
               <a:t>):</a:t>
             </a:r>
-            <a:endParaRPr lang="en-US" dirty="0"/>
           </a:p>
           <a:p>
             <a:pPr marL="0" indent="0">
@@ -10270,7 +10167,6 @@
               <a:rPr lang="en-US" dirty="0"/>
               <a:t>	return a + b</a:t>
             </a:r>
-            <a:endParaRPr lang="en-US" dirty="0"/>
           </a:p>
           <a:p>
             <a:endParaRPr lang="en-US" dirty="0"/>
@@ -10321,7 +10217,6 @@
               <a:rPr lang="en-US" dirty="0"/>
               <a:t>Demo 2: basic ML pipeline</a:t>
             </a:r>
-            <a:endParaRPr lang="en-US" dirty="0"/>
           </a:p>
         </p:txBody>
       </p:sp>
@@ -10343,6 +10238,16 @@
             <a:pPr marL="0" indent="0">
               <a:buNone/>
             </a:pPr>
+            <a:r>
+              <a:rPr lang="en-US" dirty="0"/>
+              <a:t>- Get the data </a:t>
+            </a:r>
+            <a:r>
+              <a:rPr lang="en-US" dirty="0">
+                <a:hlinkClick r:id="rId2"/>
+              </a:rPr>
+              <a:t>here</a:t>
+            </a:r>
             <a:endParaRPr lang="en-US" dirty="0"/>
           </a:p>
         </p:txBody>
@@ -10391,7 +10296,6 @@
               <a:rPr lang="en-US" dirty="0"/>
               <a:t>Coding Style</a:t>
             </a:r>
-            <a:endParaRPr lang="en-US" dirty="0"/>
           </a:p>
         </p:txBody>
       </p:sp>
@@ -10416,35 +10320,30 @@
               <a:rPr lang="en-US" dirty="0"/>
               <a:t>Prefer most straightforward code easy to understand</a:t>
             </a:r>
-            <a:endParaRPr lang="en-US" dirty="0"/>
           </a:p>
           <a:p>
             <a:r>
               <a:rPr lang="en-US" dirty="0"/>
               <a:t>One statement per line</a:t>
             </a:r>
-            <a:endParaRPr lang="en-US" dirty="0"/>
           </a:p>
           <a:p>
             <a:r>
               <a:rPr lang="en-US" dirty="0"/>
               <a:t>Maximum 79 characters per line</a:t>
             </a:r>
-            <a:endParaRPr lang="en-US" dirty="0"/>
           </a:p>
           <a:p>
             <a:r>
               <a:rPr lang="en-US" dirty="0"/>
               <a:t>Import packages at the beginning</a:t>
             </a:r>
-            <a:endParaRPr lang="en-US" dirty="0"/>
           </a:p>
           <a:p>
             <a:r>
               <a:rPr lang="en-US" dirty="0"/>
               <a:t>Use NOTES / TODOs in comments</a:t>
             </a:r>
-            <a:endParaRPr lang="en-US" dirty="0"/>
           </a:p>
           <a:p>
             <a:pPr marL="0" indent="0">
@@ -10498,7 +10397,6 @@
               <a:rPr lang="en-US" dirty="0"/>
               <a:t>Coding Style: naming conventions</a:t>
             </a:r>
-            <a:endParaRPr lang="en-US" dirty="0"/>
           </a:p>
         </p:txBody>
       </p:sp>
@@ -10523,14 +10421,12 @@
               <a:rPr lang="en-US" dirty="0"/>
               <a:t>Python is case sensitive</a:t>
             </a:r>
-            <a:endParaRPr lang="en-US" dirty="0"/>
           </a:p>
           <a:p>
             <a:r>
               <a:rPr lang="en-US" dirty="0"/>
               <a:t>Meaningful names, easier to remember / reference</a:t>
             </a:r>
-            <a:endParaRPr lang="en-US" dirty="0"/>
           </a:p>
           <a:p>
             <a:pPr lvl="1"/>
@@ -10542,7 +10438,6 @@
               <a:rPr lang="en-US" dirty="0"/>
               <a:t> better than m</a:t>
             </a:r>
-            <a:endParaRPr lang="en-US" dirty="0"/>
           </a:p>
           <a:p>
             <a:r>
@@ -10557,7 +10452,6 @@
               <a:rPr lang="en-US" dirty="0"/>
               <a:t>modules, packages, methods, functions</a:t>
             </a:r>
-            <a:endParaRPr lang="en-US" dirty="0"/>
           </a:p>
           <a:p>
             <a:r>
@@ -10572,14 +10466,12 @@
               <a:rPr lang="en-US" dirty="0"/>
               <a:t>exceptions, classes</a:t>
             </a:r>
-            <a:endParaRPr lang="en-US" dirty="0"/>
           </a:p>
           <a:p>
             <a:r>
               <a:rPr lang="en-US" dirty="0"/>
               <a:t>GOD_THIS_IS_SERIOUS</a:t>
             </a:r>
-            <a:endParaRPr lang="en-US" dirty="0"/>
           </a:p>
           <a:p>
             <a:pPr lvl="1"/>
@@ -10587,7 +10479,6 @@
               <a:rPr lang="en-US" dirty="0"/>
               <a:t>global constants</a:t>
             </a:r>
-            <a:endParaRPr lang="en-US" dirty="0"/>
           </a:p>
         </p:txBody>
       </p:sp>
@@ -10664,7 +10555,6 @@
               <a:rPr lang="en-US" dirty="0"/>
               <a:t>Use 4 spaces for indentation</a:t>
             </a:r>
-            <a:endParaRPr lang="en-US" dirty="0"/>
           </a:p>
           <a:p>
             <a:r>
@@ -10679,21 +10569,18 @@
               <a:rPr lang="en-US" dirty="0"/>
               <a:t> between structures</a:t>
             </a:r>
-            <a:endParaRPr lang="en-US" dirty="0"/>
           </a:p>
           <a:p>
             <a:r>
               <a:rPr lang="en-US" dirty="0"/>
               <a:t>Normal spacing for arithmetic equations</a:t>
             </a:r>
-            <a:endParaRPr lang="en-US" dirty="0"/>
           </a:p>
           <a:p>
             <a:r>
               <a:rPr lang="en-US" dirty="0"/>
               <a:t>Tight spacing for parameters</a:t>
             </a:r>
-            <a:endParaRPr lang="en-US" dirty="0"/>
           </a:p>
           <a:p>
             <a:endParaRPr lang="en-US" dirty="0"/>
@@ -10815,7 +10702,6 @@
               <a:rPr lang="en-US" dirty="0"/>
               <a:t>Coding Style: comments</a:t>
             </a:r>
-            <a:endParaRPr lang="en-US" dirty="0"/>
           </a:p>
         </p:txBody>
       </p:sp>
@@ -10840,7 +10726,6 @@
               <a:rPr lang="en-US" dirty="0"/>
               <a:t>Use 4 spaces for indentation</a:t>
             </a:r>
-            <a:endParaRPr lang="en-US" dirty="0"/>
           </a:p>
           <a:p>
             <a:r>
@@ -10855,14 +10740,12 @@
               <a:rPr lang="en-US" dirty="0"/>
               <a:t> between structures</a:t>
             </a:r>
-            <a:endParaRPr lang="en-US" dirty="0"/>
           </a:p>
           <a:p>
             <a:r>
               <a:rPr lang="en-US" dirty="0"/>
               <a:t>Normal spacing between arithmetic equations</a:t>
             </a:r>
-            <a:endParaRPr lang="en-US" dirty="0"/>
           </a:p>
           <a:p>
             <a:endParaRPr lang="en-US" dirty="0"/>
@@ -10913,7 +10796,6 @@
               <a:rPr lang="en-US" dirty="0"/>
               <a:t>Third Q: how to organize</a:t>
             </a:r>
-            <a:endParaRPr lang="en-US" dirty="0"/>
           </a:p>
         </p:txBody>
       </p:sp>
@@ -10938,7 +10820,6 @@
               <a:rPr lang="en-CA" dirty="0"/>
               <a:t>Rational</a:t>
             </a:r>
-            <a:endParaRPr lang="en-CA" dirty="0"/>
           </a:p>
           <a:p>
             <a:pPr lvl="1"/>
@@ -10946,7 +10827,6 @@
               <a:rPr lang="en-CA" dirty="0"/>
               <a:t>Reuse script</a:t>
             </a:r>
-            <a:endParaRPr lang="en-CA" dirty="0"/>
           </a:p>
           <a:p>
             <a:pPr lvl="1"/>
@@ -10974,14 +10854,12 @@
               <a:rPr lang="en-CA" dirty="0"/>
               <a:t>Enable collaboration</a:t>
             </a:r>
-            <a:endParaRPr lang="en-CA" dirty="0"/>
           </a:p>
           <a:p>
             <a:r>
               <a:rPr lang="en-CA" dirty="0"/>
               <a:t>See demo</a:t>
             </a:r>
-            <a:endParaRPr lang="en-CA" dirty="0"/>
           </a:p>
           <a:p>
             <a:r>
@@ -10990,7 +10868,7 @@
             </a:r>
             <a:r>
               <a:rPr lang="en-CA" dirty="0">
-                <a:hlinkClick r:id="rId1"/>
+                <a:hlinkClick r:id="rId2"/>
               </a:rPr>
               <a:t>here</a:t>
             </a:r>
@@ -11042,7 +10920,6 @@
               <a:rPr lang="en-US" dirty="0"/>
               <a:t>Fourth Q: where to get help</a:t>
             </a:r>
-            <a:endParaRPr lang="en-US" dirty="0"/>
           </a:p>
         </p:txBody>
       </p:sp>
@@ -11065,7 +10942,6 @@
               <a:rPr lang="en-US" dirty="0"/>
               <a:t>Google to get the right keyword</a:t>
             </a:r>
-            <a:endParaRPr lang="en-US" dirty="0"/>
           </a:p>
           <a:p>
             <a:r>
@@ -11080,7 +10956,6 @@
               <a:rPr lang="en-US" dirty="0"/>
               <a:t> repo</a:t>
             </a:r>
-            <a:endParaRPr lang="en-US" dirty="0"/>
           </a:p>
           <a:p>
             <a:r>
@@ -11094,35 +10969,30 @@
               <a:rPr lang="en-US" dirty="0"/>
               <a:t>Medium</a:t>
             </a:r>
-            <a:endParaRPr lang="en-US" dirty="0"/>
           </a:p>
           <a:p>
             <a:r>
               <a:rPr lang="en-US" dirty="0"/>
               <a:t>Kaggle</a:t>
             </a:r>
-            <a:endParaRPr lang="en-US" dirty="0"/>
           </a:p>
           <a:p>
             <a:r>
               <a:rPr lang="en-US" dirty="0"/>
               <a:t>Paper(s)</a:t>
             </a:r>
-            <a:endParaRPr lang="en-US" dirty="0"/>
           </a:p>
           <a:p>
             <a:r>
               <a:rPr lang="en-US" dirty="0"/>
               <a:t>…</a:t>
             </a:r>
-            <a:endParaRPr lang="en-US" dirty="0"/>
           </a:p>
           <a:p>
             <a:r>
               <a:rPr lang="en-US" dirty="0"/>
               <a:t>Human beings</a:t>
             </a:r>
-            <a:endParaRPr lang="en-US" dirty="0"/>
           </a:p>
           <a:p>
             <a:endParaRPr lang="en-US" dirty="0"/>
@@ -11173,7 +11043,6 @@
               <a:rPr lang="en-US" dirty="0"/>
               <a:t>Goals</a:t>
             </a:r>
-            <a:endParaRPr lang="en-US" dirty="0"/>
           </a:p>
         </p:txBody>
       </p:sp>
@@ -11201,7 +11070,7 @@
             </a:r>
             <a:r>
               <a:rPr lang="en-US" sz="2800" dirty="0">
-                <a:hlinkClick r:id="rId1"/>
+                <a:hlinkClick r:id="rId3"/>
               </a:rPr>
               <a:t>map</a:t>
             </a:r>
@@ -11209,7 +11078,6 @@
               <a:rPr lang="en-US" sz="2800" dirty="0"/>
               <a:t>. Dig deeper yourself when relevant / interested</a:t>
             </a:r>
-            <a:endParaRPr lang="en-US" sz="2800" dirty="0"/>
           </a:p>
           <a:p>
             <a:pPr lvl="1"/>
@@ -11217,7 +11085,6 @@
               <a:rPr lang="en-US" sz="2800" dirty="0"/>
               <a:t>Try to cover questions that you should ask learning a language</a:t>
             </a:r>
-            <a:endParaRPr lang="en-US" sz="2800" dirty="0"/>
           </a:p>
           <a:p>
             <a:pPr lvl="1"/>
@@ -11225,7 +11092,6 @@
               <a:rPr lang="en-US" sz="2800" dirty="0"/>
               <a:t>Try to re-direct to other’s materials instead of creating my own</a:t>
             </a:r>
-            <a:endParaRPr lang="en-US" sz="2800" dirty="0"/>
           </a:p>
           <a:p>
             <a:pPr lvl="1"/>
@@ -11233,7 +11099,6 @@
               <a:rPr lang="en-US" sz="2800" dirty="0"/>
               <a:t>Try not to cover too much on coding specifics, but will use python for demo</a:t>
             </a:r>
-            <a:endParaRPr lang="en-US" sz="2800" dirty="0"/>
           </a:p>
           <a:p>
             <a:pPr lvl="1"/>
@@ -11241,7 +11106,6 @@
               <a:rPr lang="en-US" sz="2800" dirty="0"/>
               <a:t>Some principles might be universal</a:t>
             </a:r>
-            <a:endParaRPr lang="en-US" sz="2800" dirty="0"/>
           </a:p>
         </p:txBody>
       </p:sp>
@@ -11289,7 +11153,6 @@
               <a:rPr lang="en-US" dirty="0"/>
               <a:t>Before we part…</a:t>
             </a:r>
-            <a:endParaRPr lang="en-US" dirty="0"/>
           </a:p>
         </p:txBody>
       </p:sp>
@@ -11310,7 +11173,7 @@
           <a:p>
             <a:r>
               <a:rPr lang="en-US" sz="3200" dirty="0">
-                <a:hlinkClick r:id="rId1"/>
+                <a:hlinkClick r:id="rId2"/>
               </a:rPr>
               <a:t>If CS textbook authors were to write arithmetic books</a:t>
             </a:r>
@@ -11321,14 +11184,12 @@
               <a:rPr lang="en-US" sz="3200" dirty="0"/>
               <a:t>consider giving similar speech after graduation</a:t>
             </a:r>
-            <a:endParaRPr lang="en-US" sz="3200" dirty="0"/>
           </a:p>
           <a:p>
             <a:r>
               <a:rPr lang="en-US" sz="3200" dirty="0"/>
               <a:t>Check the links on the slides (and maybe around them)</a:t>
             </a:r>
-            <a:endParaRPr lang="en-US" sz="3200" dirty="0"/>
           </a:p>
         </p:txBody>
       </p:sp>
@@ -11359,7 +11220,13 @@
       </p:grpSpPr>
       <p:sp>
         <p:nvSpPr>
-          <p:cNvPr id="2" name="Title 1"/>
+          <p:cNvPr id="2" name="Title 1">
+            <a:extLst>
+              <a:ext uri="{FF2B5EF4-FFF2-40B4-BE49-F238E27FC236}">
+                <a16:creationId xmlns:a16="http://schemas.microsoft.com/office/drawing/2014/main" id="{F0102582-6F6E-4D87-B91D-B83CE6DA1AD4}"/>
+              </a:ext>
+            </a:extLst>
+          </p:cNvPr>
           <p:cNvSpPr>
             <a:spLocks noGrp="1"/>
           </p:cNvSpPr>
@@ -11374,53 +11241,48 @@
           <a:p>
             <a:r>
               <a:rPr lang="en-US" dirty="0"/>
-              <a:t>Congratulations!</a:t>
+              <a:t>Evaluation Survey</a:t>
+            </a:r>
+          </a:p>
+        </p:txBody>
+      </p:sp>
+      <p:sp>
+        <p:nvSpPr>
+          <p:cNvPr id="3" name="Content Placeholder 2">
+            <a:extLst>
+              <a:ext uri="{FF2B5EF4-FFF2-40B4-BE49-F238E27FC236}">
+                <a16:creationId xmlns:a16="http://schemas.microsoft.com/office/drawing/2014/main" id="{9EB1E2EE-73B2-431C-8655-F8F5B17278ED}"/>
+              </a:ext>
+            </a:extLst>
+          </p:cNvPr>
+          <p:cNvSpPr>
+            <a:spLocks noGrp="1"/>
+          </p:cNvSpPr>
+          <p:nvPr>
+            <p:ph idx="1"/>
+          </p:nvPr>
+        </p:nvSpPr>
+        <p:spPr/>
+        <p:txBody>
+          <a:bodyPr/>
+          <a:lstStyle/>
+          <a:p>
+            <a:r>
+              <a:rPr lang="en-US" dirty="0">
+                <a:hlinkClick r:id="rId2"/>
+              </a:rPr>
+              <a:t>https://www.surveymonkey.com/r/P6LFCWX</a:t>
             </a:r>
             <a:endParaRPr lang="en-US" dirty="0"/>
           </a:p>
         </p:txBody>
       </p:sp>
-      <p:sp>
-        <p:nvSpPr>
-          <p:cNvPr id="3" name="Content Placeholder 2"/>
-          <p:cNvSpPr>
-            <a:spLocks noGrp="1"/>
-          </p:cNvSpPr>
-          <p:nvPr>
-            <p:ph idx="1"/>
-          </p:nvPr>
-        </p:nvSpPr>
-        <p:spPr/>
-        <p:txBody>
-          <a:bodyPr/>
-          <a:lstStyle/>
-          <a:p>
-            <a:r>
-              <a:rPr lang="en-US" dirty="0"/>
-              <a:t>Smart decision to advance study when economy is down</a:t>
-            </a:r>
-            <a:endParaRPr lang="en-US" dirty="0"/>
-          </a:p>
-          <a:p>
-            <a:r>
-              <a:rPr lang="en-US" dirty="0"/>
-              <a:t>AI / data analysis is interesting in itself</a:t>
-            </a:r>
-            <a:endParaRPr lang="en-US" dirty="0"/>
-          </a:p>
-          <a:p>
-            <a:r>
-              <a:rPr lang="en-US" dirty="0"/>
-              <a:t>Start of semester, or even change of environment</a:t>
-            </a:r>
-            <a:endParaRPr lang="en-US" dirty="0"/>
-          </a:p>
-          <a:p>
-            <a:endParaRPr lang="en-US" dirty="0"/>
-          </a:p>
-        </p:txBody>
-      </p:sp>
     </p:spTree>
+    <p:extLst>
+      <p:ext uri="{BB962C8B-B14F-4D97-AF65-F5344CB8AC3E}">
+        <p14:creationId xmlns:p14="http://schemas.microsoft.com/office/powerpoint/2010/main" val="3744422248"/>
+      </p:ext>
+    </p:extLst>
   </p:cSld>
   <p:clrMapOvr>
     <a:masterClrMapping/>
@@ -11437,7 +11299,14 @@
         <p:cNvGrpSpPr/>
         <p:nvPr/>
       </p:nvGrpSpPr>
-      <p:grpSpPr/>
+      <p:grpSpPr>
+        <a:xfrm>
+          <a:off x="0" y="0"/>
+          <a:ext cx="0" cy="0"/>
+          <a:chOff x="0" y="0"/>
+          <a:chExt cx="0" cy="0"/>
+        </a:xfrm>
+      </p:grpSpPr>
       <p:sp>
         <p:nvSpPr>
           <p:cNvPr id="2" name="Title 1"/>
@@ -11451,12 +11320,102 @@
         <p:spPr/>
         <p:txBody>
           <a:bodyPr/>
+          <a:lstStyle/>
+          <a:p>
+            <a:r>
+              <a:rPr lang="en-US" dirty="0"/>
+              <a:t>Congratulations!</a:t>
+            </a:r>
+          </a:p>
+        </p:txBody>
+      </p:sp>
+      <p:sp>
+        <p:nvSpPr>
+          <p:cNvPr id="3" name="Content Placeholder 2"/>
+          <p:cNvSpPr>
+            <a:spLocks noGrp="1"/>
+          </p:cNvSpPr>
+          <p:nvPr>
+            <p:ph idx="1"/>
+          </p:nvPr>
+        </p:nvSpPr>
+        <p:spPr/>
+        <p:txBody>
+          <a:bodyPr/>
+          <a:lstStyle/>
+          <a:p>
+            <a:r>
+              <a:rPr lang="en-US" dirty="0"/>
+              <a:t>Smart decision to advance study when economy is down</a:t>
+            </a:r>
+          </a:p>
+          <a:p>
+            <a:r>
+              <a:rPr lang="en-US" dirty="0"/>
+              <a:t>AI / data analysis is interesting in itself</a:t>
+            </a:r>
+          </a:p>
+          <a:p>
+            <a:r>
+              <a:rPr lang="en-US" dirty="0"/>
+              <a:t>Start of semester, or even change of environment</a:t>
+            </a:r>
+          </a:p>
+          <a:p>
+            <a:r>
+              <a:rPr lang="en-US" dirty="0"/>
+              <a:t>For some of you, safe trip to Canada</a:t>
+            </a:r>
+          </a:p>
+          <a:p>
+            <a:endParaRPr lang="en-US" dirty="0"/>
+          </a:p>
+        </p:txBody>
+      </p:sp>
+    </p:spTree>
+  </p:cSld>
+  <p:clrMapOvr>
+    <a:masterClrMapping/>
+  </p:clrMapOvr>
+</p:sld>
+</file>
+
+<file path=ppt/slides/slide33.xml><?xml version="1.0" encoding="utf-8"?>
+<p:sld xmlns:a="http://schemas.openxmlformats.org/drawingml/2006/main" xmlns:r="http://schemas.openxmlformats.org/officeDocument/2006/relationships" xmlns:p="http://schemas.openxmlformats.org/presentationml/2006/main">
+  <p:cSld>
+    <p:spTree>
+      <p:nvGrpSpPr>
+        <p:cNvPr id="1" name=""/>
+        <p:cNvGrpSpPr/>
+        <p:nvPr/>
+      </p:nvGrpSpPr>
+      <p:grpSpPr>
+        <a:xfrm>
+          <a:off x="0" y="0"/>
+          <a:ext cx="0" cy="0"/>
+          <a:chOff x="0" y="0"/>
+          <a:chExt cx="0" cy="0"/>
+        </a:xfrm>
+      </p:grpSpPr>
+      <p:sp>
+        <p:nvSpPr>
+          <p:cNvPr id="2" name="Title 1"/>
+          <p:cNvSpPr>
+            <a:spLocks noGrp="1"/>
+          </p:cNvSpPr>
+          <p:nvPr>
+            <p:ph type="title"/>
+          </p:nvPr>
+        </p:nvSpPr>
+        <p:spPr/>
+        <p:txBody>
+          <a:bodyPr/>
+          <a:lstStyle/>
           <a:p>
             <a:r>
               <a:rPr lang="en-US"/>
               <a:t>References</a:t>
             </a:r>
-            <a:endParaRPr lang="en-US"/>
           </a:p>
         </p:txBody>
       </p:sp>
@@ -11473,42 +11432,38 @@
         <p:spPr/>
         <p:txBody>
           <a:bodyPr>
-            <a:normAutofit fontScale="50000"/>
+            <a:normAutofit fontScale="65000" lnSpcReduction="10000"/>
           </a:bodyPr>
+          <a:lstStyle/>
           <a:p>
             <a:r>
               <a:rPr lang="en-US"/>
               <a:t>[A 1482 world map illustrated by Donnus Nicholas Germany’s, constructed using Ptolemy’s system]. (1482). https://en.wikipedia.org/wiki/Cartography#/media/File:Claudius_Ptolemy-_The_World.jpg</a:t>
             </a:r>
-            <a:endParaRPr lang="en-US"/>
           </a:p>
           <a:p>
             <a:r>
               <a:rPr lang="en-US"/>
               <a:t>Sculley, D. S., Holt, G. H., Golovin, D. G., Davydov, E. D., Phillips, T. P., Ebner, D. E., Chaudhary, V. C., Young, M. Y., Crespo, J. C., &amp; Dennison, D. D. (2015). Hidden technical debt in machine learning systems. Advances in Neural Information Processing Systems, 2503–2511. http://papers.nips.cc/paper/5656-hidden-technical-debt-in-machine-learning-systems</a:t>
             </a:r>
-            <a:endParaRPr lang="en-US"/>
           </a:p>
           <a:p>
             <a:r>
               <a:rPr lang="en-US"/>
               <a:t>Wikipedia contributors. (2020, September 17). Scripting language. Wikipedia. https://en.wikipedia.org/wiki/Scripting_language</a:t>
             </a:r>
-            <a:endParaRPr lang="en-US"/>
           </a:p>
           <a:p>
             <a:r>
               <a:rPr lang="en-US"/>
               <a:t>PEP 8 -- Style Guide for Python Code. (2001). Python.Org. https://www.python.org/dev/peps/pep-0008/</a:t>
             </a:r>
-            <a:endParaRPr lang="en-US"/>
           </a:p>
           <a:p>
             <a:r>
               <a:rPr lang="en-US"/>
               <a:t>Google Python Style Guide. (n.d.). Google Style Guides. https://google.github.io/styleguide/pyguide.html#316-naming</a:t>
             </a:r>
-            <a:endParaRPr lang="en-US"/>
           </a:p>
           <a:p>
             <a:r>
@@ -11524,14 +11479,12 @@
               <a:rPr lang="en-US"/>
               <a:t>Structuring Your Project — The Hitchhiker’s Guide to Python. (2011). Hitchhiker’s Guide to Python. https://docs.python-guide.org/writing/structure/</a:t>
             </a:r>
-            <a:endParaRPr lang="en-US"/>
           </a:p>
           <a:p>
             <a:r>
               <a:rPr lang="en-US"/>
               <a:t>Arithmetic for Beginners. (n.d.). Abstruse Goose. https://abstrusegoose.com/474</a:t>
             </a:r>
-            <a:endParaRPr lang="en-US"/>
           </a:p>
           <a:p>
             <a:endParaRPr lang="en-US"/>
@@ -11582,7 +11535,6 @@
               <a:rPr lang="en-US" dirty="0"/>
               <a:t>My coding journey </a:t>
             </a:r>
-            <a:endParaRPr lang="en-US" dirty="0"/>
           </a:p>
         </p:txBody>
       </p:sp>
@@ -11602,7 +11554,7 @@
         </p:xfrm>
         <a:graphic>
           <a:graphicData uri="http://schemas.openxmlformats.org/drawingml/2006/diagram">
-            <dgm:relIds xmlns:dgm="http://schemas.openxmlformats.org/drawingml/2006/diagram" xmlns:r="http://schemas.openxmlformats.org/officeDocument/2006/relationships" r:dm="rId1" r:lo="rId2" r:qs="rId3" r:cs="rId4"/>
+            <dgm:relIds xmlns:dgm="http://schemas.openxmlformats.org/drawingml/2006/diagram" xmlns:r="http://schemas.openxmlformats.org/officeDocument/2006/relationships" r:dm="rId3" r:lo="rId4" r:qs="rId5" r:cs="rId6"/>
           </a:graphicData>
         </a:graphic>
       </p:graphicFrame>
@@ -11623,7 +11575,14 @@
         <p:cNvGrpSpPr/>
         <p:nvPr/>
       </p:nvGrpSpPr>
-      <p:grpSpPr/>
+      <p:grpSpPr>
+        <a:xfrm>
+          <a:off x="0" y="0"/>
+          <a:ext cx="0" cy="0"/>
+          <a:chOff x="0" y="0"/>
+          <a:chExt cx="0" cy="0"/>
+        </a:xfrm>
+      </p:grpSpPr>
       <p:sp>
         <p:nvSpPr>
           <p:cNvPr id="2" name="标题 1"/>
@@ -11637,12 +11596,12 @@
         <p:spPr/>
         <p:txBody>
           <a:bodyPr/>
-          <a:p>
-            <a:r>
-              <a:rPr lang="en-US" altLang="zh-CN"/>
-              <a:t>Survey Results</a:t>
-            </a:r>
-            <a:endParaRPr lang="en-US" altLang="zh-CN"/>
+          <a:lstStyle/>
+          <a:p>
+            <a:r>
+              <a:rPr lang="en-US" altLang="zh-CN" dirty="0"/>
+              <a:t>Preparations</a:t>
+            </a:r>
           </a:p>
         </p:txBody>
       </p:sp>
@@ -11659,14 +11618,32 @@
         <p:spPr/>
         <p:txBody>
           <a:bodyPr/>
-          <a:p>
-            <a:r>
-              <a:rPr lang="en-US" altLang="zh-CN">
-                <a:hlinkClick r:id="rId1" tooltip="" action="ppaction://hlinkfile"/>
+          <a:lstStyle/>
+          <a:p>
+            <a:r>
+              <a:rPr lang="en-US" altLang="zh-CN" dirty="0"/>
+              <a:t>Survey results </a:t>
+            </a:r>
+            <a:r>
+              <a:rPr lang="en-US" altLang="zh-CN" dirty="0">
+                <a:hlinkClick r:id="rId2"/>
               </a:rPr>
-              <a:t>Here</a:t>
-            </a:r>
-            <a:endParaRPr lang="en-US" altLang="zh-CN"/>
+              <a:t>here</a:t>
+            </a:r>
+            <a:endParaRPr lang="en-US" altLang="zh-CN" dirty="0"/>
+          </a:p>
+          <a:p>
+            <a:r>
+              <a:rPr lang="en-US" altLang="zh-CN" dirty="0"/>
+              <a:t>Download material </a:t>
+            </a:r>
+            <a:r>
+              <a:rPr lang="en-US" altLang="zh-CN" dirty="0">
+                <a:hlinkClick r:id="rId3"/>
+              </a:rPr>
+              <a:t>here</a:t>
+            </a:r>
+            <a:endParaRPr lang="en-US" altLang="zh-CN" dirty="0"/>
           </a:p>
         </p:txBody>
       </p:sp>
@@ -11714,7 +11691,6 @@
               <a:rPr lang="en-US" dirty="0"/>
               <a:t>Q: why python (for data science)</a:t>
             </a:r>
-            <a:endParaRPr lang="en-US" dirty="0"/>
           </a:p>
         </p:txBody>
       </p:sp>
@@ -11737,7 +11713,7 @@
           <a:p>
             <a:r>
               <a:rPr lang="en-US" sz="3600" dirty="0">
-                <a:hlinkClick r:id="rId1"/>
+                <a:hlinkClick r:id="rId3"/>
               </a:rPr>
               <a:t>DS needs</a:t>
             </a:r>
@@ -11746,7 +11722,7 @@
           <a:p>
             <a:r>
               <a:rPr lang="en-US" sz="3600" dirty="0">
-                <a:hlinkClick r:id="rId2"/>
+                <a:hlinkClick r:id="rId4"/>
               </a:rPr>
               <a:t>Glue language</a:t>
             </a:r>
@@ -11758,7 +11734,6 @@
               <a:rPr lang="en-US" sz="3200" dirty="0"/>
               <a:t>Easy for prototyping</a:t>
             </a:r>
-            <a:endParaRPr lang="en-US" sz="3200" dirty="0"/>
           </a:p>
           <a:p>
             <a:pPr lvl="1"/>
@@ -11766,7 +11741,6 @@
               <a:rPr lang="en-US" sz="3200" dirty="0"/>
               <a:t>Delivers learning instead of software</a:t>
             </a:r>
-            <a:endParaRPr lang="en-US" sz="3200" dirty="0"/>
           </a:p>
           <a:p>
             <a:pPr lvl="1"/>
@@ -11774,7 +11748,6 @@
               <a:rPr lang="en-US" sz="3200" dirty="0"/>
               <a:t>Has solution for all parts of ML pipeline (python APIs)</a:t>
             </a:r>
-            <a:endParaRPr lang="en-US" sz="3200" dirty="0"/>
           </a:p>
           <a:p>
             <a:pPr marL="0" indent="0">
@@ -11828,7 +11801,6 @@
               <a:rPr lang="en-US" dirty="0"/>
               <a:t>Why python (for data science)</a:t>
             </a:r>
-            <a:endParaRPr lang="en-US" dirty="0"/>
           </a:p>
         </p:txBody>
       </p:sp>
@@ -11853,7 +11825,6 @@
               <a:rPr lang="en-US" dirty="0"/>
               <a:t>Extensive packages and community</a:t>
             </a:r>
-            <a:endParaRPr lang="en-US" dirty="0"/>
           </a:p>
           <a:p>
             <a:pPr lvl="1"/>
@@ -11861,7 +11832,6 @@
               <a:rPr lang="en-US" dirty="0"/>
               <a:t>Don’t need to re-invent the wheel</a:t>
             </a:r>
-            <a:endParaRPr lang="en-US" dirty="0"/>
           </a:p>
           <a:p>
             <a:pPr lvl="1"/>
@@ -11889,14 +11859,12 @@
               <a:rPr lang="en-US" dirty="0"/>
               <a:t> as R’s, especially relating to stats</a:t>
             </a:r>
-            <a:endParaRPr lang="en-US" dirty="0"/>
           </a:p>
           <a:p>
             <a:r>
               <a:rPr lang="en-US" dirty="0"/>
               <a:t>walkaround to run fast</a:t>
             </a:r>
-            <a:endParaRPr lang="en-US" dirty="0"/>
           </a:p>
           <a:p>
             <a:pPr lvl="1"/>
@@ -11912,7 +11880,6 @@
               <a:rPr lang="en-US" dirty="0"/>
               <a:t>)</a:t>
             </a:r>
-            <a:endParaRPr lang="en-US" dirty="0"/>
           </a:p>
           <a:p>
             <a:pPr lvl="1"/>
@@ -11928,7 +11895,6 @@
               <a:rPr lang="en-US" dirty="0"/>
               <a:t>, airflow)</a:t>
             </a:r>
-            <a:endParaRPr lang="en-US" dirty="0"/>
           </a:p>
           <a:p>
             <a:pPr lvl="1"/>
@@ -11952,7 +11918,6 @@
               <a:rPr lang="en-US" dirty="0"/>
               <a:t>, GCP components)</a:t>
             </a:r>
-            <a:endParaRPr lang="en-US" dirty="0"/>
           </a:p>
         </p:txBody>
       </p:sp>
@@ -12000,7 +11965,6 @@
               <a:rPr lang="en-US" dirty="0"/>
               <a:t>Q: what tools to use</a:t>
             </a:r>
-            <a:endParaRPr lang="en-US" dirty="0"/>
           </a:p>
         </p:txBody>
       </p:sp>
@@ -12023,7 +11987,6 @@
               <a:rPr lang="en-US" dirty="0"/>
               <a:t>If you haven’t a preference yet </a:t>
             </a:r>
-            <a:endParaRPr lang="en-US" dirty="0"/>
           </a:p>
           <a:p>
             <a:pPr lvl="1"/>
@@ -12035,7 +11998,6 @@
               <a:rPr lang="en-US" dirty="0"/>
               <a:t> notebook / lab</a:t>
             </a:r>
-            <a:endParaRPr lang="en-US" dirty="0"/>
           </a:p>
           <a:p>
             <a:pPr lvl="1"/>
@@ -12050,7 +12012,6 @@
               <a:rPr lang="en-US" dirty="0"/>
               <a:t>(Worry later) environment and dependency</a:t>
             </a:r>
-            <a:endParaRPr lang="en-US" dirty="0"/>
           </a:p>
           <a:p>
             <a:pPr lvl="1"/>
@@ -12058,7 +12019,6 @@
               <a:rPr lang="en-US" dirty="0"/>
               <a:t>Linux / Unix &gt;&gt; windows</a:t>
             </a:r>
-            <a:endParaRPr lang="en-US" dirty="0"/>
           </a:p>
           <a:p>
             <a:pPr lvl="1"/>
@@ -12066,7 +12026,6 @@
               <a:rPr lang="en-US" dirty="0"/>
               <a:t>WSL</a:t>
             </a:r>
-            <a:endParaRPr lang="en-US" dirty="0"/>
           </a:p>
           <a:p>
             <a:pPr lvl="1"/>
@@ -12074,7 +12033,6 @@
               <a:rPr lang="en-US" dirty="0"/>
               <a:t>docker</a:t>
             </a:r>
-            <a:endParaRPr lang="en-US" dirty="0"/>
           </a:p>
           <a:p>
             <a:endParaRPr lang="en-US" dirty="0"/>
@@ -12133,7 +12091,6 @@
               <a:rPr lang="en-US" dirty="0"/>
               <a:t> interface</a:t>
             </a:r>
-            <a:endParaRPr lang="en-US" dirty="0"/>
           </a:p>
         </p:txBody>
       </p:sp>
@@ -12415,6 +12372,8 @@
       </a:bgFillStyleLst>
     </a:fmtScheme>
   </a:themeElements>
+  <a:objectDefaults/>
+  <a:extraClrSchemeLst/>
   <a:extLst>
     <a:ext uri="{05A4C25C-085E-4340-85A3-A5531E510DB2}">
       <thm15:themeFamily xmlns:thm15="http://schemas.microsoft.com/office/thememl/2012/main" name="Office Theme" id="{62F939B6-93AF-4DB8-9C6B-D6C7DFDC589F}" vid="{4A3C46E8-61CC-4603-A589-7422A47A8E4A}"/>
@@ -12674,6 +12633,8 @@
       </a:bgFillStyleLst>
     </a:fmtScheme>
   </a:themeElements>
+  <a:objectDefaults/>
+  <a:extraClrSchemeLst/>
   <a:extLst>
     <a:ext uri="{05A4C25C-085E-4340-85A3-A5531E510DB2}">
       <thm15:themeFamily xmlns:thm15="http://schemas.microsoft.com/office/thememl/2012/main" name="Office Theme" id="{62F939B6-93AF-4DB8-9C6B-D6C7DFDC589F}" vid="{4A3C46E8-61CC-4603-A589-7422A47A8E4A}"/>

--- a/Intro.pptx
+++ b/Intro.pptx
@@ -4549,7 +4549,7 @@
           <a:p>
             <a:fld id="{6315994C-DD30-4E43-B3D3-FD8225D233B5}" type="datetimeFigureOut">
               <a:rPr lang="en-US" smtClean="0"/>
-              <a:t>10/2/2020</a:t>
+              <a:t>10/3/2020</a:t>
             </a:fld>
             <a:endParaRPr lang="en-US"/>
           </a:p>
@@ -5748,7 +5748,7 @@
           <a:p>
             <a:fld id="{458389C9-C49E-4A2B-B675-A98BD14A26DC}" type="datetimeFigureOut">
               <a:rPr lang="en-US" smtClean="0"/>
-              <a:t>10/2/2020</a:t>
+              <a:t>10/3/2020</a:t>
             </a:fld>
             <a:endParaRPr lang="en-US"/>
           </a:p>
@@ -5911,7 +5911,7 @@
           <a:p>
             <a:fld id="{458389C9-C49E-4A2B-B675-A98BD14A26DC}" type="datetimeFigureOut">
               <a:rPr lang="en-US" smtClean="0"/>
-              <a:t>10/2/2020</a:t>
+              <a:t>10/3/2020</a:t>
             </a:fld>
             <a:endParaRPr lang="en-US"/>
           </a:p>
@@ -6084,7 +6084,7 @@
           <a:p>
             <a:fld id="{458389C9-C49E-4A2B-B675-A98BD14A26DC}" type="datetimeFigureOut">
               <a:rPr lang="en-US" smtClean="0"/>
-              <a:t>10/2/2020</a:t>
+              <a:t>10/3/2020</a:t>
             </a:fld>
             <a:endParaRPr lang="en-US"/>
           </a:p>
@@ -6247,7 +6247,7 @@
           <a:p>
             <a:fld id="{458389C9-C49E-4A2B-B675-A98BD14A26DC}" type="datetimeFigureOut">
               <a:rPr lang="en-US" smtClean="0"/>
-              <a:t>10/2/2020</a:t>
+              <a:t>10/3/2020</a:t>
             </a:fld>
             <a:endParaRPr lang="en-US"/>
           </a:p>
@@ -6487,7 +6487,7 @@
           <a:p>
             <a:fld id="{458389C9-C49E-4A2B-B675-A98BD14A26DC}" type="datetimeFigureOut">
               <a:rPr lang="en-US" smtClean="0"/>
-              <a:t>10/2/2020</a:t>
+              <a:t>10/3/2020</a:t>
             </a:fld>
             <a:endParaRPr lang="en-US"/>
           </a:p>
@@ -6711,7 +6711,7 @@
           <a:p>
             <a:fld id="{458389C9-C49E-4A2B-B675-A98BD14A26DC}" type="datetimeFigureOut">
               <a:rPr lang="en-US" smtClean="0"/>
-              <a:t>10/2/2020</a:t>
+              <a:t>10/3/2020</a:t>
             </a:fld>
             <a:endParaRPr lang="en-US"/>
           </a:p>
@@ -7070,7 +7070,7 @@
           <a:p>
             <a:fld id="{458389C9-C49E-4A2B-B675-A98BD14A26DC}" type="datetimeFigureOut">
               <a:rPr lang="en-US" smtClean="0"/>
-              <a:t>10/2/2020</a:t>
+              <a:t>10/3/2020</a:t>
             </a:fld>
             <a:endParaRPr lang="en-US"/>
           </a:p>
@@ -7182,7 +7182,7 @@
           <a:p>
             <a:fld id="{458389C9-C49E-4A2B-B675-A98BD14A26DC}" type="datetimeFigureOut">
               <a:rPr lang="en-US" smtClean="0"/>
-              <a:t>10/2/2020</a:t>
+              <a:t>10/3/2020</a:t>
             </a:fld>
             <a:endParaRPr lang="en-US"/>
           </a:p>
@@ -7272,7 +7272,7 @@
           <a:p>
             <a:fld id="{458389C9-C49E-4A2B-B675-A98BD14A26DC}" type="datetimeFigureOut">
               <a:rPr lang="en-US" smtClean="0"/>
-              <a:t>10/2/2020</a:t>
+              <a:t>10/3/2020</a:t>
             </a:fld>
             <a:endParaRPr lang="en-US"/>
           </a:p>
@@ -7542,7 +7542,7 @@
           <a:p>
             <a:fld id="{458389C9-C49E-4A2B-B675-A98BD14A26DC}" type="datetimeFigureOut">
               <a:rPr lang="en-US" smtClean="0"/>
-              <a:t>10/2/2020</a:t>
+              <a:t>10/3/2020</a:t>
             </a:fld>
             <a:endParaRPr lang="en-US"/>
           </a:p>
@@ -7789,7 +7789,7 @@
           <a:p>
             <a:fld id="{458389C9-C49E-4A2B-B675-A98BD14A26DC}" type="datetimeFigureOut">
               <a:rPr lang="en-US" smtClean="0"/>
-              <a:t>10/2/2020</a:t>
+              <a:t>10/3/2020</a:t>
             </a:fld>
             <a:endParaRPr lang="en-US"/>
           </a:p>
@@ -7995,7 +7995,7 @@
           <a:p>
             <a:fld id="{458389C9-C49E-4A2B-B675-A98BD14A26DC}" type="datetimeFigureOut">
               <a:rPr lang="en-US" smtClean="0"/>
-              <a:t>10/2/2020</a:t>
+              <a:t>10/3/2020</a:t>
             </a:fld>
             <a:endParaRPr lang="en-US"/>
           </a:p>
@@ -11432,7 +11432,7 @@
         <p:spPr/>
         <p:txBody>
           <a:bodyPr>
-            <a:normAutofit fontScale="65000" lnSpcReduction="10000"/>
+            <a:normAutofit fontScale="65000" lnSpcReduction="20000"/>
           </a:bodyPr>
           <a:lstStyle/>
           <a:p>
@@ -11635,13 +11635,13 @@
           <a:p>
             <a:r>
               <a:rPr lang="en-US" altLang="zh-CN" dirty="0"/>
-              <a:t>Download material </a:t>
+              <a:t>Workshop material </a:t>
             </a:r>
             <a:r>
               <a:rPr lang="en-US" altLang="zh-CN" dirty="0">
                 <a:hlinkClick r:id="rId3"/>
               </a:rPr>
-              <a:t>here</a:t>
+              <a:t>https://github.com/senine/workshop</a:t>
             </a:r>
             <a:endParaRPr lang="en-US" altLang="zh-CN" dirty="0"/>
           </a:p>
